--- a/2019/8月/01-08-19.pptx
+++ b/2019/8月/01-08-19.pptx
@@ -9,26 +9,33 @@
     <p:sldId id="258" r:id="rId3"/>
     <p:sldId id="259" r:id="rId4"/>
     <p:sldId id="260" r:id="rId5"/>
-    <p:sldId id="261" r:id="rId6"/>
-    <p:sldId id="262" r:id="rId7"/>
-    <p:sldId id="263" r:id="rId8"/>
-    <p:sldId id="264" r:id="rId9"/>
-    <p:sldId id="265" r:id="rId10"/>
-    <p:sldId id="266" r:id="rId11"/>
-    <p:sldId id="267" r:id="rId12"/>
-    <p:sldId id="268" r:id="rId13"/>
-    <p:sldId id="269" r:id="rId14"/>
-    <p:sldId id="270" r:id="rId15"/>
-    <p:sldId id="271" r:id="rId16"/>
-    <p:sldId id="272" r:id="rId17"/>
-    <p:sldId id="273" r:id="rId18"/>
-    <p:sldId id="274" r:id="rId19"/>
-    <p:sldId id="275" r:id="rId20"/>
-    <p:sldId id="276" r:id="rId21"/>
-    <p:sldId id="277" r:id="rId22"/>
-    <p:sldId id="278" r:id="rId23"/>
+    <p:sldId id="279" r:id="rId6"/>
+    <p:sldId id="280" r:id="rId7"/>
+    <p:sldId id="281" r:id="rId8"/>
+    <p:sldId id="282" r:id="rId9"/>
+    <p:sldId id="283" r:id="rId10"/>
+    <p:sldId id="284" r:id="rId11"/>
+    <p:sldId id="261" r:id="rId12"/>
+    <p:sldId id="262" r:id="rId13"/>
+    <p:sldId id="292" r:id="rId14"/>
+    <p:sldId id="293" r:id="rId15"/>
+    <p:sldId id="263" r:id="rId16"/>
+    <p:sldId id="264" r:id="rId17"/>
+    <p:sldId id="265" r:id="rId18"/>
+    <p:sldId id="285" r:id="rId19"/>
+    <p:sldId id="286" r:id="rId20"/>
+    <p:sldId id="287" r:id="rId21"/>
+    <p:sldId id="288" r:id="rId22"/>
+    <p:sldId id="289" r:id="rId23"/>
+    <p:sldId id="266" r:id="rId24"/>
+    <p:sldId id="267" r:id="rId25"/>
+    <p:sldId id="268" r:id="rId26"/>
+    <p:sldId id="269" r:id="rId27"/>
+    <p:sldId id="290" r:id="rId28"/>
+    <p:sldId id="291" r:id="rId29"/>
+    <p:sldId id="270" r:id="rId30"/>
   </p:sldIdLst>
-  <p:sldSz cx="9144000" cy="6858000" type="screen4x3"/>
+  <p:sldSz cx="9144000" cy="5143500" type="screen16x9"/>
   <p:notesSz cx="6858000" cy="9144000"/>
   <p:defaultTextStyle>
     <a:defPPr>
@@ -157,8 +164,8 @@
         </p:nvSpPr>
         <p:spPr>
           <a:xfrm>
-            <a:off x="685800" y="2130425"/>
-            <a:ext cx="7772400" cy="1470025"/>
+            <a:off x="685800" y="1597819"/>
+            <a:ext cx="7772400" cy="1102519"/>
           </a:xfrm>
         </p:spPr>
         <p:txBody>
@@ -185,8 +192,8 @@
         </p:nvSpPr>
         <p:spPr>
           <a:xfrm>
-            <a:off x="1371600" y="3886200"/>
-            <a:ext cx="6400800" cy="1752600"/>
+            <a:off x="1371600" y="2914650"/>
+            <a:ext cx="6400800" cy="1314450"/>
           </a:xfrm>
         </p:spPr>
         <p:txBody>
@@ -309,7 +316,8 @@
           <a:p>
             <a:fld id="{6450756F-BA30-4001-BCF9-667D19D74FB1}" type="datetimeFigureOut">
               <a:rPr lang="zh-TW" altLang="en-US" smtClean="0"/>
-              <a:t>2019/7/23</a:t>
+              <a:pPr/>
+              <a:t>2019/7/30</a:t>
             </a:fld>
             <a:endParaRPr lang="zh-TW" altLang="en-US"/>
           </a:p>
@@ -351,6 +359,7 @@
           <a:p>
             <a:fld id="{8CBDFC97-ED49-4F3C-B2B3-55FFDBF02771}" type="slidenum">
               <a:rPr lang="zh-TW" altLang="en-US" smtClean="0"/>
+              <a:pPr/>
               <a:t>‹#›</a:t>
             </a:fld>
             <a:endParaRPr lang="zh-TW" altLang="en-US"/>
@@ -474,7 +483,8 @@
           <a:p>
             <a:fld id="{6450756F-BA30-4001-BCF9-667D19D74FB1}" type="datetimeFigureOut">
               <a:rPr lang="zh-TW" altLang="en-US" smtClean="0"/>
-              <a:t>2019/7/23</a:t>
+              <a:pPr/>
+              <a:t>2019/7/30</a:t>
             </a:fld>
             <a:endParaRPr lang="zh-TW" altLang="en-US"/>
           </a:p>
@@ -516,6 +526,7 @@
           <a:p>
             <a:fld id="{8CBDFC97-ED49-4F3C-B2B3-55FFDBF02771}" type="slidenum">
               <a:rPr lang="zh-TW" altLang="en-US" smtClean="0"/>
+              <a:pPr/>
               <a:t>‹#›</a:t>
             </a:fld>
             <a:endParaRPr lang="zh-TW" altLang="en-US"/>
@@ -559,8 +570,8 @@
         </p:nvSpPr>
         <p:spPr>
           <a:xfrm>
-            <a:off x="6629400" y="274638"/>
-            <a:ext cx="2057400" cy="5851525"/>
+            <a:off x="6629400" y="205979"/>
+            <a:ext cx="2057400" cy="4388644"/>
           </a:xfrm>
         </p:spPr>
         <p:txBody>
@@ -587,8 +598,8 @@
         </p:nvSpPr>
         <p:spPr>
           <a:xfrm>
-            <a:off x="457200" y="274638"/>
-            <a:ext cx="6019800" cy="5851525"/>
+            <a:off x="457200" y="205979"/>
+            <a:ext cx="6019800" cy="4388644"/>
           </a:xfrm>
         </p:spPr>
         <p:txBody>
@@ -649,7 +660,8 @@
           <a:p>
             <a:fld id="{6450756F-BA30-4001-BCF9-667D19D74FB1}" type="datetimeFigureOut">
               <a:rPr lang="zh-TW" altLang="en-US" smtClean="0"/>
-              <a:t>2019/7/23</a:t>
+              <a:pPr/>
+              <a:t>2019/7/30</a:t>
             </a:fld>
             <a:endParaRPr lang="zh-TW" altLang="en-US"/>
           </a:p>
@@ -691,6 +703,7 @@
           <a:p>
             <a:fld id="{8CBDFC97-ED49-4F3C-B2B3-55FFDBF02771}" type="slidenum">
               <a:rPr lang="zh-TW" altLang="en-US" smtClean="0"/>
+              <a:pPr/>
               <a:t>‹#›</a:t>
             </a:fld>
             <a:endParaRPr lang="zh-TW" altLang="en-US"/>
@@ -814,7 +827,8 @@
           <a:p>
             <a:fld id="{6450756F-BA30-4001-BCF9-667D19D74FB1}" type="datetimeFigureOut">
               <a:rPr lang="zh-TW" altLang="en-US" smtClean="0"/>
-              <a:t>2019/7/23</a:t>
+              <a:pPr/>
+              <a:t>2019/7/30</a:t>
             </a:fld>
             <a:endParaRPr lang="zh-TW" altLang="en-US"/>
           </a:p>
@@ -856,6 +870,7 @@
           <a:p>
             <a:fld id="{8CBDFC97-ED49-4F3C-B2B3-55FFDBF02771}" type="slidenum">
               <a:rPr lang="zh-TW" altLang="en-US" smtClean="0"/>
+              <a:pPr/>
               <a:t>‹#›</a:t>
             </a:fld>
             <a:endParaRPr lang="zh-TW" altLang="en-US"/>
@@ -899,8 +914,8 @@
         </p:nvSpPr>
         <p:spPr>
           <a:xfrm>
-            <a:off x="722313" y="4406900"/>
-            <a:ext cx="7772400" cy="1362075"/>
+            <a:off x="722313" y="3305176"/>
+            <a:ext cx="7772400" cy="1021556"/>
           </a:xfrm>
         </p:spPr>
         <p:txBody>
@@ -931,8 +946,8 @@
         </p:nvSpPr>
         <p:spPr>
           <a:xfrm>
-            <a:off x="722313" y="2906713"/>
-            <a:ext cx="7772400" cy="1500187"/>
+            <a:off x="722313" y="2180035"/>
+            <a:ext cx="7772400" cy="1125140"/>
           </a:xfrm>
         </p:spPr>
         <p:txBody>
@@ -1055,7 +1070,8 @@
           <a:p>
             <a:fld id="{6450756F-BA30-4001-BCF9-667D19D74FB1}" type="datetimeFigureOut">
               <a:rPr lang="zh-TW" altLang="en-US" smtClean="0"/>
-              <a:t>2019/7/23</a:t>
+              <a:pPr/>
+              <a:t>2019/7/30</a:t>
             </a:fld>
             <a:endParaRPr lang="zh-TW" altLang="en-US"/>
           </a:p>
@@ -1097,6 +1113,7 @@
           <a:p>
             <a:fld id="{8CBDFC97-ED49-4F3C-B2B3-55FFDBF02771}" type="slidenum">
               <a:rPr lang="zh-TW" altLang="en-US" smtClean="0"/>
+              <a:pPr/>
               <a:t>‹#›</a:t>
             </a:fld>
             <a:endParaRPr lang="zh-TW" altLang="en-US"/>
@@ -1163,8 +1180,8 @@
         </p:nvSpPr>
         <p:spPr>
           <a:xfrm>
-            <a:off x="457200" y="1600200"/>
-            <a:ext cx="4038600" cy="4525963"/>
+            <a:off x="457200" y="1200151"/>
+            <a:ext cx="4038600" cy="3394472"/>
           </a:xfrm>
         </p:spPr>
         <p:txBody>
@@ -1248,8 +1265,8 @@
         </p:nvSpPr>
         <p:spPr>
           <a:xfrm>
-            <a:off x="4648200" y="1600200"/>
-            <a:ext cx="4038600" cy="4525963"/>
+            <a:off x="4648200" y="1200151"/>
+            <a:ext cx="4038600" cy="3394472"/>
           </a:xfrm>
         </p:spPr>
         <p:txBody>
@@ -1338,7 +1355,8 @@
           <a:p>
             <a:fld id="{6450756F-BA30-4001-BCF9-667D19D74FB1}" type="datetimeFigureOut">
               <a:rPr lang="zh-TW" altLang="en-US" smtClean="0"/>
-              <a:t>2019/7/23</a:t>
+              <a:pPr/>
+              <a:t>2019/7/30</a:t>
             </a:fld>
             <a:endParaRPr lang="zh-TW" altLang="en-US"/>
           </a:p>
@@ -1380,6 +1398,7 @@
           <a:p>
             <a:fld id="{8CBDFC97-ED49-4F3C-B2B3-55FFDBF02771}" type="slidenum">
               <a:rPr lang="zh-TW" altLang="en-US" smtClean="0"/>
+              <a:pPr/>
               <a:t>‹#›</a:t>
             </a:fld>
             <a:endParaRPr lang="zh-TW" altLang="en-US"/>
@@ -1450,8 +1469,8 @@
         </p:nvSpPr>
         <p:spPr>
           <a:xfrm>
-            <a:off x="457200" y="1535113"/>
-            <a:ext cx="4040188" cy="639762"/>
+            <a:off x="457200" y="1151335"/>
+            <a:ext cx="4040188" cy="479822"/>
           </a:xfrm>
         </p:spPr>
         <p:txBody>
@@ -1515,8 +1534,8 @@
         </p:nvSpPr>
         <p:spPr>
           <a:xfrm>
-            <a:off x="457200" y="2174875"/>
-            <a:ext cx="4040188" cy="3951288"/>
+            <a:off x="457200" y="1631156"/>
+            <a:ext cx="4040188" cy="2963466"/>
           </a:xfrm>
         </p:spPr>
         <p:txBody>
@@ -1600,8 +1619,8 @@
         </p:nvSpPr>
         <p:spPr>
           <a:xfrm>
-            <a:off x="4645025" y="1535113"/>
-            <a:ext cx="4041775" cy="639762"/>
+            <a:off x="4645026" y="1151335"/>
+            <a:ext cx="4041775" cy="479822"/>
           </a:xfrm>
         </p:spPr>
         <p:txBody>
@@ -1665,8 +1684,8 @@
         </p:nvSpPr>
         <p:spPr>
           <a:xfrm>
-            <a:off x="4645025" y="2174875"/>
-            <a:ext cx="4041775" cy="3951288"/>
+            <a:off x="4645026" y="1631156"/>
+            <a:ext cx="4041775" cy="2963466"/>
           </a:xfrm>
         </p:spPr>
         <p:txBody>
@@ -1755,7 +1774,8 @@
           <a:p>
             <a:fld id="{6450756F-BA30-4001-BCF9-667D19D74FB1}" type="datetimeFigureOut">
               <a:rPr lang="zh-TW" altLang="en-US" smtClean="0"/>
-              <a:t>2019/7/23</a:t>
+              <a:pPr/>
+              <a:t>2019/7/30</a:t>
             </a:fld>
             <a:endParaRPr lang="zh-TW" altLang="en-US"/>
           </a:p>
@@ -1797,6 +1817,7 @@
           <a:p>
             <a:fld id="{8CBDFC97-ED49-4F3C-B2B3-55FFDBF02771}" type="slidenum">
               <a:rPr lang="zh-TW" altLang="en-US" smtClean="0"/>
+              <a:pPr/>
               <a:t>‹#›</a:t>
             </a:fld>
             <a:endParaRPr lang="zh-TW" altLang="en-US"/>
@@ -1868,7 +1889,8 @@
           <a:p>
             <a:fld id="{6450756F-BA30-4001-BCF9-667D19D74FB1}" type="datetimeFigureOut">
               <a:rPr lang="zh-TW" altLang="en-US" smtClean="0"/>
-              <a:t>2019/7/23</a:t>
+              <a:pPr/>
+              <a:t>2019/7/30</a:t>
             </a:fld>
             <a:endParaRPr lang="zh-TW" altLang="en-US"/>
           </a:p>
@@ -1910,6 +1932,7 @@
           <a:p>
             <a:fld id="{8CBDFC97-ED49-4F3C-B2B3-55FFDBF02771}" type="slidenum">
               <a:rPr lang="zh-TW" altLang="en-US" smtClean="0"/>
+              <a:pPr/>
               <a:t>‹#›</a:t>
             </a:fld>
             <a:endParaRPr lang="zh-TW" altLang="en-US"/>
@@ -1958,7 +1981,8 @@
           <a:p>
             <a:fld id="{6450756F-BA30-4001-BCF9-667D19D74FB1}" type="datetimeFigureOut">
               <a:rPr lang="zh-TW" altLang="en-US" smtClean="0"/>
-              <a:t>2019/7/23</a:t>
+              <a:pPr/>
+              <a:t>2019/7/30</a:t>
             </a:fld>
             <a:endParaRPr lang="zh-TW" altLang="en-US"/>
           </a:p>
@@ -2000,6 +2024,7 @@
           <a:p>
             <a:fld id="{8CBDFC97-ED49-4F3C-B2B3-55FFDBF02771}" type="slidenum">
               <a:rPr lang="zh-TW" altLang="en-US" smtClean="0"/>
+              <a:pPr/>
               <a:t>‹#›</a:t>
             </a:fld>
             <a:endParaRPr lang="zh-TW" altLang="en-US"/>
@@ -2043,8 +2068,8 @@
         </p:nvSpPr>
         <p:spPr>
           <a:xfrm>
-            <a:off x="457200" y="273050"/>
-            <a:ext cx="3008313" cy="1162050"/>
+            <a:off x="457201" y="204787"/>
+            <a:ext cx="3008313" cy="871538"/>
           </a:xfrm>
         </p:spPr>
         <p:txBody>
@@ -2075,8 +2100,8 @@
         </p:nvSpPr>
         <p:spPr>
           <a:xfrm>
-            <a:off x="3575050" y="273050"/>
-            <a:ext cx="5111750" cy="5853113"/>
+            <a:off x="3575050" y="204788"/>
+            <a:ext cx="5111750" cy="4389835"/>
           </a:xfrm>
         </p:spPr>
         <p:txBody>
@@ -2160,8 +2185,8 @@
         </p:nvSpPr>
         <p:spPr>
           <a:xfrm>
-            <a:off x="457200" y="1435100"/>
-            <a:ext cx="3008313" cy="4691063"/>
+            <a:off x="457201" y="1076326"/>
+            <a:ext cx="3008313" cy="3518297"/>
           </a:xfrm>
         </p:spPr>
         <p:txBody>
@@ -2230,7 +2255,8 @@
           <a:p>
             <a:fld id="{6450756F-BA30-4001-BCF9-667D19D74FB1}" type="datetimeFigureOut">
               <a:rPr lang="zh-TW" altLang="en-US" smtClean="0"/>
-              <a:t>2019/7/23</a:t>
+              <a:pPr/>
+              <a:t>2019/7/30</a:t>
             </a:fld>
             <a:endParaRPr lang="zh-TW" altLang="en-US"/>
           </a:p>
@@ -2272,6 +2298,7 @@
           <a:p>
             <a:fld id="{8CBDFC97-ED49-4F3C-B2B3-55FFDBF02771}" type="slidenum">
               <a:rPr lang="zh-TW" altLang="en-US" smtClean="0"/>
+              <a:pPr/>
               <a:t>‹#›</a:t>
             </a:fld>
             <a:endParaRPr lang="zh-TW" altLang="en-US"/>
@@ -2315,8 +2342,8 @@
         </p:nvSpPr>
         <p:spPr>
           <a:xfrm>
-            <a:off x="1792288" y="4800600"/>
-            <a:ext cx="5486400" cy="566738"/>
+            <a:off x="1792288" y="3600450"/>
+            <a:ext cx="5486400" cy="425054"/>
           </a:xfrm>
         </p:spPr>
         <p:txBody>
@@ -2347,8 +2374,8 @@
         </p:nvSpPr>
         <p:spPr>
           <a:xfrm>
-            <a:off x="1792288" y="612775"/>
-            <a:ext cx="5486400" cy="4114800"/>
+            <a:off x="1792288" y="459581"/>
+            <a:ext cx="5486400" cy="3086100"/>
           </a:xfrm>
         </p:spPr>
         <p:txBody>
@@ -2412,8 +2439,8 @@
         </p:nvSpPr>
         <p:spPr>
           <a:xfrm>
-            <a:off x="1792288" y="5367338"/>
-            <a:ext cx="5486400" cy="804862"/>
+            <a:off x="1792288" y="4025503"/>
+            <a:ext cx="5486400" cy="603647"/>
           </a:xfrm>
         </p:spPr>
         <p:txBody>
@@ -2482,7 +2509,8 @@
           <a:p>
             <a:fld id="{6450756F-BA30-4001-BCF9-667D19D74FB1}" type="datetimeFigureOut">
               <a:rPr lang="zh-TW" altLang="en-US" smtClean="0"/>
-              <a:t>2019/7/23</a:t>
+              <a:pPr/>
+              <a:t>2019/7/30</a:t>
             </a:fld>
             <a:endParaRPr lang="zh-TW" altLang="en-US"/>
           </a:p>
@@ -2524,6 +2552,7 @@
           <a:p>
             <a:fld id="{8CBDFC97-ED49-4F3C-B2B3-55FFDBF02771}" type="slidenum">
               <a:rPr lang="zh-TW" altLang="en-US" smtClean="0"/>
+              <a:pPr/>
               <a:t>‹#›</a:t>
             </a:fld>
             <a:endParaRPr lang="zh-TW" altLang="en-US"/>
@@ -2577,8 +2606,8 @@
         </p:nvSpPr>
         <p:spPr>
           <a:xfrm>
-            <a:off x="457200" y="274638"/>
-            <a:ext cx="8229600" cy="1143000"/>
+            <a:off x="457200" y="205978"/>
+            <a:ext cx="8229600" cy="857250"/>
           </a:xfrm>
           <a:prstGeom prst="rect">
             <a:avLst/>
@@ -2610,8 +2639,8 @@
         </p:nvSpPr>
         <p:spPr>
           <a:xfrm>
-            <a:off x="457200" y="1600200"/>
-            <a:ext cx="8229600" cy="4525963"/>
+            <a:off x="457200" y="1200151"/>
+            <a:ext cx="8229600" cy="3394472"/>
           </a:xfrm>
           <a:prstGeom prst="rect">
             <a:avLst/>
@@ -2672,8 +2701,8 @@
         </p:nvSpPr>
         <p:spPr>
           <a:xfrm>
-            <a:off x="457200" y="6356350"/>
-            <a:ext cx="2133600" cy="365125"/>
+            <a:off x="457200" y="4767263"/>
+            <a:ext cx="2133600" cy="273844"/>
           </a:xfrm>
           <a:prstGeom prst="rect">
             <a:avLst/>
@@ -2695,7 +2724,8 @@
           <a:p>
             <a:fld id="{6450756F-BA30-4001-BCF9-667D19D74FB1}" type="datetimeFigureOut">
               <a:rPr lang="zh-TW" altLang="en-US" smtClean="0"/>
-              <a:t>2019/7/23</a:t>
+              <a:pPr/>
+              <a:t>2019/7/30</a:t>
             </a:fld>
             <a:endParaRPr lang="zh-TW" altLang="en-US"/>
           </a:p>
@@ -2713,8 +2743,8 @@
         </p:nvSpPr>
         <p:spPr>
           <a:xfrm>
-            <a:off x="3124200" y="6356350"/>
-            <a:ext cx="2895600" cy="365125"/>
+            <a:off x="3124200" y="4767263"/>
+            <a:ext cx="2895600" cy="273844"/>
           </a:xfrm>
           <a:prstGeom prst="rect">
             <a:avLst/>
@@ -2750,8 +2780,8 @@
         </p:nvSpPr>
         <p:spPr>
           <a:xfrm>
-            <a:off x="6553200" y="6356350"/>
-            <a:ext cx="2133600" cy="365125"/>
+            <a:off x="6553200" y="4767263"/>
+            <a:ext cx="2133600" cy="273844"/>
           </a:xfrm>
           <a:prstGeom prst="rect">
             <a:avLst/>
@@ -2773,6 +2803,7 @@
           <a:p>
             <a:fld id="{8CBDFC97-ED49-4F3C-B2B3-55FFDBF02771}" type="slidenum">
               <a:rPr lang="zh-TW" altLang="en-US" smtClean="0"/>
+              <a:pPr/>
               <a:t>‹#›</a:t>
             </a:fld>
             <a:endParaRPr lang="zh-TW" altLang="en-US"/>
@@ -3113,7 +3144,7 @@
         <p:spPr/>
         <p:txBody>
           <a:bodyPr>
-            <a:normAutofit/>
+            <a:noAutofit/>
           </a:bodyPr>
           <a:lstStyle/>
           <a:p>
@@ -3121,7 +3152,7 @@
               <a:buNone/>
             </a:pPr>
             <a:r>
-              <a:rPr lang="zh-TW" altLang="en-US" sz="5400" b="1" dirty="0" smtClean="0">
+              <a:rPr lang="zh-TW" altLang="en-US" sz="4800" b="1" dirty="0" smtClean="0">
                 <a:solidFill>
                   <a:srgbClr val="000066"/>
                 </a:solidFill>
@@ -3130,7 +3161,7 @@
               </a:rPr>
               <a:t>在世間  萬有中</a:t>
             </a:r>
-            <a:endParaRPr lang="en-US" altLang="zh-TW" sz="5400" b="1" dirty="0" smtClean="0">
+            <a:endParaRPr lang="en-US" altLang="zh-TW" sz="4800" b="1" dirty="0" smtClean="0">
               <a:solidFill>
                 <a:srgbClr val="000066"/>
               </a:solidFill>
@@ -3143,7 +3174,7 @@
               <a:buNone/>
             </a:pPr>
             <a:r>
-              <a:rPr lang="zh-TW" altLang="en-US" sz="5400" b="1" dirty="0" smtClean="0">
+              <a:rPr lang="zh-TW" altLang="en-US" sz="4800" b="1" dirty="0" smtClean="0">
                 <a:solidFill>
                   <a:srgbClr val="000066"/>
                 </a:solidFill>
@@ -3152,7 +3183,7 @@
               </a:rPr>
               <a:t>哪會有仿似耶穌</a:t>
             </a:r>
-            <a:endParaRPr lang="en-US" altLang="zh-TW" sz="5400" b="1" dirty="0">
+            <a:endParaRPr lang="en-US" altLang="zh-TW" sz="4800" b="1" dirty="0">
               <a:solidFill>
                 <a:srgbClr val="000066"/>
               </a:solidFill>
@@ -3165,7 +3196,7 @@
               <a:buNone/>
             </a:pPr>
             <a:r>
-              <a:rPr lang="zh-TW" altLang="en-US" sz="5400" b="1" dirty="0" smtClean="0">
+              <a:rPr lang="zh-TW" altLang="en-US" sz="4800" b="1" dirty="0" smtClean="0">
                 <a:solidFill>
                   <a:srgbClr val="000066"/>
                 </a:solidFill>
@@ -3174,7 +3205,7 @@
               </a:rPr>
               <a:t>我願頌揚  竭力頌揚</a:t>
             </a:r>
-            <a:endParaRPr lang="en-US" altLang="zh-TW" sz="5400" b="1" dirty="0" smtClean="0">
+            <a:endParaRPr lang="en-US" altLang="zh-TW" sz="4800" b="1" dirty="0" smtClean="0">
               <a:solidFill>
                 <a:srgbClr val="000066"/>
               </a:solidFill>
@@ -3187,7 +3218,7 @@
               <a:buNone/>
             </a:pPr>
             <a:r>
-              <a:rPr lang="zh-TW" altLang="en-US" sz="5400" b="1" dirty="0" smtClean="0">
+              <a:rPr lang="zh-TW" altLang="en-US" sz="4800" b="1" dirty="0" smtClean="0">
                 <a:solidFill>
                   <a:srgbClr val="000066"/>
                 </a:solidFill>
@@ -3196,7 +3227,7 @@
               </a:rPr>
               <a:t>主愛是奇妙浩大</a:t>
             </a:r>
-            <a:endParaRPr lang="zh-TW" altLang="en-US" sz="5400" b="1" dirty="0">
+            <a:endParaRPr lang="zh-TW" altLang="en-US" sz="4800" b="1" dirty="0">
               <a:solidFill>
                 <a:srgbClr val="000066"/>
               </a:solidFill>
@@ -3211,12 +3242,29 @@
   <p:clrMapOvr>
     <a:masterClrMapping/>
   </p:clrMapOvr>
+  <p:timing>
+    <p:tnLst>
+      <p:par>
+        <p:cTn id="1" dur="indefinite" restart="never" nodeType="tmRoot"/>
+      </p:par>
+    </p:tnLst>
+  </p:timing>
 </p:sld>
 </file>
 
 <file path=ppt/slides/slide10.xml><?xml version="1.0" encoding="utf-8"?>
 <p:sld xmlns:a="http://schemas.openxmlformats.org/drawingml/2006/main" xmlns:r="http://schemas.openxmlformats.org/officeDocument/2006/relationships" xmlns:p="http://schemas.openxmlformats.org/presentationml/2006/main">
   <p:cSld>
+    <p:bg>
+      <p:bgPr>
+        <a:blipFill dpi="0" rotWithShape="1">
+          <a:blip r:embed="rId3"/>
+          <a:srcRect/>
+          <a:tile tx="0" ty="0" sx="100000" sy="100000" flip="none" algn="tl"/>
+        </a:blipFill>
+        <a:effectLst/>
+      </p:bgPr>
+    </p:bg>
     <p:spTree>
       <p:nvGrpSpPr>
         <p:cNvPr id="1" name=""/>
@@ -3233,7 +3281,7 @@
       </p:grpSpPr>
       <p:sp>
         <p:nvSpPr>
-          <p:cNvPr id="2" name="Title 1"/>
+          <p:cNvPr id="2" name="標題 1"/>
           <p:cNvSpPr>
             <a:spLocks noGrp="1"/>
           </p:cNvSpPr>
@@ -3243,251 +3291,181 @@
         </p:nvSpPr>
         <p:spPr/>
         <p:txBody>
+          <a:bodyPr/>
+          <a:lstStyle/>
+          <a:p>
+            <a:r>
+              <a:rPr lang="zh-CN" altLang="en-US" b="1" dirty="0" smtClean="0">
+                <a:solidFill>
+                  <a:srgbClr val="000066"/>
+                </a:solidFill>
+                <a:latin typeface="微軟正黑體" pitchFamily="34" charset="-120"/>
+                <a:ea typeface="微軟正黑體" pitchFamily="34" charset="-120"/>
+              </a:rPr>
+              <a:t>獻上頌讚</a:t>
+            </a:r>
+            <a:endParaRPr lang="zh-TW" altLang="en-US" b="1" dirty="0">
+              <a:solidFill>
+                <a:srgbClr val="000066"/>
+              </a:solidFill>
+              <a:latin typeface="微軟正黑體" pitchFamily="34" charset="-120"/>
+              <a:ea typeface="微軟正黑體" pitchFamily="34" charset="-120"/>
+            </a:endParaRPr>
+          </a:p>
+        </p:txBody>
+      </p:sp>
+      <p:sp>
+        <p:nvSpPr>
+          <p:cNvPr id="3" name="內容版面配置區 2"/>
+          <p:cNvSpPr>
+            <a:spLocks noGrp="1"/>
+          </p:cNvSpPr>
+          <p:nvPr>
+            <p:ph idx="1"/>
+          </p:nvPr>
+        </p:nvSpPr>
+        <p:spPr>
+          <a:xfrm>
+            <a:off x="457200" y="1200150"/>
+            <a:ext cx="8229600" cy="3943350"/>
+          </a:xfrm>
+        </p:spPr>
+        <p:txBody>
           <a:bodyPr>
-            <a:noAutofit/>
+            <a:normAutofit/>
           </a:bodyPr>
           <a:lstStyle/>
           <a:p>
-            <a:r>
-              <a:rPr lang="en-US" altLang="zh-TW" sz="5000" b="1" dirty="0" smtClean="0">
-                <a:solidFill>
-                  <a:srgbClr val="660033"/>
-                </a:solidFill>
-                <a:latin typeface="微軟正黑體" pitchFamily="34" charset="-120"/>
-                <a:ea typeface="微軟正黑體" pitchFamily="34" charset="-120"/>
-              </a:rPr>
-              <a:t/>
-            </a:r>
-            <a:br>
-              <a:rPr lang="en-US" altLang="zh-TW" sz="5000" b="1" dirty="0" smtClean="0">
-                <a:solidFill>
-                  <a:srgbClr val="660033"/>
-                </a:solidFill>
-                <a:latin typeface="微軟正黑體" pitchFamily="34" charset="-120"/>
-                <a:ea typeface="微軟正黑體" pitchFamily="34" charset="-120"/>
-              </a:rPr>
-            </a:br>
-            <a:r>
-              <a:rPr lang="zh-TW" altLang="en-US" sz="5000" b="1" dirty="0" smtClean="0">
-                <a:solidFill>
-                  <a:srgbClr val="660033"/>
-                </a:solidFill>
-                <a:latin typeface="微軟正黑體" pitchFamily="34" charset="-120"/>
-                <a:ea typeface="微軟正黑體" pitchFamily="34" charset="-120"/>
-              </a:rPr>
-              <a:t>主</a:t>
-            </a:r>
-            <a:r>
-              <a:rPr lang="zh-TW" altLang="en-US" sz="5000" b="1" dirty="0">
-                <a:solidFill>
-                  <a:srgbClr val="660033"/>
-                </a:solidFill>
-                <a:latin typeface="微軟正黑體" pitchFamily="34" charset="-120"/>
-                <a:ea typeface="微軟正黑體" pitchFamily="34" charset="-120"/>
-              </a:rPr>
-              <a:t>禱文</a:t>
-            </a:r>
-            <a:r>
-              <a:rPr lang="en-US" sz="5000" b="1" dirty="0">
-                <a:solidFill>
-                  <a:srgbClr val="660033"/>
-                </a:solidFill>
-                <a:latin typeface="微軟正黑體" pitchFamily="34" charset="-120"/>
-                <a:ea typeface="微軟正黑體" pitchFamily="34" charset="-120"/>
-              </a:rPr>
-              <a:t/>
-            </a:r>
-            <a:br>
-              <a:rPr lang="en-US" sz="5000" b="1" dirty="0">
-                <a:solidFill>
-                  <a:srgbClr val="660033"/>
-                </a:solidFill>
-                <a:latin typeface="微軟正黑體" pitchFamily="34" charset="-120"/>
-                <a:ea typeface="微軟正黑體" pitchFamily="34" charset="-120"/>
-              </a:rPr>
-            </a:br>
-            <a:endParaRPr lang="en-US" sz="5000" b="1" dirty="0">
-              <a:solidFill>
-                <a:srgbClr val="660033"/>
-              </a:solidFill>
-              <a:latin typeface="微軟正黑體" pitchFamily="34" charset="-120"/>
-              <a:ea typeface="微軟正黑體" pitchFamily="34" charset="-120"/>
-            </a:endParaRPr>
-          </a:p>
-        </p:txBody>
-      </p:sp>
-      <p:sp>
-        <p:nvSpPr>
-          <p:cNvPr id="3" name="Content Placeholder 2"/>
-          <p:cNvSpPr>
-            <a:spLocks noGrp="1"/>
-          </p:cNvSpPr>
-          <p:nvPr>
-            <p:ph idx="1"/>
-          </p:nvPr>
-        </p:nvSpPr>
-        <p:spPr/>
-        <p:txBody>
-          <a:bodyPr>
-            <a:normAutofit fontScale="92500" lnSpcReduction="20000"/>
-          </a:bodyPr>
-          <a:lstStyle/>
-          <a:p>
-            <a:pPr algn="ctr">
-              <a:buNone/>
-            </a:pPr>
-            <a:endParaRPr lang="en-US" altLang="zh-TW" sz="4400" dirty="0" smtClean="0">
-              <a:solidFill>
-                <a:srgbClr val="660033"/>
-              </a:solidFill>
-              <a:latin typeface="微軟正黑體" pitchFamily="34" charset="-120"/>
-              <a:ea typeface="微軟正黑體" pitchFamily="34" charset="-120"/>
-            </a:endParaRPr>
-          </a:p>
-          <a:p>
-            <a:pPr algn="ctr">
-              <a:buNone/>
-            </a:pPr>
-            <a:r>
-              <a:rPr lang="zh-TW" altLang="en-US" sz="5800" b="1" dirty="0" smtClean="0">
-                <a:solidFill>
-                  <a:srgbClr val="660033"/>
-                </a:solidFill>
-                <a:latin typeface="微軟正黑體" pitchFamily="34" charset="-120"/>
-                <a:ea typeface="微軟正黑體" pitchFamily="34" charset="-120"/>
-              </a:rPr>
-              <a:t>今</a:t>
-            </a:r>
-            <a:r>
-              <a:rPr lang="zh-TW" altLang="en-US" sz="5800" b="1" dirty="0">
-                <a:solidFill>
-                  <a:srgbClr val="660033"/>
-                </a:solidFill>
-                <a:latin typeface="微軟正黑體" pitchFamily="34" charset="-120"/>
-                <a:ea typeface="微軟正黑體" pitchFamily="34" charset="-120"/>
-              </a:rPr>
-              <a:t>日 我求問主的國 </a:t>
-            </a:r>
-            <a:endParaRPr lang="en-US" altLang="zh-TW" sz="5800" b="1" dirty="0" smtClean="0">
-              <a:solidFill>
-                <a:srgbClr val="660033"/>
-              </a:solidFill>
-              <a:latin typeface="微軟正黑體" pitchFamily="34" charset="-120"/>
-              <a:ea typeface="微軟正黑體" pitchFamily="34" charset="-120"/>
-            </a:endParaRPr>
-          </a:p>
-          <a:p>
-            <a:pPr algn="ctr">
-              <a:buNone/>
-            </a:pPr>
-            <a:r>
-              <a:rPr lang="zh-TW" altLang="en-US" sz="5800" b="1" dirty="0" smtClean="0">
-                <a:solidFill>
-                  <a:srgbClr val="660033"/>
-                </a:solidFill>
-                <a:latin typeface="微軟正黑體" pitchFamily="34" charset="-120"/>
-                <a:ea typeface="微軟正黑體" pitchFamily="34" charset="-120"/>
-              </a:rPr>
-              <a:t>求</a:t>
-            </a:r>
-            <a:r>
-              <a:rPr lang="zh-TW" altLang="en-US" sz="5800" b="1" dirty="0">
-                <a:solidFill>
-                  <a:srgbClr val="660033"/>
-                </a:solidFill>
-                <a:latin typeface="微軟正黑體" pitchFamily="34" charset="-120"/>
-                <a:ea typeface="微軟正黑體" pitchFamily="34" charset="-120"/>
-              </a:rPr>
-              <a:t>問主的義</a:t>
-            </a:r>
-            <a:endParaRPr lang="en-US" sz="5800" b="1" dirty="0">
-              <a:solidFill>
-                <a:srgbClr val="660033"/>
-              </a:solidFill>
-              <a:latin typeface="微軟正黑體" pitchFamily="34" charset="-120"/>
-              <a:ea typeface="微軟正黑體" pitchFamily="34" charset="-120"/>
-            </a:endParaRPr>
-          </a:p>
-          <a:p>
-            <a:pPr algn="ctr">
-              <a:buNone/>
-            </a:pPr>
-            <a:r>
-              <a:rPr lang="zh-TW" altLang="en-US" sz="5800" b="1" dirty="0">
-                <a:solidFill>
-                  <a:srgbClr val="660033"/>
-                </a:solidFill>
-                <a:latin typeface="微軟正黑體" pitchFamily="34" charset="-120"/>
-                <a:ea typeface="微軟正黑體" pitchFamily="34" charset="-120"/>
-              </a:rPr>
-              <a:t>王的旨意 如陽光遍地彰</a:t>
-            </a:r>
-            <a:r>
-              <a:rPr lang="zh-TW" altLang="en-US" sz="5800" b="1" dirty="0" smtClean="0">
-                <a:solidFill>
-                  <a:srgbClr val="660033"/>
-                </a:solidFill>
-                <a:latin typeface="微軟正黑體" pitchFamily="34" charset="-120"/>
-                <a:ea typeface="微軟正黑體" pitchFamily="34" charset="-120"/>
-              </a:rPr>
-              <a:t>顯</a:t>
-            </a:r>
-            <a:endParaRPr lang="en-US" altLang="zh-TW" sz="5800" b="1" dirty="0" smtClean="0">
-              <a:solidFill>
-                <a:srgbClr val="660033"/>
-              </a:solidFill>
-              <a:latin typeface="微軟正黑體" pitchFamily="34" charset="-120"/>
-              <a:ea typeface="微軟正黑體" pitchFamily="34" charset="-120"/>
-            </a:endParaRPr>
-          </a:p>
-          <a:p>
-            <a:pPr algn="ctr">
-              <a:buNone/>
-            </a:pPr>
-            <a:endParaRPr lang="en-US" sz="4400" b="1" dirty="0" smtClean="0">
-              <a:solidFill>
-                <a:srgbClr val="660033"/>
-              </a:solidFill>
-              <a:latin typeface="微軟正黑體" pitchFamily="34" charset="-120"/>
-              <a:ea typeface="微軟正黑體" pitchFamily="34" charset="-120"/>
-            </a:endParaRPr>
-          </a:p>
-          <a:p>
-            <a:pPr algn="ctr">
-              <a:buNone/>
-            </a:pPr>
-            <a:r>
-              <a:rPr lang="en-US" sz="2000" b="1" dirty="0" smtClean="0">
-                <a:solidFill>
-                  <a:srgbClr val="660033"/>
-                </a:solidFill>
-                <a:latin typeface="微軟正黑體" pitchFamily="34" charset="-120"/>
-                <a:ea typeface="微軟正黑體" pitchFamily="34" charset="-120"/>
-              </a:rPr>
-              <a:t>[Verse 2]</a:t>
-            </a:r>
-            <a:r>
-              <a:rPr lang="en-US" sz="4400" b="1" dirty="0">
-                <a:solidFill>
-                  <a:srgbClr val="660033"/>
-                </a:solidFill>
-                <a:latin typeface="微軟正黑體" pitchFamily="34" charset="-120"/>
-                <a:ea typeface="微軟正黑體" pitchFamily="34" charset="-120"/>
-              </a:rPr>
-              <a:t/>
-            </a:r>
-            <a:br>
-              <a:rPr lang="en-US" sz="4400" b="1" dirty="0">
-                <a:solidFill>
-                  <a:srgbClr val="660033"/>
-                </a:solidFill>
-                <a:latin typeface="微軟正黑體" pitchFamily="34" charset="-120"/>
-                <a:ea typeface="微軟正黑體" pitchFamily="34" charset="-120"/>
-              </a:rPr>
-            </a:br>
-            <a:endParaRPr lang="en-US" sz="4400" b="1" dirty="0">
-              <a:solidFill>
-                <a:srgbClr val="660033"/>
+            <a:pPr algn="ctr">
+              <a:buNone/>
+            </a:pPr>
+            <a:r>
+              <a:rPr lang="zh-TW" altLang="en-US" sz="4800" b="1" dirty="0" smtClean="0">
+                <a:solidFill>
+                  <a:srgbClr val="000066"/>
+                </a:solidFill>
+                <a:latin typeface="微軟正黑體" pitchFamily="34" charset="-120"/>
+                <a:ea typeface="微軟正黑體" pitchFamily="34" charset="-120"/>
+              </a:rPr>
+              <a:t>跳躍和唱  要述說你創造</a:t>
+            </a:r>
+            <a:endParaRPr lang="en-US" altLang="zh-TW" sz="4800" b="1" dirty="0" smtClean="0">
+              <a:solidFill>
+                <a:srgbClr val="000066"/>
+              </a:solidFill>
+              <a:latin typeface="微軟正黑體" pitchFamily="34" charset="-120"/>
+              <a:ea typeface="微軟正黑體" pitchFamily="34" charset="-120"/>
+            </a:endParaRPr>
+          </a:p>
+          <a:p>
+            <a:pPr algn="ctr">
+              <a:buNone/>
+            </a:pPr>
+            <a:r>
+              <a:rPr lang="zh-TW" altLang="en-US" sz="4800" b="1" dirty="0" smtClean="0">
+                <a:solidFill>
+                  <a:srgbClr val="000066"/>
+                </a:solidFill>
+                <a:latin typeface="微軟正黑體" pitchFamily="34" charset="-120"/>
+                <a:ea typeface="微軟正黑體" pitchFamily="34" charset="-120"/>
+              </a:rPr>
+              <a:t>願永愛著你</a:t>
+            </a:r>
+            <a:r>
+              <a:rPr lang="en-US" altLang="zh-TW" sz="4800" b="1" dirty="0">
+                <a:solidFill>
+                  <a:srgbClr val="000066"/>
+                </a:solidFill>
+                <a:latin typeface="微軟正黑體" pitchFamily="34" charset="-120"/>
+                <a:ea typeface="微軟正黑體" pitchFamily="34" charset="-120"/>
+              </a:rPr>
+              <a:t> </a:t>
+            </a:r>
+            <a:r>
+              <a:rPr lang="en-US" altLang="zh-TW" sz="4800" b="1" dirty="0" smtClean="0">
+                <a:solidFill>
+                  <a:srgbClr val="000066"/>
+                </a:solidFill>
+                <a:latin typeface="微軟正黑體" pitchFamily="34" charset="-120"/>
+                <a:ea typeface="微軟正黑體" pitchFamily="34" charset="-120"/>
+              </a:rPr>
+              <a:t> </a:t>
+            </a:r>
+            <a:r>
+              <a:rPr lang="zh-TW" altLang="en-US" sz="4800" b="1" dirty="0" smtClean="0">
+                <a:solidFill>
+                  <a:srgbClr val="000066"/>
+                </a:solidFill>
+                <a:latin typeface="微軟正黑體" pitchFamily="34" charset="-120"/>
+                <a:ea typeface="微軟正黑體" pitchFamily="34" charset="-120"/>
+              </a:rPr>
+              <a:t>我這生不變更</a:t>
+            </a:r>
+            <a:endParaRPr lang="en-US" altLang="zh-TW" sz="4800" b="1" dirty="0" smtClean="0">
+              <a:solidFill>
+                <a:srgbClr val="000066"/>
+              </a:solidFill>
+              <a:latin typeface="微軟正黑體" pitchFamily="34" charset="-120"/>
+              <a:ea typeface="微軟正黑體" pitchFamily="34" charset="-120"/>
+            </a:endParaRPr>
+          </a:p>
+          <a:p>
+            <a:pPr algn="ctr">
+              <a:buNone/>
+            </a:pPr>
+            <a:r>
+              <a:rPr lang="zh-TW" altLang="en-US" sz="4800" b="1" dirty="0" smtClean="0">
+                <a:solidFill>
+                  <a:srgbClr val="000066"/>
+                </a:solidFill>
+                <a:latin typeface="微軟正黑體" pitchFamily="34" charset="-120"/>
+                <a:ea typeface="微軟正黑體" pitchFamily="34" charset="-120"/>
+              </a:rPr>
+              <a:t>這世上永再沒有別人像</a:t>
+            </a:r>
+            <a:r>
+              <a:rPr lang="zh-TW" altLang="en-US" sz="4800" b="1" dirty="0" smtClean="0">
+                <a:solidFill>
+                  <a:srgbClr val="000066"/>
+                </a:solidFill>
+                <a:latin typeface="微軟正黑體" pitchFamily="34" charset="-120"/>
+                <a:ea typeface="微軟正黑體" pitchFamily="34" charset="-120"/>
+              </a:rPr>
+              <a:t>你 </a:t>
+            </a:r>
+            <a:r>
+              <a:rPr lang="zh-CN" altLang="en-US" sz="4800" b="1" dirty="0" smtClean="0">
+                <a:solidFill>
+                  <a:srgbClr val="000066"/>
+                </a:solidFill>
+                <a:latin typeface="微軟正黑體" pitchFamily="34" charset="-120"/>
+                <a:ea typeface="微軟正黑體" pitchFamily="34" charset="-120"/>
+              </a:rPr>
+              <a:t>（</a:t>
+            </a:r>
+            <a:r>
+              <a:rPr lang="en-US" altLang="zh-CN" sz="4800" b="1" dirty="0" smtClean="0">
+                <a:solidFill>
+                  <a:srgbClr val="000066"/>
+                </a:solidFill>
+                <a:latin typeface="微軟正黑體" pitchFamily="34" charset="-120"/>
+                <a:ea typeface="微軟正黑體" pitchFamily="34" charset="-120"/>
+              </a:rPr>
+              <a:t>x3</a:t>
+            </a:r>
+            <a:r>
+              <a:rPr lang="zh-CN" altLang="en-US" sz="4800" b="1" dirty="0" smtClean="0">
+                <a:solidFill>
+                  <a:srgbClr val="000066"/>
+                </a:solidFill>
+                <a:latin typeface="微軟正黑體" pitchFamily="34" charset="-120"/>
+                <a:ea typeface="微軟正黑體" pitchFamily="34" charset="-120"/>
+              </a:rPr>
+              <a:t>）</a:t>
+            </a:r>
+            <a:endParaRPr lang="zh-TW" altLang="en-US" sz="4800" b="1" dirty="0">
+              <a:solidFill>
+                <a:srgbClr val="000066"/>
               </a:solidFill>
               <a:latin typeface="微軟正黑體" pitchFamily="34" charset="-120"/>
               <a:ea typeface="微軟正黑體" pitchFamily="34" charset="-120"/>
@@ -3498,14 +3476,31 @@
     </p:spTree>
   </p:cSld>
   <p:clrMapOvr>
-    <a:masterClrMapping/>
+    <a:overrideClrMapping bg1="lt1" tx1="dk1" bg2="lt2" tx2="dk2" accent1="accent1" accent2="accent2" accent3="accent3" accent4="accent4" accent5="accent5" accent6="accent6" hlink="hlink" folHlink="folHlink"/>
   </p:clrMapOvr>
+  <p:timing>
+    <p:tnLst>
+      <p:par>
+        <p:cTn id="1" dur="indefinite" restart="never" nodeType="tmRoot"/>
+      </p:par>
+    </p:tnLst>
+  </p:timing>
 </p:sld>
 </file>
 
 <file path=ppt/slides/slide11.xml><?xml version="1.0" encoding="utf-8"?>
 <p:sld xmlns:a="http://schemas.openxmlformats.org/drawingml/2006/main" xmlns:r="http://schemas.openxmlformats.org/officeDocument/2006/relationships" xmlns:p="http://schemas.openxmlformats.org/presentationml/2006/main">
   <p:cSld>
+    <p:bg>
+      <p:bgPr>
+        <a:blipFill dpi="0" rotWithShape="1">
+          <a:blip r:embed="rId3"/>
+          <a:srcRect/>
+          <a:tile tx="0" ty="0" sx="100000" sy="100000" flip="none" algn="tl"/>
+        </a:blipFill>
+        <a:effectLst/>
+      </p:bgPr>
+    </p:bg>
     <p:spTree>
       <p:nvGrpSpPr>
         <p:cNvPr id="1" name=""/>
@@ -3538,7 +3533,7 @@
           <a:lstStyle/>
           <a:p>
             <a:r>
-              <a:rPr lang="en-US" altLang="zh-TW" sz="5000" b="1" dirty="0" smtClean="0">
+              <a:rPr lang="en-US" altLang="zh-TW" b="1" dirty="0" smtClean="0">
                 <a:solidFill>
                   <a:srgbClr val="660033"/>
                 </a:solidFill>
@@ -3548,7 +3543,7 @@
               <a:t/>
             </a:r>
             <a:br>
-              <a:rPr lang="en-US" altLang="zh-TW" sz="5000" b="1" dirty="0" smtClean="0">
+              <a:rPr lang="en-US" altLang="zh-TW" b="1" dirty="0" smtClean="0">
                 <a:solidFill>
                   <a:srgbClr val="660033"/>
                 </a:solidFill>
@@ -3557,27 +3552,17 @@
               </a:rPr>
             </a:br>
             <a:r>
-              <a:rPr lang="zh-TW" altLang="en-US" sz="5000" b="1" dirty="0" smtClean="0">
-                <a:solidFill>
-                  <a:srgbClr val="660033"/>
-                </a:solidFill>
-                <a:latin typeface="微軟正黑體" pitchFamily="34" charset="-120"/>
-                <a:ea typeface="微軟正黑體" pitchFamily="34" charset="-120"/>
-              </a:rPr>
-              <a:t>主</a:t>
-            </a:r>
-            <a:r>
-              <a:rPr lang="zh-TW" altLang="en-US" sz="5000" b="1" dirty="0">
-                <a:solidFill>
-                  <a:srgbClr val="660033"/>
-                </a:solidFill>
-                <a:latin typeface="微軟正黑體" pitchFamily="34" charset="-120"/>
-                <a:ea typeface="微軟正黑體" pitchFamily="34" charset="-120"/>
-              </a:rPr>
-              <a:t>禱文</a:t>
-            </a:r>
-            <a:r>
-              <a:rPr lang="en-US" sz="5000" b="1" dirty="0">
+              <a:rPr lang="zh-TW" altLang="en-US" b="1" dirty="0" smtClean="0">
+                <a:solidFill>
+                  <a:srgbClr val="660033"/>
+                </a:solidFill>
+                <a:latin typeface="微軟正黑體" pitchFamily="34" charset="-120"/>
+                <a:ea typeface="微軟正黑體" pitchFamily="34" charset="-120"/>
+              </a:rPr>
+              <a:t>主禱文</a:t>
+            </a:r>
+            <a:r>
+              <a:rPr lang="en-US" b="1" dirty="0" smtClean="0">
                 <a:solidFill>
                   <a:srgbClr val="660033"/>
                 </a:solidFill>
@@ -3587,7 +3572,7 @@
               <a:t/>
             </a:r>
             <a:br>
-              <a:rPr lang="en-US" sz="5000" b="1" dirty="0">
+              <a:rPr lang="en-US" b="1" dirty="0" smtClean="0">
                 <a:solidFill>
                   <a:srgbClr val="660033"/>
                 </a:solidFill>
@@ -3595,7 +3580,7 @@
                 <a:ea typeface="微軟正黑體" pitchFamily="34" charset="-120"/>
               </a:rPr>
             </a:br>
-            <a:endParaRPr lang="en-US" sz="5000" b="1" dirty="0">
+            <a:endParaRPr lang="en-US" b="1" dirty="0">
               <a:solidFill>
                 <a:srgbClr val="660033"/>
               </a:solidFill>
@@ -3626,26 +3611,16 @@
               <a:buNone/>
             </a:pPr>
             <a:r>
-              <a:rPr lang="zh-TW" altLang="en-US" sz="5400" b="1" dirty="0" smtClean="0">
-                <a:solidFill>
-                  <a:srgbClr val="660033"/>
-                </a:solidFill>
-                <a:latin typeface="微軟正黑體" pitchFamily="34" charset="-120"/>
-                <a:ea typeface="微軟正黑體" pitchFamily="34" charset="-120"/>
-              </a:rPr>
-              <a:t>願</a:t>
-            </a:r>
-            <a:r>
-              <a:rPr lang="zh-TW" altLang="en-US" sz="5400" b="1" dirty="0">
-                <a:solidFill>
-                  <a:srgbClr val="660033"/>
-                </a:solidFill>
-                <a:latin typeface="微軟正黑體" pitchFamily="34" charset="-120"/>
-                <a:ea typeface="微軟正黑體" pitchFamily="34" charset="-120"/>
-              </a:rPr>
-              <a:t>人都尊祢名為聖</a:t>
-            </a:r>
-            <a:endParaRPr lang="en-US" sz="5400" b="1" dirty="0">
+              <a:rPr lang="zh-TW" altLang="en-US" sz="4800" b="1" dirty="0" smtClean="0">
+                <a:solidFill>
+                  <a:srgbClr val="660033"/>
+                </a:solidFill>
+                <a:latin typeface="微軟正黑體" pitchFamily="34" charset="-120"/>
+                <a:ea typeface="微軟正黑體" pitchFamily="34" charset="-120"/>
+              </a:rPr>
+              <a:t>天父祢名是多麼美 </a:t>
+            </a:r>
+            <a:endParaRPr lang="en-US" altLang="zh-TW" sz="4800" b="1" dirty="0" smtClean="0">
               <a:solidFill>
                 <a:srgbClr val="660033"/>
               </a:solidFill>
@@ -3658,16 +3633,26 @@
               <a:buNone/>
             </a:pPr>
             <a:r>
-              <a:rPr lang="zh-TW" altLang="en-US" sz="5400" b="1" dirty="0">
-                <a:solidFill>
-                  <a:srgbClr val="660033"/>
-                </a:solidFill>
-                <a:latin typeface="微軟正黑體" pitchFamily="34" charset="-120"/>
-                <a:ea typeface="微軟正黑體" pitchFamily="34" charset="-120"/>
-              </a:rPr>
-              <a:t>願祢的國降臨</a:t>
-            </a:r>
-            <a:endParaRPr lang="en-US" sz="5400" b="1" dirty="0">
+              <a:rPr lang="zh-TW" altLang="en-US" sz="4800" b="1" dirty="0" smtClean="0">
+                <a:solidFill>
+                  <a:srgbClr val="660033"/>
+                </a:solidFill>
+                <a:latin typeface="微軟正黑體" pitchFamily="34" charset="-120"/>
+                <a:ea typeface="微軟正黑體" pitchFamily="34" charset="-120"/>
+              </a:rPr>
+              <a:t>榮耀</a:t>
+            </a:r>
+            <a:r>
+              <a:rPr lang="zh-TW" altLang="en-US" sz="4800" b="1" dirty="0">
+                <a:solidFill>
+                  <a:srgbClr val="660033"/>
+                </a:solidFill>
+                <a:latin typeface="微軟正黑體" pitchFamily="34" charset="-120"/>
+                <a:ea typeface="微軟正黑體" pitchFamily="34" charset="-120"/>
+              </a:rPr>
+              <a:t>遍全地</a:t>
+            </a:r>
+            <a:endParaRPr lang="en-US" sz="4800" b="1" dirty="0">
               <a:solidFill>
                 <a:srgbClr val="660033"/>
               </a:solidFill>
@@ -3680,88 +3665,17 @@
               <a:buNone/>
             </a:pPr>
             <a:r>
-              <a:rPr lang="zh-TW" altLang="en-US" sz="5400" b="1" dirty="0">
-                <a:solidFill>
-                  <a:srgbClr val="660033"/>
-                </a:solidFill>
-                <a:latin typeface="微軟正黑體" pitchFamily="34" charset="-120"/>
-                <a:ea typeface="微軟正黑體" pitchFamily="34" charset="-120"/>
-              </a:rPr>
-              <a:t>也願祢旨意行在地上</a:t>
-            </a:r>
-            <a:endParaRPr lang="en-US" sz="5400" b="1" dirty="0">
-              <a:solidFill>
-                <a:srgbClr val="660033"/>
-              </a:solidFill>
-              <a:latin typeface="微軟正黑體" pitchFamily="34" charset="-120"/>
-              <a:ea typeface="微軟正黑體" pitchFamily="34" charset="-120"/>
-            </a:endParaRPr>
-          </a:p>
-          <a:p>
-            <a:pPr algn="ctr">
-              <a:buNone/>
-            </a:pPr>
-            <a:r>
-              <a:rPr lang="zh-TW" altLang="en-US" sz="5400" b="1" dirty="0">
-                <a:solidFill>
-                  <a:srgbClr val="660033"/>
-                </a:solidFill>
-                <a:latin typeface="微軟正黑體" pitchFamily="34" charset="-120"/>
-                <a:ea typeface="微軟正黑體" pitchFamily="34" charset="-120"/>
-              </a:rPr>
-              <a:t>如同行在天</a:t>
-            </a:r>
-            <a:r>
-              <a:rPr lang="zh-TW" altLang="en-US" sz="5400" b="1" dirty="0" smtClean="0">
-                <a:solidFill>
-                  <a:srgbClr val="660033"/>
-                </a:solidFill>
-                <a:latin typeface="微軟正黑體" pitchFamily="34" charset="-120"/>
-                <a:ea typeface="微軟正黑體" pitchFamily="34" charset="-120"/>
-              </a:rPr>
-              <a:t>上</a:t>
-            </a:r>
-            <a:endParaRPr lang="en-US" altLang="zh-TW" sz="5400" b="1" dirty="0" smtClean="0">
-              <a:solidFill>
-                <a:srgbClr val="660033"/>
-              </a:solidFill>
-              <a:latin typeface="微軟正黑體" pitchFamily="34" charset="-120"/>
-              <a:ea typeface="微軟正黑體" pitchFamily="34" charset="-120"/>
-            </a:endParaRPr>
-          </a:p>
-          <a:p>
-            <a:pPr algn="ctr">
-              <a:buNone/>
-            </a:pPr>
-            <a:endParaRPr lang="en-US" altLang="zh-TW" sz="2800" b="1" dirty="0" smtClean="0">
-              <a:solidFill>
-                <a:srgbClr val="660033"/>
-              </a:solidFill>
-              <a:latin typeface="微軟正黑體" pitchFamily="34" charset="-120"/>
-              <a:ea typeface="微軟正黑體" pitchFamily="34" charset="-120"/>
-            </a:endParaRPr>
-          </a:p>
-          <a:p>
-            <a:pPr algn="ctr">
-              <a:buNone/>
-            </a:pPr>
-            <a:r>
-              <a:rPr lang="en-US" altLang="zh-TW" sz="2000" b="1" dirty="0" smtClean="0">
-                <a:solidFill>
-                  <a:srgbClr val="660033"/>
-                </a:solidFill>
-                <a:latin typeface="微軟正黑體" pitchFamily="34" charset="-120"/>
-                <a:ea typeface="微軟正黑體" pitchFamily="34" charset="-120"/>
-              </a:rPr>
-              <a:t>[Chorus]</a:t>
-            </a:r>
-          </a:p>
-          <a:p>
-            <a:pPr algn="ctr">
-              <a:buNone/>
-            </a:pPr>
-            <a:r>
-              <a:rPr lang="en-US" sz="5400" b="1" dirty="0">
+              <a:rPr lang="zh-TW" altLang="en-US" sz="4800" b="1" dirty="0">
+                <a:solidFill>
+                  <a:srgbClr val="660033"/>
+                </a:solidFill>
+                <a:latin typeface="微軟正黑體" pitchFamily="34" charset="-120"/>
+                <a:ea typeface="微軟正黑體" pitchFamily="34" charset="-120"/>
+              </a:rPr>
+              <a:t>在禱告良辰 靜觀祢的美</a:t>
+            </a:r>
+            <a:r>
+              <a:rPr lang="en-US" sz="3600" b="1" dirty="0">
                 <a:solidFill>
                   <a:srgbClr val="660033"/>
                 </a:solidFill>
@@ -3771,7 +3685,7 @@
               <a:t/>
             </a:r>
             <a:br>
-              <a:rPr lang="en-US" sz="5400" b="1" dirty="0">
+              <a:rPr lang="en-US" sz="3600" b="1" dirty="0">
                 <a:solidFill>
                   <a:srgbClr val="660033"/>
                 </a:solidFill>
@@ -3780,7 +3694,32 @@
               </a:rPr>
             </a:br>
             <a:r>
-              <a:rPr lang="en-US" sz="1600" dirty="0">
+              <a:rPr lang="en-US" sz="1400" b="1" dirty="0" smtClean="0">
+                <a:solidFill>
+                  <a:srgbClr val="660033"/>
+                </a:solidFill>
+                <a:latin typeface="微軟正黑體" pitchFamily="34" charset="-120"/>
+                <a:ea typeface="微軟正黑體" pitchFamily="34" charset="-120"/>
+              </a:rPr>
+              <a:t>		</a:t>
+            </a:r>
+          </a:p>
+          <a:p>
+            <a:pPr algn="ctr">
+              <a:buNone/>
+            </a:pPr>
+            <a:r>
+              <a:rPr lang="en-US" sz="1800" b="1" dirty="0" smtClean="0">
+                <a:solidFill>
+                  <a:srgbClr val="660033"/>
+                </a:solidFill>
+                <a:latin typeface="微軟正黑體" pitchFamily="34" charset="-120"/>
+                <a:ea typeface="微軟正黑體" pitchFamily="34" charset="-120"/>
+              </a:rPr>
+              <a:t>[Verse 1]</a:t>
+            </a:r>
+            <a:r>
+              <a:rPr lang="en-US" sz="3600" b="1" dirty="0">
                 <a:solidFill>
                   <a:srgbClr val="660033"/>
                 </a:solidFill>
@@ -3790,7 +3729,7 @@
               <a:t/>
             </a:r>
             <a:br>
-              <a:rPr lang="en-US" sz="1600" dirty="0">
+              <a:rPr lang="en-US" sz="3600" b="1" dirty="0">
                 <a:solidFill>
                   <a:srgbClr val="660033"/>
                 </a:solidFill>
@@ -3798,7 +3737,7 @@
                 <a:ea typeface="微軟正黑體" pitchFamily="34" charset="-120"/>
               </a:rPr>
             </a:br>
-            <a:endParaRPr lang="en-US" sz="1600" dirty="0">
+            <a:endParaRPr lang="en-US" sz="3600" b="1" dirty="0">
               <a:solidFill>
                 <a:srgbClr val="660033"/>
               </a:solidFill>
@@ -3811,14 +3750,31 @@
     </p:spTree>
   </p:cSld>
   <p:clrMapOvr>
-    <a:masterClrMapping/>
+    <a:overrideClrMapping bg1="lt1" tx1="dk1" bg2="lt2" tx2="dk2" accent1="accent1" accent2="accent2" accent3="accent3" accent4="accent4" accent5="accent5" accent6="accent6" hlink="hlink" folHlink="folHlink"/>
   </p:clrMapOvr>
+  <p:timing>
+    <p:tnLst>
+      <p:par>
+        <p:cTn id="1" dur="indefinite" restart="never" nodeType="tmRoot"/>
+      </p:par>
+    </p:tnLst>
+  </p:timing>
 </p:sld>
 </file>
 
 <file path=ppt/slides/slide12.xml><?xml version="1.0" encoding="utf-8"?>
 <p:sld xmlns:a="http://schemas.openxmlformats.org/drawingml/2006/main" xmlns:r="http://schemas.openxmlformats.org/officeDocument/2006/relationships" xmlns:p="http://schemas.openxmlformats.org/presentationml/2006/main">
   <p:cSld>
+    <p:bg>
+      <p:bgPr>
+        <a:blipFill dpi="0" rotWithShape="1">
+          <a:blip r:embed="rId3"/>
+          <a:srcRect/>
+          <a:tile tx="0" ty="0" sx="100000" sy="100000" flip="none" algn="tl"/>
+        </a:blipFill>
+        <a:effectLst/>
+      </p:bgPr>
+    </p:bg>
     <p:spTree>
       <p:nvGrpSpPr>
         <p:cNvPr id="1" name=""/>
@@ -3877,20 +3833,10 @@
                 <a:latin typeface="微軟正黑體" pitchFamily="34" charset="-120"/>
                 <a:ea typeface="微軟正黑體" pitchFamily="34" charset="-120"/>
               </a:rPr>
-              <a:t>主</a:t>
-            </a:r>
-            <a:r>
-              <a:rPr lang="zh-TW" altLang="en-US" sz="5000" b="1" dirty="0">
-                <a:solidFill>
-                  <a:srgbClr val="660033"/>
-                </a:solidFill>
-                <a:latin typeface="微軟正黑體" pitchFamily="34" charset="-120"/>
-                <a:ea typeface="微軟正黑體" pitchFamily="34" charset="-120"/>
-              </a:rPr>
-              <a:t>禱文</a:t>
-            </a:r>
-            <a:r>
-              <a:rPr lang="en-US" sz="5000" b="1" dirty="0">
+              <a:t>主禱文</a:t>
+            </a:r>
+            <a:r>
+              <a:rPr lang="en-US" sz="5000" b="1" dirty="0" smtClean="0">
                 <a:solidFill>
                   <a:srgbClr val="660033"/>
                 </a:solidFill>
@@ -3900,7 +3846,7 @@
               <a:t/>
             </a:r>
             <a:br>
-              <a:rPr lang="en-US" sz="5000" b="1" dirty="0">
+              <a:rPr lang="en-US" sz="5000" b="1" dirty="0" smtClean="0">
                 <a:solidFill>
                   <a:srgbClr val="660033"/>
                 </a:solidFill>
@@ -3939,16 +3885,26 @@
               <a:buNone/>
             </a:pPr>
             <a:r>
-              <a:rPr lang="zh-TW" altLang="en-US" sz="5400" b="1" dirty="0" smtClean="0">
-                <a:solidFill>
-                  <a:srgbClr val="660033"/>
-                </a:solidFill>
-                <a:latin typeface="微軟正黑體" pitchFamily="34" charset="-120"/>
-                <a:ea typeface="微軟正黑體" pitchFamily="34" charset="-120"/>
-              </a:rPr>
-              <a:t>我們當天所需要的食物</a:t>
-            </a:r>
-            <a:endParaRPr lang="en-US" sz="5400" b="1" dirty="0" smtClean="0">
+              <a:rPr lang="zh-TW" altLang="en-US" sz="4800" b="1" dirty="0" smtClean="0">
+                <a:solidFill>
+                  <a:srgbClr val="660033"/>
+                </a:solidFill>
+                <a:latin typeface="微軟正黑體" pitchFamily="34" charset="-120"/>
+                <a:ea typeface="微軟正黑體" pitchFamily="34" charset="-120"/>
+              </a:rPr>
+              <a:t>恬靜 </a:t>
+            </a:r>
+            <a:r>
+              <a:rPr lang="zh-TW" altLang="en-US" sz="4800" b="1" dirty="0">
+                <a:solidFill>
+                  <a:srgbClr val="660033"/>
+                </a:solidFill>
+                <a:latin typeface="微軟正黑體" pitchFamily="34" charset="-120"/>
+                <a:ea typeface="微軟正黑體" pitchFamily="34" charset="-120"/>
+              </a:rPr>
+              <a:t>我沈默主座前 </a:t>
+            </a:r>
+            <a:endParaRPr lang="en-US" altLang="zh-TW" sz="4800" b="1" dirty="0" smtClean="0">
               <a:solidFill>
                 <a:srgbClr val="660033"/>
               </a:solidFill>
@@ -3961,16 +3917,36 @@
               <a:buNone/>
             </a:pPr>
             <a:r>
-              <a:rPr lang="zh-TW" altLang="en-US" sz="5400" b="1" dirty="0" smtClean="0">
-                <a:solidFill>
-                  <a:srgbClr val="660033"/>
-                </a:solidFill>
-                <a:latin typeface="微軟正黑體" pitchFamily="34" charset="-120"/>
-                <a:ea typeface="微軟正黑體" pitchFamily="34" charset="-120"/>
-              </a:rPr>
-              <a:t>求祢賜給我們</a:t>
-            </a:r>
-            <a:endParaRPr lang="en-US" sz="5400" b="1" dirty="0" smtClean="0">
+              <a:rPr lang="zh-TW" altLang="en-US" sz="4800" b="1" dirty="0" smtClean="0">
+                <a:solidFill>
+                  <a:srgbClr val="660033"/>
+                </a:solidFill>
+                <a:latin typeface="微軟正黑體" pitchFamily="34" charset="-120"/>
+                <a:ea typeface="微軟正黑體" pitchFamily="34" charset="-120"/>
+              </a:rPr>
+              <a:t>毋</a:t>
+            </a:r>
+            <a:r>
+              <a:rPr lang="zh-TW" altLang="en-US" sz="4800" b="1" dirty="0">
+                <a:solidFill>
+                  <a:srgbClr val="660033"/>
+                </a:solidFill>
+                <a:latin typeface="微軟正黑體" pitchFamily="34" charset="-120"/>
+                <a:ea typeface="微軟正黑體" pitchFamily="34" charset="-120"/>
+              </a:rPr>
+              <a:t>用多片</a:t>
+            </a:r>
+            <a:r>
+              <a:rPr lang="zh-TW" altLang="en-US" sz="4800" b="1" dirty="0" smtClean="0">
+                <a:solidFill>
+                  <a:srgbClr val="660033"/>
+                </a:solidFill>
+                <a:latin typeface="微軟正黑體" pitchFamily="34" charset="-120"/>
+                <a:ea typeface="微軟正黑體" pitchFamily="34" charset="-120"/>
+              </a:rPr>
+              <a:t>言</a:t>
+            </a:r>
+            <a:endParaRPr lang="en-US" altLang="zh-TW" sz="4800" b="1" dirty="0" smtClean="0">
               <a:solidFill>
                 <a:srgbClr val="660033"/>
               </a:solidFill>
@@ -3983,71 +3959,44 @@
               <a:buNone/>
             </a:pPr>
             <a:r>
-              <a:rPr lang="zh-TW" altLang="en-US" sz="5400" b="1" dirty="0" smtClean="0">
-                <a:solidFill>
-                  <a:srgbClr val="660033"/>
-                </a:solidFill>
-                <a:latin typeface="微軟正黑體" pitchFamily="34" charset="-120"/>
-                <a:ea typeface="微軟正黑體" pitchFamily="34" charset="-120"/>
-              </a:rPr>
-              <a:t>免我們的債</a:t>
-            </a:r>
-            <a:endParaRPr lang="en-US" sz="5400" b="1" dirty="0" smtClean="0">
-              <a:solidFill>
-                <a:srgbClr val="660033"/>
-              </a:solidFill>
-              <a:latin typeface="微軟正黑體" pitchFamily="34" charset="-120"/>
-              <a:ea typeface="微軟正黑體" pitchFamily="34" charset="-120"/>
-            </a:endParaRPr>
-          </a:p>
-          <a:p>
-            <a:pPr algn="ctr">
-              <a:buNone/>
-            </a:pPr>
-            <a:r>
-              <a:rPr lang="zh-TW" altLang="en-US" sz="5400" b="1" dirty="0" smtClean="0">
-                <a:solidFill>
-                  <a:srgbClr val="660033"/>
-                </a:solidFill>
-                <a:latin typeface="微軟正黑體" pitchFamily="34" charset="-120"/>
-                <a:ea typeface="微軟正黑體" pitchFamily="34" charset="-120"/>
-              </a:rPr>
-              <a:t>如同我們免去人的債</a:t>
-            </a:r>
-            <a:endParaRPr lang="en-US" altLang="zh-TW" sz="5400" b="1" dirty="0" smtClean="0">
-              <a:solidFill>
-                <a:srgbClr val="660033"/>
-              </a:solidFill>
-              <a:latin typeface="微軟正黑體" pitchFamily="34" charset="-120"/>
-              <a:ea typeface="微軟正黑體" pitchFamily="34" charset="-120"/>
-            </a:endParaRPr>
-          </a:p>
-          <a:p>
-            <a:pPr algn="ctr">
-              <a:buNone/>
-            </a:pPr>
-            <a:endParaRPr lang="en-US" sz="2800" b="1" dirty="0" smtClean="0">
-              <a:solidFill>
-                <a:srgbClr val="660033"/>
-              </a:solidFill>
-              <a:latin typeface="微軟正黑體" pitchFamily="34" charset="-120"/>
-              <a:ea typeface="微軟正黑體" pitchFamily="34" charset="-120"/>
-            </a:endParaRPr>
-          </a:p>
-          <a:p>
-            <a:pPr algn="ctr">
-              <a:buNone/>
-            </a:pPr>
-            <a:r>
-              <a:rPr lang="en-US" sz="2800" b="1" dirty="0" smtClean="0">
-                <a:solidFill>
-                  <a:srgbClr val="660033"/>
-                </a:solidFill>
-                <a:latin typeface="微軟正黑體" pitchFamily="34" charset="-120"/>
-                <a:ea typeface="微軟正黑體" pitchFamily="34" charset="-120"/>
-              </a:rPr>
-              <a:t>[Chorus]</a:t>
-            </a:r>
+              <a:rPr lang="zh-TW" altLang="en-US" sz="4800" b="1" dirty="0" smtClean="0">
+                <a:solidFill>
+                  <a:srgbClr val="660033"/>
+                </a:solidFill>
+                <a:latin typeface="微軟正黑體" pitchFamily="34" charset="-120"/>
+                <a:ea typeface="微軟正黑體" pitchFamily="34" charset="-120"/>
+              </a:rPr>
+              <a:t>在</a:t>
+            </a:r>
+            <a:r>
+              <a:rPr lang="zh-TW" altLang="en-US" sz="4800" b="1" dirty="0">
+                <a:solidFill>
+                  <a:srgbClr val="660033"/>
+                </a:solidFill>
+                <a:latin typeface="微軟正黑體" pitchFamily="34" charset="-120"/>
+                <a:ea typeface="微軟正黑體" pitchFamily="34" charset="-120"/>
+              </a:rPr>
+              <a:t>禱告前 祢已清楚我需要</a:t>
+            </a:r>
+            <a:r>
+              <a:rPr lang="en-US" altLang="en-US" sz="4800" b="1" dirty="0">
+                <a:solidFill>
+                  <a:srgbClr val="660033"/>
+                </a:solidFill>
+                <a:latin typeface="微軟正黑體" pitchFamily="34" charset="-120"/>
+                <a:ea typeface="微軟正黑體" pitchFamily="34" charset="-120"/>
+              </a:rPr>
+              <a:t/>
+            </a:r>
+            <a:br>
+              <a:rPr lang="en-US" altLang="en-US" sz="4800" b="1" dirty="0">
+                <a:solidFill>
+                  <a:srgbClr val="660033"/>
+                </a:solidFill>
+                <a:latin typeface="微軟正黑體" pitchFamily="34" charset="-120"/>
+                <a:ea typeface="微軟正黑體" pitchFamily="34" charset="-120"/>
+              </a:rPr>
+            </a:br>
             <a:r>
               <a:rPr lang="en-US" sz="5400" b="1" dirty="0" smtClean="0">
                 <a:solidFill>
@@ -4056,9 +4005,14 @@
                 <a:latin typeface="微軟正黑體" pitchFamily="34" charset="-120"/>
                 <a:ea typeface="微軟正黑體" pitchFamily="34" charset="-120"/>
               </a:rPr>
-              <a:t/>
-            </a:r>
-            <a:br>
+              <a:t>			</a:t>
+            </a:r>
+          </a:p>
+          <a:p>
+            <a:pPr algn="ctr">
+              <a:buNone/>
+            </a:pPr>
+            <a:r>
               <a:rPr lang="en-US" sz="5400" b="1" dirty="0" smtClean="0">
                 <a:solidFill>
                   <a:srgbClr val="660033"/>
@@ -4066,7 +4020,38 @@
                 <a:latin typeface="微軟正黑體" pitchFamily="34" charset="-120"/>
                 <a:ea typeface="微軟正黑體" pitchFamily="34" charset="-120"/>
               </a:rPr>
-            </a:br>
+              <a:t>	</a:t>
+            </a:r>
+          </a:p>
+          <a:p>
+            <a:pPr algn="ctr">
+              <a:buNone/>
+            </a:pPr>
+            <a:r>
+              <a:rPr lang="en-US" sz="1600" b="1" dirty="0" smtClean="0">
+                <a:solidFill>
+                  <a:srgbClr val="660033"/>
+                </a:solidFill>
+                <a:latin typeface="微軟正黑體" pitchFamily="34" charset="-120"/>
+                <a:ea typeface="微軟正黑體" pitchFamily="34" charset="-120"/>
+              </a:rPr>
+              <a:t>	</a:t>
+            </a:r>
+          </a:p>
+          <a:p>
+            <a:pPr algn="ctr">
+              <a:buNone/>
+            </a:pPr>
+            <a:r>
+              <a:rPr lang="en-US" sz="1600" b="1" dirty="0" smtClean="0">
+                <a:solidFill>
+                  <a:srgbClr val="660033"/>
+                </a:solidFill>
+                <a:latin typeface="微軟正黑體" pitchFamily="34" charset="-120"/>
+                <a:ea typeface="微軟正黑體" pitchFamily="34" charset="-120"/>
+              </a:rPr>
+              <a:t>[Verse 1]</a:t>
+            </a:r>
             <a:r>
               <a:rPr lang="en-US" sz="5400" b="1" dirty="0">
                 <a:solidFill>
@@ -4086,26 +4071,7 @@
                 <a:ea typeface="微軟正黑體" pitchFamily="34" charset="-120"/>
               </a:rPr>
             </a:br>
-            <a:r>
-              <a:rPr lang="en-US" sz="1600" dirty="0">
-                <a:solidFill>
-                  <a:srgbClr val="660033"/>
-                </a:solidFill>
-                <a:latin typeface="微軟正黑體" pitchFamily="34" charset="-120"/>
-                <a:ea typeface="微軟正黑體" pitchFamily="34" charset="-120"/>
-              </a:rPr>
-              <a:t/>
-            </a:r>
-            <a:br>
-              <a:rPr lang="en-US" sz="1600" dirty="0">
-                <a:solidFill>
-                  <a:srgbClr val="660033"/>
-                </a:solidFill>
-                <a:latin typeface="微軟正黑體" pitchFamily="34" charset="-120"/>
-                <a:ea typeface="微軟正黑體" pitchFamily="34" charset="-120"/>
-              </a:rPr>
-            </a:br>
-            <a:endParaRPr lang="en-US" sz="1600" dirty="0">
+            <a:endParaRPr lang="en-US" sz="5400" b="1" dirty="0">
               <a:solidFill>
                 <a:srgbClr val="660033"/>
               </a:solidFill>
@@ -4118,8 +4084,15 @@
     </p:spTree>
   </p:cSld>
   <p:clrMapOvr>
-    <a:masterClrMapping/>
+    <a:overrideClrMapping bg1="lt1" tx1="dk1" bg2="lt2" tx2="dk2" accent1="accent1" accent2="accent2" accent3="accent3" accent4="accent4" accent5="accent5" accent6="accent6" hlink="hlink" folHlink="folHlink"/>
   </p:clrMapOvr>
+  <p:timing>
+    <p:tnLst>
+      <p:par>
+        <p:cTn id="1" dur="indefinite" restart="never" nodeType="tmRoot"/>
+      </p:par>
+    </p:tnLst>
+  </p:timing>
 </p:sld>
 </file>
 
@@ -4158,7 +4131,7 @@
           <a:lstStyle/>
           <a:p>
             <a:r>
-              <a:rPr lang="en-US" altLang="zh-TW" sz="5000" b="1" dirty="0" smtClean="0">
+              <a:rPr lang="en-US" altLang="zh-TW" b="1" dirty="0" smtClean="0">
                 <a:solidFill>
                   <a:srgbClr val="660033"/>
                 </a:solidFill>
@@ -4168,7 +4141,7 @@
               <a:t/>
             </a:r>
             <a:br>
-              <a:rPr lang="en-US" altLang="zh-TW" sz="5000" b="1" dirty="0" smtClean="0">
+              <a:rPr lang="en-US" altLang="zh-TW" b="1" dirty="0" smtClean="0">
                 <a:solidFill>
                   <a:srgbClr val="660033"/>
                 </a:solidFill>
@@ -4177,27 +4150,17 @@
               </a:rPr>
             </a:br>
             <a:r>
-              <a:rPr lang="zh-TW" altLang="en-US" sz="5000" b="1" dirty="0" smtClean="0">
-                <a:solidFill>
-                  <a:srgbClr val="660033"/>
-                </a:solidFill>
-                <a:latin typeface="微軟正黑體" pitchFamily="34" charset="-120"/>
-                <a:ea typeface="微軟正黑體" pitchFamily="34" charset="-120"/>
-              </a:rPr>
-              <a:t>主</a:t>
-            </a:r>
-            <a:r>
-              <a:rPr lang="zh-TW" altLang="en-US" sz="5000" b="1" dirty="0">
-                <a:solidFill>
-                  <a:srgbClr val="660033"/>
-                </a:solidFill>
-                <a:latin typeface="微軟正黑體" pitchFamily="34" charset="-120"/>
-                <a:ea typeface="微軟正黑體" pitchFamily="34" charset="-120"/>
-              </a:rPr>
-              <a:t>禱文</a:t>
-            </a:r>
-            <a:r>
-              <a:rPr lang="en-US" sz="5000" b="1" dirty="0">
+              <a:rPr lang="zh-TW" altLang="en-US" b="1" dirty="0" smtClean="0">
+                <a:solidFill>
+                  <a:srgbClr val="660033"/>
+                </a:solidFill>
+                <a:latin typeface="微軟正黑體" pitchFamily="34" charset="-120"/>
+                <a:ea typeface="微軟正黑體" pitchFamily="34" charset="-120"/>
+              </a:rPr>
+              <a:t>主禱文</a:t>
+            </a:r>
+            <a:r>
+              <a:rPr lang="en-US" b="1" dirty="0" smtClean="0">
                 <a:solidFill>
                   <a:srgbClr val="660033"/>
                 </a:solidFill>
@@ -4207,7 +4170,7 @@
               <a:t/>
             </a:r>
             <a:br>
-              <a:rPr lang="en-US" sz="5000" b="1" dirty="0">
+              <a:rPr lang="en-US" b="1" dirty="0" smtClean="0">
                 <a:solidFill>
                   <a:srgbClr val="660033"/>
                 </a:solidFill>
@@ -4215,7 +4178,7 @@
                 <a:ea typeface="微軟正黑體" pitchFamily="34" charset="-120"/>
               </a:rPr>
             </a:br>
-            <a:endParaRPr lang="en-US" sz="5000" b="1" dirty="0">
+            <a:endParaRPr lang="en-US" b="1" dirty="0">
               <a:solidFill>
                 <a:srgbClr val="660033"/>
               </a:solidFill>
@@ -4246,16 +4209,16 @@
               <a:buNone/>
             </a:pPr>
             <a:r>
-              <a:rPr lang="zh-TW" altLang="en-US" sz="5400" b="1" dirty="0" smtClean="0">
-                <a:solidFill>
-                  <a:srgbClr val="660033"/>
-                </a:solidFill>
-                <a:latin typeface="微軟正黑體" pitchFamily="34" charset="-120"/>
-                <a:ea typeface="微軟正黑體" pitchFamily="34" charset="-120"/>
-              </a:rPr>
-              <a:t>不叫我們遇見試探 </a:t>
-            </a:r>
-            <a:endParaRPr lang="en-US" altLang="zh-TW" sz="5400" b="1" dirty="0" smtClean="0">
+              <a:rPr lang="zh-TW" altLang="en-US" sz="4800" b="1" dirty="0" smtClean="0">
+                <a:solidFill>
+                  <a:srgbClr val="660033"/>
+                </a:solidFill>
+                <a:latin typeface="微軟正黑體" pitchFamily="34" charset="-120"/>
+                <a:ea typeface="微軟正黑體" pitchFamily="34" charset="-120"/>
+              </a:rPr>
+              <a:t>天父祢名是多麼美 </a:t>
+            </a:r>
+            <a:endParaRPr lang="en-US" altLang="zh-TW" sz="4800" b="1" dirty="0" smtClean="0">
               <a:solidFill>
                 <a:srgbClr val="660033"/>
               </a:solidFill>
@@ -4268,16 +4231,26 @@
               <a:buNone/>
             </a:pPr>
             <a:r>
-              <a:rPr lang="zh-TW" altLang="en-US" sz="5400" b="1" dirty="0" smtClean="0">
-                <a:solidFill>
-                  <a:srgbClr val="660033"/>
-                </a:solidFill>
-                <a:latin typeface="微軟正黑體" pitchFamily="34" charset="-120"/>
-                <a:ea typeface="微軟正黑體" pitchFamily="34" charset="-120"/>
-              </a:rPr>
-              <a:t>救我們脫離凶惡</a:t>
-            </a:r>
-            <a:endParaRPr lang="en-US" altLang="zh-TW" sz="5400" b="1" dirty="0" smtClean="0">
+              <a:rPr lang="zh-TW" altLang="en-US" sz="4800" b="1" dirty="0" smtClean="0">
+                <a:solidFill>
+                  <a:srgbClr val="660033"/>
+                </a:solidFill>
+                <a:latin typeface="微軟正黑體" pitchFamily="34" charset="-120"/>
+                <a:ea typeface="微軟正黑體" pitchFamily="34" charset="-120"/>
+              </a:rPr>
+              <a:t>榮耀</a:t>
+            </a:r>
+            <a:r>
+              <a:rPr lang="zh-TW" altLang="en-US" sz="4800" b="1" dirty="0">
+                <a:solidFill>
+                  <a:srgbClr val="660033"/>
+                </a:solidFill>
+                <a:latin typeface="微軟正黑體" pitchFamily="34" charset="-120"/>
+                <a:ea typeface="微軟正黑體" pitchFamily="34" charset="-120"/>
+              </a:rPr>
+              <a:t>遍全地</a:t>
+            </a:r>
+            <a:endParaRPr lang="en-US" sz="4800" b="1" dirty="0">
               <a:solidFill>
                 <a:srgbClr val="660033"/>
               </a:solidFill>
@@ -4290,93 +4263,17 @@
               <a:buNone/>
             </a:pPr>
             <a:r>
-              <a:rPr lang="zh-TW" altLang="en-US" sz="5400" b="1" dirty="0" smtClean="0">
-                <a:solidFill>
-                  <a:srgbClr val="660033"/>
-                </a:solidFill>
-                <a:latin typeface="微軟正黑體" pitchFamily="34" charset="-120"/>
-                <a:ea typeface="微軟正黑體" pitchFamily="34" charset="-120"/>
-              </a:rPr>
-              <a:t>因國度權柄榮耀 </a:t>
-            </a:r>
-            <a:endParaRPr lang="en-US" altLang="zh-TW" sz="5400" b="1" dirty="0" smtClean="0">
-              <a:solidFill>
-                <a:srgbClr val="660033"/>
-              </a:solidFill>
-              <a:latin typeface="微軟正黑體" pitchFamily="34" charset="-120"/>
-              <a:ea typeface="微軟正黑體" pitchFamily="34" charset="-120"/>
-            </a:endParaRPr>
-          </a:p>
-          <a:p>
-            <a:pPr algn="ctr">
-              <a:buNone/>
-            </a:pPr>
-            <a:r>
-              <a:rPr lang="zh-TW" altLang="en-US" sz="5400" b="1" dirty="0" smtClean="0">
-                <a:solidFill>
-                  <a:srgbClr val="660033"/>
-                </a:solidFill>
-                <a:latin typeface="微軟正黑體" pitchFamily="34" charset="-120"/>
-                <a:ea typeface="微軟正黑體" pitchFamily="34" charset="-120"/>
-              </a:rPr>
-              <a:t>全屬祢直到永遠</a:t>
-            </a:r>
-            <a:endParaRPr lang="en-US" altLang="zh-TW" sz="5400" b="1" dirty="0" smtClean="0">
-              <a:solidFill>
-                <a:srgbClr val="660033"/>
-              </a:solidFill>
-              <a:latin typeface="微軟正黑體" pitchFamily="34" charset="-120"/>
-              <a:ea typeface="微軟正黑體" pitchFamily="34" charset="-120"/>
-            </a:endParaRPr>
-          </a:p>
-          <a:p>
-            <a:pPr algn="ctr">
-              <a:buNone/>
-            </a:pPr>
-            <a:endParaRPr lang="en-US" sz="2800" b="1" dirty="0" smtClean="0">
-              <a:solidFill>
-                <a:srgbClr val="660033"/>
-              </a:solidFill>
-              <a:latin typeface="微軟正黑體" pitchFamily="34" charset="-120"/>
-              <a:ea typeface="微軟正黑體" pitchFamily="34" charset="-120"/>
-            </a:endParaRPr>
-          </a:p>
-          <a:p>
-            <a:pPr algn="ctr">
-              <a:buNone/>
-            </a:pPr>
-            <a:r>
-              <a:rPr lang="en-US" sz="2800" b="1" dirty="0" smtClean="0">
-                <a:solidFill>
-                  <a:srgbClr val="660033"/>
-                </a:solidFill>
-                <a:latin typeface="微軟正黑體" pitchFamily="34" charset="-120"/>
-                <a:ea typeface="微軟正黑體" pitchFamily="34" charset="-120"/>
-              </a:rPr>
-              <a:t>[</a:t>
-            </a:r>
-            <a:r>
-              <a:rPr lang="en-US" altLang="zh-CN" sz="2800" b="1" dirty="0" smtClean="0">
-                <a:solidFill>
-                  <a:srgbClr val="660033"/>
-                </a:solidFill>
-                <a:latin typeface="微軟正黑體" pitchFamily="34" charset="-120"/>
-                <a:ea typeface="微軟正黑體" pitchFamily="34" charset="-120"/>
-              </a:rPr>
-              <a:t>Bridge</a:t>
-            </a:r>
-            <a:r>
-              <a:rPr lang="en-US" sz="2800" b="1" dirty="0" smtClean="0">
-                <a:solidFill>
-                  <a:srgbClr val="660033"/>
-                </a:solidFill>
-                <a:latin typeface="微軟正黑體" pitchFamily="34" charset="-120"/>
-                <a:ea typeface="微軟正黑體" pitchFamily="34" charset="-120"/>
-              </a:rPr>
-              <a:t>]</a:t>
-            </a:r>
-            <a:r>
-              <a:rPr lang="en-US" sz="5400" b="1" dirty="0" smtClean="0">
+              <a:rPr lang="zh-TW" altLang="en-US" sz="4800" b="1" dirty="0">
+                <a:solidFill>
+                  <a:srgbClr val="660033"/>
+                </a:solidFill>
+                <a:latin typeface="微軟正黑體" pitchFamily="34" charset="-120"/>
+                <a:ea typeface="微軟正黑體" pitchFamily="34" charset="-120"/>
+              </a:rPr>
+              <a:t>在禱告良辰 靜觀祢的美</a:t>
+            </a:r>
+            <a:r>
+              <a:rPr lang="en-US" sz="3600" b="1" dirty="0">
                 <a:solidFill>
                   <a:srgbClr val="660033"/>
                 </a:solidFill>
@@ -4386,7 +4283,7 @@
               <a:t/>
             </a:r>
             <a:br>
-              <a:rPr lang="en-US" sz="5400" b="1" dirty="0" smtClean="0">
+              <a:rPr lang="en-US" sz="3600" b="1" dirty="0">
                 <a:solidFill>
                   <a:srgbClr val="660033"/>
                 </a:solidFill>
@@ -4395,7 +4292,32 @@
               </a:rPr>
             </a:br>
             <a:r>
-              <a:rPr lang="en-US" sz="5400" b="1" dirty="0">
+              <a:rPr lang="en-US" sz="1400" b="1" dirty="0" smtClean="0">
+                <a:solidFill>
+                  <a:srgbClr val="660033"/>
+                </a:solidFill>
+                <a:latin typeface="微軟正黑體" pitchFamily="34" charset="-120"/>
+                <a:ea typeface="微軟正黑體" pitchFamily="34" charset="-120"/>
+              </a:rPr>
+              <a:t>		</a:t>
+            </a:r>
+          </a:p>
+          <a:p>
+            <a:pPr algn="ctr">
+              <a:buNone/>
+            </a:pPr>
+            <a:r>
+              <a:rPr lang="en-US" sz="1800" b="1" dirty="0" smtClean="0">
+                <a:solidFill>
+                  <a:srgbClr val="660033"/>
+                </a:solidFill>
+                <a:latin typeface="微軟正黑體" pitchFamily="34" charset="-120"/>
+                <a:ea typeface="微軟正黑體" pitchFamily="34" charset="-120"/>
+              </a:rPr>
+              <a:t>[Verse 1]</a:t>
+            </a:r>
+            <a:r>
+              <a:rPr lang="en-US" sz="3600" b="1" dirty="0">
                 <a:solidFill>
                   <a:srgbClr val="660033"/>
                 </a:solidFill>
@@ -4405,7 +4327,7 @@
               <a:t/>
             </a:r>
             <a:br>
-              <a:rPr lang="en-US" sz="5400" b="1" dirty="0">
+              <a:rPr lang="en-US" sz="3600" b="1" dirty="0">
                 <a:solidFill>
                   <a:srgbClr val="660033"/>
                 </a:solidFill>
@@ -4413,26 +4335,7 @@
                 <a:ea typeface="微軟正黑體" pitchFamily="34" charset="-120"/>
               </a:rPr>
             </a:br>
-            <a:r>
-              <a:rPr lang="en-US" sz="1600" b="1" dirty="0">
-                <a:solidFill>
-                  <a:srgbClr val="660033"/>
-                </a:solidFill>
-                <a:latin typeface="微軟正黑體" pitchFamily="34" charset="-120"/>
-                <a:ea typeface="微軟正黑體" pitchFamily="34" charset="-120"/>
-              </a:rPr>
-              <a:t/>
-            </a:r>
-            <a:br>
-              <a:rPr lang="en-US" sz="1600" b="1" dirty="0">
-                <a:solidFill>
-                  <a:srgbClr val="660033"/>
-                </a:solidFill>
-                <a:latin typeface="微軟正黑體" pitchFamily="34" charset="-120"/>
-                <a:ea typeface="微軟正黑體" pitchFamily="34" charset="-120"/>
-              </a:rPr>
-            </a:br>
-            <a:endParaRPr lang="en-US" sz="1600" b="1" dirty="0">
+            <a:endParaRPr lang="en-US" sz="3600" b="1" dirty="0">
               <a:solidFill>
                 <a:srgbClr val="660033"/>
               </a:solidFill>
@@ -4518,20 +4421,10 @@
                 <a:latin typeface="微軟正黑體" pitchFamily="34" charset="-120"/>
                 <a:ea typeface="微軟正黑體" pitchFamily="34" charset="-120"/>
               </a:rPr>
-              <a:t>主</a:t>
-            </a:r>
-            <a:r>
-              <a:rPr lang="zh-TW" altLang="en-US" sz="5000" b="1" dirty="0">
-                <a:solidFill>
-                  <a:srgbClr val="660033"/>
-                </a:solidFill>
-                <a:latin typeface="微軟正黑體" pitchFamily="34" charset="-120"/>
-                <a:ea typeface="微軟正黑體" pitchFamily="34" charset="-120"/>
-              </a:rPr>
-              <a:t>禱文</a:t>
-            </a:r>
-            <a:r>
-              <a:rPr lang="en-US" sz="5000" b="1" dirty="0">
+              <a:t>主禱文</a:t>
+            </a:r>
+            <a:r>
+              <a:rPr lang="en-US" sz="5000" b="1" dirty="0" smtClean="0">
                 <a:solidFill>
                   <a:srgbClr val="660033"/>
                 </a:solidFill>
@@ -4541,7 +4434,7 @@
               <a:t/>
             </a:r>
             <a:br>
-              <a:rPr lang="en-US" sz="5000" b="1" dirty="0">
+              <a:rPr lang="en-US" sz="5000" b="1" dirty="0" smtClean="0">
                 <a:solidFill>
                   <a:srgbClr val="660033"/>
                 </a:solidFill>
@@ -4580,6 +4473,119 @@
               <a:buNone/>
             </a:pPr>
             <a:r>
+              <a:rPr lang="zh-TW" altLang="en-US" sz="4800" b="1" dirty="0" smtClean="0">
+                <a:solidFill>
+                  <a:srgbClr val="660033"/>
+                </a:solidFill>
+                <a:latin typeface="微軟正黑體" pitchFamily="34" charset="-120"/>
+                <a:ea typeface="微軟正黑體" pitchFamily="34" charset="-120"/>
+              </a:rPr>
+              <a:t>恬靜 </a:t>
+            </a:r>
+            <a:r>
+              <a:rPr lang="zh-TW" altLang="en-US" sz="4800" b="1" dirty="0">
+                <a:solidFill>
+                  <a:srgbClr val="660033"/>
+                </a:solidFill>
+                <a:latin typeface="微軟正黑體" pitchFamily="34" charset="-120"/>
+                <a:ea typeface="微軟正黑體" pitchFamily="34" charset="-120"/>
+              </a:rPr>
+              <a:t>我沈默主座前 </a:t>
+            </a:r>
+            <a:endParaRPr lang="en-US" altLang="zh-TW" sz="4800" b="1" dirty="0" smtClean="0">
+              <a:solidFill>
+                <a:srgbClr val="660033"/>
+              </a:solidFill>
+              <a:latin typeface="微軟正黑體" pitchFamily="34" charset="-120"/>
+              <a:ea typeface="微軟正黑體" pitchFamily="34" charset="-120"/>
+            </a:endParaRPr>
+          </a:p>
+          <a:p>
+            <a:pPr algn="ctr">
+              <a:buNone/>
+            </a:pPr>
+            <a:r>
+              <a:rPr lang="zh-TW" altLang="en-US" sz="4800" b="1" dirty="0" smtClean="0">
+                <a:solidFill>
+                  <a:srgbClr val="660033"/>
+                </a:solidFill>
+                <a:latin typeface="微軟正黑體" pitchFamily="34" charset="-120"/>
+                <a:ea typeface="微軟正黑體" pitchFamily="34" charset="-120"/>
+              </a:rPr>
+              <a:t>毋</a:t>
+            </a:r>
+            <a:r>
+              <a:rPr lang="zh-TW" altLang="en-US" sz="4800" b="1" dirty="0">
+                <a:solidFill>
+                  <a:srgbClr val="660033"/>
+                </a:solidFill>
+                <a:latin typeface="微軟正黑體" pitchFamily="34" charset="-120"/>
+                <a:ea typeface="微軟正黑體" pitchFamily="34" charset="-120"/>
+              </a:rPr>
+              <a:t>用多片</a:t>
+            </a:r>
+            <a:r>
+              <a:rPr lang="zh-TW" altLang="en-US" sz="4800" b="1" dirty="0" smtClean="0">
+                <a:solidFill>
+                  <a:srgbClr val="660033"/>
+                </a:solidFill>
+                <a:latin typeface="微軟正黑體" pitchFamily="34" charset="-120"/>
+                <a:ea typeface="微軟正黑體" pitchFamily="34" charset="-120"/>
+              </a:rPr>
+              <a:t>言</a:t>
+            </a:r>
+            <a:endParaRPr lang="en-US" altLang="zh-TW" sz="4800" b="1" dirty="0" smtClean="0">
+              <a:solidFill>
+                <a:srgbClr val="660033"/>
+              </a:solidFill>
+              <a:latin typeface="微軟正黑體" pitchFamily="34" charset="-120"/>
+              <a:ea typeface="微軟正黑體" pitchFamily="34" charset="-120"/>
+            </a:endParaRPr>
+          </a:p>
+          <a:p>
+            <a:pPr algn="ctr">
+              <a:buNone/>
+            </a:pPr>
+            <a:r>
+              <a:rPr lang="zh-TW" altLang="en-US" sz="4800" b="1" dirty="0" smtClean="0">
+                <a:solidFill>
+                  <a:srgbClr val="660033"/>
+                </a:solidFill>
+                <a:latin typeface="微軟正黑體" pitchFamily="34" charset="-120"/>
+                <a:ea typeface="微軟正黑體" pitchFamily="34" charset="-120"/>
+              </a:rPr>
+              <a:t>在</a:t>
+            </a:r>
+            <a:r>
+              <a:rPr lang="zh-TW" altLang="en-US" sz="4800" b="1" dirty="0">
+                <a:solidFill>
+                  <a:srgbClr val="660033"/>
+                </a:solidFill>
+                <a:latin typeface="微軟正黑體" pitchFamily="34" charset="-120"/>
+                <a:ea typeface="微軟正黑體" pitchFamily="34" charset="-120"/>
+              </a:rPr>
+              <a:t>禱告前 祢已清楚我需要</a:t>
+            </a:r>
+            <a:r>
+              <a:rPr lang="en-US" altLang="en-US" sz="4800" b="1" dirty="0">
+                <a:solidFill>
+                  <a:srgbClr val="660033"/>
+                </a:solidFill>
+                <a:latin typeface="微軟正黑體" pitchFamily="34" charset="-120"/>
+                <a:ea typeface="微軟正黑體" pitchFamily="34" charset="-120"/>
+              </a:rPr>
+              <a:t/>
+            </a:r>
+            <a:br>
+              <a:rPr lang="en-US" altLang="en-US" sz="4800" b="1" dirty="0">
+                <a:solidFill>
+                  <a:srgbClr val="660033"/>
+                </a:solidFill>
+                <a:latin typeface="微軟正黑體" pitchFamily="34" charset="-120"/>
+                <a:ea typeface="微軟正黑體" pitchFamily="34" charset="-120"/>
+              </a:rPr>
+            </a:br>
+            <a:r>
               <a:rPr lang="en-US" sz="5400" b="1" dirty="0" smtClean="0">
                 <a:solidFill>
                   <a:srgbClr val="660033"/>
@@ -4587,9 +4593,14 @@
                 <a:latin typeface="微軟正黑體" pitchFamily="34" charset="-120"/>
                 <a:ea typeface="微軟正黑體" pitchFamily="34" charset="-120"/>
               </a:rPr>
-              <a:t/>
-            </a:r>
-            <a:br>
+              <a:t>			</a:t>
+            </a:r>
+          </a:p>
+          <a:p>
+            <a:pPr algn="ctr">
+              <a:buNone/>
+            </a:pPr>
+            <a:r>
               <a:rPr lang="en-US" sz="5400" b="1" dirty="0" smtClean="0">
                 <a:solidFill>
                   <a:srgbClr val="660033"/>
@@ -4597,89 +4608,38 @@
                 <a:latin typeface="微軟正黑體" pitchFamily="34" charset="-120"/>
                 <a:ea typeface="微軟正黑體" pitchFamily="34" charset="-120"/>
               </a:rPr>
-            </a:br>
-            <a:r>
-              <a:rPr lang="zh-TW" altLang="en-US" sz="5400" b="1" dirty="0" smtClean="0">
-                <a:solidFill>
-                  <a:srgbClr val="660033"/>
-                </a:solidFill>
-                <a:latin typeface="微軟正黑體" pitchFamily="34" charset="-120"/>
-                <a:ea typeface="微軟正黑體" pitchFamily="34" charset="-120"/>
-              </a:rPr>
-              <a:t>我們在天上的父</a:t>
-            </a:r>
-            <a:br>
-              <a:rPr lang="zh-TW" altLang="en-US" sz="5400" b="1" dirty="0" smtClean="0">
-                <a:solidFill>
-                  <a:srgbClr val="660033"/>
-                </a:solidFill>
-                <a:latin typeface="微軟正黑體" pitchFamily="34" charset="-120"/>
-                <a:ea typeface="微軟正黑體" pitchFamily="34" charset="-120"/>
-              </a:rPr>
-            </a:br>
-            <a:r>
-              <a:rPr lang="zh-TW" altLang="en-US" sz="5400" b="1" dirty="0" smtClean="0">
-                <a:solidFill>
-                  <a:srgbClr val="660033"/>
-                </a:solidFill>
-                <a:latin typeface="微軟正黑體" pitchFamily="34" charset="-120"/>
-                <a:ea typeface="微軟正黑體" pitchFamily="34" charset="-120"/>
-              </a:rPr>
-              <a:t>願人都尊祢名為聖</a:t>
-            </a:r>
-            <a:endParaRPr lang="en-US" sz="2800" b="1" dirty="0" smtClean="0">
-              <a:solidFill>
-                <a:srgbClr val="660033"/>
-              </a:solidFill>
-              <a:latin typeface="微軟正黑體" pitchFamily="34" charset="-120"/>
-              <a:ea typeface="微軟正黑體" pitchFamily="34" charset="-120"/>
-            </a:endParaRPr>
-          </a:p>
-          <a:p>
-            <a:pPr algn="ctr">
-              <a:buNone/>
-            </a:pPr>
-            <a:endParaRPr lang="en-US" sz="2800" b="1" dirty="0" smtClean="0">
-              <a:solidFill>
-                <a:srgbClr val="660033"/>
-              </a:solidFill>
-              <a:latin typeface="微軟正黑體" pitchFamily="34" charset="-120"/>
-              <a:ea typeface="微軟正黑體" pitchFamily="34" charset="-120"/>
-            </a:endParaRPr>
-          </a:p>
-          <a:p>
-            <a:pPr algn="ctr">
-              <a:buNone/>
-            </a:pPr>
-            <a:r>
-              <a:rPr lang="en-US" sz="2800" b="1" dirty="0" smtClean="0">
-                <a:solidFill>
-                  <a:srgbClr val="660033"/>
-                </a:solidFill>
-                <a:latin typeface="微軟正黑體" pitchFamily="34" charset="-120"/>
-                <a:ea typeface="微軟正黑體" pitchFamily="34" charset="-120"/>
-              </a:rPr>
-              <a:t>[Last]</a:t>
-            </a:r>
-            <a:r>
-              <a:rPr lang="en-US" sz="5400" b="1" dirty="0" smtClean="0">
-                <a:solidFill>
-                  <a:srgbClr val="660033"/>
-                </a:solidFill>
-                <a:latin typeface="微軟正黑體" pitchFamily="34" charset="-120"/>
-                <a:ea typeface="微軟正黑體" pitchFamily="34" charset="-120"/>
-              </a:rPr>
-              <a:t/>
-            </a:r>
-            <a:br>
-              <a:rPr lang="en-US" sz="5400" b="1" dirty="0" smtClean="0">
-                <a:solidFill>
-                  <a:srgbClr val="660033"/>
-                </a:solidFill>
-                <a:latin typeface="微軟正黑體" pitchFamily="34" charset="-120"/>
-                <a:ea typeface="微軟正黑體" pitchFamily="34" charset="-120"/>
-              </a:rPr>
-            </a:br>
+              <a:t>	</a:t>
+            </a:r>
+          </a:p>
+          <a:p>
+            <a:pPr algn="ctr">
+              <a:buNone/>
+            </a:pPr>
+            <a:r>
+              <a:rPr lang="en-US" sz="1600" b="1" dirty="0" smtClean="0">
+                <a:solidFill>
+                  <a:srgbClr val="660033"/>
+                </a:solidFill>
+                <a:latin typeface="微軟正黑體" pitchFamily="34" charset="-120"/>
+                <a:ea typeface="微軟正黑體" pitchFamily="34" charset="-120"/>
+              </a:rPr>
+              <a:t>	</a:t>
+            </a:r>
+          </a:p>
+          <a:p>
+            <a:pPr algn="ctr">
+              <a:buNone/>
+            </a:pPr>
+            <a:r>
+              <a:rPr lang="en-US" sz="1600" b="1" dirty="0" smtClean="0">
+                <a:solidFill>
+                  <a:srgbClr val="660033"/>
+                </a:solidFill>
+                <a:latin typeface="微軟正黑體" pitchFamily="34" charset="-120"/>
+                <a:ea typeface="微軟正黑體" pitchFamily="34" charset="-120"/>
+              </a:rPr>
+              <a:t>[Verse 1]</a:t>
+            </a:r>
             <a:r>
               <a:rPr lang="en-US" sz="5400" b="1" dirty="0">
                 <a:solidFill>
@@ -4699,26 +4659,7 @@
                 <a:ea typeface="微軟正黑體" pitchFamily="34" charset="-120"/>
               </a:rPr>
             </a:br>
-            <a:r>
-              <a:rPr lang="en-US" sz="1600" b="1" dirty="0">
-                <a:solidFill>
-                  <a:srgbClr val="660033"/>
-                </a:solidFill>
-                <a:latin typeface="微軟正黑體" pitchFamily="34" charset="-120"/>
-                <a:ea typeface="微軟正黑體" pitchFamily="34" charset="-120"/>
-              </a:rPr>
-              <a:t/>
-            </a:r>
-            <a:br>
-              <a:rPr lang="en-US" sz="1600" b="1" dirty="0">
-                <a:solidFill>
-                  <a:srgbClr val="660033"/>
-                </a:solidFill>
-                <a:latin typeface="微軟正黑體" pitchFamily="34" charset="-120"/>
-                <a:ea typeface="微軟正黑體" pitchFamily="34" charset="-120"/>
-              </a:rPr>
-            </a:br>
-            <a:endParaRPr lang="en-US" sz="1600" b="1" dirty="0">
+            <a:endParaRPr lang="en-US" sz="5400" b="1" dirty="0">
               <a:solidFill>
                 <a:srgbClr val="660033"/>
               </a:solidFill>
@@ -4733,6 +4674,13 @@
   <p:clrMapOvr>
     <a:masterClrMapping/>
   </p:clrMapOvr>
+  <p:timing>
+    <p:tnLst>
+      <p:par>
+        <p:cTn id="1" dur="indefinite" restart="never" nodeType="tmRoot"/>
+      </p:par>
+    </p:tnLst>
+  </p:timing>
 </p:sld>
 </file>
 
@@ -4848,10 +4796,15 @@
             <p:ph idx="1"/>
           </p:nvPr>
         </p:nvSpPr>
-        <p:spPr/>
+        <p:spPr>
+          <a:xfrm>
+            <a:off x="457200" y="1200150"/>
+            <a:ext cx="8229600" cy="3675476"/>
+          </a:xfrm>
+        </p:spPr>
         <p:txBody>
           <a:bodyPr>
-            <a:noAutofit/>
+            <a:normAutofit fontScale="85000" lnSpcReduction="20000"/>
           </a:bodyPr>
           <a:lstStyle/>
           <a:p>
@@ -4866,9 +4819,9 @@
                 <a:latin typeface="微軟正黑體" pitchFamily="34" charset="-120"/>
                 <a:ea typeface="微軟正黑體" pitchFamily="34" charset="-120"/>
               </a:rPr>
-              <a:t>天父祢名是多麼美 </a:t>
-            </a:r>
-            <a:endParaRPr lang="en-US" altLang="zh-TW" sz="5400" b="1" dirty="0" smtClean="0">
+              <a:t>求賜我信心的眼睛</a:t>
+            </a:r>
+            <a:endParaRPr lang="en-US" sz="5400" b="1" dirty="0">
               <a:solidFill>
                 <a:srgbClr val="660033"/>
               </a:solidFill>
@@ -4881,6 +4834,60 @@
               <a:buNone/>
             </a:pPr>
             <a:r>
+              <a:rPr lang="zh-TW" altLang="en-US" sz="5400" b="1" dirty="0">
+                <a:solidFill>
+                  <a:srgbClr val="660033"/>
+                </a:solidFill>
+                <a:latin typeface="微軟正黑體" pitchFamily="34" charset="-120"/>
+                <a:ea typeface="微軟正黑體" pitchFamily="34" charset="-120"/>
+              </a:rPr>
+              <a:t>風暴裡仍舊恬靜</a:t>
+            </a:r>
+            <a:endParaRPr lang="en-US" sz="5400" b="1" dirty="0">
+              <a:solidFill>
+                <a:srgbClr val="660033"/>
+              </a:solidFill>
+              <a:latin typeface="微軟正黑體" pitchFamily="34" charset="-120"/>
+              <a:ea typeface="微軟正黑體" pitchFamily="34" charset="-120"/>
+            </a:endParaRPr>
+          </a:p>
+          <a:p>
+            <a:pPr algn="ctr">
+              <a:buNone/>
+            </a:pPr>
+            <a:r>
+              <a:rPr lang="zh-TW" altLang="en-US" sz="5400" b="1" dirty="0">
+                <a:solidFill>
+                  <a:srgbClr val="660033"/>
+                </a:solidFill>
+                <a:latin typeface="微軟正黑體" pitchFamily="34" charset="-120"/>
+                <a:ea typeface="微軟正黑體" pitchFamily="34" charset="-120"/>
+              </a:rPr>
+              <a:t>全獻我順服的心靈</a:t>
+            </a:r>
+            <a:endParaRPr lang="en-US" sz="5400" b="1" dirty="0">
+              <a:solidFill>
+                <a:srgbClr val="660033"/>
+              </a:solidFill>
+              <a:latin typeface="微軟正黑體" pitchFamily="34" charset="-120"/>
+              <a:ea typeface="微軟正黑體" pitchFamily="34" charset="-120"/>
+            </a:endParaRPr>
+          </a:p>
+          <a:p>
+            <a:pPr algn="ctr">
+              <a:buNone/>
+            </a:pPr>
+            <a:r>
+              <a:rPr lang="zh-TW" altLang="en-US" sz="5400" b="1" dirty="0">
+                <a:solidFill>
+                  <a:srgbClr val="660033"/>
+                </a:solidFill>
+                <a:latin typeface="微軟正黑體" pitchFamily="34" charset="-120"/>
+                <a:ea typeface="微軟正黑體" pitchFamily="34" charset="-120"/>
+              </a:rPr>
+              <a:t>由祢全權來帶</a:t>
+            </a:r>
+            <a:r>
               <a:rPr lang="zh-TW" altLang="en-US" sz="5400" b="1" dirty="0" smtClean="0">
                 <a:solidFill>
                   <a:srgbClr val="660033"/>
@@ -4888,19 +4895,28 @@
                 <a:latin typeface="微軟正黑體" pitchFamily="34" charset="-120"/>
                 <a:ea typeface="微軟正黑體" pitchFamily="34" charset="-120"/>
               </a:rPr>
-              <a:t>榮耀</a:t>
-            </a:r>
-            <a:r>
-              <a:rPr lang="zh-TW" altLang="en-US" sz="5400" b="1" dirty="0">
-                <a:solidFill>
-                  <a:srgbClr val="660033"/>
-                </a:solidFill>
-                <a:latin typeface="微軟正黑體" pitchFamily="34" charset="-120"/>
-                <a:ea typeface="微軟正黑體" pitchFamily="34" charset="-120"/>
-              </a:rPr>
-              <a:t>遍全地</a:t>
-            </a:r>
-            <a:endParaRPr lang="en-US" sz="5400" b="1" dirty="0">
+              <a:t>領</a:t>
+            </a:r>
+            <a:r>
+              <a:rPr lang="en-US" sz="4800" b="1" dirty="0">
+                <a:solidFill>
+                  <a:srgbClr val="660033"/>
+                </a:solidFill>
+                <a:latin typeface="微軟正黑體" pitchFamily="34" charset="-120"/>
+                <a:ea typeface="微軟正黑體" pitchFamily="34" charset="-120"/>
+              </a:rPr>
+              <a:t/>
+            </a:r>
+            <a:br>
+              <a:rPr lang="en-US" sz="4800" b="1" dirty="0">
+                <a:solidFill>
+                  <a:srgbClr val="660033"/>
+                </a:solidFill>
+                <a:latin typeface="微軟正黑體" pitchFamily="34" charset="-120"/>
+                <a:ea typeface="微軟正黑體" pitchFamily="34" charset="-120"/>
+              </a:rPr>
+            </a:br>
+            <a:endParaRPr lang="en-US" sz="4800" b="1" dirty="0" smtClean="0">
               <a:solidFill>
                 <a:srgbClr val="660033"/>
               </a:solidFill>
@@ -4913,110 +4929,16 @@
               <a:buNone/>
             </a:pPr>
             <a:r>
-              <a:rPr lang="zh-TW" altLang="en-US" sz="5400" b="1" dirty="0">
-                <a:solidFill>
-                  <a:srgbClr val="660033"/>
-                </a:solidFill>
-                <a:latin typeface="微軟正黑體" pitchFamily="34" charset="-120"/>
-                <a:ea typeface="微軟正黑體" pitchFamily="34" charset="-120"/>
-              </a:rPr>
-              <a:t>在禱告良辰 靜觀祢的美</a:t>
-            </a:r>
-            <a:r>
-              <a:rPr lang="en-US" sz="4000" b="1" dirty="0">
-                <a:solidFill>
-                  <a:srgbClr val="660033"/>
-                </a:solidFill>
-                <a:latin typeface="微軟正黑體" pitchFamily="34" charset="-120"/>
-                <a:ea typeface="微軟正黑體" pitchFamily="34" charset="-120"/>
-              </a:rPr>
-              <a:t/>
-            </a:r>
-            <a:br>
-              <a:rPr lang="en-US" sz="4000" b="1" dirty="0">
-                <a:solidFill>
-                  <a:srgbClr val="660033"/>
-                </a:solidFill>
-                <a:latin typeface="微軟正黑體" pitchFamily="34" charset="-120"/>
-                <a:ea typeface="微軟正黑體" pitchFamily="34" charset="-120"/>
-              </a:rPr>
-            </a:br>
-            <a:endParaRPr lang="en-US" sz="4000" b="1" dirty="0">
-              <a:solidFill>
-                <a:srgbClr val="660033"/>
-              </a:solidFill>
-              <a:latin typeface="微軟正黑體" pitchFamily="34" charset="-120"/>
-              <a:ea typeface="微軟正黑體" pitchFamily="34" charset="-120"/>
-            </a:endParaRPr>
-          </a:p>
-          <a:p>
-            <a:pPr algn="ctr">
-              <a:buNone/>
-            </a:pPr>
-            <a:r>
-              <a:rPr lang="en-US" sz="4000" b="1" dirty="0">
-                <a:solidFill>
-                  <a:srgbClr val="660033"/>
-                </a:solidFill>
-                <a:latin typeface="微軟正黑體" pitchFamily="34" charset="-120"/>
-                <a:ea typeface="微軟正黑體" pitchFamily="34" charset="-120"/>
-              </a:rPr>
-              <a:t/>
-            </a:r>
-            <a:br>
-              <a:rPr lang="en-US" sz="4000" b="1" dirty="0">
-                <a:solidFill>
-                  <a:srgbClr val="660033"/>
-                </a:solidFill>
-                <a:latin typeface="微軟正黑體" pitchFamily="34" charset="-120"/>
-                <a:ea typeface="微軟正黑體" pitchFamily="34" charset="-120"/>
-              </a:rPr>
-            </a:br>
-            <a:r>
-              <a:rPr lang="en-US" sz="1600" b="1" dirty="0" smtClean="0">
-                <a:solidFill>
-                  <a:srgbClr val="660033"/>
-                </a:solidFill>
-                <a:latin typeface="微軟正黑體" pitchFamily="34" charset="-120"/>
-                <a:ea typeface="微軟正黑體" pitchFamily="34" charset="-120"/>
-              </a:rPr>
-              <a:t>			</a:t>
-            </a:r>
-          </a:p>
-          <a:p>
-            <a:pPr algn="ctr">
-              <a:buNone/>
-            </a:pPr>
-            <a:r>
-              <a:rPr lang="en-US" sz="2000" b="1" dirty="0" smtClean="0">
-                <a:solidFill>
-                  <a:srgbClr val="660033"/>
-                </a:solidFill>
-                <a:latin typeface="微軟正黑體" pitchFamily="34" charset="-120"/>
-                <a:ea typeface="微軟正黑體" pitchFamily="34" charset="-120"/>
-              </a:rPr>
-              <a:t>[Verse 1]</a:t>
-            </a:r>
-            <a:r>
-              <a:rPr lang="en-US" sz="4000" b="1" dirty="0">
-                <a:solidFill>
-                  <a:srgbClr val="660033"/>
-                </a:solidFill>
-                <a:latin typeface="微軟正黑體" pitchFamily="34" charset="-120"/>
-                <a:ea typeface="微軟正黑體" pitchFamily="34" charset="-120"/>
-              </a:rPr>
-              <a:t/>
-            </a:r>
-            <a:br>
-              <a:rPr lang="en-US" sz="4000" b="1" dirty="0">
-                <a:solidFill>
-                  <a:srgbClr val="660033"/>
-                </a:solidFill>
-                <a:latin typeface="微軟正黑體" pitchFamily="34" charset="-120"/>
-                <a:ea typeface="微軟正黑體" pitchFamily="34" charset="-120"/>
-              </a:rPr>
-            </a:br>
-            <a:endParaRPr lang="en-US" sz="4000" b="1" dirty="0">
+              <a:rPr lang="en-US" sz="1800" b="1" dirty="0" smtClean="0">
+                <a:solidFill>
+                  <a:srgbClr val="660033"/>
+                </a:solidFill>
+                <a:latin typeface="微軟正黑體" pitchFamily="34" charset="-120"/>
+                <a:ea typeface="微軟正黑體" pitchFamily="34" charset="-120"/>
+              </a:rPr>
+              <a:t>[Pre-chorus]</a:t>
+            </a:r>
+            <a:endParaRPr lang="en-US" sz="1800" b="1" dirty="0">
               <a:solidFill>
                 <a:srgbClr val="660033"/>
               </a:solidFill>
@@ -5031,6 +4953,13 @@
   <p:clrMapOvr>
     <a:masterClrMapping/>
   </p:clrMapOvr>
+  <p:timing>
+    <p:tnLst>
+      <p:par>
+        <p:cTn id="1" dur="indefinite" restart="never" nodeType="tmRoot"/>
+      </p:par>
+    </p:tnLst>
+  </p:timing>
 </p:sld>
 </file>
 
@@ -5095,10 +5024,20 @@
                 <a:latin typeface="微軟正黑體" pitchFamily="34" charset="-120"/>
                 <a:ea typeface="微軟正黑體" pitchFamily="34" charset="-120"/>
               </a:rPr>
-              <a:t>主禱文</a:t>
-            </a:r>
-            <a:r>
-              <a:rPr lang="en-US" sz="5000" b="1" dirty="0" smtClean="0">
+              <a:t>主</a:t>
+            </a:r>
+            <a:r>
+              <a:rPr lang="zh-TW" altLang="en-US" sz="5000" b="1" dirty="0">
+                <a:solidFill>
+                  <a:srgbClr val="660033"/>
+                </a:solidFill>
+                <a:latin typeface="微軟正黑體" pitchFamily="34" charset="-120"/>
+                <a:ea typeface="微軟正黑體" pitchFamily="34" charset="-120"/>
+              </a:rPr>
+              <a:t>禱文</a:t>
+            </a:r>
+            <a:r>
+              <a:rPr lang="en-US" sz="5000" b="1" dirty="0">
                 <a:solidFill>
                   <a:srgbClr val="660033"/>
                 </a:solidFill>
@@ -5108,7 +5047,7 @@
               <a:t/>
             </a:r>
             <a:br>
-              <a:rPr lang="en-US" sz="5000" b="1" dirty="0" smtClean="0">
+              <a:rPr lang="en-US" sz="5000" b="1" dirty="0">
                 <a:solidFill>
                   <a:srgbClr val="660033"/>
                 </a:solidFill>
@@ -5147,26 +5086,26 @@
               <a:buNone/>
             </a:pPr>
             <a:r>
-              <a:rPr lang="zh-TW" altLang="en-US" sz="5400" b="1" dirty="0" smtClean="0">
-                <a:solidFill>
-                  <a:srgbClr val="660033"/>
-                </a:solidFill>
-                <a:latin typeface="微軟正黑體" pitchFamily="34" charset="-120"/>
-                <a:ea typeface="微軟正黑體" pitchFamily="34" charset="-120"/>
-              </a:rPr>
-              <a:t>恬靜 </a:t>
-            </a:r>
-            <a:r>
-              <a:rPr lang="zh-TW" altLang="en-US" sz="5400" b="1" dirty="0">
-                <a:solidFill>
-                  <a:srgbClr val="660033"/>
-                </a:solidFill>
-                <a:latin typeface="微軟正黑體" pitchFamily="34" charset="-120"/>
-                <a:ea typeface="微軟正黑體" pitchFamily="34" charset="-120"/>
-              </a:rPr>
-              <a:t>我沈默主座前 </a:t>
-            </a:r>
-            <a:endParaRPr lang="en-US" altLang="zh-TW" sz="5400" b="1" dirty="0" smtClean="0">
+              <a:rPr lang="zh-TW" altLang="en-US" sz="4800" b="1" dirty="0" smtClean="0">
+                <a:solidFill>
+                  <a:srgbClr val="660033"/>
+                </a:solidFill>
+                <a:latin typeface="微軟正黑體" pitchFamily="34" charset="-120"/>
+                <a:ea typeface="微軟正黑體" pitchFamily="34" charset="-120"/>
+              </a:rPr>
+              <a:t>願</a:t>
+            </a:r>
+            <a:r>
+              <a:rPr lang="zh-TW" altLang="en-US" sz="4800" b="1" dirty="0">
+                <a:solidFill>
+                  <a:srgbClr val="660033"/>
+                </a:solidFill>
+                <a:latin typeface="微軟正黑體" pitchFamily="34" charset="-120"/>
+                <a:ea typeface="微軟正黑體" pitchFamily="34" charset="-120"/>
+              </a:rPr>
+              <a:t>人都尊祢名為聖</a:t>
+            </a:r>
+            <a:endParaRPr lang="en-US" altLang="en-US" sz="4800" b="1" dirty="0">
               <a:solidFill>
                 <a:srgbClr val="660033"/>
               </a:solidFill>
@@ -5179,36 +5118,16 @@
               <a:buNone/>
             </a:pPr>
             <a:r>
-              <a:rPr lang="zh-TW" altLang="en-US" sz="5400" b="1" dirty="0" smtClean="0">
-                <a:solidFill>
-                  <a:srgbClr val="660033"/>
-                </a:solidFill>
-                <a:latin typeface="微軟正黑體" pitchFamily="34" charset="-120"/>
-                <a:ea typeface="微軟正黑體" pitchFamily="34" charset="-120"/>
-              </a:rPr>
-              <a:t>毋</a:t>
-            </a:r>
-            <a:r>
-              <a:rPr lang="zh-TW" altLang="en-US" sz="5400" b="1" dirty="0">
-                <a:solidFill>
-                  <a:srgbClr val="660033"/>
-                </a:solidFill>
-                <a:latin typeface="微軟正黑體" pitchFamily="34" charset="-120"/>
-                <a:ea typeface="微軟正黑體" pitchFamily="34" charset="-120"/>
-              </a:rPr>
-              <a:t>用多片</a:t>
-            </a:r>
-            <a:r>
-              <a:rPr lang="zh-TW" altLang="en-US" sz="5400" b="1" dirty="0" smtClean="0">
-                <a:solidFill>
-                  <a:srgbClr val="660033"/>
-                </a:solidFill>
-                <a:latin typeface="微軟正黑體" pitchFamily="34" charset="-120"/>
-                <a:ea typeface="微軟正黑體" pitchFamily="34" charset="-120"/>
-              </a:rPr>
-              <a:t>言</a:t>
-            </a:r>
-            <a:endParaRPr lang="en-US" altLang="zh-TW" sz="5400" b="1" dirty="0" smtClean="0">
+              <a:rPr lang="zh-TW" altLang="en-US" sz="4800" b="1" dirty="0">
+                <a:solidFill>
+                  <a:srgbClr val="660033"/>
+                </a:solidFill>
+                <a:latin typeface="微軟正黑體" pitchFamily="34" charset="-120"/>
+                <a:ea typeface="微軟正黑體" pitchFamily="34" charset="-120"/>
+              </a:rPr>
+              <a:t>願祢的國降臨</a:t>
+            </a:r>
+            <a:endParaRPr lang="en-US" altLang="en-US" sz="4800" b="1" dirty="0">
               <a:solidFill>
                 <a:srgbClr val="660033"/>
               </a:solidFill>
@@ -5221,25 +5140,74 @@
               <a:buNone/>
             </a:pPr>
             <a:r>
-              <a:rPr lang="zh-TW" altLang="en-US" sz="5400" b="1" dirty="0" smtClean="0">
-                <a:solidFill>
-                  <a:srgbClr val="660033"/>
-                </a:solidFill>
-                <a:latin typeface="微軟正黑體" pitchFamily="34" charset="-120"/>
-                <a:ea typeface="微軟正黑體" pitchFamily="34" charset="-120"/>
-              </a:rPr>
-              <a:t>在</a:t>
-            </a:r>
-            <a:r>
-              <a:rPr lang="zh-TW" altLang="en-US" sz="5400" b="1" dirty="0">
-                <a:solidFill>
-                  <a:srgbClr val="660033"/>
-                </a:solidFill>
-                <a:latin typeface="微軟正黑體" pitchFamily="34" charset="-120"/>
-                <a:ea typeface="微軟正黑體" pitchFamily="34" charset="-120"/>
-              </a:rPr>
-              <a:t>禱告前 祢已清楚我需要</a:t>
-            </a:r>
+              <a:rPr lang="zh-TW" altLang="en-US" sz="4800" b="1" dirty="0">
+                <a:solidFill>
+                  <a:srgbClr val="660033"/>
+                </a:solidFill>
+                <a:latin typeface="微軟正黑體" pitchFamily="34" charset="-120"/>
+                <a:ea typeface="微軟正黑體" pitchFamily="34" charset="-120"/>
+              </a:rPr>
+              <a:t>也願祢旨意行在地上</a:t>
+            </a:r>
+            <a:endParaRPr lang="en-US" altLang="en-US" sz="4800" b="1" dirty="0">
+              <a:solidFill>
+                <a:srgbClr val="660033"/>
+              </a:solidFill>
+              <a:latin typeface="微軟正黑體" pitchFamily="34" charset="-120"/>
+              <a:ea typeface="微軟正黑體" pitchFamily="34" charset="-120"/>
+            </a:endParaRPr>
+          </a:p>
+          <a:p>
+            <a:pPr algn="ctr">
+              <a:buNone/>
+            </a:pPr>
+            <a:r>
+              <a:rPr lang="zh-TW" altLang="en-US" sz="4800" b="1" dirty="0">
+                <a:solidFill>
+                  <a:srgbClr val="660033"/>
+                </a:solidFill>
+                <a:latin typeface="微軟正黑體" pitchFamily="34" charset="-120"/>
+                <a:ea typeface="微軟正黑體" pitchFamily="34" charset="-120"/>
+              </a:rPr>
+              <a:t>如同行在</a:t>
+            </a:r>
+            <a:r>
+              <a:rPr lang="zh-TW" altLang="en-US" sz="4800" b="1" dirty="0" smtClean="0">
+                <a:solidFill>
+                  <a:srgbClr val="660033"/>
+                </a:solidFill>
+                <a:latin typeface="微軟正黑體" pitchFamily="34" charset="-120"/>
+                <a:ea typeface="微軟正黑體" pitchFamily="34" charset="-120"/>
+              </a:rPr>
+              <a:t>天上</a:t>
+            </a:r>
+            <a:endParaRPr lang="en-US" altLang="zh-TW" sz="2800" b="1" dirty="0" smtClean="0">
+              <a:solidFill>
+                <a:srgbClr val="660033"/>
+              </a:solidFill>
+              <a:latin typeface="微軟正黑體" pitchFamily="34" charset="-120"/>
+              <a:ea typeface="微軟正黑體" pitchFamily="34" charset="-120"/>
+            </a:endParaRPr>
+          </a:p>
+          <a:p>
+            <a:pPr algn="ctr">
+              <a:buNone/>
+            </a:pPr>
+            <a:r>
+              <a:rPr lang="en-US" altLang="zh-TW" sz="2000" b="1" dirty="0" smtClean="0">
+                <a:solidFill>
+                  <a:srgbClr val="660033"/>
+                </a:solidFill>
+                <a:latin typeface="微軟正黑體" pitchFamily="34" charset="-120"/>
+                <a:ea typeface="微軟正黑體" pitchFamily="34" charset="-120"/>
+              </a:rPr>
+              <a:t>[Chorus]</a:t>
+            </a:r>
+          </a:p>
+          <a:p>
+            <a:pPr algn="ctr">
+              <a:buNone/>
+            </a:pPr>
             <a:r>
               <a:rPr lang="en-US" sz="5400" b="1" dirty="0">
                 <a:solidFill>
@@ -5260,62 +5228,7 @@
               </a:rPr>
             </a:br>
             <a:r>
-              <a:rPr lang="en-US" sz="5400" b="1" dirty="0" smtClean="0">
-                <a:solidFill>
-                  <a:srgbClr val="660033"/>
-                </a:solidFill>
-                <a:latin typeface="微軟正黑體" pitchFamily="34" charset="-120"/>
-                <a:ea typeface="微軟正黑體" pitchFamily="34" charset="-120"/>
-              </a:rPr>
-              <a:t>			</a:t>
-            </a:r>
-          </a:p>
-          <a:p>
-            <a:pPr algn="ctr">
-              <a:buNone/>
-            </a:pPr>
-            <a:r>
-              <a:rPr lang="en-US" sz="5400" b="1" dirty="0" smtClean="0">
-                <a:solidFill>
-                  <a:srgbClr val="660033"/>
-                </a:solidFill>
-                <a:latin typeface="微軟正黑體" pitchFamily="34" charset="-120"/>
-                <a:ea typeface="微軟正黑體" pitchFamily="34" charset="-120"/>
-              </a:rPr>
-              <a:t>	</a:t>
-            </a:r>
-          </a:p>
-          <a:p>
-            <a:pPr algn="ctr">
-              <a:buNone/>
-            </a:pPr>
-            <a:r>
-              <a:rPr lang="en-US" sz="1600" b="1" dirty="0" smtClean="0">
-                <a:solidFill>
-                  <a:srgbClr val="660033"/>
-                </a:solidFill>
-                <a:latin typeface="微軟正黑體" pitchFamily="34" charset="-120"/>
-                <a:ea typeface="微軟正黑體" pitchFamily="34" charset="-120"/>
-              </a:rPr>
-              <a:t>	</a:t>
-            </a:r>
-          </a:p>
-          <a:p>
-            <a:pPr algn="ctr">
-              <a:buNone/>
-            </a:pPr>
-            <a:r>
-              <a:rPr lang="en-US" sz="1600" b="1" dirty="0" smtClean="0">
-                <a:solidFill>
-                  <a:srgbClr val="660033"/>
-                </a:solidFill>
-                <a:latin typeface="微軟正黑體" pitchFamily="34" charset="-120"/>
-                <a:ea typeface="微軟正黑體" pitchFamily="34" charset="-120"/>
-              </a:rPr>
-              <a:t>[Verse 1]</a:t>
-            </a:r>
-            <a:r>
-              <a:rPr lang="en-US" sz="5400" b="1" dirty="0">
+              <a:rPr lang="en-US" sz="1600" b="1" dirty="0">
                 <a:solidFill>
                   <a:srgbClr val="660033"/>
                 </a:solidFill>
@@ -5325,7 +5238,7 @@
               <a:t/>
             </a:r>
             <a:br>
-              <a:rPr lang="en-US" sz="5400" b="1" dirty="0">
+              <a:rPr lang="en-US" sz="1600" b="1" dirty="0">
                 <a:solidFill>
                   <a:srgbClr val="660033"/>
                 </a:solidFill>
@@ -5333,7 +5246,7 @@
                 <a:ea typeface="微軟正黑體" pitchFamily="34" charset="-120"/>
               </a:rPr>
             </a:br>
-            <a:endParaRPr lang="en-US" sz="5400" b="1" dirty="0">
+            <a:endParaRPr lang="en-US" sz="1600" b="1" dirty="0">
               <a:solidFill>
                 <a:srgbClr val="660033"/>
               </a:solidFill>
@@ -5348,6 +5261,13 @@
   <p:clrMapOvr>
     <a:masterClrMapping/>
   </p:clrMapOvr>
+  <p:timing>
+    <p:tnLst>
+      <p:par>
+        <p:cTn id="1" dur="indefinite" restart="never" nodeType="tmRoot"/>
+      </p:par>
+    </p:tnLst>
+  </p:timing>
 </p:sld>
 </file>
 
@@ -5463,15 +5383,10 @@
             <p:ph idx="1"/>
           </p:nvPr>
         </p:nvSpPr>
-        <p:spPr>
-          <a:xfrm>
-            <a:off x="457200" y="1600200"/>
-            <a:ext cx="8229600" cy="4900634"/>
-          </a:xfrm>
-        </p:spPr>
+        <p:spPr/>
         <p:txBody>
           <a:bodyPr>
-            <a:normAutofit lnSpcReduction="10000"/>
+            <a:noAutofit/>
           </a:bodyPr>
           <a:lstStyle/>
           <a:p>
@@ -5479,16 +5394,16 @@
               <a:buNone/>
             </a:pPr>
             <a:r>
-              <a:rPr lang="zh-TW" altLang="en-US" sz="5400" b="1" dirty="0">
-                <a:solidFill>
-                  <a:srgbClr val="660033"/>
-                </a:solidFill>
-                <a:latin typeface="微軟正黑體" pitchFamily="34" charset="-120"/>
-                <a:ea typeface="微軟正黑體" pitchFamily="34" charset="-120"/>
-              </a:rPr>
-              <a:t>求賜我信心的眼睛</a:t>
-            </a:r>
-            <a:endParaRPr lang="en-US" sz="5400" b="1" dirty="0">
+              <a:rPr lang="zh-TW" altLang="en-US" sz="4800" b="1" dirty="0" smtClean="0">
+                <a:solidFill>
+                  <a:srgbClr val="660033"/>
+                </a:solidFill>
+                <a:latin typeface="微軟正黑體" pitchFamily="34" charset="-120"/>
+                <a:ea typeface="微軟正黑體" pitchFamily="34" charset="-120"/>
+              </a:rPr>
+              <a:t>我們當天所需要的食物</a:t>
+            </a:r>
+            <a:endParaRPr lang="en-US" altLang="en-US" sz="4800" b="1" dirty="0" smtClean="0">
               <a:solidFill>
                 <a:srgbClr val="660033"/>
               </a:solidFill>
@@ -5501,16 +5416,16 @@
               <a:buNone/>
             </a:pPr>
             <a:r>
-              <a:rPr lang="zh-TW" altLang="en-US" sz="5400" b="1" dirty="0">
-                <a:solidFill>
-                  <a:srgbClr val="660033"/>
-                </a:solidFill>
-                <a:latin typeface="微軟正黑體" pitchFamily="34" charset="-120"/>
-                <a:ea typeface="微軟正黑體" pitchFamily="34" charset="-120"/>
-              </a:rPr>
-              <a:t>風暴裡仍舊恬靜</a:t>
-            </a:r>
-            <a:endParaRPr lang="en-US" sz="5400" b="1" dirty="0">
+              <a:rPr lang="zh-TW" altLang="en-US" sz="4800" b="1" dirty="0" smtClean="0">
+                <a:solidFill>
+                  <a:srgbClr val="660033"/>
+                </a:solidFill>
+                <a:latin typeface="微軟正黑體" pitchFamily="34" charset="-120"/>
+                <a:ea typeface="微軟正黑體" pitchFamily="34" charset="-120"/>
+              </a:rPr>
+              <a:t>求祢賜給我們</a:t>
+            </a:r>
+            <a:endParaRPr lang="en-US" altLang="en-US" sz="4800" b="1" dirty="0" smtClean="0">
               <a:solidFill>
                 <a:srgbClr val="660033"/>
               </a:solidFill>
@@ -5523,16 +5438,16 @@
               <a:buNone/>
             </a:pPr>
             <a:r>
-              <a:rPr lang="zh-TW" altLang="en-US" sz="5400" b="1" dirty="0">
-                <a:solidFill>
-                  <a:srgbClr val="660033"/>
-                </a:solidFill>
-                <a:latin typeface="微軟正黑體" pitchFamily="34" charset="-120"/>
-                <a:ea typeface="微軟正黑體" pitchFamily="34" charset="-120"/>
-              </a:rPr>
-              <a:t>全獻我順服的心靈</a:t>
-            </a:r>
-            <a:endParaRPr lang="en-US" sz="5400" b="1" dirty="0">
+              <a:rPr lang="zh-TW" altLang="en-US" sz="4800" b="1" dirty="0" smtClean="0">
+                <a:solidFill>
+                  <a:srgbClr val="660033"/>
+                </a:solidFill>
+                <a:latin typeface="微軟正黑體" pitchFamily="34" charset="-120"/>
+                <a:ea typeface="微軟正黑體" pitchFamily="34" charset="-120"/>
+              </a:rPr>
+              <a:t>免我們的債</a:t>
+            </a:r>
+            <a:endParaRPr lang="en-US" altLang="en-US" sz="4800" b="1" dirty="0" smtClean="0">
               <a:solidFill>
                 <a:srgbClr val="660033"/>
               </a:solidFill>
@@ -5545,27 +5460,39 @@
               <a:buNone/>
             </a:pPr>
             <a:r>
-              <a:rPr lang="zh-TW" altLang="en-US" sz="5400" b="1" dirty="0">
-                <a:solidFill>
-                  <a:srgbClr val="660033"/>
-                </a:solidFill>
-                <a:latin typeface="微軟正黑體" pitchFamily="34" charset="-120"/>
-                <a:ea typeface="微軟正黑體" pitchFamily="34" charset="-120"/>
-              </a:rPr>
-              <a:t>由祢全權來帶</a:t>
-            </a:r>
-            <a:r>
-              <a:rPr lang="zh-TW" altLang="en-US" sz="5400" b="1" dirty="0" smtClean="0">
-                <a:solidFill>
-                  <a:srgbClr val="660033"/>
-                </a:solidFill>
-                <a:latin typeface="微軟正黑體" pitchFamily="34" charset="-120"/>
-                <a:ea typeface="微軟正黑體" pitchFamily="34" charset="-120"/>
-              </a:rPr>
-              <a:t>領</a:t>
-            </a:r>
-            <a:r>
-              <a:rPr lang="en-US" sz="4800" b="1" dirty="0">
+              <a:rPr lang="zh-TW" altLang="en-US" sz="4800" b="1" dirty="0" smtClean="0">
+                <a:solidFill>
+                  <a:srgbClr val="660033"/>
+                </a:solidFill>
+                <a:latin typeface="微軟正黑體" pitchFamily="34" charset="-120"/>
+                <a:ea typeface="微軟正黑體" pitchFamily="34" charset="-120"/>
+              </a:rPr>
+              <a:t>如同我們免去人的債</a:t>
+            </a:r>
+            <a:endParaRPr lang="en-US" sz="2800" b="1" dirty="0" smtClean="0">
+              <a:solidFill>
+                <a:srgbClr val="660033"/>
+              </a:solidFill>
+              <a:latin typeface="微軟正黑體" pitchFamily="34" charset="-120"/>
+              <a:ea typeface="微軟正黑體" pitchFamily="34" charset="-120"/>
+            </a:endParaRPr>
+          </a:p>
+          <a:p>
+            <a:pPr algn="ctr">
+              <a:buNone/>
+            </a:pPr>
+            <a:r>
+              <a:rPr lang="en-US" sz="2800" b="1" dirty="0" smtClean="0">
+                <a:solidFill>
+                  <a:srgbClr val="660033"/>
+                </a:solidFill>
+                <a:latin typeface="微軟正黑體" pitchFamily="34" charset="-120"/>
+                <a:ea typeface="微軟正黑體" pitchFamily="34" charset="-120"/>
+              </a:rPr>
+              <a:t>[Chorus]</a:t>
+            </a:r>
+            <a:r>
+              <a:rPr lang="en-US" sz="5400" b="1" dirty="0" smtClean="0">
                 <a:solidFill>
                   <a:srgbClr val="660033"/>
                 </a:solidFill>
@@ -5575,7 +5502,7 @@
               <a:t/>
             </a:r>
             <a:br>
-              <a:rPr lang="en-US" sz="4800" b="1" dirty="0">
+              <a:rPr lang="en-US" sz="5400" b="1" dirty="0" smtClean="0">
                 <a:solidFill>
                   <a:srgbClr val="660033"/>
                 </a:solidFill>
@@ -5583,29 +5510,45 @@
                 <a:ea typeface="微軟正黑體" pitchFamily="34" charset="-120"/>
               </a:rPr>
             </a:br>
-            <a:endParaRPr lang="en-US" sz="4800" b="1" dirty="0" smtClean="0">
-              <a:solidFill>
-                <a:srgbClr val="660033"/>
-              </a:solidFill>
-              <a:latin typeface="微軟正黑體" pitchFamily="34" charset="-120"/>
-              <a:ea typeface="微軟正黑體" pitchFamily="34" charset="-120"/>
-            </a:endParaRPr>
-          </a:p>
-          <a:p>
-            <a:pPr algn="ctr">
-              <a:buNone/>
-            </a:pPr>
-            <a:r>
-              <a:rPr lang="en-US" sz="1800" b="1" dirty="0" smtClean="0">
-                <a:solidFill>
-                  <a:srgbClr val="660033"/>
-                </a:solidFill>
-                <a:latin typeface="微軟正黑體" pitchFamily="34" charset="-120"/>
-                <a:ea typeface="微軟正黑體" pitchFamily="34" charset="-120"/>
-              </a:rPr>
-              <a:t>[Pre-chorus]</a:t>
-            </a:r>
-            <a:endParaRPr lang="en-US" sz="1800" b="1" dirty="0">
+            <a:r>
+              <a:rPr lang="en-US" sz="5400" b="1" dirty="0">
+                <a:solidFill>
+                  <a:srgbClr val="660033"/>
+                </a:solidFill>
+                <a:latin typeface="微軟正黑體" pitchFamily="34" charset="-120"/>
+                <a:ea typeface="微軟正黑體" pitchFamily="34" charset="-120"/>
+              </a:rPr>
+              <a:t/>
+            </a:r>
+            <a:br>
+              <a:rPr lang="en-US" sz="5400" b="1" dirty="0">
+                <a:solidFill>
+                  <a:srgbClr val="660033"/>
+                </a:solidFill>
+                <a:latin typeface="微軟正黑體" pitchFamily="34" charset="-120"/>
+                <a:ea typeface="微軟正黑體" pitchFamily="34" charset="-120"/>
+              </a:rPr>
+            </a:br>
+            <a:r>
+              <a:rPr lang="en-US" sz="1600" b="1" dirty="0">
+                <a:solidFill>
+                  <a:srgbClr val="660033"/>
+                </a:solidFill>
+                <a:latin typeface="微軟正黑體" pitchFamily="34" charset="-120"/>
+                <a:ea typeface="微軟正黑體" pitchFamily="34" charset="-120"/>
+              </a:rPr>
+              <a:t/>
+            </a:r>
+            <a:br>
+              <a:rPr lang="en-US" sz="1600" b="1" dirty="0">
+                <a:solidFill>
+                  <a:srgbClr val="660033"/>
+                </a:solidFill>
+                <a:latin typeface="微軟正黑體" pitchFamily="34" charset="-120"/>
+                <a:ea typeface="微軟正黑體" pitchFamily="34" charset="-120"/>
+              </a:rPr>
+            </a:br>
+            <a:endParaRPr lang="en-US" sz="1600" b="1" dirty="0">
               <a:solidFill>
                 <a:srgbClr val="660033"/>
               </a:solidFill>
@@ -5620,6 +5563,13 @@
   <p:clrMapOvr>
     <a:masterClrMapping/>
   </p:clrMapOvr>
+  <p:timing>
+    <p:tnLst>
+      <p:par>
+        <p:cTn id="1" dur="indefinite" restart="never" nodeType="tmRoot"/>
+      </p:par>
+    </p:tnLst>
+  </p:timing>
 </p:sld>
 </file>
 
@@ -5658,7 +5608,7 @@
           <a:lstStyle/>
           <a:p>
             <a:r>
-              <a:rPr lang="en-US" altLang="zh-TW" sz="5000" b="1" dirty="0" smtClean="0">
+              <a:rPr lang="en-US" altLang="zh-TW" b="1" dirty="0" smtClean="0">
                 <a:solidFill>
                   <a:srgbClr val="660033"/>
                 </a:solidFill>
@@ -5668,7 +5618,7 @@
               <a:t/>
             </a:r>
             <a:br>
-              <a:rPr lang="en-US" altLang="zh-TW" sz="5000" b="1" dirty="0" smtClean="0">
+              <a:rPr lang="en-US" altLang="zh-TW" b="1" dirty="0" smtClean="0">
                 <a:solidFill>
                   <a:srgbClr val="660033"/>
                 </a:solidFill>
@@ -5677,27 +5627,17 @@
               </a:rPr>
             </a:br>
             <a:r>
-              <a:rPr lang="zh-TW" altLang="en-US" sz="5000" b="1" dirty="0" smtClean="0">
-                <a:solidFill>
-                  <a:srgbClr val="660033"/>
-                </a:solidFill>
-                <a:latin typeface="微軟正黑體" pitchFamily="34" charset="-120"/>
-                <a:ea typeface="微軟正黑體" pitchFamily="34" charset="-120"/>
-              </a:rPr>
-              <a:t>主</a:t>
-            </a:r>
-            <a:r>
-              <a:rPr lang="zh-TW" altLang="en-US" sz="5000" b="1" dirty="0">
-                <a:solidFill>
-                  <a:srgbClr val="660033"/>
-                </a:solidFill>
-                <a:latin typeface="微軟正黑體" pitchFamily="34" charset="-120"/>
-                <a:ea typeface="微軟正黑體" pitchFamily="34" charset="-120"/>
-              </a:rPr>
-              <a:t>禱文</a:t>
-            </a:r>
-            <a:r>
-              <a:rPr lang="en-US" sz="5000" b="1" dirty="0">
+              <a:rPr lang="zh-TW" altLang="en-US" b="1" dirty="0" smtClean="0">
+                <a:solidFill>
+                  <a:srgbClr val="660033"/>
+                </a:solidFill>
+                <a:latin typeface="微軟正黑體" pitchFamily="34" charset="-120"/>
+                <a:ea typeface="微軟正黑體" pitchFamily="34" charset="-120"/>
+              </a:rPr>
+              <a:t>主禱文</a:t>
+            </a:r>
+            <a:r>
+              <a:rPr lang="en-US" b="1" dirty="0" smtClean="0">
                 <a:solidFill>
                   <a:srgbClr val="660033"/>
                 </a:solidFill>
@@ -5707,7 +5647,7 @@
               <a:t/>
             </a:r>
             <a:br>
-              <a:rPr lang="en-US" sz="5000" b="1" dirty="0">
+              <a:rPr lang="en-US" b="1" dirty="0" smtClean="0">
                 <a:solidFill>
                   <a:srgbClr val="660033"/>
                 </a:solidFill>
@@ -5715,7 +5655,7 @@
                 <a:ea typeface="微軟正黑體" pitchFamily="34" charset="-120"/>
               </a:rPr>
             </a:br>
-            <a:endParaRPr lang="en-US" sz="5000" b="1" dirty="0">
+            <a:endParaRPr lang="en-US" b="1" dirty="0">
               <a:solidFill>
                 <a:srgbClr val="660033"/>
               </a:solidFill>
@@ -5746,26 +5686,16 @@
               <a:buNone/>
             </a:pPr>
             <a:r>
-              <a:rPr lang="zh-TW" altLang="en-US" sz="5400" b="1" dirty="0" smtClean="0">
-                <a:solidFill>
-                  <a:srgbClr val="660033"/>
-                </a:solidFill>
-                <a:latin typeface="微軟正黑體" pitchFamily="34" charset="-120"/>
-                <a:ea typeface="微軟正黑體" pitchFamily="34" charset="-120"/>
-              </a:rPr>
-              <a:t>願</a:t>
-            </a:r>
-            <a:r>
-              <a:rPr lang="zh-TW" altLang="en-US" sz="5400" b="1" dirty="0">
-                <a:solidFill>
-                  <a:srgbClr val="660033"/>
-                </a:solidFill>
-                <a:latin typeface="微軟正黑體" pitchFamily="34" charset="-120"/>
-                <a:ea typeface="微軟正黑體" pitchFamily="34" charset="-120"/>
-              </a:rPr>
-              <a:t>人都尊祢名為聖</a:t>
-            </a:r>
-            <a:endParaRPr lang="en-US" sz="5400" b="1" dirty="0">
+              <a:rPr lang="zh-TW" altLang="en-US" sz="4800" b="1" dirty="0" smtClean="0">
+                <a:solidFill>
+                  <a:srgbClr val="660033"/>
+                </a:solidFill>
+                <a:latin typeface="微軟正黑體" pitchFamily="34" charset="-120"/>
+                <a:ea typeface="微軟正黑體" pitchFamily="34" charset="-120"/>
+              </a:rPr>
+              <a:t>天父祢名是多麼美 </a:t>
+            </a:r>
+            <a:endParaRPr lang="en-US" altLang="zh-TW" sz="4800" b="1" dirty="0" smtClean="0">
               <a:solidFill>
                 <a:srgbClr val="660033"/>
               </a:solidFill>
@@ -5778,16 +5708,26 @@
               <a:buNone/>
             </a:pPr>
             <a:r>
-              <a:rPr lang="zh-TW" altLang="en-US" sz="5400" b="1" dirty="0">
-                <a:solidFill>
-                  <a:srgbClr val="660033"/>
-                </a:solidFill>
-                <a:latin typeface="微軟正黑體" pitchFamily="34" charset="-120"/>
-                <a:ea typeface="微軟正黑體" pitchFamily="34" charset="-120"/>
-              </a:rPr>
-              <a:t>願祢的國降臨</a:t>
-            </a:r>
-            <a:endParaRPr lang="en-US" sz="5400" b="1" dirty="0">
+              <a:rPr lang="zh-TW" altLang="en-US" sz="4800" b="1" dirty="0" smtClean="0">
+                <a:solidFill>
+                  <a:srgbClr val="660033"/>
+                </a:solidFill>
+                <a:latin typeface="微軟正黑體" pitchFamily="34" charset="-120"/>
+                <a:ea typeface="微軟正黑體" pitchFamily="34" charset="-120"/>
+              </a:rPr>
+              <a:t>榮耀</a:t>
+            </a:r>
+            <a:r>
+              <a:rPr lang="zh-TW" altLang="en-US" sz="4800" b="1" dirty="0">
+                <a:solidFill>
+                  <a:srgbClr val="660033"/>
+                </a:solidFill>
+                <a:latin typeface="微軟正黑體" pitchFamily="34" charset="-120"/>
+                <a:ea typeface="微軟正黑體" pitchFamily="34" charset="-120"/>
+              </a:rPr>
+              <a:t>遍全地</a:t>
+            </a:r>
+            <a:endParaRPr lang="en-US" sz="4800" b="1" dirty="0">
               <a:solidFill>
                 <a:srgbClr val="660033"/>
               </a:solidFill>
@@ -5800,88 +5740,17 @@
               <a:buNone/>
             </a:pPr>
             <a:r>
-              <a:rPr lang="zh-TW" altLang="en-US" sz="5400" b="1" dirty="0">
-                <a:solidFill>
-                  <a:srgbClr val="660033"/>
-                </a:solidFill>
-                <a:latin typeface="微軟正黑體" pitchFamily="34" charset="-120"/>
-                <a:ea typeface="微軟正黑體" pitchFamily="34" charset="-120"/>
-              </a:rPr>
-              <a:t>也願祢旨意行在地上</a:t>
-            </a:r>
-            <a:endParaRPr lang="en-US" sz="5400" b="1" dirty="0">
-              <a:solidFill>
-                <a:srgbClr val="660033"/>
-              </a:solidFill>
-              <a:latin typeface="微軟正黑體" pitchFamily="34" charset="-120"/>
-              <a:ea typeface="微軟正黑體" pitchFamily="34" charset="-120"/>
-            </a:endParaRPr>
-          </a:p>
-          <a:p>
-            <a:pPr algn="ctr">
-              <a:buNone/>
-            </a:pPr>
-            <a:r>
-              <a:rPr lang="zh-TW" altLang="en-US" sz="5400" b="1" dirty="0">
-                <a:solidFill>
-                  <a:srgbClr val="660033"/>
-                </a:solidFill>
-                <a:latin typeface="微軟正黑體" pitchFamily="34" charset="-120"/>
-                <a:ea typeface="微軟正黑體" pitchFamily="34" charset="-120"/>
-              </a:rPr>
-              <a:t>如同行在天</a:t>
-            </a:r>
-            <a:r>
-              <a:rPr lang="zh-TW" altLang="en-US" sz="5400" b="1" dirty="0" smtClean="0">
-                <a:solidFill>
-                  <a:srgbClr val="660033"/>
-                </a:solidFill>
-                <a:latin typeface="微軟正黑體" pitchFamily="34" charset="-120"/>
-                <a:ea typeface="微軟正黑體" pitchFamily="34" charset="-120"/>
-              </a:rPr>
-              <a:t>上</a:t>
-            </a:r>
-            <a:endParaRPr lang="en-US" altLang="zh-TW" sz="5400" b="1" dirty="0" smtClean="0">
-              <a:solidFill>
-                <a:srgbClr val="660033"/>
-              </a:solidFill>
-              <a:latin typeface="微軟正黑體" pitchFamily="34" charset="-120"/>
-              <a:ea typeface="微軟正黑體" pitchFamily="34" charset="-120"/>
-            </a:endParaRPr>
-          </a:p>
-          <a:p>
-            <a:pPr algn="ctr">
-              <a:buNone/>
-            </a:pPr>
-            <a:endParaRPr lang="en-US" altLang="zh-TW" sz="2800" b="1" dirty="0" smtClean="0">
-              <a:solidFill>
-                <a:srgbClr val="660033"/>
-              </a:solidFill>
-              <a:latin typeface="微軟正黑體" pitchFamily="34" charset="-120"/>
-              <a:ea typeface="微軟正黑體" pitchFamily="34" charset="-120"/>
-            </a:endParaRPr>
-          </a:p>
-          <a:p>
-            <a:pPr algn="ctr">
-              <a:buNone/>
-            </a:pPr>
-            <a:r>
-              <a:rPr lang="en-US" altLang="zh-TW" sz="2000" b="1" dirty="0" smtClean="0">
-                <a:solidFill>
-                  <a:srgbClr val="660033"/>
-                </a:solidFill>
-                <a:latin typeface="微軟正黑體" pitchFamily="34" charset="-120"/>
-                <a:ea typeface="微軟正黑體" pitchFamily="34" charset="-120"/>
-              </a:rPr>
-              <a:t>[Chorus]</a:t>
-            </a:r>
-          </a:p>
-          <a:p>
-            <a:pPr algn="ctr">
-              <a:buNone/>
-            </a:pPr>
-            <a:r>
-              <a:rPr lang="en-US" sz="5400" b="1" dirty="0">
+              <a:rPr lang="zh-TW" altLang="en-US" sz="4800" b="1" dirty="0">
+                <a:solidFill>
+                  <a:srgbClr val="660033"/>
+                </a:solidFill>
+                <a:latin typeface="微軟正黑體" pitchFamily="34" charset="-120"/>
+                <a:ea typeface="微軟正黑體" pitchFamily="34" charset="-120"/>
+              </a:rPr>
+              <a:t>在禱告良辰 靜觀祢的美</a:t>
+            </a:r>
+            <a:r>
+              <a:rPr lang="en-US" sz="3600" b="1" dirty="0">
                 <a:solidFill>
                   <a:srgbClr val="660033"/>
                 </a:solidFill>
@@ -5891,7 +5760,7 @@
               <a:t/>
             </a:r>
             <a:br>
-              <a:rPr lang="en-US" sz="5400" b="1" dirty="0">
+              <a:rPr lang="en-US" sz="3600" b="1" dirty="0">
                 <a:solidFill>
                   <a:srgbClr val="660033"/>
                 </a:solidFill>
@@ -5900,7 +5769,32 @@
               </a:rPr>
             </a:br>
             <a:r>
-              <a:rPr lang="en-US" sz="1600" b="1" dirty="0">
+              <a:rPr lang="en-US" sz="1400" b="1" dirty="0" smtClean="0">
+                <a:solidFill>
+                  <a:srgbClr val="660033"/>
+                </a:solidFill>
+                <a:latin typeface="微軟正黑體" pitchFamily="34" charset="-120"/>
+                <a:ea typeface="微軟正黑體" pitchFamily="34" charset="-120"/>
+              </a:rPr>
+              <a:t>		</a:t>
+            </a:r>
+          </a:p>
+          <a:p>
+            <a:pPr algn="ctr">
+              <a:buNone/>
+            </a:pPr>
+            <a:r>
+              <a:rPr lang="en-US" sz="1800" b="1" dirty="0" smtClean="0">
+                <a:solidFill>
+                  <a:srgbClr val="660033"/>
+                </a:solidFill>
+                <a:latin typeface="微軟正黑體" pitchFamily="34" charset="-120"/>
+                <a:ea typeface="微軟正黑體" pitchFamily="34" charset="-120"/>
+              </a:rPr>
+              <a:t>[Verse 1]</a:t>
+            </a:r>
+            <a:r>
+              <a:rPr lang="en-US" sz="3600" b="1" dirty="0">
                 <a:solidFill>
                   <a:srgbClr val="660033"/>
                 </a:solidFill>
@@ -5910,7 +5804,7 @@
               <a:t/>
             </a:r>
             <a:br>
-              <a:rPr lang="en-US" sz="1600" b="1" dirty="0">
+              <a:rPr lang="en-US" sz="3600" b="1" dirty="0">
                 <a:solidFill>
                   <a:srgbClr val="660033"/>
                 </a:solidFill>
@@ -5918,7 +5812,7 @@
                 <a:ea typeface="微軟正黑體" pitchFamily="34" charset="-120"/>
               </a:rPr>
             </a:br>
-            <a:endParaRPr lang="en-US" sz="1600" b="1" dirty="0">
+            <a:endParaRPr lang="en-US" sz="3600" b="1" dirty="0">
               <a:solidFill>
                 <a:srgbClr val="660033"/>
               </a:solidFill>
@@ -5933,6 +5827,13 @@
   <p:clrMapOvr>
     <a:masterClrMapping/>
   </p:clrMapOvr>
+  <p:timing>
+    <p:tnLst>
+      <p:par>
+        <p:cTn id="1" dur="indefinite" restart="never" nodeType="tmRoot"/>
+      </p:par>
+    </p:tnLst>
+  </p:timing>
 </p:sld>
 </file>
 
@@ -5997,20 +5898,10 @@
                 <a:latin typeface="微軟正黑體" pitchFamily="34" charset="-120"/>
                 <a:ea typeface="微軟正黑體" pitchFamily="34" charset="-120"/>
               </a:rPr>
-              <a:t>主</a:t>
-            </a:r>
-            <a:r>
-              <a:rPr lang="zh-TW" altLang="en-US" sz="5000" b="1" dirty="0">
-                <a:solidFill>
-                  <a:srgbClr val="660033"/>
-                </a:solidFill>
-                <a:latin typeface="微軟正黑體" pitchFamily="34" charset="-120"/>
-                <a:ea typeface="微軟正黑體" pitchFamily="34" charset="-120"/>
-              </a:rPr>
-              <a:t>禱文</a:t>
-            </a:r>
-            <a:r>
-              <a:rPr lang="en-US" sz="5000" b="1" dirty="0">
+              <a:t>主禱文</a:t>
+            </a:r>
+            <a:r>
+              <a:rPr lang="en-US" sz="5000" b="1" dirty="0" smtClean="0">
                 <a:solidFill>
                   <a:srgbClr val="660033"/>
                 </a:solidFill>
@@ -6020,7 +5911,7 @@
               <a:t/>
             </a:r>
             <a:br>
-              <a:rPr lang="en-US" sz="5000" b="1" dirty="0">
+              <a:rPr lang="en-US" sz="5000" b="1" dirty="0" smtClean="0">
                 <a:solidFill>
                   <a:srgbClr val="660033"/>
                 </a:solidFill>
@@ -6059,16 +5950,26 @@
               <a:buNone/>
             </a:pPr>
             <a:r>
-              <a:rPr lang="zh-TW" altLang="en-US" sz="5400" b="1" dirty="0" smtClean="0">
-                <a:solidFill>
-                  <a:srgbClr val="660033"/>
-                </a:solidFill>
-                <a:latin typeface="微軟正黑體" pitchFamily="34" charset="-120"/>
-                <a:ea typeface="微軟正黑體" pitchFamily="34" charset="-120"/>
-              </a:rPr>
-              <a:t>我們當天所需要的食物</a:t>
-            </a:r>
-            <a:endParaRPr lang="en-US" sz="5400" b="1" dirty="0" smtClean="0">
+              <a:rPr lang="zh-TW" altLang="en-US" sz="4800" b="1" dirty="0" smtClean="0">
+                <a:solidFill>
+                  <a:srgbClr val="660033"/>
+                </a:solidFill>
+                <a:latin typeface="微軟正黑體" pitchFamily="34" charset="-120"/>
+                <a:ea typeface="微軟正黑體" pitchFamily="34" charset="-120"/>
+              </a:rPr>
+              <a:t>恬靜 </a:t>
+            </a:r>
+            <a:r>
+              <a:rPr lang="zh-TW" altLang="en-US" sz="4800" b="1" dirty="0">
+                <a:solidFill>
+                  <a:srgbClr val="660033"/>
+                </a:solidFill>
+                <a:latin typeface="微軟正黑體" pitchFamily="34" charset="-120"/>
+                <a:ea typeface="微軟正黑體" pitchFamily="34" charset="-120"/>
+              </a:rPr>
+              <a:t>我沈默主座前 </a:t>
+            </a:r>
+            <a:endParaRPr lang="en-US" altLang="zh-TW" sz="4800" b="1" dirty="0" smtClean="0">
               <a:solidFill>
                 <a:srgbClr val="660033"/>
               </a:solidFill>
@@ -6081,16 +5982,36 @@
               <a:buNone/>
             </a:pPr>
             <a:r>
-              <a:rPr lang="zh-TW" altLang="en-US" sz="5400" b="1" dirty="0" smtClean="0">
-                <a:solidFill>
-                  <a:srgbClr val="660033"/>
-                </a:solidFill>
-                <a:latin typeface="微軟正黑體" pitchFamily="34" charset="-120"/>
-                <a:ea typeface="微軟正黑體" pitchFamily="34" charset="-120"/>
-              </a:rPr>
-              <a:t>求祢賜給我們</a:t>
-            </a:r>
-            <a:endParaRPr lang="en-US" sz="5400" b="1" dirty="0" smtClean="0">
+              <a:rPr lang="zh-TW" altLang="en-US" sz="4800" b="1" dirty="0" smtClean="0">
+                <a:solidFill>
+                  <a:srgbClr val="660033"/>
+                </a:solidFill>
+                <a:latin typeface="微軟正黑體" pitchFamily="34" charset="-120"/>
+                <a:ea typeface="微軟正黑體" pitchFamily="34" charset="-120"/>
+              </a:rPr>
+              <a:t>毋</a:t>
+            </a:r>
+            <a:r>
+              <a:rPr lang="zh-TW" altLang="en-US" sz="4800" b="1" dirty="0">
+                <a:solidFill>
+                  <a:srgbClr val="660033"/>
+                </a:solidFill>
+                <a:latin typeface="微軟正黑體" pitchFamily="34" charset="-120"/>
+                <a:ea typeface="微軟正黑體" pitchFamily="34" charset="-120"/>
+              </a:rPr>
+              <a:t>用多片</a:t>
+            </a:r>
+            <a:r>
+              <a:rPr lang="zh-TW" altLang="en-US" sz="4800" b="1" dirty="0" smtClean="0">
+                <a:solidFill>
+                  <a:srgbClr val="660033"/>
+                </a:solidFill>
+                <a:latin typeface="微軟正黑體" pitchFamily="34" charset="-120"/>
+                <a:ea typeface="微軟正黑體" pitchFamily="34" charset="-120"/>
+              </a:rPr>
+              <a:t>言</a:t>
+            </a:r>
+            <a:endParaRPr lang="en-US" altLang="zh-TW" sz="4800" b="1" dirty="0" smtClean="0">
               <a:solidFill>
                 <a:srgbClr val="660033"/>
               </a:solidFill>
@@ -6103,71 +6024,44 @@
               <a:buNone/>
             </a:pPr>
             <a:r>
-              <a:rPr lang="zh-TW" altLang="en-US" sz="5400" b="1" dirty="0" smtClean="0">
-                <a:solidFill>
-                  <a:srgbClr val="660033"/>
-                </a:solidFill>
-                <a:latin typeface="微軟正黑體" pitchFamily="34" charset="-120"/>
-                <a:ea typeface="微軟正黑體" pitchFamily="34" charset="-120"/>
-              </a:rPr>
-              <a:t>免我們的債</a:t>
-            </a:r>
-            <a:endParaRPr lang="en-US" sz="5400" b="1" dirty="0" smtClean="0">
-              <a:solidFill>
-                <a:srgbClr val="660033"/>
-              </a:solidFill>
-              <a:latin typeface="微軟正黑體" pitchFamily="34" charset="-120"/>
-              <a:ea typeface="微軟正黑體" pitchFamily="34" charset="-120"/>
-            </a:endParaRPr>
-          </a:p>
-          <a:p>
-            <a:pPr algn="ctr">
-              <a:buNone/>
-            </a:pPr>
-            <a:r>
-              <a:rPr lang="zh-TW" altLang="en-US" sz="5400" b="1" dirty="0" smtClean="0">
-                <a:solidFill>
-                  <a:srgbClr val="660033"/>
-                </a:solidFill>
-                <a:latin typeface="微軟正黑體" pitchFamily="34" charset="-120"/>
-                <a:ea typeface="微軟正黑體" pitchFamily="34" charset="-120"/>
-              </a:rPr>
-              <a:t>如同我們免去人的債</a:t>
-            </a:r>
-            <a:endParaRPr lang="en-US" altLang="zh-TW" sz="5400" b="1" dirty="0" smtClean="0">
-              <a:solidFill>
-                <a:srgbClr val="660033"/>
-              </a:solidFill>
-              <a:latin typeface="微軟正黑體" pitchFamily="34" charset="-120"/>
-              <a:ea typeface="微軟正黑體" pitchFamily="34" charset="-120"/>
-            </a:endParaRPr>
-          </a:p>
-          <a:p>
-            <a:pPr algn="ctr">
-              <a:buNone/>
-            </a:pPr>
-            <a:endParaRPr lang="en-US" sz="2800" b="1" dirty="0" smtClean="0">
-              <a:solidFill>
-                <a:srgbClr val="660033"/>
-              </a:solidFill>
-              <a:latin typeface="微軟正黑體" pitchFamily="34" charset="-120"/>
-              <a:ea typeface="微軟正黑體" pitchFamily="34" charset="-120"/>
-            </a:endParaRPr>
-          </a:p>
-          <a:p>
-            <a:pPr algn="ctr">
-              <a:buNone/>
-            </a:pPr>
-            <a:r>
-              <a:rPr lang="en-US" sz="2800" b="1" dirty="0" smtClean="0">
-                <a:solidFill>
-                  <a:srgbClr val="660033"/>
-                </a:solidFill>
-                <a:latin typeface="微軟正黑體" pitchFamily="34" charset="-120"/>
-                <a:ea typeface="微軟正黑體" pitchFamily="34" charset="-120"/>
-              </a:rPr>
-              <a:t>[Chorus]</a:t>
-            </a:r>
+              <a:rPr lang="zh-TW" altLang="en-US" sz="4800" b="1" dirty="0" smtClean="0">
+                <a:solidFill>
+                  <a:srgbClr val="660033"/>
+                </a:solidFill>
+                <a:latin typeface="微軟正黑體" pitchFamily="34" charset="-120"/>
+                <a:ea typeface="微軟正黑體" pitchFamily="34" charset="-120"/>
+              </a:rPr>
+              <a:t>在</a:t>
+            </a:r>
+            <a:r>
+              <a:rPr lang="zh-TW" altLang="en-US" sz="4800" b="1" dirty="0">
+                <a:solidFill>
+                  <a:srgbClr val="660033"/>
+                </a:solidFill>
+                <a:latin typeface="微軟正黑體" pitchFamily="34" charset="-120"/>
+                <a:ea typeface="微軟正黑體" pitchFamily="34" charset="-120"/>
+              </a:rPr>
+              <a:t>禱告前 祢已清楚我需要</a:t>
+            </a:r>
+            <a:r>
+              <a:rPr lang="en-US" altLang="en-US" sz="4800" b="1" dirty="0">
+                <a:solidFill>
+                  <a:srgbClr val="660033"/>
+                </a:solidFill>
+                <a:latin typeface="微軟正黑體" pitchFamily="34" charset="-120"/>
+                <a:ea typeface="微軟正黑體" pitchFamily="34" charset="-120"/>
+              </a:rPr>
+              <a:t/>
+            </a:r>
+            <a:br>
+              <a:rPr lang="en-US" altLang="en-US" sz="4800" b="1" dirty="0">
+                <a:solidFill>
+                  <a:srgbClr val="660033"/>
+                </a:solidFill>
+                <a:latin typeface="微軟正黑體" pitchFamily="34" charset="-120"/>
+                <a:ea typeface="微軟正黑體" pitchFamily="34" charset="-120"/>
+              </a:rPr>
+            </a:br>
             <a:r>
               <a:rPr lang="en-US" sz="5400" b="1" dirty="0" smtClean="0">
                 <a:solidFill>
@@ -6176,9 +6070,14 @@
                 <a:latin typeface="微軟正黑體" pitchFamily="34" charset="-120"/>
                 <a:ea typeface="微軟正黑體" pitchFamily="34" charset="-120"/>
               </a:rPr>
-              <a:t/>
-            </a:r>
-            <a:br>
+              <a:t>			</a:t>
+            </a:r>
+          </a:p>
+          <a:p>
+            <a:pPr algn="ctr">
+              <a:buNone/>
+            </a:pPr>
+            <a:r>
               <a:rPr lang="en-US" sz="5400" b="1" dirty="0" smtClean="0">
                 <a:solidFill>
                   <a:srgbClr val="660033"/>
@@ -6186,7 +6085,38 @@
                 <a:latin typeface="微軟正黑體" pitchFamily="34" charset="-120"/>
                 <a:ea typeface="微軟正黑體" pitchFamily="34" charset="-120"/>
               </a:rPr>
-            </a:br>
+              <a:t>	</a:t>
+            </a:r>
+          </a:p>
+          <a:p>
+            <a:pPr algn="ctr">
+              <a:buNone/>
+            </a:pPr>
+            <a:r>
+              <a:rPr lang="en-US" sz="1600" b="1" dirty="0" smtClean="0">
+                <a:solidFill>
+                  <a:srgbClr val="660033"/>
+                </a:solidFill>
+                <a:latin typeface="微軟正黑體" pitchFamily="34" charset="-120"/>
+                <a:ea typeface="微軟正黑體" pitchFamily="34" charset="-120"/>
+              </a:rPr>
+              <a:t>	</a:t>
+            </a:r>
+          </a:p>
+          <a:p>
+            <a:pPr algn="ctr">
+              <a:buNone/>
+            </a:pPr>
+            <a:r>
+              <a:rPr lang="en-US" sz="1600" b="1" dirty="0" smtClean="0">
+                <a:solidFill>
+                  <a:srgbClr val="660033"/>
+                </a:solidFill>
+                <a:latin typeface="微軟正黑體" pitchFamily="34" charset="-120"/>
+                <a:ea typeface="微軟正黑體" pitchFamily="34" charset="-120"/>
+              </a:rPr>
+              <a:t>[Verse 1]</a:t>
+            </a:r>
             <a:r>
               <a:rPr lang="en-US" sz="5400" b="1" dirty="0">
                 <a:solidFill>
@@ -6206,26 +6136,7 @@
                 <a:ea typeface="微軟正黑體" pitchFamily="34" charset="-120"/>
               </a:rPr>
             </a:br>
-            <a:r>
-              <a:rPr lang="en-US" sz="1600" b="1" dirty="0">
-                <a:solidFill>
-                  <a:srgbClr val="660033"/>
-                </a:solidFill>
-                <a:latin typeface="微軟正黑體" pitchFamily="34" charset="-120"/>
-                <a:ea typeface="微軟正黑體" pitchFamily="34" charset="-120"/>
-              </a:rPr>
-              <a:t/>
-            </a:r>
-            <a:br>
-              <a:rPr lang="en-US" sz="1600" b="1" dirty="0">
-                <a:solidFill>
-                  <a:srgbClr val="660033"/>
-                </a:solidFill>
-                <a:latin typeface="微軟正黑體" pitchFamily="34" charset="-120"/>
-                <a:ea typeface="微軟正黑體" pitchFamily="34" charset="-120"/>
-              </a:rPr>
-            </a:br>
-            <a:endParaRPr lang="en-US" sz="1600" b="1" dirty="0">
+            <a:endParaRPr lang="en-US" sz="5400" b="1" dirty="0">
               <a:solidFill>
                 <a:srgbClr val="660033"/>
               </a:solidFill>
@@ -6240,6 +6151,13 @@
   <p:clrMapOvr>
     <a:masterClrMapping/>
   </p:clrMapOvr>
+  <p:timing>
+    <p:tnLst>
+      <p:par>
+        <p:cTn id="1" dur="indefinite" restart="never" nodeType="tmRoot"/>
+      </p:par>
+    </p:tnLst>
+  </p:timing>
 </p:sld>
 </file>
 
@@ -6308,7 +6226,7 @@
         <p:spPr/>
         <p:txBody>
           <a:bodyPr>
-            <a:normAutofit/>
+            <a:noAutofit/>
           </a:bodyPr>
           <a:lstStyle/>
           <a:p>
@@ -6316,7 +6234,7 @@
               <a:buNone/>
             </a:pPr>
             <a:r>
-              <a:rPr lang="zh-TW" altLang="en-US" sz="5400" b="1" dirty="0" smtClean="0">
+              <a:rPr lang="zh-TW" altLang="en-US" sz="4800" b="1" dirty="0" smtClean="0">
                 <a:solidFill>
                   <a:srgbClr val="000066"/>
                 </a:solidFill>
@@ -6325,7 +6243,7 @@
               </a:rPr>
               <a:t>是我主  是救主</a:t>
             </a:r>
-            <a:endParaRPr lang="en-US" altLang="zh-TW" sz="5400" b="1" dirty="0" smtClean="0">
+            <a:endParaRPr lang="en-US" altLang="zh-TW" sz="4800" b="1" dirty="0" smtClean="0">
               <a:solidFill>
                 <a:srgbClr val="000066"/>
               </a:solidFill>
@@ -6338,7 +6256,7 @@
               <a:buNone/>
             </a:pPr>
             <a:r>
-              <a:rPr lang="zh-TW" altLang="en-US" sz="5400" b="1" dirty="0" smtClean="0">
+              <a:rPr lang="zh-TW" altLang="en-US" sz="4800" b="1" dirty="0" smtClean="0">
                 <a:solidFill>
                   <a:srgbClr val="000066"/>
                 </a:solidFill>
@@ -6347,7 +6265,7 @@
               </a:rPr>
               <a:t>作我安穩庇護所</a:t>
             </a:r>
-            <a:endParaRPr lang="en-US" altLang="zh-TW" sz="5400" b="1" dirty="0" smtClean="0">
+            <a:endParaRPr lang="en-US" altLang="zh-TW" sz="4800" b="1" dirty="0" smtClean="0">
               <a:solidFill>
                 <a:srgbClr val="000066"/>
               </a:solidFill>
@@ -6360,7 +6278,7 @@
               <a:buNone/>
             </a:pPr>
             <a:r>
-              <a:rPr lang="zh-TW" altLang="en-US" sz="5400" b="1" dirty="0" smtClean="0">
+              <a:rPr lang="zh-TW" altLang="en-US" sz="4800" b="1" dirty="0" smtClean="0">
                 <a:solidFill>
                   <a:srgbClr val="000066"/>
                 </a:solidFill>
@@ -6369,7 +6287,7 @@
               </a:rPr>
               <a:t> 我若只有  一息尚存</a:t>
             </a:r>
-            <a:endParaRPr lang="en-US" altLang="zh-TW" sz="5400" b="1" dirty="0" smtClean="0">
+            <a:endParaRPr lang="en-US" altLang="zh-TW" sz="4800" b="1" dirty="0" smtClean="0">
               <a:solidFill>
                 <a:srgbClr val="000066"/>
               </a:solidFill>
@@ -6382,7 +6300,7 @@
               <a:buNone/>
             </a:pPr>
             <a:r>
-              <a:rPr lang="zh-TW" altLang="en-US" sz="5400" b="1" dirty="0" smtClean="0">
+              <a:rPr lang="zh-TW" altLang="en-US" sz="4800" b="1" dirty="0" smtClean="0">
                 <a:solidFill>
                   <a:srgbClr val="000066"/>
                 </a:solidFill>
@@ -6391,7 +6309,7 @@
               </a:rPr>
               <a:t>也要定意敬拜你</a:t>
             </a:r>
-            <a:endParaRPr lang="zh-TW" altLang="en-US" sz="5400" b="1" dirty="0">
+            <a:endParaRPr lang="zh-TW" altLang="en-US" sz="4800" b="1" dirty="0">
               <a:solidFill>
                 <a:srgbClr val="000066"/>
               </a:solidFill>
@@ -6406,6 +6324,13 @@
   <p:clrMapOvr>
     <a:masterClrMapping/>
   </p:clrMapOvr>
+  <p:timing>
+    <p:tnLst>
+      <p:par>
+        <p:cTn id="1" dur="indefinite" restart="never" nodeType="tmRoot"/>
+      </p:par>
+    </p:tnLst>
+  </p:timing>
 </p:sld>
 </file>
 
@@ -6521,17 +6446,32 @@
             <p:ph idx="1"/>
           </p:nvPr>
         </p:nvSpPr>
-        <p:spPr/>
+        <p:spPr>
+          <a:xfrm>
+            <a:off x="457200" y="1200150"/>
+            <a:ext cx="8229600" cy="3675476"/>
+          </a:xfrm>
+        </p:spPr>
         <p:txBody>
           <a:bodyPr>
-            <a:normAutofit fontScale="92500" lnSpcReduction="20000"/>
+            <a:normAutofit fontScale="85000" lnSpcReduction="20000"/>
           </a:bodyPr>
           <a:lstStyle/>
           <a:p>
             <a:pPr algn="ctr">
               <a:buNone/>
             </a:pPr>
-            <a:endParaRPr lang="en-US" altLang="zh-TW" sz="4400" dirty="0" smtClean="0">
+            <a:r>
+              <a:rPr lang="zh-TW" altLang="en-US" sz="5400" b="1" dirty="0">
+                <a:solidFill>
+                  <a:srgbClr val="660033"/>
+                </a:solidFill>
+                <a:latin typeface="微軟正黑體" pitchFamily="34" charset="-120"/>
+                <a:ea typeface="微軟正黑體" pitchFamily="34" charset="-120"/>
+              </a:rPr>
+              <a:t>求賜我信心的眼睛</a:t>
+            </a:r>
+            <a:endParaRPr lang="en-US" sz="5400" b="1" dirty="0">
               <a:solidFill>
                 <a:srgbClr val="660033"/>
               </a:solidFill>
@@ -6544,26 +6484,16 @@
               <a:buNone/>
             </a:pPr>
             <a:r>
-              <a:rPr lang="zh-TW" altLang="en-US" sz="5800" b="1" dirty="0" smtClean="0">
-                <a:solidFill>
-                  <a:srgbClr val="660033"/>
-                </a:solidFill>
-                <a:latin typeface="微軟正黑體" pitchFamily="34" charset="-120"/>
-                <a:ea typeface="微軟正黑體" pitchFamily="34" charset="-120"/>
-              </a:rPr>
-              <a:t>今</a:t>
-            </a:r>
-            <a:r>
-              <a:rPr lang="zh-TW" altLang="en-US" sz="5800" b="1" dirty="0">
-                <a:solidFill>
-                  <a:srgbClr val="660033"/>
-                </a:solidFill>
-                <a:latin typeface="微軟正黑體" pitchFamily="34" charset="-120"/>
-                <a:ea typeface="微軟正黑體" pitchFamily="34" charset="-120"/>
-              </a:rPr>
-              <a:t>日 我求問主的國 </a:t>
-            </a:r>
-            <a:endParaRPr lang="en-US" altLang="zh-TW" sz="5800" b="1" dirty="0" smtClean="0">
+              <a:rPr lang="zh-TW" altLang="en-US" sz="5400" b="1" dirty="0">
+                <a:solidFill>
+                  <a:srgbClr val="660033"/>
+                </a:solidFill>
+                <a:latin typeface="微軟正黑體" pitchFamily="34" charset="-120"/>
+                <a:ea typeface="微軟正黑體" pitchFamily="34" charset="-120"/>
+              </a:rPr>
+              <a:t>風暴裡仍舊恬靜</a:t>
+            </a:r>
+            <a:endParaRPr lang="en-US" sz="5400" b="1" dirty="0">
               <a:solidFill>
                 <a:srgbClr val="660033"/>
               </a:solidFill>
@@ -6576,26 +6506,16 @@
               <a:buNone/>
             </a:pPr>
             <a:r>
-              <a:rPr lang="zh-TW" altLang="en-US" sz="5800" b="1" dirty="0" smtClean="0">
-                <a:solidFill>
-                  <a:srgbClr val="660033"/>
-                </a:solidFill>
-                <a:latin typeface="微軟正黑體" pitchFamily="34" charset="-120"/>
-                <a:ea typeface="微軟正黑體" pitchFamily="34" charset="-120"/>
-              </a:rPr>
-              <a:t>求</a:t>
-            </a:r>
-            <a:r>
-              <a:rPr lang="zh-TW" altLang="en-US" sz="5800" b="1" dirty="0">
-                <a:solidFill>
-                  <a:srgbClr val="660033"/>
-                </a:solidFill>
-                <a:latin typeface="微軟正黑體" pitchFamily="34" charset="-120"/>
-                <a:ea typeface="微軟正黑體" pitchFamily="34" charset="-120"/>
-              </a:rPr>
-              <a:t>問主的義</a:t>
-            </a:r>
-            <a:endParaRPr lang="en-US" sz="5800" b="1" dirty="0">
+              <a:rPr lang="zh-TW" altLang="en-US" sz="5400" b="1" dirty="0">
+                <a:solidFill>
+                  <a:srgbClr val="660033"/>
+                </a:solidFill>
+                <a:latin typeface="微軟正黑體" pitchFamily="34" charset="-120"/>
+                <a:ea typeface="微軟正黑體" pitchFamily="34" charset="-120"/>
+              </a:rPr>
+              <a:t>全獻我順服的心靈</a:t>
+            </a:r>
+            <a:endParaRPr lang="en-US" sz="5400" b="1" dirty="0">
               <a:solidFill>
                 <a:srgbClr val="660033"/>
               </a:solidFill>
@@ -6608,26 +6528,45 @@
               <a:buNone/>
             </a:pPr>
             <a:r>
-              <a:rPr lang="zh-TW" altLang="en-US" sz="5800" b="1" dirty="0">
-                <a:solidFill>
-                  <a:srgbClr val="660033"/>
-                </a:solidFill>
-                <a:latin typeface="微軟正黑體" pitchFamily="34" charset="-120"/>
-                <a:ea typeface="微軟正黑體" pitchFamily="34" charset="-120"/>
-              </a:rPr>
-              <a:t>王的旨意 如陽光遍地彰</a:t>
-            </a:r>
-            <a:r>
-              <a:rPr lang="zh-TW" altLang="en-US" sz="5800" b="1" dirty="0" smtClean="0">
-                <a:solidFill>
-                  <a:srgbClr val="660033"/>
-                </a:solidFill>
-                <a:latin typeface="微軟正黑體" pitchFamily="34" charset="-120"/>
-                <a:ea typeface="微軟正黑體" pitchFamily="34" charset="-120"/>
-              </a:rPr>
-              <a:t>顯</a:t>
-            </a:r>
-            <a:endParaRPr lang="en-US" altLang="zh-TW" sz="5800" b="1" dirty="0" smtClean="0">
+              <a:rPr lang="zh-TW" altLang="en-US" sz="5400" b="1" dirty="0">
+                <a:solidFill>
+                  <a:srgbClr val="660033"/>
+                </a:solidFill>
+                <a:latin typeface="微軟正黑體" pitchFamily="34" charset="-120"/>
+                <a:ea typeface="微軟正黑體" pitchFamily="34" charset="-120"/>
+              </a:rPr>
+              <a:t>由祢全權來帶</a:t>
+            </a:r>
+            <a:r>
+              <a:rPr lang="zh-TW" altLang="en-US" sz="5400" b="1" dirty="0" smtClean="0">
+                <a:solidFill>
+                  <a:srgbClr val="660033"/>
+                </a:solidFill>
+                <a:latin typeface="微軟正黑體" pitchFamily="34" charset="-120"/>
+                <a:ea typeface="微軟正黑體" pitchFamily="34" charset="-120"/>
+              </a:rPr>
+              <a:t>領</a:t>
+            </a:r>
+            <a:r>
+              <a:rPr lang="en-US" sz="4800" b="1" dirty="0">
+                <a:solidFill>
+                  <a:srgbClr val="660033"/>
+                </a:solidFill>
+                <a:latin typeface="微軟正黑體" pitchFamily="34" charset="-120"/>
+                <a:ea typeface="微軟正黑體" pitchFamily="34" charset="-120"/>
+              </a:rPr>
+              <a:t/>
+            </a:r>
+            <a:br>
+              <a:rPr lang="en-US" sz="4800" b="1" dirty="0">
+                <a:solidFill>
+                  <a:srgbClr val="660033"/>
+                </a:solidFill>
+                <a:latin typeface="微軟正黑體" pitchFamily="34" charset="-120"/>
+                <a:ea typeface="微軟正黑體" pitchFamily="34" charset="-120"/>
+              </a:rPr>
+            </a:br>
+            <a:endParaRPr lang="en-US" sz="4800" b="1" dirty="0" smtClean="0">
               <a:solidFill>
                 <a:srgbClr val="660033"/>
               </a:solidFill>
@@ -6639,48 +6578,17 @@
             <a:pPr algn="ctr">
               <a:buNone/>
             </a:pPr>
-            <a:endParaRPr lang="en-US" sz="4400" b="1" dirty="0" smtClean="0">
-              <a:solidFill>
-                <a:srgbClr val="660033"/>
-              </a:solidFill>
-              <a:latin typeface="微軟正黑體" pitchFamily="34" charset="-120"/>
-              <a:ea typeface="微軟正黑體" pitchFamily="34" charset="-120"/>
-            </a:endParaRPr>
-          </a:p>
-          <a:p>
-            <a:pPr algn="ctr">
-              <a:buNone/>
-            </a:pPr>
-            <a:r>
-              <a:rPr lang="en-US" sz="2000" b="1" dirty="0" smtClean="0">
-                <a:solidFill>
-                  <a:srgbClr val="660033"/>
-                </a:solidFill>
-                <a:latin typeface="微軟正黑體" pitchFamily="34" charset="-120"/>
-                <a:ea typeface="微軟正黑體" pitchFamily="34" charset="-120"/>
-              </a:rPr>
-              <a:t>[Verse 2]</a:t>
-            </a:r>
-            <a:r>
-              <a:rPr lang="en-US" sz="4400" b="1" dirty="0">
-                <a:solidFill>
-                  <a:srgbClr val="660033"/>
-                </a:solidFill>
-                <a:latin typeface="微軟正黑體" pitchFamily="34" charset="-120"/>
-                <a:ea typeface="微軟正黑體" pitchFamily="34" charset="-120"/>
-              </a:rPr>
-              <a:t/>
-            </a:r>
-            <a:br>
-              <a:rPr lang="en-US" sz="4400" b="1" dirty="0">
-                <a:solidFill>
-                  <a:srgbClr val="660033"/>
-                </a:solidFill>
-                <a:latin typeface="微軟正黑體" pitchFamily="34" charset="-120"/>
-                <a:ea typeface="微軟正黑體" pitchFamily="34" charset="-120"/>
-              </a:rPr>
-            </a:br>
-            <a:endParaRPr lang="en-US" sz="4400" b="1" dirty="0">
+            <a:r>
+              <a:rPr lang="en-US" sz="1800" b="1" dirty="0" smtClean="0">
+                <a:solidFill>
+                  <a:srgbClr val="660033"/>
+                </a:solidFill>
+                <a:latin typeface="微軟正黑體" pitchFamily="34" charset="-120"/>
+                <a:ea typeface="微軟正黑體" pitchFamily="34" charset="-120"/>
+              </a:rPr>
+              <a:t>[Pre-chorus]</a:t>
+            </a:r>
+            <a:endParaRPr lang="en-US" sz="1800" b="1" dirty="0">
               <a:solidFill>
                 <a:srgbClr val="660033"/>
               </a:solidFill>
@@ -6695,6 +6603,13 @@
   <p:clrMapOvr>
     <a:masterClrMapping/>
   </p:clrMapOvr>
+  <p:timing>
+    <p:tnLst>
+      <p:par>
+        <p:cTn id="1" dur="indefinite" restart="never" nodeType="tmRoot"/>
+      </p:par>
+    </p:tnLst>
+  </p:timing>
 </p:sld>
 </file>
 
@@ -6821,7 +6736,7 @@
               <a:buNone/>
             </a:pPr>
             <a:r>
-              <a:rPr lang="zh-TW" altLang="en-US" sz="5400" b="1" dirty="0" smtClean="0">
+              <a:rPr lang="zh-TW" altLang="en-US" sz="4800" b="1" dirty="0" smtClean="0">
                 <a:solidFill>
                   <a:srgbClr val="660033"/>
                 </a:solidFill>
@@ -6831,7 +6746,7 @@
               <a:t>願</a:t>
             </a:r>
             <a:r>
-              <a:rPr lang="zh-TW" altLang="en-US" sz="5400" b="1" dirty="0">
+              <a:rPr lang="zh-TW" altLang="en-US" sz="4800" b="1" dirty="0">
                 <a:solidFill>
                   <a:srgbClr val="660033"/>
                 </a:solidFill>
@@ -6840,7 +6755,7 @@
               </a:rPr>
               <a:t>人都尊祢名為聖</a:t>
             </a:r>
-            <a:endParaRPr lang="en-US" sz="5400" b="1" dirty="0">
+            <a:endParaRPr lang="en-US" altLang="en-US" sz="4800" b="1" dirty="0">
               <a:solidFill>
                 <a:srgbClr val="660033"/>
               </a:solidFill>
@@ -6853,7 +6768,7 @@
               <a:buNone/>
             </a:pPr>
             <a:r>
-              <a:rPr lang="zh-TW" altLang="en-US" sz="5400" b="1" dirty="0">
+              <a:rPr lang="zh-TW" altLang="en-US" sz="4800" b="1" dirty="0">
                 <a:solidFill>
                   <a:srgbClr val="660033"/>
                 </a:solidFill>
@@ -6862,7 +6777,7 @@
               </a:rPr>
               <a:t>願祢的國降臨</a:t>
             </a:r>
-            <a:endParaRPr lang="en-US" sz="5400" b="1" dirty="0">
+            <a:endParaRPr lang="en-US" altLang="en-US" sz="4800" b="1" dirty="0">
               <a:solidFill>
                 <a:srgbClr val="660033"/>
               </a:solidFill>
@@ -6875,7 +6790,7 @@
               <a:buNone/>
             </a:pPr>
             <a:r>
-              <a:rPr lang="zh-TW" altLang="en-US" sz="5400" b="1" dirty="0">
+              <a:rPr lang="zh-TW" altLang="en-US" sz="4800" b="1" dirty="0">
                 <a:solidFill>
                   <a:srgbClr val="660033"/>
                 </a:solidFill>
@@ -6884,7 +6799,7 @@
               </a:rPr>
               <a:t>也願祢旨意行在地上</a:t>
             </a:r>
-            <a:endParaRPr lang="en-US" sz="5400" b="1" dirty="0">
+            <a:endParaRPr lang="en-US" altLang="en-US" sz="4800" b="1" dirty="0">
               <a:solidFill>
                 <a:srgbClr val="660033"/>
               </a:solidFill>
@@ -6897,37 +6812,25 @@
               <a:buNone/>
             </a:pPr>
             <a:r>
-              <a:rPr lang="zh-TW" altLang="en-US" sz="5400" b="1" dirty="0">
-                <a:solidFill>
-                  <a:srgbClr val="660033"/>
-                </a:solidFill>
-                <a:latin typeface="微軟正黑體" pitchFamily="34" charset="-120"/>
-                <a:ea typeface="微軟正黑體" pitchFamily="34" charset="-120"/>
-              </a:rPr>
-              <a:t>如同行在天</a:t>
-            </a:r>
-            <a:r>
-              <a:rPr lang="zh-TW" altLang="en-US" sz="5400" b="1" dirty="0" smtClean="0">
-                <a:solidFill>
-                  <a:srgbClr val="660033"/>
-                </a:solidFill>
-                <a:latin typeface="微軟正黑體" pitchFamily="34" charset="-120"/>
-                <a:ea typeface="微軟正黑體" pitchFamily="34" charset="-120"/>
-              </a:rPr>
-              <a:t>上</a:t>
-            </a:r>
-            <a:endParaRPr lang="en-US" altLang="zh-TW" sz="5400" b="1" dirty="0" smtClean="0">
-              <a:solidFill>
-                <a:srgbClr val="660033"/>
-              </a:solidFill>
-              <a:latin typeface="微軟正黑體" pitchFamily="34" charset="-120"/>
-              <a:ea typeface="微軟正黑體" pitchFamily="34" charset="-120"/>
-            </a:endParaRPr>
-          </a:p>
-          <a:p>
-            <a:pPr algn="ctr">
-              <a:buNone/>
-            </a:pPr>
+              <a:rPr lang="zh-TW" altLang="en-US" sz="4800" b="1" dirty="0">
+                <a:solidFill>
+                  <a:srgbClr val="660033"/>
+                </a:solidFill>
+                <a:latin typeface="微軟正黑體" pitchFamily="34" charset="-120"/>
+                <a:ea typeface="微軟正黑體" pitchFamily="34" charset="-120"/>
+              </a:rPr>
+              <a:t>如同行在</a:t>
+            </a:r>
+            <a:r>
+              <a:rPr lang="zh-TW" altLang="en-US" sz="4800" b="1" dirty="0" smtClean="0">
+                <a:solidFill>
+                  <a:srgbClr val="660033"/>
+                </a:solidFill>
+                <a:latin typeface="微軟正黑體" pitchFamily="34" charset="-120"/>
+                <a:ea typeface="微軟正黑體" pitchFamily="34" charset="-120"/>
+              </a:rPr>
+              <a:t>天上</a:t>
+            </a:r>
             <a:endParaRPr lang="en-US" altLang="zh-TW" sz="2800" b="1" dirty="0" smtClean="0">
               <a:solidFill>
                 <a:srgbClr val="660033"/>
@@ -6975,7 +6878,7 @@
               </a:rPr>
             </a:br>
             <a:r>
-              <a:rPr lang="en-US" sz="1600" dirty="0">
+              <a:rPr lang="en-US" sz="1600" b="1" dirty="0">
                 <a:solidFill>
                   <a:srgbClr val="660033"/>
                 </a:solidFill>
@@ -6985,7 +6888,7 @@
               <a:t/>
             </a:r>
             <a:br>
-              <a:rPr lang="en-US" sz="1600" dirty="0">
+              <a:rPr lang="en-US" sz="1600" b="1" dirty="0">
                 <a:solidFill>
                   <a:srgbClr val="660033"/>
                 </a:solidFill>
@@ -6993,7 +6896,7 @@
                 <a:ea typeface="微軟正黑體" pitchFamily="34" charset="-120"/>
               </a:rPr>
             </a:br>
-            <a:endParaRPr lang="en-US" sz="1600" dirty="0">
+            <a:endParaRPr lang="en-US" sz="1600" b="1" dirty="0">
               <a:solidFill>
                 <a:srgbClr val="660033"/>
               </a:solidFill>
@@ -7008,6 +6911,13 @@
   <p:clrMapOvr>
     <a:masterClrMapping/>
   </p:clrMapOvr>
+  <p:timing>
+    <p:tnLst>
+      <p:par>
+        <p:cTn id="1" dur="indefinite" restart="never" nodeType="tmRoot"/>
+      </p:par>
+    </p:tnLst>
+  </p:timing>
 </p:sld>
 </file>
 
@@ -7134,7 +7044,7 @@
               <a:buNone/>
             </a:pPr>
             <a:r>
-              <a:rPr lang="zh-TW" altLang="en-US" sz="5400" b="1" dirty="0" smtClean="0">
+              <a:rPr lang="zh-TW" altLang="en-US" sz="4800" b="1" dirty="0" smtClean="0">
                 <a:solidFill>
                   <a:srgbClr val="660033"/>
                 </a:solidFill>
@@ -7143,7 +7053,7 @@
               </a:rPr>
               <a:t>我們當天所需要的食物</a:t>
             </a:r>
-            <a:endParaRPr lang="en-US" sz="5400" b="1" dirty="0" smtClean="0">
+            <a:endParaRPr lang="en-US" altLang="en-US" sz="4800" b="1" dirty="0" smtClean="0">
               <a:solidFill>
                 <a:srgbClr val="660033"/>
               </a:solidFill>
@@ -7156,7 +7066,7 @@
               <a:buNone/>
             </a:pPr>
             <a:r>
-              <a:rPr lang="zh-TW" altLang="en-US" sz="5400" b="1" dirty="0" smtClean="0">
+              <a:rPr lang="zh-TW" altLang="en-US" sz="4800" b="1" dirty="0" smtClean="0">
                 <a:solidFill>
                   <a:srgbClr val="660033"/>
                 </a:solidFill>
@@ -7165,7 +7075,7 @@
               </a:rPr>
               <a:t>求祢賜給我們</a:t>
             </a:r>
-            <a:endParaRPr lang="en-US" sz="5400" b="1" dirty="0" smtClean="0">
+            <a:endParaRPr lang="en-US" altLang="en-US" sz="4800" b="1" dirty="0" smtClean="0">
               <a:solidFill>
                 <a:srgbClr val="660033"/>
               </a:solidFill>
@@ -7178,7 +7088,7 @@
               <a:buNone/>
             </a:pPr>
             <a:r>
-              <a:rPr lang="zh-TW" altLang="en-US" sz="5400" b="1" dirty="0" smtClean="0">
+              <a:rPr lang="zh-TW" altLang="en-US" sz="4800" b="1" dirty="0" smtClean="0">
                 <a:solidFill>
                   <a:srgbClr val="660033"/>
                 </a:solidFill>
@@ -7187,7 +7097,7 @@
               </a:rPr>
               <a:t>免我們的債</a:t>
             </a:r>
-            <a:endParaRPr lang="en-US" sz="5400" b="1" dirty="0" smtClean="0">
+            <a:endParaRPr lang="en-US" altLang="en-US" sz="4800" b="1" dirty="0" smtClean="0">
               <a:solidFill>
                 <a:srgbClr val="660033"/>
               </a:solidFill>
@@ -7200,7 +7110,7 @@
               <a:buNone/>
             </a:pPr>
             <a:r>
-              <a:rPr lang="zh-TW" altLang="en-US" sz="5400" b="1" dirty="0" smtClean="0">
+              <a:rPr lang="zh-TW" altLang="en-US" sz="4800" b="1" dirty="0" smtClean="0">
                 <a:solidFill>
                   <a:srgbClr val="660033"/>
                 </a:solidFill>
@@ -7209,18 +7119,6 @@
               </a:rPr>
               <a:t>如同我們免去人的債</a:t>
             </a:r>
-            <a:endParaRPr lang="en-US" altLang="zh-TW" sz="5400" b="1" dirty="0" smtClean="0">
-              <a:solidFill>
-                <a:srgbClr val="660033"/>
-              </a:solidFill>
-              <a:latin typeface="微軟正黑體" pitchFamily="34" charset="-120"/>
-              <a:ea typeface="微軟正黑體" pitchFamily="34" charset="-120"/>
-            </a:endParaRPr>
-          </a:p>
-          <a:p>
-            <a:pPr algn="ctr">
-              <a:buNone/>
-            </a:pPr>
             <a:endParaRPr lang="en-US" sz="2800" b="1" dirty="0" smtClean="0">
               <a:solidFill>
                 <a:srgbClr val="660033"/>
@@ -7282,7 +7180,7 @@
               </a:rPr>
             </a:br>
             <a:r>
-              <a:rPr lang="en-US" sz="1600" dirty="0">
+              <a:rPr lang="en-US" sz="1600" b="1" dirty="0">
                 <a:solidFill>
                   <a:srgbClr val="660033"/>
                 </a:solidFill>
@@ -7292,7 +7190,7 @@
               <a:t/>
             </a:r>
             <a:br>
-              <a:rPr lang="en-US" sz="1600" dirty="0">
+              <a:rPr lang="en-US" sz="1600" b="1" dirty="0">
                 <a:solidFill>
                   <a:srgbClr val="660033"/>
                 </a:solidFill>
@@ -7300,7 +7198,7 @@
                 <a:ea typeface="微軟正黑體" pitchFamily="34" charset="-120"/>
               </a:rPr>
             </a:br>
-            <a:endParaRPr lang="en-US" sz="1600" dirty="0">
+            <a:endParaRPr lang="en-US" sz="1600" b="1" dirty="0">
               <a:solidFill>
                 <a:srgbClr val="660033"/>
               </a:solidFill>
@@ -7315,6 +7213,2202 @@
   <p:clrMapOvr>
     <a:masterClrMapping/>
   </p:clrMapOvr>
+  <p:timing>
+    <p:tnLst>
+      <p:par>
+        <p:cTn id="1" dur="indefinite" restart="never" nodeType="tmRoot"/>
+      </p:par>
+    </p:tnLst>
+  </p:timing>
+</p:sld>
+</file>
+
+<file path=ppt/slides/slide23.xml><?xml version="1.0" encoding="utf-8"?>
+<p:sld xmlns:a="http://schemas.openxmlformats.org/drawingml/2006/main" xmlns:r="http://schemas.openxmlformats.org/officeDocument/2006/relationships" xmlns:p="http://schemas.openxmlformats.org/presentationml/2006/main">
+  <p:cSld>
+    <p:spTree>
+      <p:nvGrpSpPr>
+        <p:cNvPr id="1" name=""/>
+        <p:cNvGrpSpPr/>
+        <p:nvPr/>
+      </p:nvGrpSpPr>
+      <p:grpSpPr>
+        <a:xfrm>
+          <a:off x="0" y="0"/>
+          <a:ext cx="0" cy="0"/>
+          <a:chOff x="0" y="0"/>
+          <a:chExt cx="0" cy="0"/>
+        </a:xfrm>
+      </p:grpSpPr>
+      <p:sp>
+        <p:nvSpPr>
+          <p:cNvPr id="2" name="Title 1"/>
+          <p:cNvSpPr>
+            <a:spLocks noGrp="1"/>
+          </p:cNvSpPr>
+          <p:nvPr>
+            <p:ph type="title"/>
+          </p:nvPr>
+        </p:nvSpPr>
+        <p:spPr/>
+        <p:txBody>
+          <a:bodyPr>
+            <a:noAutofit/>
+          </a:bodyPr>
+          <a:lstStyle/>
+          <a:p>
+            <a:r>
+              <a:rPr lang="en-US" altLang="zh-TW" sz="5000" b="1" dirty="0" smtClean="0">
+                <a:solidFill>
+                  <a:srgbClr val="660033"/>
+                </a:solidFill>
+                <a:latin typeface="微軟正黑體" pitchFamily="34" charset="-120"/>
+                <a:ea typeface="微軟正黑體" pitchFamily="34" charset="-120"/>
+              </a:rPr>
+              <a:t/>
+            </a:r>
+            <a:br>
+              <a:rPr lang="en-US" altLang="zh-TW" sz="5000" b="1" dirty="0" smtClean="0">
+                <a:solidFill>
+                  <a:srgbClr val="660033"/>
+                </a:solidFill>
+                <a:latin typeface="微軟正黑體" pitchFamily="34" charset="-120"/>
+                <a:ea typeface="微軟正黑體" pitchFamily="34" charset="-120"/>
+              </a:rPr>
+            </a:br>
+            <a:r>
+              <a:rPr lang="zh-TW" altLang="en-US" sz="5000" b="1" dirty="0" smtClean="0">
+                <a:solidFill>
+                  <a:srgbClr val="660033"/>
+                </a:solidFill>
+                <a:latin typeface="微軟正黑體" pitchFamily="34" charset="-120"/>
+                <a:ea typeface="微軟正黑體" pitchFamily="34" charset="-120"/>
+              </a:rPr>
+              <a:t>主</a:t>
+            </a:r>
+            <a:r>
+              <a:rPr lang="zh-TW" altLang="en-US" sz="5000" b="1" dirty="0">
+                <a:solidFill>
+                  <a:srgbClr val="660033"/>
+                </a:solidFill>
+                <a:latin typeface="微軟正黑體" pitchFamily="34" charset="-120"/>
+                <a:ea typeface="微軟正黑體" pitchFamily="34" charset="-120"/>
+              </a:rPr>
+              <a:t>禱文</a:t>
+            </a:r>
+            <a:r>
+              <a:rPr lang="en-US" sz="5000" b="1" dirty="0">
+                <a:solidFill>
+                  <a:srgbClr val="660033"/>
+                </a:solidFill>
+                <a:latin typeface="微軟正黑體" pitchFamily="34" charset="-120"/>
+                <a:ea typeface="微軟正黑體" pitchFamily="34" charset="-120"/>
+              </a:rPr>
+              <a:t/>
+            </a:r>
+            <a:br>
+              <a:rPr lang="en-US" sz="5000" b="1" dirty="0">
+                <a:solidFill>
+                  <a:srgbClr val="660033"/>
+                </a:solidFill>
+                <a:latin typeface="微軟正黑體" pitchFamily="34" charset="-120"/>
+                <a:ea typeface="微軟正黑體" pitchFamily="34" charset="-120"/>
+              </a:rPr>
+            </a:br>
+            <a:endParaRPr lang="en-US" sz="5000" b="1" dirty="0">
+              <a:solidFill>
+                <a:srgbClr val="660033"/>
+              </a:solidFill>
+              <a:latin typeface="微軟正黑體" pitchFamily="34" charset="-120"/>
+              <a:ea typeface="微軟正黑體" pitchFamily="34" charset="-120"/>
+            </a:endParaRPr>
+          </a:p>
+        </p:txBody>
+      </p:sp>
+      <p:sp>
+        <p:nvSpPr>
+          <p:cNvPr id="3" name="Content Placeholder 2"/>
+          <p:cNvSpPr>
+            <a:spLocks noGrp="1"/>
+          </p:cNvSpPr>
+          <p:nvPr>
+            <p:ph idx="1"/>
+          </p:nvPr>
+        </p:nvSpPr>
+        <p:spPr>
+          <a:xfrm>
+            <a:off x="457200" y="1200150"/>
+            <a:ext cx="8229600" cy="3943349"/>
+          </a:xfrm>
+        </p:spPr>
+        <p:txBody>
+          <a:bodyPr>
+            <a:normAutofit fontScale="62500" lnSpcReduction="20000"/>
+          </a:bodyPr>
+          <a:lstStyle/>
+          <a:p>
+            <a:pPr algn="ctr">
+              <a:buNone/>
+            </a:pPr>
+            <a:endParaRPr lang="en-US" altLang="zh-TW" sz="4400" dirty="0" smtClean="0">
+              <a:solidFill>
+                <a:srgbClr val="660033"/>
+              </a:solidFill>
+              <a:latin typeface="微軟正黑體" pitchFamily="34" charset="-120"/>
+              <a:ea typeface="微軟正黑體" pitchFamily="34" charset="-120"/>
+            </a:endParaRPr>
+          </a:p>
+          <a:p>
+            <a:pPr algn="ctr">
+              <a:buNone/>
+            </a:pPr>
+            <a:r>
+              <a:rPr lang="zh-TW" altLang="en-US" sz="7700" b="1" dirty="0" smtClean="0">
+                <a:solidFill>
+                  <a:srgbClr val="660033"/>
+                </a:solidFill>
+                <a:latin typeface="微軟正黑體" pitchFamily="34" charset="-120"/>
+                <a:ea typeface="微軟正黑體" pitchFamily="34" charset="-120"/>
+              </a:rPr>
+              <a:t>今</a:t>
+            </a:r>
+            <a:r>
+              <a:rPr lang="zh-TW" altLang="en-US" sz="7700" b="1" dirty="0">
+                <a:solidFill>
+                  <a:srgbClr val="660033"/>
+                </a:solidFill>
+                <a:latin typeface="微軟正黑體" pitchFamily="34" charset="-120"/>
+                <a:ea typeface="微軟正黑體" pitchFamily="34" charset="-120"/>
+              </a:rPr>
+              <a:t>日 我求問主的國 </a:t>
+            </a:r>
+            <a:endParaRPr lang="en-US" altLang="zh-TW" sz="7700" b="1" dirty="0" smtClean="0">
+              <a:solidFill>
+                <a:srgbClr val="660033"/>
+              </a:solidFill>
+              <a:latin typeface="微軟正黑體" pitchFamily="34" charset="-120"/>
+              <a:ea typeface="微軟正黑體" pitchFamily="34" charset="-120"/>
+            </a:endParaRPr>
+          </a:p>
+          <a:p>
+            <a:pPr algn="ctr">
+              <a:buNone/>
+            </a:pPr>
+            <a:r>
+              <a:rPr lang="zh-TW" altLang="en-US" sz="7700" b="1" dirty="0" smtClean="0">
+                <a:solidFill>
+                  <a:srgbClr val="660033"/>
+                </a:solidFill>
+                <a:latin typeface="微軟正黑體" pitchFamily="34" charset="-120"/>
+                <a:ea typeface="微軟正黑體" pitchFamily="34" charset="-120"/>
+              </a:rPr>
+              <a:t>求</a:t>
+            </a:r>
+            <a:r>
+              <a:rPr lang="zh-TW" altLang="en-US" sz="7700" b="1" dirty="0">
+                <a:solidFill>
+                  <a:srgbClr val="660033"/>
+                </a:solidFill>
+                <a:latin typeface="微軟正黑體" pitchFamily="34" charset="-120"/>
+                <a:ea typeface="微軟正黑體" pitchFamily="34" charset="-120"/>
+              </a:rPr>
+              <a:t>問主的義</a:t>
+            </a:r>
+            <a:endParaRPr lang="en-US" altLang="en-US" sz="7700" b="1" dirty="0">
+              <a:solidFill>
+                <a:srgbClr val="660033"/>
+              </a:solidFill>
+              <a:latin typeface="微軟正黑體" pitchFamily="34" charset="-120"/>
+              <a:ea typeface="微軟正黑體" pitchFamily="34" charset="-120"/>
+            </a:endParaRPr>
+          </a:p>
+          <a:p>
+            <a:pPr algn="ctr">
+              <a:buNone/>
+            </a:pPr>
+            <a:r>
+              <a:rPr lang="zh-TW" altLang="en-US" sz="7700" b="1" dirty="0">
+                <a:solidFill>
+                  <a:srgbClr val="660033"/>
+                </a:solidFill>
+                <a:latin typeface="微軟正黑體" pitchFamily="34" charset="-120"/>
+                <a:ea typeface="微軟正黑體" pitchFamily="34" charset="-120"/>
+              </a:rPr>
+              <a:t>王的旨意 如陽光遍地彰</a:t>
+            </a:r>
+            <a:r>
+              <a:rPr lang="zh-TW" altLang="en-US" sz="7700" b="1" dirty="0" smtClean="0">
+                <a:solidFill>
+                  <a:srgbClr val="660033"/>
+                </a:solidFill>
+                <a:latin typeface="微軟正黑體" pitchFamily="34" charset="-120"/>
+                <a:ea typeface="微軟正黑體" pitchFamily="34" charset="-120"/>
+              </a:rPr>
+              <a:t>顯</a:t>
+            </a:r>
+            <a:endParaRPr lang="en-US" altLang="zh-TW" sz="7700" b="1" dirty="0" smtClean="0">
+              <a:solidFill>
+                <a:srgbClr val="660033"/>
+              </a:solidFill>
+              <a:latin typeface="微軟正黑體" pitchFamily="34" charset="-120"/>
+              <a:ea typeface="微軟正黑體" pitchFamily="34" charset="-120"/>
+            </a:endParaRPr>
+          </a:p>
+          <a:p>
+            <a:pPr algn="ctr">
+              <a:buNone/>
+            </a:pPr>
+            <a:endParaRPr lang="en-US" sz="4400" b="1" dirty="0" smtClean="0">
+              <a:solidFill>
+                <a:srgbClr val="660033"/>
+              </a:solidFill>
+              <a:latin typeface="微軟正黑體" pitchFamily="34" charset="-120"/>
+              <a:ea typeface="微軟正黑體" pitchFamily="34" charset="-120"/>
+            </a:endParaRPr>
+          </a:p>
+          <a:p>
+            <a:pPr algn="ctr">
+              <a:buNone/>
+            </a:pPr>
+            <a:r>
+              <a:rPr lang="en-US" sz="2000" b="1" dirty="0" smtClean="0">
+                <a:solidFill>
+                  <a:srgbClr val="660033"/>
+                </a:solidFill>
+                <a:latin typeface="微軟正黑體" pitchFamily="34" charset="-120"/>
+                <a:ea typeface="微軟正黑體" pitchFamily="34" charset="-120"/>
+              </a:rPr>
+              <a:t>[Verse 2]</a:t>
+            </a:r>
+            <a:r>
+              <a:rPr lang="en-US" sz="4400" b="1" dirty="0">
+                <a:solidFill>
+                  <a:srgbClr val="660033"/>
+                </a:solidFill>
+                <a:latin typeface="微軟正黑體" pitchFamily="34" charset="-120"/>
+                <a:ea typeface="微軟正黑體" pitchFamily="34" charset="-120"/>
+              </a:rPr>
+              <a:t/>
+            </a:r>
+            <a:br>
+              <a:rPr lang="en-US" sz="4400" b="1" dirty="0">
+                <a:solidFill>
+                  <a:srgbClr val="660033"/>
+                </a:solidFill>
+                <a:latin typeface="微軟正黑體" pitchFamily="34" charset="-120"/>
+                <a:ea typeface="微軟正黑體" pitchFamily="34" charset="-120"/>
+              </a:rPr>
+            </a:br>
+            <a:endParaRPr lang="en-US" sz="4400" b="1" dirty="0">
+              <a:solidFill>
+                <a:srgbClr val="660033"/>
+              </a:solidFill>
+              <a:latin typeface="微軟正黑體" pitchFamily="34" charset="-120"/>
+              <a:ea typeface="微軟正黑體" pitchFamily="34" charset="-120"/>
+            </a:endParaRPr>
+          </a:p>
+        </p:txBody>
+      </p:sp>
+    </p:spTree>
+  </p:cSld>
+  <p:clrMapOvr>
+    <a:masterClrMapping/>
+  </p:clrMapOvr>
+  <p:timing>
+    <p:tnLst>
+      <p:par>
+        <p:cTn id="1" dur="indefinite" restart="never" nodeType="tmRoot"/>
+      </p:par>
+    </p:tnLst>
+  </p:timing>
+</p:sld>
+</file>
+
+<file path=ppt/slides/slide24.xml><?xml version="1.0" encoding="utf-8"?>
+<p:sld xmlns:a="http://schemas.openxmlformats.org/drawingml/2006/main" xmlns:r="http://schemas.openxmlformats.org/officeDocument/2006/relationships" xmlns:p="http://schemas.openxmlformats.org/presentationml/2006/main">
+  <p:cSld>
+    <p:spTree>
+      <p:nvGrpSpPr>
+        <p:cNvPr id="1" name=""/>
+        <p:cNvGrpSpPr/>
+        <p:nvPr/>
+      </p:nvGrpSpPr>
+      <p:grpSpPr>
+        <a:xfrm>
+          <a:off x="0" y="0"/>
+          <a:ext cx="0" cy="0"/>
+          <a:chOff x="0" y="0"/>
+          <a:chExt cx="0" cy="0"/>
+        </a:xfrm>
+      </p:grpSpPr>
+      <p:sp>
+        <p:nvSpPr>
+          <p:cNvPr id="2" name="Title 1"/>
+          <p:cNvSpPr>
+            <a:spLocks noGrp="1"/>
+          </p:cNvSpPr>
+          <p:nvPr>
+            <p:ph type="title"/>
+          </p:nvPr>
+        </p:nvSpPr>
+        <p:spPr/>
+        <p:txBody>
+          <a:bodyPr>
+            <a:noAutofit/>
+          </a:bodyPr>
+          <a:lstStyle/>
+          <a:p>
+            <a:r>
+              <a:rPr lang="en-US" altLang="zh-TW" sz="5000" b="1" dirty="0" smtClean="0">
+                <a:solidFill>
+                  <a:srgbClr val="660033"/>
+                </a:solidFill>
+                <a:latin typeface="微軟正黑體" pitchFamily="34" charset="-120"/>
+                <a:ea typeface="微軟正黑體" pitchFamily="34" charset="-120"/>
+              </a:rPr>
+              <a:t/>
+            </a:r>
+            <a:br>
+              <a:rPr lang="en-US" altLang="zh-TW" sz="5000" b="1" dirty="0" smtClean="0">
+                <a:solidFill>
+                  <a:srgbClr val="660033"/>
+                </a:solidFill>
+                <a:latin typeface="微軟正黑體" pitchFamily="34" charset="-120"/>
+                <a:ea typeface="微軟正黑體" pitchFamily="34" charset="-120"/>
+              </a:rPr>
+            </a:br>
+            <a:r>
+              <a:rPr lang="zh-TW" altLang="en-US" sz="5000" b="1" dirty="0" smtClean="0">
+                <a:solidFill>
+                  <a:srgbClr val="660033"/>
+                </a:solidFill>
+                <a:latin typeface="微軟正黑體" pitchFamily="34" charset="-120"/>
+                <a:ea typeface="微軟正黑體" pitchFamily="34" charset="-120"/>
+              </a:rPr>
+              <a:t>主</a:t>
+            </a:r>
+            <a:r>
+              <a:rPr lang="zh-TW" altLang="en-US" sz="5000" b="1" dirty="0">
+                <a:solidFill>
+                  <a:srgbClr val="660033"/>
+                </a:solidFill>
+                <a:latin typeface="微軟正黑體" pitchFamily="34" charset="-120"/>
+                <a:ea typeface="微軟正黑體" pitchFamily="34" charset="-120"/>
+              </a:rPr>
+              <a:t>禱文</a:t>
+            </a:r>
+            <a:r>
+              <a:rPr lang="en-US" sz="5000" b="1" dirty="0">
+                <a:solidFill>
+                  <a:srgbClr val="660033"/>
+                </a:solidFill>
+                <a:latin typeface="微軟正黑體" pitchFamily="34" charset="-120"/>
+                <a:ea typeface="微軟正黑體" pitchFamily="34" charset="-120"/>
+              </a:rPr>
+              <a:t/>
+            </a:r>
+            <a:br>
+              <a:rPr lang="en-US" sz="5000" b="1" dirty="0">
+                <a:solidFill>
+                  <a:srgbClr val="660033"/>
+                </a:solidFill>
+                <a:latin typeface="微軟正黑體" pitchFamily="34" charset="-120"/>
+                <a:ea typeface="微軟正黑體" pitchFamily="34" charset="-120"/>
+              </a:rPr>
+            </a:br>
+            <a:endParaRPr lang="en-US" sz="5000" b="1" dirty="0">
+              <a:solidFill>
+                <a:srgbClr val="660033"/>
+              </a:solidFill>
+              <a:latin typeface="微軟正黑體" pitchFamily="34" charset="-120"/>
+              <a:ea typeface="微軟正黑體" pitchFamily="34" charset="-120"/>
+            </a:endParaRPr>
+          </a:p>
+        </p:txBody>
+      </p:sp>
+      <p:sp>
+        <p:nvSpPr>
+          <p:cNvPr id="3" name="Content Placeholder 2"/>
+          <p:cNvSpPr>
+            <a:spLocks noGrp="1"/>
+          </p:cNvSpPr>
+          <p:nvPr>
+            <p:ph idx="1"/>
+          </p:nvPr>
+        </p:nvSpPr>
+        <p:spPr/>
+        <p:txBody>
+          <a:bodyPr>
+            <a:noAutofit/>
+          </a:bodyPr>
+          <a:lstStyle/>
+          <a:p>
+            <a:pPr algn="ctr">
+              <a:buNone/>
+            </a:pPr>
+            <a:r>
+              <a:rPr lang="zh-TW" altLang="en-US" sz="4800" b="1" dirty="0" smtClean="0">
+                <a:solidFill>
+                  <a:srgbClr val="660033"/>
+                </a:solidFill>
+                <a:latin typeface="微軟正黑體" pitchFamily="34" charset="-120"/>
+                <a:ea typeface="微軟正黑體" pitchFamily="34" charset="-120"/>
+              </a:rPr>
+              <a:t>願</a:t>
+            </a:r>
+            <a:r>
+              <a:rPr lang="zh-TW" altLang="en-US" sz="4800" b="1" dirty="0">
+                <a:solidFill>
+                  <a:srgbClr val="660033"/>
+                </a:solidFill>
+                <a:latin typeface="微軟正黑體" pitchFamily="34" charset="-120"/>
+                <a:ea typeface="微軟正黑體" pitchFamily="34" charset="-120"/>
+              </a:rPr>
+              <a:t>人都尊祢名為聖</a:t>
+            </a:r>
+            <a:endParaRPr lang="en-US" altLang="en-US" sz="4800" b="1" dirty="0">
+              <a:solidFill>
+                <a:srgbClr val="660033"/>
+              </a:solidFill>
+              <a:latin typeface="微軟正黑體" pitchFamily="34" charset="-120"/>
+              <a:ea typeface="微軟正黑體" pitchFamily="34" charset="-120"/>
+            </a:endParaRPr>
+          </a:p>
+          <a:p>
+            <a:pPr algn="ctr">
+              <a:buNone/>
+            </a:pPr>
+            <a:r>
+              <a:rPr lang="zh-TW" altLang="en-US" sz="4800" b="1" dirty="0">
+                <a:solidFill>
+                  <a:srgbClr val="660033"/>
+                </a:solidFill>
+                <a:latin typeface="微軟正黑體" pitchFamily="34" charset="-120"/>
+                <a:ea typeface="微軟正黑體" pitchFamily="34" charset="-120"/>
+              </a:rPr>
+              <a:t>願祢的國降臨</a:t>
+            </a:r>
+            <a:endParaRPr lang="en-US" altLang="en-US" sz="4800" b="1" dirty="0">
+              <a:solidFill>
+                <a:srgbClr val="660033"/>
+              </a:solidFill>
+              <a:latin typeface="微軟正黑體" pitchFamily="34" charset="-120"/>
+              <a:ea typeface="微軟正黑體" pitchFamily="34" charset="-120"/>
+            </a:endParaRPr>
+          </a:p>
+          <a:p>
+            <a:pPr algn="ctr">
+              <a:buNone/>
+            </a:pPr>
+            <a:r>
+              <a:rPr lang="zh-TW" altLang="en-US" sz="4800" b="1" dirty="0">
+                <a:solidFill>
+                  <a:srgbClr val="660033"/>
+                </a:solidFill>
+                <a:latin typeface="微軟正黑體" pitchFamily="34" charset="-120"/>
+                <a:ea typeface="微軟正黑體" pitchFamily="34" charset="-120"/>
+              </a:rPr>
+              <a:t>也願祢旨意行在地上</a:t>
+            </a:r>
+            <a:endParaRPr lang="en-US" altLang="en-US" sz="4800" b="1" dirty="0">
+              <a:solidFill>
+                <a:srgbClr val="660033"/>
+              </a:solidFill>
+              <a:latin typeface="微軟正黑體" pitchFamily="34" charset="-120"/>
+              <a:ea typeface="微軟正黑體" pitchFamily="34" charset="-120"/>
+            </a:endParaRPr>
+          </a:p>
+          <a:p>
+            <a:pPr algn="ctr">
+              <a:buNone/>
+            </a:pPr>
+            <a:r>
+              <a:rPr lang="zh-TW" altLang="en-US" sz="4800" b="1" dirty="0">
+                <a:solidFill>
+                  <a:srgbClr val="660033"/>
+                </a:solidFill>
+                <a:latin typeface="微軟正黑體" pitchFamily="34" charset="-120"/>
+                <a:ea typeface="微軟正黑體" pitchFamily="34" charset="-120"/>
+              </a:rPr>
+              <a:t>如同行在天</a:t>
+            </a:r>
+            <a:r>
+              <a:rPr lang="zh-TW" altLang="en-US" sz="4800" b="1" dirty="0" smtClean="0">
+                <a:solidFill>
+                  <a:srgbClr val="660033"/>
+                </a:solidFill>
+                <a:latin typeface="微軟正黑體" pitchFamily="34" charset="-120"/>
+                <a:ea typeface="微軟正黑體" pitchFamily="34" charset="-120"/>
+              </a:rPr>
+              <a:t>上</a:t>
+            </a:r>
+            <a:endParaRPr lang="en-US" altLang="zh-TW" sz="4800" b="1" dirty="0" smtClean="0">
+              <a:solidFill>
+                <a:srgbClr val="660033"/>
+              </a:solidFill>
+              <a:latin typeface="微軟正黑體" pitchFamily="34" charset="-120"/>
+              <a:ea typeface="微軟正黑體" pitchFamily="34" charset="-120"/>
+            </a:endParaRPr>
+          </a:p>
+          <a:p>
+            <a:pPr algn="ctr">
+              <a:buNone/>
+            </a:pPr>
+            <a:endParaRPr lang="en-US" altLang="zh-TW" sz="2800" b="1" dirty="0" smtClean="0">
+              <a:solidFill>
+                <a:srgbClr val="660033"/>
+              </a:solidFill>
+              <a:latin typeface="微軟正黑體" pitchFamily="34" charset="-120"/>
+              <a:ea typeface="微軟正黑體" pitchFamily="34" charset="-120"/>
+            </a:endParaRPr>
+          </a:p>
+          <a:p>
+            <a:pPr algn="ctr">
+              <a:buNone/>
+            </a:pPr>
+            <a:r>
+              <a:rPr lang="en-US" altLang="zh-TW" sz="2000" b="1" dirty="0" smtClean="0">
+                <a:solidFill>
+                  <a:srgbClr val="660033"/>
+                </a:solidFill>
+                <a:latin typeface="微軟正黑體" pitchFamily="34" charset="-120"/>
+                <a:ea typeface="微軟正黑體" pitchFamily="34" charset="-120"/>
+              </a:rPr>
+              <a:t>[Chorus]</a:t>
+            </a:r>
+          </a:p>
+          <a:p>
+            <a:pPr algn="ctr">
+              <a:buNone/>
+            </a:pPr>
+            <a:r>
+              <a:rPr lang="en-US" sz="5400" b="1" dirty="0">
+                <a:solidFill>
+                  <a:srgbClr val="660033"/>
+                </a:solidFill>
+                <a:latin typeface="微軟正黑體" pitchFamily="34" charset="-120"/>
+                <a:ea typeface="微軟正黑體" pitchFamily="34" charset="-120"/>
+              </a:rPr>
+              <a:t/>
+            </a:r>
+            <a:br>
+              <a:rPr lang="en-US" sz="5400" b="1" dirty="0">
+                <a:solidFill>
+                  <a:srgbClr val="660033"/>
+                </a:solidFill>
+                <a:latin typeface="微軟正黑體" pitchFamily="34" charset="-120"/>
+                <a:ea typeface="微軟正黑體" pitchFamily="34" charset="-120"/>
+              </a:rPr>
+            </a:br>
+            <a:r>
+              <a:rPr lang="en-US" sz="1600" dirty="0">
+                <a:solidFill>
+                  <a:srgbClr val="660033"/>
+                </a:solidFill>
+                <a:latin typeface="微軟正黑體" pitchFamily="34" charset="-120"/>
+                <a:ea typeface="微軟正黑體" pitchFamily="34" charset="-120"/>
+              </a:rPr>
+              <a:t/>
+            </a:r>
+            <a:br>
+              <a:rPr lang="en-US" sz="1600" dirty="0">
+                <a:solidFill>
+                  <a:srgbClr val="660033"/>
+                </a:solidFill>
+                <a:latin typeface="微軟正黑體" pitchFamily="34" charset="-120"/>
+                <a:ea typeface="微軟正黑體" pitchFamily="34" charset="-120"/>
+              </a:rPr>
+            </a:br>
+            <a:endParaRPr lang="en-US" sz="1600" dirty="0">
+              <a:solidFill>
+                <a:srgbClr val="660033"/>
+              </a:solidFill>
+              <a:latin typeface="微軟正黑體" pitchFamily="34" charset="-120"/>
+              <a:ea typeface="微軟正黑體" pitchFamily="34" charset="-120"/>
+            </a:endParaRPr>
+          </a:p>
+        </p:txBody>
+      </p:sp>
+    </p:spTree>
+  </p:cSld>
+  <p:clrMapOvr>
+    <a:masterClrMapping/>
+  </p:clrMapOvr>
+  <p:timing>
+    <p:tnLst>
+      <p:par>
+        <p:cTn id="1" dur="indefinite" restart="never" nodeType="tmRoot"/>
+      </p:par>
+    </p:tnLst>
+  </p:timing>
+</p:sld>
+</file>
+
+<file path=ppt/slides/slide25.xml><?xml version="1.0" encoding="utf-8"?>
+<p:sld xmlns:a="http://schemas.openxmlformats.org/drawingml/2006/main" xmlns:r="http://schemas.openxmlformats.org/officeDocument/2006/relationships" xmlns:p="http://schemas.openxmlformats.org/presentationml/2006/main">
+  <p:cSld>
+    <p:spTree>
+      <p:nvGrpSpPr>
+        <p:cNvPr id="1" name=""/>
+        <p:cNvGrpSpPr/>
+        <p:nvPr/>
+      </p:nvGrpSpPr>
+      <p:grpSpPr>
+        <a:xfrm>
+          <a:off x="0" y="0"/>
+          <a:ext cx="0" cy="0"/>
+          <a:chOff x="0" y="0"/>
+          <a:chExt cx="0" cy="0"/>
+        </a:xfrm>
+      </p:grpSpPr>
+      <p:sp>
+        <p:nvSpPr>
+          <p:cNvPr id="2" name="Title 1"/>
+          <p:cNvSpPr>
+            <a:spLocks noGrp="1"/>
+          </p:cNvSpPr>
+          <p:nvPr>
+            <p:ph type="title"/>
+          </p:nvPr>
+        </p:nvSpPr>
+        <p:spPr/>
+        <p:txBody>
+          <a:bodyPr>
+            <a:noAutofit/>
+          </a:bodyPr>
+          <a:lstStyle/>
+          <a:p>
+            <a:r>
+              <a:rPr lang="en-US" altLang="zh-TW" sz="5000" b="1" dirty="0" smtClean="0">
+                <a:solidFill>
+                  <a:srgbClr val="660033"/>
+                </a:solidFill>
+                <a:latin typeface="微軟正黑體" pitchFamily="34" charset="-120"/>
+                <a:ea typeface="微軟正黑體" pitchFamily="34" charset="-120"/>
+              </a:rPr>
+              <a:t/>
+            </a:r>
+            <a:br>
+              <a:rPr lang="en-US" altLang="zh-TW" sz="5000" b="1" dirty="0" smtClean="0">
+                <a:solidFill>
+                  <a:srgbClr val="660033"/>
+                </a:solidFill>
+                <a:latin typeface="微軟正黑體" pitchFamily="34" charset="-120"/>
+                <a:ea typeface="微軟正黑體" pitchFamily="34" charset="-120"/>
+              </a:rPr>
+            </a:br>
+            <a:r>
+              <a:rPr lang="zh-TW" altLang="en-US" sz="5000" b="1" dirty="0" smtClean="0">
+                <a:solidFill>
+                  <a:srgbClr val="660033"/>
+                </a:solidFill>
+                <a:latin typeface="微軟正黑體" pitchFamily="34" charset="-120"/>
+                <a:ea typeface="微軟正黑體" pitchFamily="34" charset="-120"/>
+              </a:rPr>
+              <a:t>主</a:t>
+            </a:r>
+            <a:r>
+              <a:rPr lang="zh-TW" altLang="en-US" sz="5000" b="1" dirty="0">
+                <a:solidFill>
+                  <a:srgbClr val="660033"/>
+                </a:solidFill>
+                <a:latin typeface="微軟正黑體" pitchFamily="34" charset="-120"/>
+                <a:ea typeface="微軟正黑體" pitchFamily="34" charset="-120"/>
+              </a:rPr>
+              <a:t>禱文</a:t>
+            </a:r>
+            <a:r>
+              <a:rPr lang="en-US" sz="5000" b="1" dirty="0">
+                <a:solidFill>
+                  <a:srgbClr val="660033"/>
+                </a:solidFill>
+                <a:latin typeface="微軟正黑體" pitchFamily="34" charset="-120"/>
+                <a:ea typeface="微軟正黑體" pitchFamily="34" charset="-120"/>
+              </a:rPr>
+              <a:t/>
+            </a:r>
+            <a:br>
+              <a:rPr lang="en-US" sz="5000" b="1" dirty="0">
+                <a:solidFill>
+                  <a:srgbClr val="660033"/>
+                </a:solidFill>
+                <a:latin typeface="微軟正黑體" pitchFamily="34" charset="-120"/>
+                <a:ea typeface="微軟正黑體" pitchFamily="34" charset="-120"/>
+              </a:rPr>
+            </a:br>
+            <a:endParaRPr lang="en-US" sz="5000" b="1" dirty="0">
+              <a:solidFill>
+                <a:srgbClr val="660033"/>
+              </a:solidFill>
+              <a:latin typeface="微軟正黑體" pitchFamily="34" charset="-120"/>
+              <a:ea typeface="微軟正黑體" pitchFamily="34" charset="-120"/>
+            </a:endParaRPr>
+          </a:p>
+        </p:txBody>
+      </p:sp>
+      <p:sp>
+        <p:nvSpPr>
+          <p:cNvPr id="3" name="Content Placeholder 2"/>
+          <p:cNvSpPr>
+            <a:spLocks noGrp="1"/>
+          </p:cNvSpPr>
+          <p:nvPr>
+            <p:ph idx="1"/>
+          </p:nvPr>
+        </p:nvSpPr>
+        <p:spPr/>
+        <p:txBody>
+          <a:bodyPr>
+            <a:noAutofit/>
+          </a:bodyPr>
+          <a:lstStyle/>
+          <a:p>
+            <a:pPr algn="ctr">
+              <a:buNone/>
+            </a:pPr>
+            <a:r>
+              <a:rPr lang="zh-TW" altLang="en-US" sz="4800" b="1" dirty="0" smtClean="0">
+                <a:solidFill>
+                  <a:srgbClr val="660033"/>
+                </a:solidFill>
+                <a:latin typeface="微軟正黑體" pitchFamily="34" charset="-120"/>
+                <a:ea typeface="微軟正黑體" pitchFamily="34" charset="-120"/>
+              </a:rPr>
+              <a:t>我們當天所需要的食物</a:t>
+            </a:r>
+            <a:endParaRPr lang="en-US" altLang="en-US" sz="4800" b="1" dirty="0" smtClean="0">
+              <a:solidFill>
+                <a:srgbClr val="660033"/>
+              </a:solidFill>
+              <a:latin typeface="微軟正黑體" pitchFamily="34" charset="-120"/>
+              <a:ea typeface="微軟正黑體" pitchFamily="34" charset="-120"/>
+            </a:endParaRPr>
+          </a:p>
+          <a:p>
+            <a:pPr algn="ctr">
+              <a:buNone/>
+            </a:pPr>
+            <a:r>
+              <a:rPr lang="zh-TW" altLang="en-US" sz="4800" b="1" dirty="0" smtClean="0">
+                <a:solidFill>
+                  <a:srgbClr val="660033"/>
+                </a:solidFill>
+                <a:latin typeface="微軟正黑體" pitchFamily="34" charset="-120"/>
+                <a:ea typeface="微軟正黑體" pitchFamily="34" charset="-120"/>
+              </a:rPr>
+              <a:t>求祢賜給我們</a:t>
+            </a:r>
+            <a:endParaRPr lang="en-US" altLang="en-US" sz="4800" b="1" dirty="0" smtClean="0">
+              <a:solidFill>
+                <a:srgbClr val="660033"/>
+              </a:solidFill>
+              <a:latin typeface="微軟正黑體" pitchFamily="34" charset="-120"/>
+              <a:ea typeface="微軟正黑體" pitchFamily="34" charset="-120"/>
+            </a:endParaRPr>
+          </a:p>
+          <a:p>
+            <a:pPr algn="ctr">
+              <a:buNone/>
+            </a:pPr>
+            <a:r>
+              <a:rPr lang="zh-TW" altLang="en-US" sz="4800" b="1" dirty="0" smtClean="0">
+                <a:solidFill>
+                  <a:srgbClr val="660033"/>
+                </a:solidFill>
+                <a:latin typeface="微軟正黑體" pitchFamily="34" charset="-120"/>
+                <a:ea typeface="微軟正黑體" pitchFamily="34" charset="-120"/>
+              </a:rPr>
+              <a:t>免我們的債</a:t>
+            </a:r>
+            <a:endParaRPr lang="en-US" altLang="en-US" sz="4800" b="1" dirty="0" smtClean="0">
+              <a:solidFill>
+                <a:srgbClr val="660033"/>
+              </a:solidFill>
+              <a:latin typeface="微軟正黑體" pitchFamily="34" charset="-120"/>
+              <a:ea typeface="微軟正黑體" pitchFamily="34" charset="-120"/>
+            </a:endParaRPr>
+          </a:p>
+          <a:p>
+            <a:pPr algn="ctr">
+              <a:buNone/>
+            </a:pPr>
+            <a:r>
+              <a:rPr lang="zh-TW" altLang="en-US" sz="4800" b="1" dirty="0" smtClean="0">
+                <a:solidFill>
+                  <a:srgbClr val="660033"/>
+                </a:solidFill>
+                <a:latin typeface="微軟正黑體" pitchFamily="34" charset="-120"/>
+                <a:ea typeface="微軟正黑體" pitchFamily="34" charset="-120"/>
+              </a:rPr>
+              <a:t>如同我們免去人的債</a:t>
+            </a:r>
+            <a:endParaRPr lang="en-US" altLang="zh-TW" sz="4800" b="1" dirty="0" smtClean="0">
+              <a:solidFill>
+                <a:srgbClr val="660033"/>
+              </a:solidFill>
+              <a:latin typeface="微軟正黑體" pitchFamily="34" charset="-120"/>
+              <a:ea typeface="微軟正黑體" pitchFamily="34" charset="-120"/>
+            </a:endParaRPr>
+          </a:p>
+          <a:p>
+            <a:pPr algn="ctr">
+              <a:buNone/>
+            </a:pPr>
+            <a:endParaRPr lang="en-US" sz="2800" b="1" dirty="0" smtClean="0">
+              <a:solidFill>
+                <a:srgbClr val="660033"/>
+              </a:solidFill>
+              <a:latin typeface="微軟正黑體" pitchFamily="34" charset="-120"/>
+              <a:ea typeface="微軟正黑體" pitchFamily="34" charset="-120"/>
+            </a:endParaRPr>
+          </a:p>
+          <a:p>
+            <a:pPr algn="ctr">
+              <a:buNone/>
+            </a:pPr>
+            <a:r>
+              <a:rPr lang="en-US" sz="2800" b="1" dirty="0" smtClean="0">
+                <a:solidFill>
+                  <a:srgbClr val="660033"/>
+                </a:solidFill>
+                <a:latin typeface="微軟正黑體" pitchFamily="34" charset="-120"/>
+                <a:ea typeface="微軟正黑體" pitchFamily="34" charset="-120"/>
+              </a:rPr>
+              <a:t>[Chorus]</a:t>
+            </a:r>
+            <a:r>
+              <a:rPr lang="en-US" sz="5400" b="1" dirty="0" smtClean="0">
+                <a:solidFill>
+                  <a:srgbClr val="660033"/>
+                </a:solidFill>
+                <a:latin typeface="微軟正黑體" pitchFamily="34" charset="-120"/>
+                <a:ea typeface="微軟正黑體" pitchFamily="34" charset="-120"/>
+              </a:rPr>
+              <a:t/>
+            </a:r>
+            <a:br>
+              <a:rPr lang="en-US" sz="5400" b="1" dirty="0" smtClean="0">
+                <a:solidFill>
+                  <a:srgbClr val="660033"/>
+                </a:solidFill>
+                <a:latin typeface="微軟正黑體" pitchFamily="34" charset="-120"/>
+                <a:ea typeface="微軟正黑體" pitchFamily="34" charset="-120"/>
+              </a:rPr>
+            </a:br>
+            <a:r>
+              <a:rPr lang="en-US" sz="5400" b="1" dirty="0">
+                <a:solidFill>
+                  <a:srgbClr val="660033"/>
+                </a:solidFill>
+                <a:latin typeface="微軟正黑體" pitchFamily="34" charset="-120"/>
+                <a:ea typeface="微軟正黑體" pitchFamily="34" charset="-120"/>
+              </a:rPr>
+              <a:t/>
+            </a:r>
+            <a:br>
+              <a:rPr lang="en-US" sz="5400" b="1" dirty="0">
+                <a:solidFill>
+                  <a:srgbClr val="660033"/>
+                </a:solidFill>
+                <a:latin typeface="微軟正黑體" pitchFamily="34" charset="-120"/>
+                <a:ea typeface="微軟正黑體" pitchFamily="34" charset="-120"/>
+              </a:rPr>
+            </a:br>
+            <a:r>
+              <a:rPr lang="en-US" sz="1600" dirty="0">
+                <a:solidFill>
+                  <a:srgbClr val="660033"/>
+                </a:solidFill>
+                <a:latin typeface="微軟正黑體" pitchFamily="34" charset="-120"/>
+                <a:ea typeface="微軟正黑體" pitchFamily="34" charset="-120"/>
+              </a:rPr>
+              <a:t/>
+            </a:r>
+            <a:br>
+              <a:rPr lang="en-US" sz="1600" dirty="0">
+                <a:solidFill>
+                  <a:srgbClr val="660033"/>
+                </a:solidFill>
+                <a:latin typeface="微軟正黑體" pitchFamily="34" charset="-120"/>
+                <a:ea typeface="微軟正黑體" pitchFamily="34" charset="-120"/>
+              </a:rPr>
+            </a:br>
+            <a:endParaRPr lang="en-US" sz="1600" dirty="0">
+              <a:solidFill>
+                <a:srgbClr val="660033"/>
+              </a:solidFill>
+              <a:latin typeface="微軟正黑體" pitchFamily="34" charset="-120"/>
+              <a:ea typeface="微軟正黑體" pitchFamily="34" charset="-120"/>
+            </a:endParaRPr>
+          </a:p>
+        </p:txBody>
+      </p:sp>
+    </p:spTree>
+  </p:cSld>
+  <p:clrMapOvr>
+    <a:masterClrMapping/>
+  </p:clrMapOvr>
+  <p:timing>
+    <p:tnLst>
+      <p:par>
+        <p:cTn id="1" dur="indefinite" restart="never" nodeType="tmRoot"/>
+      </p:par>
+    </p:tnLst>
+  </p:timing>
+</p:sld>
+</file>
+
+<file path=ppt/slides/slide26.xml><?xml version="1.0" encoding="utf-8"?>
+<p:sld xmlns:a="http://schemas.openxmlformats.org/drawingml/2006/main" xmlns:r="http://schemas.openxmlformats.org/officeDocument/2006/relationships" xmlns:p="http://schemas.openxmlformats.org/presentationml/2006/main">
+  <p:cSld>
+    <p:spTree>
+      <p:nvGrpSpPr>
+        <p:cNvPr id="1" name=""/>
+        <p:cNvGrpSpPr/>
+        <p:nvPr/>
+      </p:nvGrpSpPr>
+      <p:grpSpPr>
+        <a:xfrm>
+          <a:off x="0" y="0"/>
+          <a:ext cx="0" cy="0"/>
+          <a:chOff x="0" y="0"/>
+          <a:chExt cx="0" cy="0"/>
+        </a:xfrm>
+      </p:grpSpPr>
+      <p:sp>
+        <p:nvSpPr>
+          <p:cNvPr id="2" name="Title 1"/>
+          <p:cNvSpPr>
+            <a:spLocks noGrp="1"/>
+          </p:cNvSpPr>
+          <p:nvPr>
+            <p:ph type="title"/>
+          </p:nvPr>
+        </p:nvSpPr>
+        <p:spPr/>
+        <p:txBody>
+          <a:bodyPr>
+            <a:noAutofit/>
+          </a:bodyPr>
+          <a:lstStyle/>
+          <a:p>
+            <a:r>
+              <a:rPr lang="en-US" altLang="zh-TW" sz="5000" b="1" dirty="0" smtClean="0">
+                <a:solidFill>
+                  <a:srgbClr val="660033"/>
+                </a:solidFill>
+                <a:latin typeface="微軟正黑體" pitchFamily="34" charset="-120"/>
+                <a:ea typeface="微軟正黑體" pitchFamily="34" charset="-120"/>
+              </a:rPr>
+              <a:t/>
+            </a:r>
+            <a:br>
+              <a:rPr lang="en-US" altLang="zh-TW" sz="5000" b="1" dirty="0" smtClean="0">
+                <a:solidFill>
+                  <a:srgbClr val="660033"/>
+                </a:solidFill>
+                <a:latin typeface="微軟正黑體" pitchFamily="34" charset="-120"/>
+                <a:ea typeface="微軟正黑體" pitchFamily="34" charset="-120"/>
+              </a:rPr>
+            </a:br>
+            <a:r>
+              <a:rPr lang="zh-TW" altLang="en-US" sz="5000" b="1" dirty="0" smtClean="0">
+                <a:solidFill>
+                  <a:srgbClr val="660033"/>
+                </a:solidFill>
+                <a:latin typeface="微軟正黑體" pitchFamily="34" charset="-120"/>
+                <a:ea typeface="微軟正黑體" pitchFamily="34" charset="-120"/>
+              </a:rPr>
+              <a:t>主</a:t>
+            </a:r>
+            <a:r>
+              <a:rPr lang="zh-TW" altLang="en-US" sz="5000" b="1" dirty="0">
+                <a:solidFill>
+                  <a:srgbClr val="660033"/>
+                </a:solidFill>
+                <a:latin typeface="微軟正黑體" pitchFamily="34" charset="-120"/>
+                <a:ea typeface="微軟正黑體" pitchFamily="34" charset="-120"/>
+              </a:rPr>
+              <a:t>禱文</a:t>
+            </a:r>
+            <a:r>
+              <a:rPr lang="en-US" sz="5000" b="1" dirty="0">
+                <a:solidFill>
+                  <a:srgbClr val="660033"/>
+                </a:solidFill>
+                <a:latin typeface="微軟正黑體" pitchFamily="34" charset="-120"/>
+                <a:ea typeface="微軟正黑體" pitchFamily="34" charset="-120"/>
+              </a:rPr>
+              <a:t/>
+            </a:r>
+            <a:br>
+              <a:rPr lang="en-US" sz="5000" b="1" dirty="0">
+                <a:solidFill>
+                  <a:srgbClr val="660033"/>
+                </a:solidFill>
+                <a:latin typeface="微軟正黑體" pitchFamily="34" charset="-120"/>
+                <a:ea typeface="微軟正黑體" pitchFamily="34" charset="-120"/>
+              </a:rPr>
+            </a:br>
+            <a:endParaRPr lang="en-US" sz="5000" b="1" dirty="0">
+              <a:solidFill>
+                <a:srgbClr val="660033"/>
+              </a:solidFill>
+              <a:latin typeface="微軟正黑體" pitchFamily="34" charset="-120"/>
+              <a:ea typeface="微軟正黑體" pitchFamily="34" charset="-120"/>
+            </a:endParaRPr>
+          </a:p>
+        </p:txBody>
+      </p:sp>
+      <p:sp>
+        <p:nvSpPr>
+          <p:cNvPr id="3" name="Content Placeholder 2"/>
+          <p:cNvSpPr>
+            <a:spLocks noGrp="1"/>
+          </p:cNvSpPr>
+          <p:nvPr>
+            <p:ph idx="1"/>
+          </p:nvPr>
+        </p:nvSpPr>
+        <p:spPr/>
+        <p:txBody>
+          <a:bodyPr>
+            <a:noAutofit/>
+          </a:bodyPr>
+          <a:lstStyle/>
+          <a:p>
+            <a:pPr algn="ctr">
+              <a:buNone/>
+            </a:pPr>
+            <a:r>
+              <a:rPr lang="zh-TW" altLang="en-US" sz="4800" b="1" dirty="0" smtClean="0">
+                <a:solidFill>
+                  <a:srgbClr val="660033"/>
+                </a:solidFill>
+                <a:latin typeface="微軟正黑體" pitchFamily="34" charset="-120"/>
+                <a:ea typeface="微軟正黑體" pitchFamily="34" charset="-120"/>
+              </a:rPr>
+              <a:t>不叫我們遇見試探 </a:t>
+            </a:r>
+            <a:endParaRPr lang="en-US" altLang="zh-TW" sz="4800" b="1" dirty="0" smtClean="0">
+              <a:solidFill>
+                <a:srgbClr val="660033"/>
+              </a:solidFill>
+              <a:latin typeface="微軟正黑體" pitchFamily="34" charset="-120"/>
+              <a:ea typeface="微軟正黑體" pitchFamily="34" charset="-120"/>
+            </a:endParaRPr>
+          </a:p>
+          <a:p>
+            <a:pPr algn="ctr">
+              <a:buNone/>
+            </a:pPr>
+            <a:r>
+              <a:rPr lang="zh-TW" altLang="en-US" sz="4800" b="1" dirty="0" smtClean="0">
+                <a:solidFill>
+                  <a:srgbClr val="660033"/>
+                </a:solidFill>
+                <a:latin typeface="微軟正黑體" pitchFamily="34" charset="-120"/>
+                <a:ea typeface="微軟正黑體" pitchFamily="34" charset="-120"/>
+              </a:rPr>
+              <a:t>救我們脫離凶惡</a:t>
+            </a:r>
+            <a:endParaRPr lang="en-US" altLang="zh-TW" sz="4800" b="1" dirty="0" smtClean="0">
+              <a:solidFill>
+                <a:srgbClr val="660033"/>
+              </a:solidFill>
+              <a:latin typeface="微軟正黑體" pitchFamily="34" charset="-120"/>
+              <a:ea typeface="微軟正黑體" pitchFamily="34" charset="-120"/>
+            </a:endParaRPr>
+          </a:p>
+          <a:p>
+            <a:pPr algn="ctr">
+              <a:buNone/>
+            </a:pPr>
+            <a:r>
+              <a:rPr lang="zh-TW" altLang="en-US" sz="4800" b="1" dirty="0" smtClean="0">
+                <a:solidFill>
+                  <a:srgbClr val="660033"/>
+                </a:solidFill>
+                <a:latin typeface="微軟正黑體" pitchFamily="34" charset="-120"/>
+                <a:ea typeface="微軟正黑體" pitchFamily="34" charset="-120"/>
+              </a:rPr>
+              <a:t>因國度權柄榮耀 </a:t>
+            </a:r>
+            <a:endParaRPr lang="en-US" altLang="zh-TW" sz="4800" b="1" dirty="0" smtClean="0">
+              <a:solidFill>
+                <a:srgbClr val="660033"/>
+              </a:solidFill>
+              <a:latin typeface="微軟正黑體" pitchFamily="34" charset="-120"/>
+              <a:ea typeface="微軟正黑體" pitchFamily="34" charset="-120"/>
+            </a:endParaRPr>
+          </a:p>
+          <a:p>
+            <a:pPr algn="ctr">
+              <a:buNone/>
+            </a:pPr>
+            <a:r>
+              <a:rPr lang="zh-TW" altLang="en-US" sz="4800" b="1" dirty="0" smtClean="0">
+                <a:solidFill>
+                  <a:srgbClr val="660033"/>
+                </a:solidFill>
+                <a:latin typeface="微軟正黑體" pitchFamily="34" charset="-120"/>
+                <a:ea typeface="微軟正黑體" pitchFamily="34" charset="-120"/>
+              </a:rPr>
+              <a:t>全屬祢直到永遠</a:t>
+            </a:r>
+            <a:endParaRPr lang="en-US" altLang="zh-TW" sz="4800" b="1" dirty="0" smtClean="0">
+              <a:solidFill>
+                <a:srgbClr val="660033"/>
+              </a:solidFill>
+              <a:latin typeface="微軟正黑體" pitchFamily="34" charset="-120"/>
+              <a:ea typeface="微軟正黑體" pitchFamily="34" charset="-120"/>
+            </a:endParaRPr>
+          </a:p>
+          <a:p>
+            <a:pPr algn="ctr">
+              <a:buNone/>
+            </a:pPr>
+            <a:endParaRPr lang="en-US" sz="2800" b="1" dirty="0" smtClean="0">
+              <a:solidFill>
+                <a:srgbClr val="660033"/>
+              </a:solidFill>
+              <a:latin typeface="微軟正黑體" pitchFamily="34" charset="-120"/>
+              <a:ea typeface="微軟正黑體" pitchFamily="34" charset="-120"/>
+            </a:endParaRPr>
+          </a:p>
+          <a:p>
+            <a:pPr algn="ctr">
+              <a:buNone/>
+            </a:pPr>
+            <a:r>
+              <a:rPr lang="en-US" sz="2800" b="1" dirty="0" smtClean="0">
+                <a:solidFill>
+                  <a:srgbClr val="660033"/>
+                </a:solidFill>
+                <a:latin typeface="微軟正黑體" pitchFamily="34" charset="-120"/>
+                <a:ea typeface="微軟正黑體" pitchFamily="34" charset="-120"/>
+              </a:rPr>
+              <a:t>[</a:t>
+            </a:r>
+            <a:r>
+              <a:rPr lang="en-US" altLang="zh-CN" sz="2800" b="1" dirty="0" smtClean="0">
+                <a:solidFill>
+                  <a:srgbClr val="660033"/>
+                </a:solidFill>
+                <a:latin typeface="微軟正黑體" pitchFamily="34" charset="-120"/>
+                <a:ea typeface="微軟正黑體" pitchFamily="34" charset="-120"/>
+              </a:rPr>
+              <a:t>Bridge</a:t>
+            </a:r>
+            <a:r>
+              <a:rPr lang="en-US" sz="2800" b="1" dirty="0" smtClean="0">
+                <a:solidFill>
+                  <a:srgbClr val="660033"/>
+                </a:solidFill>
+                <a:latin typeface="微軟正黑體" pitchFamily="34" charset="-120"/>
+                <a:ea typeface="微軟正黑體" pitchFamily="34" charset="-120"/>
+              </a:rPr>
+              <a:t>]</a:t>
+            </a:r>
+            <a:r>
+              <a:rPr lang="en-US" sz="5400" b="1" dirty="0" smtClean="0">
+                <a:solidFill>
+                  <a:srgbClr val="660033"/>
+                </a:solidFill>
+                <a:latin typeface="微軟正黑體" pitchFamily="34" charset="-120"/>
+                <a:ea typeface="微軟正黑體" pitchFamily="34" charset="-120"/>
+              </a:rPr>
+              <a:t/>
+            </a:r>
+            <a:br>
+              <a:rPr lang="en-US" sz="5400" b="1" dirty="0" smtClean="0">
+                <a:solidFill>
+                  <a:srgbClr val="660033"/>
+                </a:solidFill>
+                <a:latin typeface="微軟正黑體" pitchFamily="34" charset="-120"/>
+                <a:ea typeface="微軟正黑體" pitchFamily="34" charset="-120"/>
+              </a:rPr>
+            </a:br>
+            <a:r>
+              <a:rPr lang="en-US" sz="5400" b="1" dirty="0">
+                <a:solidFill>
+                  <a:srgbClr val="660033"/>
+                </a:solidFill>
+                <a:latin typeface="微軟正黑體" pitchFamily="34" charset="-120"/>
+                <a:ea typeface="微軟正黑體" pitchFamily="34" charset="-120"/>
+              </a:rPr>
+              <a:t/>
+            </a:r>
+            <a:br>
+              <a:rPr lang="en-US" sz="5400" b="1" dirty="0">
+                <a:solidFill>
+                  <a:srgbClr val="660033"/>
+                </a:solidFill>
+                <a:latin typeface="微軟正黑體" pitchFamily="34" charset="-120"/>
+                <a:ea typeface="微軟正黑體" pitchFamily="34" charset="-120"/>
+              </a:rPr>
+            </a:br>
+            <a:r>
+              <a:rPr lang="en-US" sz="1600" b="1" dirty="0">
+                <a:solidFill>
+                  <a:srgbClr val="660033"/>
+                </a:solidFill>
+                <a:latin typeface="微軟正黑體" pitchFamily="34" charset="-120"/>
+                <a:ea typeface="微軟正黑體" pitchFamily="34" charset="-120"/>
+              </a:rPr>
+              <a:t/>
+            </a:r>
+            <a:br>
+              <a:rPr lang="en-US" sz="1600" b="1" dirty="0">
+                <a:solidFill>
+                  <a:srgbClr val="660033"/>
+                </a:solidFill>
+                <a:latin typeface="微軟正黑體" pitchFamily="34" charset="-120"/>
+                <a:ea typeface="微軟正黑體" pitchFamily="34" charset="-120"/>
+              </a:rPr>
+            </a:br>
+            <a:endParaRPr lang="en-US" sz="1600" b="1" dirty="0">
+              <a:solidFill>
+                <a:srgbClr val="660033"/>
+              </a:solidFill>
+              <a:latin typeface="微軟正黑體" pitchFamily="34" charset="-120"/>
+              <a:ea typeface="微軟正黑體" pitchFamily="34" charset="-120"/>
+            </a:endParaRPr>
+          </a:p>
+        </p:txBody>
+      </p:sp>
+    </p:spTree>
+  </p:cSld>
+  <p:clrMapOvr>
+    <a:masterClrMapping/>
+  </p:clrMapOvr>
+  <p:timing>
+    <p:tnLst>
+      <p:par>
+        <p:cTn id="1" dur="indefinite" restart="never" nodeType="tmRoot"/>
+      </p:par>
+    </p:tnLst>
+  </p:timing>
+</p:sld>
+</file>
+
+<file path=ppt/slides/slide27.xml><?xml version="1.0" encoding="utf-8"?>
+<p:sld xmlns:a="http://schemas.openxmlformats.org/drawingml/2006/main" xmlns:r="http://schemas.openxmlformats.org/officeDocument/2006/relationships" xmlns:p="http://schemas.openxmlformats.org/presentationml/2006/main">
+  <p:cSld>
+    <p:spTree>
+      <p:nvGrpSpPr>
+        <p:cNvPr id="1" name=""/>
+        <p:cNvGrpSpPr/>
+        <p:nvPr/>
+      </p:nvGrpSpPr>
+      <p:grpSpPr>
+        <a:xfrm>
+          <a:off x="0" y="0"/>
+          <a:ext cx="0" cy="0"/>
+          <a:chOff x="0" y="0"/>
+          <a:chExt cx="0" cy="0"/>
+        </a:xfrm>
+      </p:grpSpPr>
+      <p:sp>
+        <p:nvSpPr>
+          <p:cNvPr id="2" name="Title 1"/>
+          <p:cNvSpPr>
+            <a:spLocks noGrp="1"/>
+          </p:cNvSpPr>
+          <p:nvPr>
+            <p:ph type="title"/>
+          </p:nvPr>
+        </p:nvSpPr>
+        <p:spPr/>
+        <p:txBody>
+          <a:bodyPr>
+            <a:noAutofit/>
+          </a:bodyPr>
+          <a:lstStyle/>
+          <a:p>
+            <a:r>
+              <a:rPr lang="en-US" altLang="zh-TW" sz="5000" b="1" dirty="0" smtClean="0">
+                <a:solidFill>
+                  <a:srgbClr val="660033"/>
+                </a:solidFill>
+                <a:latin typeface="微軟正黑體" pitchFamily="34" charset="-120"/>
+                <a:ea typeface="微軟正黑體" pitchFamily="34" charset="-120"/>
+              </a:rPr>
+              <a:t/>
+            </a:r>
+            <a:br>
+              <a:rPr lang="en-US" altLang="zh-TW" sz="5000" b="1" dirty="0" smtClean="0">
+                <a:solidFill>
+                  <a:srgbClr val="660033"/>
+                </a:solidFill>
+                <a:latin typeface="微軟正黑體" pitchFamily="34" charset="-120"/>
+                <a:ea typeface="微軟正黑體" pitchFamily="34" charset="-120"/>
+              </a:rPr>
+            </a:br>
+            <a:r>
+              <a:rPr lang="zh-TW" altLang="en-US" sz="5000" b="1" dirty="0" smtClean="0">
+                <a:solidFill>
+                  <a:srgbClr val="660033"/>
+                </a:solidFill>
+                <a:latin typeface="微軟正黑體" pitchFamily="34" charset="-120"/>
+                <a:ea typeface="微軟正黑體" pitchFamily="34" charset="-120"/>
+              </a:rPr>
+              <a:t>主</a:t>
+            </a:r>
+            <a:r>
+              <a:rPr lang="zh-TW" altLang="en-US" sz="5000" b="1" dirty="0">
+                <a:solidFill>
+                  <a:srgbClr val="660033"/>
+                </a:solidFill>
+                <a:latin typeface="微軟正黑體" pitchFamily="34" charset="-120"/>
+                <a:ea typeface="微軟正黑體" pitchFamily="34" charset="-120"/>
+              </a:rPr>
+              <a:t>禱文</a:t>
+            </a:r>
+            <a:r>
+              <a:rPr lang="en-US" sz="5000" b="1" dirty="0">
+                <a:solidFill>
+                  <a:srgbClr val="660033"/>
+                </a:solidFill>
+                <a:latin typeface="微軟正黑體" pitchFamily="34" charset="-120"/>
+                <a:ea typeface="微軟正黑體" pitchFamily="34" charset="-120"/>
+              </a:rPr>
+              <a:t/>
+            </a:r>
+            <a:br>
+              <a:rPr lang="en-US" sz="5000" b="1" dirty="0">
+                <a:solidFill>
+                  <a:srgbClr val="660033"/>
+                </a:solidFill>
+                <a:latin typeface="微軟正黑體" pitchFamily="34" charset="-120"/>
+                <a:ea typeface="微軟正黑體" pitchFamily="34" charset="-120"/>
+              </a:rPr>
+            </a:br>
+            <a:endParaRPr lang="en-US" sz="5000" b="1" dirty="0">
+              <a:solidFill>
+                <a:srgbClr val="660033"/>
+              </a:solidFill>
+              <a:latin typeface="微軟正黑體" pitchFamily="34" charset="-120"/>
+              <a:ea typeface="微軟正黑體" pitchFamily="34" charset="-120"/>
+            </a:endParaRPr>
+          </a:p>
+        </p:txBody>
+      </p:sp>
+      <p:sp>
+        <p:nvSpPr>
+          <p:cNvPr id="3" name="Content Placeholder 2"/>
+          <p:cNvSpPr>
+            <a:spLocks noGrp="1"/>
+          </p:cNvSpPr>
+          <p:nvPr>
+            <p:ph idx="1"/>
+          </p:nvPr>
+        </p:nvSpPr>
+        <p:spPr/>
+        <p:txBody>
+          <a:bodyPr>
+            <a:noAutofit/>
+          </a:bodyPr>
+          <a:lstStyle/>
+          <a:p>
+            <a:pPr algn="ctr">
+              <a:buNone/>
+            </a:pPr>
+            <a:r>
+              <a:rPr lang="zh-TW" altLang="en-US" sz="4800" b="1" dirty="0" smtClean="0">
+                <a:solidFill>
+                  <a:srgbClr val="660033"/>
+                </a:solidFill>
+                <a:latin typeface="微軟正黑體" pitchFamily="34" charset="-120"/>
+                <a:ea typeface="微軟正黑體" pitchFamily="34" charset="-120"/>
+              </a:rPr>
+              <a:t>願</a:t>
+            </a:r>
+            <a:r>
+              <a:rPr lang="zh-TW" altLang="en-US" sz="4800" b="1" dirty="0">
+                <a:solidFill>
+                  <a:srgbClr val="660033"/>
+                </a:solidFill>
+                <a:latin typeface="微軟正黑體" pitchFamily="34" charset="-120"/>
+                <a:ea typeface="微軟正黑體" pitchFamily="34" charset="-120"/>
+              </a:rPr>
+              <a:t>人都尊祢名為聖</a:t>
+            </a:r>
+            <a:endParaRPr lang="en-US" altLang="en-US" sz="4800" b="1" dirty="0">
+              <a:solidFill>
+                <a:srgbClr val="660033"/>
+              </a:solidFill>
+              <a:latin typeface="微軟正黑體" pitchFamily="34" charset="-120"/>
+              <a:ea typeface="微軟正黑體" pitchFamily="34" charset="-120"/>
+            </a:endParaRPr>
+          </a:p>
+          <a:p>
+            <a:pPr algn="ctr">
+              <a:buNone/>
+            </a:pPr>
+            <a:r>
+              <a:rPr lang="zh-TW" altLang="en-US" sz="4800" b="1" dirty="0">
+                <a:solidFill>
+                  <a:srgbClr val="660033"/>
+                </a:solidFill>
+                <a:latin typeface="微軟正黑體" pitchFamily="34" charset="-120"/>
+                <a:ea typeface="微軟正黑體" pitchFamily="34" charset="-120"/>
+              </a:rPr>
+              <a:t>願祢的國降臨</a:t>
+            </a:r>
+            <a:endParaRPr lang="en-US" altLang="en-US" sz="4800" b="1" dirty="0">
+              <a:solidFill>
+                <a:srgbClr val="660033"/>
+              </a:solidFill>
+              <a:latin typeface="微軟正黑體" pitchFamily="34" charset="-120"/>
+              <a:ea typeface="微軟正黑體" pitchFamily="34" charset="-120"/>
+            </a:endParaRPr>
+          </a:p>
+          <a:p>
+            <a:pPr algn="ctr">
+              <a:buNone/>
+            </a:pPr>
+            <a:r>
+              <a:rPr lang="zh-TW" altLang="en-US" sz="4800" b="1" dirty="0">
+                <a:solidFill>
+                  <a:srgbClr val="660033"/>
+                </a:solidFill>
+                <a:latin typeface="微軟正黑體" pitchFamily="34" charset="-120"/>
+                <a:ea typeface="微軟正黑體" pitchFamily="34" charset="-120"/>
+              </a:rPr>
+              <a:t>也願祢旨意行在地上</a:t>
+            </a:r>
+            <a:endParaRPr lang="en-US" altLang="en-US" sz="4800" b="1" dirty="0">
+              <a:solidFill>
+                <a:srgbClr val="660033"/>
+              </a:solidFill>
+              <a:latin typeface="微軟正黑體" pitchFamily="34" charset="-120"/>
+              <a:ea typeface="微軟正黑體" pitchFamily="34" charset="-120"/>
+            </a:endParaRPr>
+          </a:p>
+          <a:p>
+            <a:pPr algn="ctr">
+              <a:buNone/>
+            </a:pPr>
+            <a:r>
+              <a:rPr lang="zh-TW" altLang="en-US" sz="4800" b="1" dirty="0">
+                <a:solidFill>
+                  <a:srgbClr val="660033"/>
+                </a:solidFill>
+                <a:latin typeface="微軟正黑體" pitchFamily="34" charset="-120"/>
+                <a:ea typeface="微軟正黑體" pitchFamily="34" charset="-120"/>
+              </a:rPr>
+              <a:t>如同行在天</a:t>
+            </a:r>
+            <a:r>
+              <a:rPr lang="zh-TW" altLang="en-US" sz="4800" b="1" dirty="0" smtClean="0">
+                <a:solidFill>
+                  <a:srgbClr val="660033"/>
+                </a:solidFill>
+                <a:latin typeface="微軟正黑體" pitchFamily="34" charset="-120"/>
+                <a:ea typeface="微軟正黑體" pitchFamily="34" charset="-120"/>
+              </a:rPr>
+              <a:t>上</a:t>
+            </a:r>
+            <a:endParaRPr lang="en-US" altLang="zh-TW" sz="4800" b="1" dirty="0" smtClean="0">
+              <a:solidFill>
+                <a:srgbClr val="660033"/>
+              </a:solidFill>
+              <a:latin typeface="微軟正黑體" pitchFamily="34" charset="-120"/>
+              <a:ea typeface="微軟正黑體" pitchFamily="34" charset="-120"/>
+            </a:endParaRPr>
+          </a:p>
+          <a:p>
+            <a:pPr algn="ctr">
+              <a:buNone/>
+            </a:pPr>
+            <a:endParaRPr lang="en-US" altLang="zh-TW" sz="2800" b="1" dirty="0" smtClean="0">
+              <a:solidFill>
+                <a:srgbClr val="660033"/>
+              </a:solidFill>
+              <a:latin typeface="微軟正黑體" pitchFamily="34" charset="-120"/>
+              <a:ea typeface="微軟正黑體" pitchFamily="34" charset="-120"/>
+            </a:endParaRPr>
+          </a:p>
+          <a:p>
+            <a:pPr algn="ctr">
+              <a:buNone/>
+            </a:pPr>
+            <a:r>
+              <a:rPr lang="en-US" altLang="zh-TW" sz="2000" b="1" dirty="0" smtClean="0">
+                <a:solidFill>
+                  <a:srgbClr val="660033"/>
+                </a:solidFill>
+                <a:latin typeface="微軟正黑體" pitchFamily="34" charset="-120"/>
+                <a:ea typeface="微軟正黑體" pitchFamily="34" charset="-120"/>
+              </a:rPr>
+              <a:t>[Chorus]</a:t>
+            </a:r>
+          </a:p>
+          <a:p>
+            <a:pPr algn="ctr">
+              <a:buNone/>
+            </a:pPr>
+            <a:r>
+              <a:rPr lang="en-US" sz="5400" b="1" dirty="0">
+                <a:solidFill>
+                  <a:srgbClr val="660033"/>
+                </a:solidFill>
+                <a:latin typeface="微軟正黑體" pitchFamily="34" charset="-120"/>
+                <a:ea typeface="微軟正黑體" pitchFamily="34" charset="-120"/>
+              </a:rPr>
+              <a:t/>
+            </a:r>
+            <a:br>
+              <a:rPr lang="en-US" sz="5400" b="1" dirty="0">
+                <a:solidFill>
+                  <a:srgbClr val="660033"/>
+                </a:solidFill>
+                <a:latin typeface="微軟正黑體" pitchFamily="34" charset="-120"/>
+                <a:ea typeface="微軟正黑體" pitchFamily="34" charset="-120"/>
+              </a:rPr>
+            </a:br>
+            <a:r>
+              <a:rPr lang="en-US" sz="1600" dirty="0">
+                <a:solidFill>
+                  <a:srgbClr val="660033"/>
+                </a:solidFill>
+                <a:latin typeface="微軟正黑體" pitchFamily="34" charset="-120"/>
+                <a:ea typeface="微軟正黑體" pitchFamily="34" charset="-120"/>
+              </a:rPr>
+              <a:t/>
+            </a:r>
+            <a:br>
+              <a:rPr lang="en-US" sz="1600" dirty="0">
+                <a:solidFill>
+                  <a:srgbClr val="660033"/>
+                </a:solidFill>
+                <a:latin typeface="微軟正黑體" pitchFamily="34" charset="-120"/>
+                <a:ea typeface="微軟正黑體" pitchFamily="34" charset="-120"/>
+              </a:rPr>
+            </a:br>
+            <a:endParaRPr lang="en-US" sz="1600" dirty="0">
+              <a:solidFill>
+                <a:srgbClr val="660033"/>
+              </a:solidFill>
+              <a:latin typeface="微軟正黑體" pitchFamily="34" charset="-120"/>
+              <a:ea typeface="微軟正黑體" pitchFamily="34" charset="-120"/>
+            </a:endParaRPr>
+          </a:p>
+        </p:txBody>
+      </p:sp>
+    </p:spTree>
+  </p:cSld>
+  <p:clrMapOvr>
+    <a:masterClrMapping/>
+  </p:clrMapOvr>
+  <p:timing>
+    <p:tnLst>
+      <p:par>
+        <p:cTn id="1" dur="indefinite" restart="never" nodeType="tmRoot"/>
+      </p:par>
+    </p:tnLst>
+  </p:timing>
+</p:sld>
+</file>
+
+<file path=ppt/slides/slide28.xml><?xml version="1.0" encoding="utf-8"?>
+<p:sld xmlns:a="http://schemas.openxmlformats.org/drawingml/2006/main" xmlns:r="http://schemas.openxmlformats.org/officeDocument/2006/relationships" xmlns:p="http://schemas.openxmlformats.org/presentationml/2006/main">
+  <p:cSld>
+    <p:spTree>
+      <p:nvGrpSpPr>
+        <p:cNvPr id="1" name=""/>
+        <p:cNvGrpSpPr/>
+        <p:nvPr/>
+      </p:nvGrpSpPr>
+      <p:grpSpPr>
+        <a:xfrm>
+          <a:off x="0" y="0"/>
+          <a:ext cx="0" cy="0"/>
+          <a:chOff x="0" y="0"/>
+          <a:chExt cx="0" cy="0"/>
+        </a:xfrm>
+      </p:grpSpPr>
+      <p:sp>
+        <p:nvSpPr>
+          <p:cNvPr id="2" name="Title 1"/>
+          <p:cNvSpPr>
+            <a:spLocks noGrp="1"/>
+          </p:cNvSpPr>
+          <p:nvPr>
+            <p:ph type="title"/>
+          </p:nvPr>
+        </p:nvSpPr>
+        <p:spPr/>
+        <p:txBody>
+          <a:bodyPr>
+            <a:noAutofit/>
+          </a:bodyPr>
+          <a:lstStyle/>
+          <a:p>
+            <a:r>
+              <a:rPr lang="en-US" altLang="zh-TW" sz="5000" b="1" dirty="0" smtClean="0">
+                <a:solidFill>
+                  <a:srgbClr val="660033"/>
+                </a:solidFill>
+                <a:latin typeface="微軟正黑體" pitchFamily="34" charset="-120"/>
+                <a:ea typeface="微軟正黑體" pitchFamily="34" charset="-120"/>
+              </a:rPr>
+              <a:t/>
+            </a:r>
+            <a:br>
+              <a:rPr lang="en-US" altLang="zh-TW" sz="5000" b="1" dirty="0" smtClean="0">
+                <a:solidFill>
+                  <a:srgbClr val="660033"/>
+                </a:solidFill>
+                <a:latin typeface="微軟正黑體" pitchFamily="34" charset="-120"/>
+                <a:ea typeface="微軟正黑體" pitchFamily="34" charset="-120"/>
+              </a:rPr>
+            </a:br>
+            <a:r>
+              <a:rPr lang="zh-TW" altLang="en-US" sz="5000" b="1" dirty="0" smtClean="0">
+                <a:solidFill>
+                  <a:srgbClr val="660033"/>
+                </a:solidFill>
+                <a:latin typeface="微軟正黑體" pitchFamily="34" charset="-120"/>
+                <a:ea typeface="微軟正黑體" pitchFamily="34" charset="-120"/>
+              </a:rPr>
+              <a:t>主</a:t>
+            </a:r>
+            <a:r>
+              <a:rPr lang="zh-TW" altLang="en-US" sz="5000" b="1" dirty="0">
+                <a:solidFill>
+                  <a:srgbClr val="660033"/>
+                </a:solidFill>
+                <a:latin typeface="微軟正黑體" pitchFamily="34" charset="-120"/>
+                <a:ea typeface="微軟正黑體" pitchFamily="34" charset="-120"/>
+              </a:rPr>
+              <a:t>禱文</a:t>
+            </a:r>
+            <a:r>
+              <a:rPr lang="en-US" sz="5000" b="1" dirty="0">
+                <a:solidFill>
+                  <a:srgbClr val="660033"/>
+                </a:solidFill>
+                <a:latin typeface="微軟正黑體" pitchFamily="34" charset="-120"/>
+                <a:ea typeface="微軟正黑體" pitchFamily="34" charset="-120"/>
+              </a:rPr>
+              <a:t/>
+            </a:r>
+            <a:br>
+              <a:rPr lang="en-US" sz="5000" b="1" dirty="0">
+                <a:solidFill>
+                  <a:srgbClr val="660033"/>
+                </a:solidFill>
+                <a:latin typeface="微軟正黑體" pitchFamily="34" charset="-120"/>
+                <a:ea typeface="微軟正黑體" pitchFamily="34" charset="-120"/>
+              </a:rPr>
+            </a:br>
+            <a:endParaRPr lang="en-US" sz="5000" b="1" dirty="0">
+              <a:solidFill>
+                <a:srgbClr val="660033"/>
+              </a:solidFill>
+              <a:latin typeface="微軟正黑體" pitchFamily="34" charset="-120"/>
+              <a:ea typeface="微軟正黑體" pitchFamily="34" charset="-120"/>
+            </a:endParaRPr>
+          </a:p>
+        </p:txBody>
+      </p:sp>
+      <p:sp>
+        <p:nvSpPr>
+          <p:cNvPr id="3" name="Content Placeholder 2"/>
+          <p:cNvSpPr>
+            <a:spLocks noGrp="1"/>
+          </p:cNvSpPr>
+          <p:nvPr>
+            <p:ph idx="1"/>
+          </p:nvPr>
+        </p:nvSpPr>
+        <p:spPr/>
+        <p:txBody>
+          <a:bodyPr>
+            <a:noAutofit/>
+          </a:bodyPr>
+          <a:lstStyle/>
+          <a:p>
+            <a:pPr algn="ctr">
+              <a:buNone/>
+            </a:pPr>
+            <a:r>
+              <a:rPr lang="zh-TW" altLang="en-US" sz="4800" b="1" dirty="0" smtClean="0">
+                <a:solidFill>
+                  <a:srgbClr val="660033"/>
+                </a:solidFill>
+                <a:latin typeface="微軟正黑體" pitchFamily="34" charset="-120"/>
+                <a:ea typeface="微軟正黑體" pitchFamily="34" charset="-120"/>
+              </a:rPr>
+              <a:t>我們當天所需要的食物</a:t>
+            </a:r>
+            <a:endParaRPr lang="en-US" altLang="en-US" sz="4800" b="1" dirty="0" smtClean="0">
+              <a:solidFill>
+                <a:srgbClr val="660033"/>
+              </a:solidFill>
+              <a:latin typeface="微軟正黑體" pitchFamily="34" charset="-120"/>
+              <a:ea typeface="微軟正黑體" pitchFamily="34" charset="-120"/>
+            </a:endParaRPr>
+          </a:p>
+          <a:p>
+            <a:pPr algn="ctr">
+              <a:buNone/>
+            </a:pPr>
+            <a:r>
+              <a:rPr lang="zh-TW" altLang="en-US" sz="4800" b="1" dirty="0" smtClean="0">
+                <a:solidFill>
+                  <a:srgbClr val="660033"/>
+                </a:solidFill>
+                <a:latin typeface="微軟正黑體" pitchFamily="34" charset="-120"/>
+                <a:ea typeface="微軟正黑體" pitchFamily="34" charset="-120"/>
+              </a:rPr>
+              <a:t>求祢賜給我們</a:t>
+            </a:r>
+            <a:endParaRPr lang="en-US" altLang="en-US" sz="4800" b="1" dirty="0" smtClean="0">
+              <a:solidFill>
+                <a:srgbClr val="660033"/>
+              </a:solidFill>
+              <a:latin typeface="微軟正黑體" pitchFamily="34" charset="-120"/>
+              <a:ea typeface="微軟正黑體" pitchFamily="34" charset="-120"/>
+            </a:endParaRPr>
+          </a:p>
+          <a:p>
+            <a:pPr algn="ctr">
+              <a:buNone/>
+            </a:pPr>
+            <a:r>
+              <a:rPr lang="zh-TW" altLang="en-US" sz="4800" b="1" dirty="0" smtClean="0">
+                <a:solidFill>
+                  <a:srgbClr val="660033"/>
+                </a:solidFill>
+                <a:latin typeface="微軟正黑體" pitchFamily="34" charset="-120"/>
+                <a:ea typeface="微軟正黑體" pitchFamily="34" charset="-120"/>
+              </a:rPr>
+              <a:t>免我們的債</a:t>
+            </a:r>
+            <a:endParaRPr lang="en-US" altLang="en-US" sz="4800" b="1" dirty="0" smtClean="0">
+              <a:solidFill>
+                <a:srgbClr val="660033"/>
+              </a:solidFill>
+              <a:latin typeface="微軟正黑體" pitchFamily="34" charset="-120"/>
+              <a:ea typeface="微軟正黑體" pitchFamily="34" charset="-120"/>
+            </a:endParaRPr>
+          </a:p>
+          <a:p>
+            <a:pPr algn="ctr">
+              <a:buNone/>
+            </a:pPr>
+            <a:r>
+              <a:rPr lang="zh-TW" altLang="en-US" sz="4800" b="1" dirty="0" smtClean="0">
+                <a:solidFill>
+                  <a:srgbClr val="660033"/>
+                </a:solidFill>
+                <a:latin typeface="微軟正黑體" pitchFamily="34" charset="-120"/>
+                <a:ea typeface="微軟正黑體" pitchFamily="34" charset="-120"/>
+              </a:rPr>
+              <a:t>如同我們免去人的債</a:t>
+            </a:r>
+            <a:endParaRPr lang="en-US" altLang="zh-TW" sz="4800" b="1" dirty="0" smtClean="0">
+              <a:solidFill>
+                <a:srgbClr val="660033"/>
+              </a:solidFill>
+              <a:latin typeface="微軟正黑體" pitchFamily="34" charset="-120"/>
+              <a:ea typeface="微軟正黑體" pitchFamily="34" charset="-120"/>
+            </a:endParaRPr>
+          </a:p>
+          <a:p>
+            <a:pPr algn="ctr">
+              <a:buNone/>
+            </a:pPr>
+            <a:endParaRPr lang="en-US" sz="2800" b="1" dirty="0" smtClean="0">
+              <a:solidFill>
+                <a:srgbClr val="660033"/>
+              </a:solidFill>
+              <a:latin typeface="微軟正黑體" pitchFamily="34" charset="-120"/>
+              <a:ea typeface="微軟正黑體" pitchFamily="34" charset="-120"/>
+            </a:endParaRPr>
+          </a:p>
+          <a:p>
+            <a:pPr algn="ctr">
+              <a:buNone/>
+            </a:pPr>
+            <a:r>
+              <a:rPr lang="en-US" sz="2800" b="1" dirty="0" smtClean="0">
+                <a:solidFill>
+                  <a:srgbClr val="660033"/>
+                </a:solidFill>
+                <a:latin typeface="微軟正黑體" pitchFamily="34" charset="-120"/>
+                <a:ea typeface="微軟正黑體" pitchFamily="34" charset="-120"/>
+              </a:rPr>
+              <a:t>[Chorus]</a:t>
+            </a:r>
+            <a:r>
+              <a:rPr lang="en-US" sz="5400" b="1" dirty="0" smtClean="0">
+                <a:solidFill>
+                  <a:srgbClr val="660033"/>
+                </a:solidFill>
+                <a:latin typeface="微軟正黑體" pitchFamily="34" charset="-120"/>
+                <a:ea typeface="微軟正黑體" pitchFamily="34" charset="-120"/>
+              </a:rPr>
+              <a:t/>
+            </a:r>
+            <a:br>
+              <a:rPr lang="en-US" sz="5400" b="1" dirty="0" smtClean="0">
+                <a:solidFill>
+                  <a:srgbClr val="660033"/>
+                </a:solidFill>
+                <a:latin typeface="微軟正黑體" pitchFamily="34" charset="-120"/>
+                <a:ea typeface="微軟正黑體" pitchFamily="34" charset="-120"/>
+              </a:rPr>
+            </a:br>
+            <a:r>
+              <a:rPr lang="en-US" sz="5400" b="1" dirty="0">
+                <a:solidFill>
+                  <a:srgbClr val="660033"/>
+                </a:solidFill>
+                <a:latin typeface="微軟正黑體" pitchFamily="34" charset="-120"/>
+                <a:ea typeface="微軟正黑體" pitchFamily="34" charset="-120"/>
+              </a:rPr>
+              <a:t/>
+            </a:r>
+            <a:br>
+              <a:rPr lang="en-US" sz="5400" b="1" dirty="0">
+                <a:solidFill>
+                  <a:srgbClr val="660033"/>
+                </a:solidFill>
+                <a:latin typeface="微軟正黑體" pitchFamily="34" charset="-120"/>
+                <a:ea typeface="微軟正黑體" pitchFamily="34" charset="-120"/>
+              </a:rPr>
+            </a:br>
+            <a:r>
+              <a:rPr lang="en-US" sz="1600" dirty="0">
+                <a:solidFill>
+                  <a:srgbClr val="660033"/>
+                </a:solidFill>
+                <a:latin typeface="微軟正黑體" pitchFamily="34" charset="-120"/>
+                <a:ea typeface="微軟正黑體" pitchFamily="34" charset="-120"/>
+              </a:rPr>
+              <a:t/>
+            </a:r>
+            <a:br>
+              <a:rPr lang="en-US" sz="1600" dirty="0">
+                <a:solidFill>
+                  <a:srgbClr val="660033"/>
+                </a:solidFill>
+                <a:latin typeface="微軟正黑體" pitchFamily="34" charset="-120"/>
+                <a:ea typeface="微軟正黑體" pitchFamily="34" charset="-120"/>
+              </a:rPr>
+            </a:br>
+            <a:endParaRPr lang="en-US" sz="1600" dirty="0">
+              <a:solidFill>
+                <a:srgbClr val="660033"/>
+              </a:solidFill>
+              <a:latin typeface="微軟正黑體" pitchFamily="34" charset="-120"/>
+              <a:ea typeface="微軟正黑體" pitchFamily="34" charset="-120"/>
+            </a:endParaRPr>
+          </a:p>
+        </p:txBody>
+      </p:sp>
+    </p:spTree>
+  </p:cSld>
+  <p:clrMapOvr>
+    <a:masterClrMapping/>
+  </p:clrMapOvr>
+  <p:timing>
+    <p:tnLst>
+      <p:par>
+        <p:cTn id="1" dur="indefinite" restart="never" nodeType="tmRoot"/>
+      </p:par>
+    </p:tnLst>
+  </p:timing>
+</p:sld>
+</file>
+
+<file path=ppt/slides/slide29.xml><?xml version="1.0" encoding="utf-8"?>
+<p:sld xmlns:a="http://schemas.openxmlformats.org/drawingml/2006/main" xmlns:r="http://schemas.openxmlformats.org/officeDocument/2006/relationships" xmlns:p="http://schemas.openxmlformats.org/presentationml/2006/main">
+  <p:cSld>
+    <p:spTree>
+      <p:nvGrpSpPr>
+        <p:cNvPr id="1" name=""/>
+        <p:cNvGrpSpPr/>
+        <p:nvPr/>
+      </p:nvGrpSpPr>
+      <p:grpSpPr>
+        <a:xfrm>
+          <a:off x="0" y="0"/>
+          <a:ext cx="0" cy="0"/>
+          <a:chOff x="0" y="0"/>
+          <a:chExt cx="0" cy="0"/>
+        </a:xfrm>
+      </p:grpSpPr>
+      <p:sp>
+        <p:nvSpPr>
+          <p:cNvPr id="2" name="Title 1"/>
+          <p:cNvSpPr>
+            <a:spLocks noGrp="1"/>
+          </p:cNvSpPr>
+          <p:nvPr>
+            <p:ph type="title"/>
+          </p:nvPr>
+        </p:nvSpPr>
+        <p:spPr/>
+        <p:txBody>
+          <a:bodyPr>
+            <a:noAutofit/>
+          </a:bodyPr>
+          <a:lstStyle/>
+          <a:p>
+            <a:r>
+              <a:rPr lang="en-US" altLang="zh-TW" sz="5000" b="1" dirty="0" smtClean="0">
+                <a:solidFill>
+                  <a:srgbClr val="660033"/>
+                </a:solidFill>
+                <a:latin typeface="微軟正黑體" pitchFamily="34" charset="-120"/>
+                <a:ea typeface="微軟正黑體" pitchFamily="34" charset="-120"/>
+              </a:rPr>
+              <a:t/>
+            </a:r>
+            <a:br>
+              <a:rPr lang="en-US" altLang="zh-TW" sz="5000" b="1" dirty="0" smtClean="0">
+                <a:solidFill>
+                  <a:srgbClr val="660033"/>
+                </a:solidFill>
+                <a:latin typeface="微軟正黑體" pitchFamily="34" charset="-120"/>
+                <a:ea typeface="微軟正黑體" pitchFamily="34" charset="-120"/>
+              </a:rPr>
+            </a:br>
+            <a:r>
+              <a:rPr lang="zh-TW" altLang="en-US" sz="5000" b="1" dirty="0" smtClean="0">
+                <a:solidFill>
+                  <a:srgbClr val="660033"/>
+                </a:solidFill>
+                <a:latin typeface="微軟正黑體" pitchFamily="34" charset="-120"/>
+                <a:ea typeface="微軟正黑體" pitchFamily="34" charset="-120"/>
+              </a:rPr>
+              <a:t>主</a:t>
+            </a:r>
+            <a:r>
+              <a:rPr lang="zh-TW" altLang="en-US" sz="5000" b="1" dirty="0">
+                <a:solidFill>
+                  <a:srgbClr val="660033"/>
+                </a:solidFill>
+                <a:latin typeface="微軟正黑體" pitchFamily="34" charset="-120"/>
+                <a:ea typeface="微軟正黑體" pitchFamily="34" charset="-120"/>
+              </a:rPr>
+              <a:t>禱文</a:t>
+            </a:r>
+            <a:r>
+              <a:rPr lang="en-US" sz="5000" b="1" dirty="0">
+                <a:solidFill>
+                  <a:srgbClr val="660033"/>
+                </a:solidFill>
+                <a:latin typeface="微軟正黑體" pitchFamily="34" charset="-120"/>
+                <a:ea typeface="微軟正黑體" pitchFamily="34" charset="-120"/>
+              </a:rPr>
+              <a:t/>
+            </a:r>
+            <a:br>
+              <a:rPr lang="en-US" sz="5000" b="1" dirty="0">
+                <a:solidFill>
+                  <a:srgbClr val="660033"/>
+                </a:solidFill>
+                <a:latin typeface="微軟正黑體" pitchFamily="34" charset="-120"/>
+                <a:ea typeface="微軟正黑體" pitchFamily="34" charset="-120"/>
+              </a:rPr>
+            </a:br>
+            <a:endParaRPr lang="en-US" sz="5000" b="1" dirty="0">
+              <a:solidFill>
+                <a:srgbClr val="660033"/>
+              </a:solidFill>
+              <a:latin typeface="微軟正黑體" pitchFamily="34" charset="-120"/>
+              <a:ea typeface="微軟正黑體" pitchFamily="34" charset="-120"/>
+            </a:endParaRPr>
+          </a:p>
+        </p:txBody>
+      </p:sp>
+      <p:sp>
+        <p:nvSpPr>
+          <p:cNvPr id="3" name="Content Placeholder 2"/>
+          <p:cNvSpPr>
+            <a:spLocks noGrp="1"/>
+          </p:cNvSpPr>
+          <p:nvPr>
+            <p:ph idx="1"/>
+          </p:nvPr>
+        </p:nvSpPr>
+        <p:spPr/>
+        <p:txBody>
+          <a:bodyPr>
+            <a:noAutofit/>
+          </a:bodyPr>
+          <a:lstStyle/>
+          <a:p>
+            <a:pPr algn="ctr">
+              <a:buNone/>
+            </a:pPr>
+            <a:r>
+              <a:rPr lang="en-US" sz="5400" b="1" dirty="0" smtClean="0">
+                <a:solidFill>
+                  <a:srgbClr val="660033"/>
+                </a:solidFill>
+                <a:latin typeface="微軟正黑體" pitchFamily="34" charset="-120"/>
+                <a:ea typeface="微軟正黑體" pitchFamily="34" charset="-120"/>
+              </a:rPr>
+              <a:t/>
+            </a:r>
+            <a:br>
+              <a:rPr lang="en-US" sz="5400" b="1" dirty="0" smtClean="0">
+                <a:solidFill>
+                  <a:srgbClr val="660033"/>
+                </a:solidFill>
+                <a:latin typeface="微軟正黑體" pitchFamily="34" charset="-120"/>
+                <a:ea typeface="微軟正黑體" pitchFamily="34" charset="-120"/>
+              </a:rPr>
+            </a:br>
+            <a:r>
+              <a:rPr lang="zh-TW" altLang="en-US" sz="4800" b="1" dirty="0" smtClean="0">
+                <a:solidFill>
+                  <a:srgbClr val="660033"/>
+                </a:solidFill>
+                <a:latin typeface="微軟正黑體" pitchFamily="34" charset="-120"/>
+                <a:ea typeface="微軟正黑體" pitchFamily="34" charset="-120"/>
+              </a:rPr>
+              <a:t>我們在天上的父</a:t>
+            </a:r>
+            <a:br>
+              <a:rPr lang="zh-TW" altLang="en-US" sz="4800" b="1" dirty="0" smtClean="0">
+                <a:solidFill>
+                  <a:srgbClr val="660033"/>
+                </a:solidFill>
+                <a:latin typeface="微軟正黑體" pitchFamily="34" charset="-120"/>
+                <a:ea typeface="微軟正黑體" pitchFamily="34" charset="-120"/>
+              </a:rPr>
+            </a:br>
+            <a:r>
+              <a:rPr lang="zh-TW" altLang="en-US" sz="4800" b="1" dirty="0" smtClean="0">
+                <a:solidFill>
+                  <a:srgbClr val="660033"/>
+                </a:solidFill>
+                <a:latin typeface="微軟正黑體" pitchFamily="34" charset="-120"/>
+                <a:ea typeface="微軟正黑體" pitchFamily="34" charset="-120"/>
+              </a:rPr>
+              <a:t>願人都尊祢名為聖</a:t>
+            </a:r>
+            <a:endParaRPr lang="en-US" altLang="en-US" sz="4800" b="1" dirty="0" smtClean="0">
+              <a:solidFill>
+                <a:srgbClr val="660033"/>
+              </a:solidFill>
+              <a:latin typeface="微軟正黑體" pitchFamily="34" charset="-120"/>
+              <a:ea typeface="微軟正黑體" pitchFamily="34" charset="-120"/>
+            </a:endParaRPr>
+          </a:p>
+          <a:p>
+            <a:pPr algn="ctr">
+              <a:buNone/>
+            </a:pPr>
+            <a:endParaRPr lang="en-US" sz="2800" b="1" dirty="0" smtClean="0">
+              <a:solidFill>
+                <a:srgbClr val="660033"/>
+              </a:solidFill>
+              <a:latin typeface="微軟正黑體" pitchFamily="34" charset="-120"/>
+              <a:ea typeface="微軟正黑體" pitchFamily="34" charset="-120"/>
+            </a:endParaRPr>
+          </a:p>
+          <a:p>
+            <a:pPr algn="ctr">
+              <a:buNone/>
+            </a:pPr>
+            <a:r>
+              <a:rPr lang="en-US" sz="2800" b="1" dirty="0" smtClean="0">
+                <a:solidFill>
+                  <a:srgbClr val="660033"/>
+                </a:solidFill>
+                <a:latin typeface="微軟正黑體" pitchFamily="34" charset="-120"/>
+                <a:ea typeface="微軟正黑體" pitchFamily="34" charset="-120"/>
+              </a:rPr>
+              <a:t>[Last]</a:t>
+            </a:r>
+            <a:r>
+              <a:rPr lang="en-US" sz="5400" b="1" dirty="0" smtClean="0">
+                <a:solidFill>
+                  <a:srgbClr val="660033"/>
+                </a:solidFill>
+                <a:latin typeface="微軟正黑體" pitchFamily="34" charset="-120"/>
+                <a:ea typeface="微軟正黑體" pitchFamily="34" charset="-120"/>
+              </a:rPr>
+              <a:t/>
+            </a:r>
+            <a:br>
+              <a:rPr lang="en-US" sz="5400" b="1" dirty="0" smtClean="0">
+                <a:solidFill>
+                  <a:srgbClr val="660033"/>
+                </a:solidFill>
+                <a:latin typeface="微軟正黑體" pitchFamily="34" charset="-120"/>
+                <a:ea typeface="微軟正黑體" pitchFamily="34" charset="-120"/>
+              </a:rPr>
+            </a:br>
+            <a:r>
+              <a:rPr lang="en-US" sz="5400" b="1" dirty="0">
+                <a:solidFill>
+                  <a:srgbClr val="660033"/>
+                </a:solidFill>
+                <a:latin typeface="微軟正黑體" pitchFamily="34" charset="-120"/>
+                <a:ea typeface="微軟正黑體" pitchFamily="34" charset="-120"/>
+              </a:rPr>
+              <a:t/>
+            </a:r>
+            <a:br>
+              <a:rPr lang="en-US" sz="5400" b="1" dirty="0">
+                <a:solidFill>
+                  <a:srgbClr val="660033"/>
+                </a:solidFill>
+                <a:latin typeface="微軟正黑體" pitchFamily="34" charset="-120"/>
+                <a:ea typeface="微軟正黑體" pitchFamily="34" charset="-120"/>
+              </a:rPr>
+            </a:br>
+            <a:r>
+              <a:rPr lang="en-US" sz="1600" b="1" dirty="0">
+                <a:solidFill>
+                  <a:srgbClr val="660033"/>
+                </a:solidFill>
+                <a:latin typeface="微軟正黑體" pitchFamily="34" charset="-120"/>
+                <a:ea typeface="微軟正黑體" pitchFamily="34" charset="-120"/>
+              </a:rPr>
+              <a:t/>
+            </a:r>
+            <a:br>
+              <a:rPr lang="en-US" sz="1600" b="1" dirty="0">
+                <a:solidFill>
+                  <a:srgbClr val="660033"/>
+                </a:solidFill>
+                <a:latin typeface="微軟正黑體" pitchFamily="34" charset="-120"/>
+                <a:ea typeface="微軟正黑體" pitchFamily="34" charset="-120"/>
+              </a:rPr>
+            </a:br>
+            <a:endParaRPr lang="en-US" sz="1600" b="1" dirty="0">
+              <a:solidFill>
+                <a:srgbClr val="660033"/>
+              </a:solidFill>
+              <a:latin typeface="微軟正黑體" pitchFamily="34" charset="-120"/>
+              <a:ea typeface="微軟正黑體" pitchFamily="34" charset="-120"/>
+            </a:endParaRPr>
+          </a:p>
+        </p:txBody>
+      </p:sp>
+    </p:spTree>
+  </p:cSld>
+  <p:clrMapOvr>
+    <a:masterClrMapping/>
+  </p:clrMapOvr>
+  <p:timing>
+    <p:tnLst>
+      <p:par>
+        <p:cTn id="1" dur="indefinite" restart="never" nodeType="tmRoot"/>
+      </p:par>
+    </p:tnLst>
+  </p:timing>
 </p:sld>
 </file>
 
@@ -7382,13 +9476,13 @@
         </p:nvSpPr>
         <p:spPr>
           <a:xfrm>
-            <a:off x="457200" y="1600200"/>
-            <a:ext cx="8229600" cy="5257800"/>
+            <a:off x="457200" y="1200150"/>
+            <a:ext cx="8229600" cy="3943350"/>
           </a:xfrm>
         </p:spPr>
         <p:txBody>
           <a:bodyPr>
-            <a:normAutofit/>
+            <a:noAutofit/>
           </a:bodyPr>
           <a:lstStyle/>
           <a:p>
@@ -7396,7 +9490,7 @@
               <a:buNone/>
             </a:pPr>
             <a:r>
-              <a:rPr lang="zh-TW" altLang="en-US" sz="5400" b="1" dirty="0" smtClean="0">
+              <a:rPr lang="zh-TW" altLang="en-US" sz="4400" b="1" dirty="0" smtClean="0">
                 <a:solidFill>
                   <a:srgbClr val="000066"/>
                 </a:solidFill>
@@ -7405,7 +9499,7 @@
               </a:rPr>
               <a:t>獻上頌讚  要吶喊</a:t>
             </a:r>
-            <a:endParaRPr lang="en-US" altLang="zh-TW" sz="5400" b="1" dirty="0" smtClean="0">
+            <a:endParaRPr lang="en-US" altLang="zh-TW" sz="4400" b="1" dirty="0" smtClean="0">
               <a:solidFill>
                 <a:srgbClr val="000066"/>
               </a:solidFill>
@@ -7418,7 +9512,7 @@
               <a:buNone/>
             </a:pPr>
             <a:r>
-              <a:rPr lang="zh-TW" altLang="en-US" sz="5400" b="1" dirty="0" smtClean="0">
+              <a:rPr lang="zh-TW" altLang="en-US" sz="4400" b="1" dirty="0" smtClean="0">
                 <a:solidFill>
                   <a:srgbClr val="000066"/>
                 </a:solidFill>
@@ -7427,7 +9521,7 @@
               </a:rPr>
               <a:t>要頌揚  各處頌讚</a:t>
             </a:r>
-            <a:endParaRPr lang="en-US" altLang="zh-TW" sz="5400" b="1" dirty="0" smtClean="0">
+            <a:endParaRPr lang="en-US" altLang="zh-TW" sz="4400" b="1" dirty="0" smtClean="0">
               <a:solidFill>
                 <a:srgbClr val="000066"/>
               </a:solidFill>
@@ -7440,7 +9534,7 @@
               <a:buNone/>
             </a:pPr>
             <a:r>
-              <a:rPr lang="zh-TW" altLang="en-US" sz="5400" b="1" dirty="0" smtClean="0">
+              <a:rPr lang="zh-TW" altLang="en-US" sz="4400" b="1" dirty="0" smtClean="0">
                 <a:solidFill>
                   <a:srgbClr val="000066"/>
                 </a:solidFill>
@@ -7449,7 +9543,7 @@
               </a:rPr>
               <a:t>眾山歡呼拍掌 </a:t>
             </a:r>
-            <a:endParaRPr lang="en-US" altLang="zh-TW" sz="5400" b="1" dirty="0" smtClean="0">
+            <a:endParaRPr lang="en-US" altLang="zh-TW" sz="4400" b="1" dirty="0" smtClean="0">
               <a:solidFill>
                 <a:srgbClr val="000066"/>
               </a:solidFill>
@@ -7462,7 +9556,7 @@
               <a:buNone/>
             </a:pPr>
             <a:r>
-              <a:rPr lang="zh-TW" altLang="en-US" sz="5400" b="1" dirty="0" smtClean="0">
+              <a:rPr lang="zh-TW" altLang="en-US" sz="4400" b="1" dirty="0" smtClean="0">
                 <a:solidFill>
                   <a:srgbClr val="000066"/>
                 </a:solidFill>
@@ -7471,7 +9565,7 @@
               </a:rPr>
               <a:t>遍野萬里也和應叫嚷</a:t>
             </a:r>
-            <a:endParaRPr lang="en-US" altLang="zh-TW" sz="5400" b="1" dirty="0" smtClean="0">
+            <a:endParaRPr lang="en-US" altLang="zh-TW" sz="4400" b="1" dirty="0" smtClean="0">
               <a:solidFill>
                 <a:srgbClr val="000066"/>
               </a:solidFill>
@@ -7484,7 +9578,7 @@
               <a:buNone/>
             </a:pPr>
             <a:r>
-              <a:rPr lang="zh-TW" altLang="en-US" sz="5400" b="1" dirty="0" smtClean="0">
+              <a:rPr lang="zh-TW" altLang="en-US" sz="4400" b="1" dirty="0" smtClean="0">
                 <a:solidFill>
                   <a:srgbClr val="000066"/>
                 </a:solidFill>
@@ -7493,7 +9587,7 @@
               </a:rPr>
               <a:t> 與眾海呼喊  傳揚上主</a:t>
             </a:r>
-            <a:endParaRPr lang="zh-TW" altLang="en-US" sz="5400" b="1" dirty="0">
+            <a:endParaRPr lang="zh-TW" altLang="en-US" sz="4400" b="1" dirty="0">
               <a:solidFill>
                 <a:srgbClr val="000066"/>
               </a:solidFill>
@@ -7508,6 +9602,13 @@
   <p:clrMapOvr>
     <a:masterClrMapping/>
   </p:clrMapOvr>
+  <p:timing>
+    <p:tnLst>
+      <p:par>
+        <p:cTn id="1" dur="indefinite" restart="never" nodeType="tmRoot"/>
+      </p:par>
+    </p:tnLst>
+  </p:timing>
 </p:sld>
 </file>
 
@@ -7575,8 +9676,8 @@
         </p:nvSpPr>
         <p:spPr>
           <a:xfrm>
-            <a:off x="457200" y="1600200"/>
-            <a:ext cx="8229600" cy="5257800"/>
+            <a:off x="457200" y="1200150"/>
+            <a:ext cx="8229600" cy="3943350"/>
           </a:xfrm>
         </p:spPr>
         <p:txBody>
@@ -7589,7 +9690,7 @@
               <a:buNone/>
             </a:pPr>
             <a:r>
-              <a:rPr lang="zh-TW" altLang="en-US" sz="5400" b="1" dirty="0" smtClean="0">
+              <a:rPr lang="zh-TW" altLang="en-US" sz="4800" b="1" dirty="0" smtClean="0">
                 <a:solidFill>
                   <a:srgbClr val="000066"/>
                 </a:solidFill>
@@ -7598,7 +9699,7 @@
               </a:rPr>
               <a:t>跳躍和唱  要述說你創造</a:t>
             </a:r>
-            <a:endParaRPr lang="en-US" altLang="zh-TW" sz="5400" b="1" dirty="0" smtClean="0">
+            <a:endParaRPr lang="en-US" altLang="zh-TW" sz="4800" b="1" dirty="0" smtClean="0">
               <a:solidFill>
                 <a:srgbClr val="000066"/>
               </a:solidFill>
@@ -7611,7 +9712,7 @@
               <a:buNone/>
             </a:pPr>
             <a:r>
-              <a:rPr lang="zh-TW" altLang="en-US" sz="5400" b="1" dirty="0" smtClean="0">
+              <a:rPr lang="zh-TW" altLang="en-US" sz="4800" b="1" dirty="0" smtClean="0">
                 <a:solidFill>
                   <a:srgbClr val="000066"/>
                 </a:solidFill>
@@ -7621,7 +9722,7 @@
               <a:t>願永愛著你</a:t>
             </a:r>
             <a:r>
-              <a:rPr lang="en-US" altLang="zh-TW" sz="5400" b="1" dirty="0">
+              <a:rPr lang="en-US" altLang="zh-TW" sz="4800" b="1" dirty="0">
                 <a:solidFill>
                   <a:srgbClr val="000066"/>
                 </a:solidFill>
@@ -7631,7 +9732,7 @@
               <a:t> </a:t>
             </a:r>
             <a:r>
-              <a:rPr lang="en-US" altLang="zh-TW" sz="5400" b="1" dirty="0" smtClean="0">
+              <a:rPr lang="en-US" altLang="zh-TW" sz="4800" b="1" dirty="0" smtClean="0">
                 <a:solidFill>
                   <a:srgbClr val="000066"/>
                 </a:solidFill>
@@ -7641,7 +9742,7 @@
               <a:t> </a:t>
             </a:r>
             <a:r>
-              <a:rPr lang="zh-TW" altLang="en-US" sz="5400" b="1" dirty="0" smtClean="0">
+              <a:rPr lang="zh-TW" altLang="en-US" sz="4800" b="1" dirty="0" smtClean="0">
                 <a:solidFill>
                   <a:srgbClr val="000066"/>
                 </a:solidFill>
@@ -7650,7 +9751,7 @@
               </a:rPr>
               <a:t>我這生不變更</a:t>
             </a:r>
-            <a:endParaRPr lang="en-US" altLang="zh-TW" sz="5400" b="1" dirty="0" smtClean="0">
+            <a:endParaRPr lang="en-US" altLang="zh-TW" sz="4800" b="1" dirty="0" smtClean="0">
               <a:solidFill>
                 <a:srgbClr val="000066"/>
               </a:solidFill>
@@ -7663,7 +9764,7 @@
               <a:buNone/>
             </a:pPr>
             <a:r>
-              <a:rPr lang="zh-TW" altLang="en-US" sz="5400" b="1" dirty="0" smtClean="0">
+              <a:rPr lang="zh-TW" altLang="en-US" sz="4800" b="1" dirty="0" smtClean="0">
                 <a:solidFill>
                   <a:srgbClr val="000066"/>
                 </a:solidFill>
@@ -7672,7 +9773,7 @@
               </a:rPr>
               <a:t>這世上永再沒有別人像你</a:t>
             </a:r>
-            <a:endParaRPr lang="zh-TW" altLang="en-US" sz="5400" b="1" dirty="0">
+            <a:endParaRPr lang="zh-TW" altLang="en-US" sz="4800" b="1" dirty="0">
               <a:solidFill>
                 <a:srgbClr val="000066"/>
               </a:solidFill>
@@ -7687,6 +9788,13 @@
   <p:clrMapOvr>
     <a:masterClrMapping/>
   </p:clrMapOvr>
+  <p:timing>
+    <p:tnLst>
+      <p:par>
+        <p:cTn id="1" dur="indefinite" restart="never" nodeType="tmRoot"/>
+      </p:par>
+    </p:tnLst>
+  </p:timing>
 </p:sld>
 </file>
 
@@ -7709,12 +9817,47 @@
       </p:grpSpPr>
       <p:sp>
         <p:nvSpPr>
-          <p:cNvPr id="2" name="Title 1"/>
+          <p:cNvPr id="2" name="標題 1"/>
           <p:cNvSpPr>
             <a:spLocks noGrp="1"/>
           </p:cNvSpPr>
           <p:nvPr>
             <p:ph type="title"/>
+          </p:nvPr>
+        </p:nvSpPr>
+        <p:spPr/>
+        <p:txBody>
+          <a:bodyPr/>
+          <a:lstStyle/>
+          <a:p>
+            <a:r>
+              <a:rPr lang="zh-CN" altLang="en-US" b="1" dirty="0" smtClean="0">
+                <a:solidFill>
+                  <a:srgbClr val="000066"/>
+                </a:solidFill>
+                <a:latin typeface="微軟正黑體" pitchFamily="34" charset="-120"/>
+                <a:ea typeface="微軟正黑體" pitchFamily="34" charset="-120"/>
+              </a:rPr>
+              <a:t>獻上頌讚</a:t>
+            </a:r>
+            <a:endParaRPr lang="zh-TW" altLang="en-US" b="1" dirty="0">
+              <a:solidFill>
+                <a:srgbClr val="000066"/>
+              </a:solidFill>
+              <a:latin typeface="微軟正黑體" pitchFamily="34" charset="-120"/>
+              <a:ea typeface="微軟正黑體" pitchFamily="34" charset="-120"/>
+            </a:endParaRPr>
+          </a:p>
+        </p:txBody>
+      </p:sp>
+      <p:sp>
+        <p:nvSpPr>
+          <p:cNvPr id="3" name="內容版面配置區 2"/>
+          <p:cNvSpPr>
+            <a:spLocks noGrp="1"/>
+          </p:cNvSpPr>
+          <p:nvPr>
+            <p:ph idx="1"/>
           </p:nvPr>
         </p:nvSpPr>
         <p:spPr/>
@@ -7724,255 +9867,88 @@
           </a:bodyPr>
           <a:lstStyle/>
           <a:p>
-            <a:r>
-              <a:rPr lang="en-US" altLang="zh-TW" sz="5000" b="1" dirty="0" smtClean="0">
-                <a:solidFill>
-                  <a:srgbClr val="660033"/>
-                </a:solidFill>
-                <a:latin typeface="微軟正黑體" pitchFamily="34" charset="-120"/>
-                <a:ea typeface="微軟正黑體" pitchFamily="34" charset="-120"/>
-              </a:rPr>
-              <a:t/>
-            </a:r>
-            <a:br>
-              <a:rPr lang="en-US" altLang="zh-TW" sz="5000" b="1" dirty="0" smtClean="0">
-                <a:solidFill>
-                  <a:srgbClr val="660033"/>
-                </a:solidFill>
-                <a:latin typeface="微軟正黑體" pitchFamily="34" charset="-120"/>
-                <a:ea typeface="微軟正黑體" pitchFamily="34" charset="-120"/>
-              </a:rPr>
-            </a:br>
-            <a:r>
-              <a:rPr lang="zh-TW" altLang="en-US" sz="5000" b="1" dirty="0" smtClean="0">
-                <a:solidFill>
-                  <a:srgbClr val="660033"/>
-                </a:solidFill>
-                <a:latin typeface="微軟正黑體" pitchFamily="34" charset="-120"/>
-                <a:ea typeface="微軟正黑體" pitchFamily="34" charset="-120"/>
-              </a:rPr>
-              <a:t>主</a:t>
-            </a:r>
-            <a:r>
-              <a:rPr lang="zh-TW" altLang="en-US" sz="5000" b="1" dirty="0">
-                <a:solidFill>
-                  <a:srgbClr val="660033"/>
-                </a:solidFill>
-                <a:latin typeface="微軟正黑體" pitchFamily="34" charset="-120"/>
-                <a:ea typeface="微軟正黑體" pitchFamily="34" charset="-120"/>
-              </a:rPr>
-              <a:t>禱文</a:t>
-            </a:r>
-            <a:r>
-              <a:rPr lang="en-US" sz="5000" b="1" dirty="0">
-                <a:solidFill>
-                  <a:srgbClr val="660033"/>
-                </a:solidFill>
-                <a:latin typeface="微軟正黑體" pitchFamily="34" charset="-120"/>
-                <a:ea typeface="微軟正黑體" pitchFamily="34" charset="-120"/>
-              </a:rPr>
-              <a:t/>
-            </a:r>
-            <a:br>
-              <a:rPr lang="en-US" sz="5000" b="1" dirty="0">
-                <a:solidFill>
-                  <a:srgbClr val="660033"/>
-                </a:solidFill>
-                <a:latin typeface="微軟正黑體" pitchFamily="34" charset="-120"/>
-                <a:ea typeface="微軟正黑體" pitchFamily="34" charset="-120"/>
-              </a:rPr>
-            </a:br>
-            <a:endParaRPr lang="en-US" sz="5000" b="1" dirty="0">
-              <a:solidFill>
-                <a:srgbClr val="660033"/>
-              </a:solidFill>
-              <a:latin typeface="微軟正黑體" pitchFamily="34" charset="-120"/>
-              <a:ea typeface="微軟正黑體" pitchFamily="34" charset="-120"/>
-            </a:endParaRPr>
-          </a:p>
-        </p:txBody>
-      </p:sp>
-      <p:sp>
-        <p:nvSpPr>
-          <p:cNvPr id="3" name="Content Placeholder 2"/>
-          <p:cNvSpPr>
-            <a:spLocks noGrp="1"/>
-          </p:cNvSpPr>
-          <p:nvPr>
-            <p:ph idx="1"/>
-          </p:nvPr>
-        </p:nvSpPr>
-        <p:spPr/>
-        <p:txBody>
-          <a:bodyPr>
-            <a:noAutofit/>
-          </a:bodyPr>
-          <a:lstStyle/>
-          <a:p>
-            <a:pPr algn="ctr">
-              <a:buNone/>
-            </a:pPr>
-            <a:r>
-              <a:rPr lang="zh-TW" altLang="en-US" sz="5400" b="1" dirty="0">
-                <a:solidFill>
-                  <a:srgbClr val="660033"/>
-                </a:solidFill>
-                <a:latin typeface="微軟正黑體" pitchFamily="34" charset="-120"/>
-                <a:ea typeface="微軟正黑體" pitchFamily="34" charset="-120"/>
-              </a:rPr>
-              <a:t>天父祢名是多麼美 </a:t>
-            </a:r>
-            <a:endParaRPr lang="en-US" altLang="zh-TW" sz="5400" b="1" dirty="0" smtClean="0">
-              <a:solidFill>
-                <a:srgbClr val="660033"/>
-              </a:solidFill>
-              <a:latin typeface="微軟正黑體" pitchFamily="34" charset="-120"/>
-              <a:ea typeface="微軟正黑體" pitchFamily="34" charset="-120"/>
-            </a:endParaRPr>
-          </a:p>
-          <a:p>
-            <a:pPr algn="ctr">
-              <a:buNone/>
-            </a:pPr>
-            <a:r>
-              <a:rPr lang="zh-TW" altLang="en-US" sz="5400" b="1" dirty="0" smtClean="0">
-                <a:solidFill>
-                  <a:srgbClr val="660033"/>
-                </a:solidFill>
-                <a:latin typeface="微軟正黑體" pitchFamily="34" charset="-120"/>
-                <a:ea typeface="微軟正黑體" pitchFamily="34" charset="-120"/>
-              </a:rPr>
-              <a:t>榮耀</a:t>
-            </a:r>
-            <a:r>
-              <a:rPr lang="zh-TW" altLang="en-US" sz="5400" b="1" dirty="0">
-                <a:solidFill>
-                  <a:srgbClr val="660033"/>
-                </a:solidFill>
-                <a:latin typeface="微軟正黑體" pitchFamily="34" charset="-120"/>
-                <a:ea typeface="微軟正黑體" pitchFamily="34" charset="-120"/>
-              </a:rPr>
-              <a:t>遍全地</a:t>
-            </a:r>
-            <a:endParaRPr lang="en-US" sz="5400" b="1" dirty="0">
-              <a:solidFill>
-                <a:srgbClr val="660033"/>
-              </a:solidFill>
-              <a:latin typeface="微軟正黑體" pitchFamily="34" charset="-120"/>
-              <a:ea typeface="微軟正黑體" pitchFamily="34" charset="-120"/>
-            </a:endParaRPr>
-          </a:p>
-          <a:p>
-            <a:pPr algn="ctr">
-              <a:buNone/>
-            </a:pPr>
-            <a:r>
-              <a:rPr lang="zh-TW" altLang="en-US" sz="5400" b="1" dirty="0">
-                <a:solidFill>
-                  <a:srgbClr val="660033"/>
-                </a:solidFill>
-                <a:latin typeface="微軟正黑體" pitchFamily="34" charset="-120"/>
-                <a:ea typeface="微軟正黑體" pitchFamily="34" charset="-120"/>
-              </a:rPr>
-              <a:t>在禱告良辰 靜觀祢的美</a:t>
-            </a:r>
-            <a:r>
-              <a:rPr lang="en-US" sz="4000" b="1" dirty="0">
-                <a:solidFill>
-                  <a:srgbClr val="660033"/>
-                </a:solidFill>
-                <a:latin typeface="微軟正黑體" pitchFamily="34" charset="-120"/>
-                <a:ea typeface="微軟正黑體" pitchFamily="34" charset="-120"/>
-              </a:rPr>
-              <a:t/>
-            </a:r>
-            <a:br>
-              <a:rPr lang="en-US" sz="4000" b="1" dirty="0">
-                <a:solidFill>
-                  <a:srgbClr val="660033"/>
-                </a:solidFill>
-                <a:latin typeface="微軟正黑體" pitchFamily="34" charset="-120"/>
-                <a:ea typeface="微軟正黑體" pitchFamily="34" charset="-120"/>
-              </a:rPr>
-            </a:br>
-            <a:endParaRPr lang="en-US" sz="4000" b="1" dirty="0">
-              <a:solidFill>
-                <a:srgbClr val="660033"/>
-              </a:solidFill>
-              <a:latin typeface="微軟正黑體" pitchFamily="34" charset="-120"/>
-              <a:ea typeface="微軟正黑體" pitchFamily="34" charset="-120"/>
-            </a:endParaRPr>
-          </a:p>
-          <a:p>
-            <a:pPr algn="ctr">
-              <a:buNone/>
-            </a:pPr>
-            <a:r>
-              <a:rPr lang="en-US" sz="4000" b="1" dirty="0">
-                <a:solidFill>
-                  <a:srgbClr val="660033"/>
-                </a:solidFill>
-                <a:latin typeface="微軟正黑體" pitchFamily="34" charset="-120"/>
-                <a:ea typeface="微軟正黑體" pitchFamily="34" charset="-120"/>
-              </a:rPr>
-              <a:t/>
-            </a:r>
-            <a:br>
-              <a:rPr lang="en-US" sz="4000" b="1" dirty="0">
-                <a:solidFill>
-                  <a:srgbClr val="660033"/>
-                </a:solidFill>
-                <a:latin typeface="微軟正黑體" pitchFamily="34" charset="-120"/>
-                <a:ea typeface="微軟正黑體" pitchFamily="34" charset="-120"/>
-              </a:rPr>
-            </a:br>
-            <a:r>
-              <a:rPr lang="en-US" sz="1600" b="1" dirty="0" smtClean="0">
-                <a:solidFill>
-                  <a:srgbClr val="660033"/>
-                </a:solidFill>
-                <a:latin typeface="微軟正黑體" pitchFamily="34" charset="-120"/>
-                <a:ea typeface="微軟正黑體" pitchFamily="34" charset="-120"/>
-              </a:rPr>
-              <a:t>			</a:t>
-            </a:r>
-          </a:p>
-          <a:p>
-            <a:pPr algn="ctr">
-              <a:buNone/>
-            </a:pPr>
-            <a:r>
-              <a:rPr lang="en-US" sz="2000" b="1" dirty="0" smtClean="0">
-                <a:solidFill>
-                  <a:srgbClr val="660033"/>
-                </a:solidFill>
-                <a:latin typeface="微軟正黑體" pitchFamily="34" charset="-120"/>
-                <a:ea typeface="微軟正黑體" pitchFamily="34" charset="-120"/>
-              </a:rPr>
-              <a:t>[Verse 1]</a:t>
-            </a:r>
-            <a:r>
-              <a:rPr lang="en-US" sz="4000" b="1" dirty="0">
-                <a:solidFill>
-                  <a:srgbClr val="660033"/>
-                </a:solidFill>
-                <a:latin typeface="微軟正黑體" pitchFamily="34" charset="-120"/>
-                <a:ea typeface="微軟正黑體" pitchFamily="34" charset="-120"/>
-              </a:rPr>
-              <a:t/>
-            </a:r>
-            <a:br>
-              <a:rPr lang="en-US" sz="4000" b="1" dirty="0">
-                <a:solidFill>
-                  <a:srgbClr val="660033"/>
-                </a:solidFill>
-                <a:latin typeface="微軟正黑體" pitchFamily="34" charset="-120"/>
-                <a:ea typeface="微軟正黑體" pitchFamily="34" charset="-120"/>
-              </a:rPr>
-            </a:br>
-            <a:endParaRPr lang="en-US" sz="4000" b="1" dirty="0">
-              <a:solidFill>
-                <a:srgbClr val="660033"/>
+            <a:pPr algn="ctr">
+              <a:buNone/>
+            </a:pPr>
+            <a:r>
+              <a:rPr lang="zh-TW" altLang="en-US" sz="4800" b="1" dirty="0" smtClean="0">
+                <a:solidFill>
+                  <a:srgbClr val="000066"/>
+                </a:solidFill>
+                <a:latin typeface="微軟正黑體" pitchFamily="34" charset="-120"/>
+                <a:ea typeface="微軟正黑體" pitchFamily="34" charset="-120"/>
+              </a:rPr>
+              <a:t>在世間  萬有中</a:t>
+            </a:r>
+            <a:endParaRPr lang="en-US" altLang="zh-TW" sz="4800" b="1" dirty="0" smtClean="0">
+              <a:solidFill>
+                <a:srgbClr val="000066"/>
+              </a:solidFill>
+              <a:latin typeface="微軟正黑體" pitchFamily="34" charset="-120"/>
+              <a:ea typeface="微軟正黑體" pitchFamily="34" charset="-120"/>
+            </a:endParaRPr>
+          </a:p>
+          <a:p>
+            <a:pPr algn="ctr">
+              <a:buNone/>
+            </a:pPr>
+            <a:r>
+              <a:rPr lang="zh-TW" altLang="en-US" sz="4800" b="1" dirty="0" smtClean="0">
+                <a:solidFill>
+                  <a:srgbClr val="000066"/>
+                </a:solidFill>
+                <a:latin typeface="微軟正黑體" pitchFamily="34" charset="-120"/>
+                <a:ea typeface="微軟正黑體" pitchFamily="34" charset="-120"/>
+              </a:rPr>
+              <a:t>哪會有仿似耶穌</a:t>
+            </a:r>
+            <a:endParaRPr lang="en-US" altLang="zh-TW" sz="4800" b="1" dirty="0">
+              <a:solidFill>
+                <a:srgbClr val="000066"/>
+              </a:solidFill>
+              <a:latin typeface="微軟正黑體" pitchFamily="34" charset="-120"/>
+              <a:ea typeface="微軟正黑體" pitchFamily="34" charset="-120"/>
+            </a:endParaRPr>
+          </a:p>
+          <a:p>
+            <a:pPr algn="ctr">
+              <a:buNone/>
+            </a:pPr>
+            <a:r>
+              <a:rPr lang="zh-TW" altLang="en-US" sz="4800" b="1" dirty="0" smtClean="0">
+                <a:solidFill>
+                  <a:srgbClr val="000066"/>
+                </a:solidFill>
+                <a:latin typeface="微軟正黑體" pitchFamily="34" charset="-120"/>
+                <a:ea typeface="微軟正黑體" pitchFamily="34" charset="-120"/>
+              </a:rPr>
+              <a:t>我願頌揚  竭力頌揚</a:t>
+            </a:r>
+            <a:endParaRPr lang="en-US" altLang="zh-TW" sz="4800" b="1" dirty="0" smtClean="0">
+              <a:solidFill>
+                <a:srgbClr val="000066"/>
+              </a:solidFill>
+              <a:latin typeface="微軟正黑體" pitchFamily="34" charset="-120"/>
+              <a:ea typeface="微軟正黑體" pitchFamily="34" charset="-120"/>
+            </a:endParaRPr>
+          </a:p>
+          <a:p>
+            <a:pPr algn="ctr">
+              <a:buNone/>
+            </a:pPr>
+            <a:r>
+              <a:rPr lang="zh-TW" altLang="en-US" sz="4800" b="1" dirty="0" smtClean="0">
+                <a:solidFill>
+                  <a:srgbClr val="000066"/>
+                </a:solidFill>
+                <a:latin typeface="微軟正黑體" pitchFamily="34" charset="-120"/>
+                <a:ea typeface="微軟正黑體" pitchFamily="34" charset="-120"/>
+              </a:rPr>
+              <a:t>主愛是奇妙浩大</a:t>
+            </a:r>
+            <a:endParaRPr lang="zh-TW" altLang="en-US" sz="4800" b="1" dirty="0">
+              <a:solidFill>
+                <a:srgbClr val="000066"/>
               </a:solidFill>
               <a:latin typeface="微軟正黑體" pitchFamily="34" charset="-120"/>
               <a:ea typeface="微軟正黑體" pitchFamily="34" charset="-120"/>
@@ -7985,6 +9961,13 @@
   <p:clrMapOvr>
     <a:masterClrMapping/>
   </p:clrMapOvr>
+  <p:timing>
+    <p:tnLst>
+      <p:par>
+        <p:cTn id="1" dur="indefinite" restart="never" nodeType="tmRoot"/>
+      </p:par>
+    </p:tnLst>
+  </p:timing>
 </p:sld>
 </file>
 
@@ -8007,12 +9990,47 @@
       </p:grpSpPr>
       <p:sp>
         <p:nvSpPr>
-          <p:cNvPr id="2" name="Title 1"/>
+          <p:cNvPr id="2" name="標題 1"/>
           <p:cNvSpPr>
             <a:spLocks noGrp="1"/>
           </p:cNvSpPr>
           <p:nvPr>
             <p:ph type="title"/>
+          </p:nvPr>
+        </p:nvSpPr>
+        <p:spPr/>
+        <p:txBody>
+          <a:bodyPr/>
+          <a:lstStyle/>
+          <a:p>
+            <a:r>
+              <a:rPr lang="zh-CN" altLang="en-US" b="1" dirty="0" smtClean="0">
+                <a:solidFill>
+                  <a:srgbClr val="000066"/>
+                </a:solidFill>
+                <a:latin typeface="微軟正黑體" pitchFamily="34" charset="-120"/>
+                <a:ea typeface="微軟正黑體" pitchFamily="34" charset="-120"/>
+              </a:rPr>
+              <a:t>獻上頌讚</a:t>
+            </a:r>
+            <a:endParaRPr lang="zh-TW" altLang="en-US" b="1" dirty="0">
+              <a:solidFill>
+                <a:srgbClr val="000066"/>
+              </a:solidFill>
+              <a:latin typeface="微軟正黑體" pitchFamily="34" charset="-120"/>
+              <a:ea typeface="微軟正黑體" pitchFamily="34" charset="-120"/>
+            </a:endParaRPr>
+          </a:p>
+        </p:txBody>
+      </p:sp>
+      <p:sp>
+        <p:nvSpPr>
+          <p:cNvPr id="3" name="內容版面配置區 2"/>
+          <p:cNvSpPr>
+            <a:spLocks noGrp="1"/>
+          </p:cNvSpPr>
+          <p:nvPr>
+            <p:ph idx="1"/>
           </p:nvPr>
         </p:nvSpPr>
         <p:spPr/>
@@ -8022,274 +10040,88 @@
           </a:bodyPr>
           <a:lstStyle/>
           <a:p>
-            <a:r>
-              <a:rPr lang="en-US" altLang="zh-TW" sz="5000" b="1" dirty="0" smtClean="0">
-                <a:solidFill>
-                  <a:srgbClr val="660033"/>
-                </a:solidFill>
-                <a:latin typeface="微軟正黑體" pitchFamily="34" charset="-120"/>
-                <a:ea typeface="微軟正黑體" pitchFamily="34" charset="-120"/>
-              </a:rPr>
-              <a:t/>
-            </a:r>
-            <a:br>
-              <a:rPr lang="en-US" altLang="zh-TW" sz="5000" b="1" dirty="0" smtClean="0">
-                <a:solidFill>
-                  <a:srgbClr val="660033"/>
-                </a:solidFill>
-                <a:latin typeface="微軟正黑體" pitchFamily="34" charset="-120"/>
-                <a:ea typeface="微軟正黑體" pitchFamily="34" charset="-120"/>
-              </a:rPr>
-            </a:br>
-            <a:r>
-              <a:rPr lang="zh-TW" altLang="en-US" sz="5000" b="1" dirty="0" smtClean="0">
-                <a:solidFill>
-                  <a:srgbClr val="660033"/>
-                </a:solidFill>
-                <a:latin typeface="微軟正黑體" pitchFamily="34" charset="-120"/>
-                <a:ea typeface="微軟正黑體" pitchFamily="34" charset="-120"/>
-              </a:rPr>
-              <a:t>主禱文</a:t>
-            </a:r>
-            <a:r>
-              <a:rPr lang="en-US" sz="5000" b="1" dirty="0" smtClean="0">
-                <a:solidFill>
-                  <a:srgbClr val="660033"/>
-                </a:solidFill>
-                <a:latin typeface="微軟正黑體" pitchFamily="34" charset="-120"/>
-                <a:ea typeface="微軟正黑體" pitchFamily="34" charset="-120"/>
-              </a:rPr>
-              <a:t/>
-            </a:r>
-            <a:br>
-              <a:rPr lang="en-US" sz="5000" b="1" dirty="0" smtClean="0">
-                <a:solidFill>
-                  <a:srgbClr val="660033"/>
-                </a:solidFill>
-                <a:latin typeface="微軟正黑體" pitchFamily="34" charset="-120"/>
-                <a:ea typeface="微軟正黑體" pitchFamily="34" charset="-120"/>
-              </a:rPr>
-            </a:br>
-            <a:endParaRPr lang="en-US" sz="5000" b="1" dirty="0">
-              <a:solidFill>
-                <a:srgbClr val="660033"/>
-              </a:solidFill>
-              <a:latin typeface="微軟正黑體" pitchFamily="34" charset="-120"/>
-              <a:ea typeface="微軟正黑體" pitchFamily="34" charset="-120"/>
-            </a:endParaRPr>
-          </a:p>
-        </p:txBody>
-      </p:sp>
-      <p:sp>
-        <p:nvSpPr>
-          <p:cNvPr id="3" name="Content Placeholder 2"/>
-          <p:cNvSpPr>
-            <a:spLocks noGrp="1"/>
-          </p:cNvSpPr>
-          <p:nvPr>
-            <p:ph idx="1"/>
-          </p:nvPr>
-        </p:nvSpPr>
-        <p:spPr/>
-        <p:txBody>
-          <a:bodyPr>
-            <a:noAutofit/>
-          </a:bodyPr>
-          <a:lstStyle/>
-          <a:p>
-            <a:pPr algn="ctr">
-              <a:buNone/>
-            </a:pPr>
-            <a:r>
-              <a:rPr lang="zh-TW" altLang="en-US" sz="5400" b="1" dirty="0" smtClean="0">
-                <a:solidFill>
-                  <a:srgbClr val="660033"/>
-                </a:solidFill>
-                <a:latin typeface="微軟正黑體" pitchFamily="34" charset="-120"/>
-                <a:ea typeface="微軟正黑體" pitchFamily="34" charset="-120"/>
-              </a:rPr>
-              <a:t>恬靜 </a:t>
-            </a:r>
-            <a:r>
-              <a:rPr lang="zh-TW" altLang="en-US" sz="5400" b="1" dirty="0">
-                <a:solidFill>
-                  <a:srgbClr val="660033"/>
-                </a:solidFill>
-                <a:latin typeface="微軟正黑體" pitchFamily="34" charset="-120"/>
-                <a:ea typeface="微軟正黑體" pitchFamily="34" charset="-120"/>
-              </a:rPr>
-              <a:t>我沈默主座前 </a:t>
-            </a:r>
-            <a:endParaRPr lang="en-US" altLang="zh-TW" sz="5400" b="1" dirty="0" smtClean="0">
-              <a:solidFill>
-                <a:srgbClr val="660033"/>
-              </a:solidFill>
-              <a:latin typeface="微軟正黑體" pitchFamily="34" charset="-120"/>
-              <a:ea typeface="微軟正黑體" pitchFamily="34" charset="-120"/>
-            </a:endParaRPr>
-          </a:p>
-          <a:p>
-            <a:pPr algn="ctr">
-              <a:buNone/>
-            </a:pPr>
-            <a:r>
-              <a:rPr lang="zh-TW" altLang="en-US" sz="5400" b="1" dirty="0" smtClean="0">
-                <a:solidFill>
-                  <a:srgbClr val="660033"/>
-                </a:solidFill>
-                <a:latin typeface="微軟正黑體" pitchFamily="34" charset="-120"/>
-                <a:ea typeface="微軟正黑體" pitchFamily="34" charset="-120"/>
-              </a:rPr>
-              <a:t>毋</a:t>
-            </a:r>
-            <a:r>
-              <a:rPr lang="zh-TW" altLang="en-US" sz="5400" b="1" dirty="0">
-                <a:solidFill>
-                  <a:srgbClr val="660033"/>
-                </a:solidFill>
-                <a:latin typeface="微軟正黑體" pitchFamily="34" charset="-120"/>
-                <a:ea typeface="微軟正黑體" pitchFamily="34" charset="-120"/>
-              </a:rPr>
-              <a:t>用多片</a:t>
-            </a:r>
-            <a:r>
-              <a:rPr lang="zh-TW" altLang="en-US" sz="5400" b="1" dirty="0" smtClean="0">
-                <a:solidFill>
-                  <a:srgbClr val="660033"/>
-                </a:solidFill>
-                <a:latin typeface="微軟正黑體" pitchFamily="34" charset="-120"/>
-                <a:ea typeface="微軟正黑體" pitchFamily="34" charset="-120"/>
-              </a:rPr>
-              <a:t>言</a:t>
-            </a:r>
-            <a:endParaRPr lang="en-US" altLang="zh-TW" sz="5400" b="1" dirty="0" smtClean="0">
-              <a:solidFill>
-                <a:srgbClr val="660033"/>
-              </a:solidFill>
-              <a:latin typeface="微軟正黑體" pitchFamily="34" charset="-120"/>
-              <a:ea typeface="微軟正黑體" pitchFamily="34" charset="-120"/>
-            </a:endParaRPr>
-          </a:p>
-          <a:p>
-            <a:pPr algn="ctr">
-              <a:buNone/>
-            </a:pPr>
-            <a:r>
-              <a:rPr lang="zh-TW" altLang="en-US" sz="5400" b="1" dirty="0" smtClean="0">
-                <a:solidFill>
-                  <a:srgbClr val="660033"/>
-                </a:solidFill>
-                <a:latin typeface="微軟正黑體" pitchFamily="34" charset="-120"/>
-                <a:ea typeface="微軟正黑體" pitchFamily="34" charset="-120"/>
-              </a:rPr>
-              <a:t>在</a:t>
-            </a:r>
-            <a:r>
-              <a:rPr lang="zh-TW" altLang="en-US" sz="5400" b="1" dirty="0">
-                <a:solidFill>
-                  <a:srgbClr val="660033"/>
-                </a:solidFill>
-                <a:latin typeface="微軟正黑體" pitchFamily="34" charset="-120"/>
-                <a:ea typeface="微軟正黑體" pitchFamily="34" charset="-120"/>
-              </a:rPr>
-              <a:t>禱告前 祢已清楚我需要</a:t>
-            </a:r>
-            <a:r>
-              <a:rPr lang="en-US" sz="5400" b="1" dirty="0">
-                <a:solidFill>
-                  <a:srgbClr val="660033"/>
-                </a:solidFill>
-                <a:latin typeface="微軟正黑體" pitchFamily="34" charset="-120"/>
-                <a:ea typeface="微軟正黑體" pitchFamily="34" charset="-120"/>
-              </a:rPr>
-              <a:t/>
-            </a:r>
-            <a:br>
-              <a:rPr lang="en-US" sz="5400" b="1" dirty="0">
-                <a:solidFill>
-                  <a:srgbClr val="660033"/>
-                </a:solidFill>
-                <a:latin typeface="微軟正黑體" pitchFamily="34" charset="-120"/>
-                <a:ea typeface="微軟正黑體" pitchFamily="34" charset="-120"/>
-              </a:rPr>
-            </a:br>
-            <a:r>
-              <a:rPr lang="en-US" sz="5400" b="1" dirty="0" smtClean="0">
-                <a:solidFill>
-                  <a:srgbClr val="660033"/>
-                </a:solidFill>
-                <a:latin typeface="微軟正黑體" pitchFamily="34" charset="-120"/>
-                <a:ea typeface="微軟正黑體" pitchFamily="34" charset="-120"/>
-              </a:rPr>
-              <a:t>			</a:t>
-            </a:r>
-          </a:p>
-          <a:p>
-            <a:pPr algn="ctr">
-              <a:buNone/>
-            </a:pPr>
-            <a:r>
-              <a:rPr lang="en-US" sz="5400" b="1" dirty="0" smtClean="0">
-                <a:solidFill>
-                  <a:srgbClr val="660033"/>
-                </a:solidFill>
-                <a:latin typeface="微軟正黑體" pitchFamily="34" charset="-120"/>
-                <a:ea typeface="微軟正黑體" pitchFamily="34" charset="-120"/>
-              </a:rPr>
-              <a:t>	</a:t>
-            </a:r>
-          </a:p>
-          <a:p>
-            <a:pPr algn="ctr">
-              <a:buNone/>
-            </a:pPr>
-            <a:r>
-              <a:rPr lang="en-US" sz="1600" b="1" dirty="0" smtClean="0">
-                <a:solidFill>
-                  <a:srgbClr val="660033"/>
-                </a:solidFill>
-                <a:latin typeface="微軟正黑體" pitchFamily="34" charset="-120"/>
-                <a:ea typeface="微軟正黑體" pitchFamily="34" charset="-120"/>
-              </a:rPr>
-              <a:t>	</a:t>
-            </a:r>
-          </a:p>
-          <a:p>
-            <a:pPr algn="ctr">
-              <a:buNone/>
-            </a:pPr>
-            <a:r>
-              <a:rPr lang="en-US" sz="1600" b="1" dirty="0" smtClean="0">
-                <a:solidFill>
-                  <a:srgbClr val="660033"/>
-                </a:solidFill>
-                <a:latin typeface="微軟正黑體" pitchFamily="34" charset="-120"/>
-                <a:ea typeface="微軟正黑體" pitchFamily="34" charset="-120"/>
-              </a:rPr>
-              <a:t>[Verse 1]</a:t>
-            </a:r>
-            <a:r>
-              <a:rPr lang="en-US" sz="5400" b="1" dirty="0">
-                <a:solidFill>
-                  <a:srgbClr val="660033"/>
-                </a:solidFill>
-                <a:latin typeface="微軟正黑體" pitchFamily="34" charset="-120"/>
-                <a:ea typeface="微軟正黑體" pitchFamily="34" charset="-120"/>
-              </a:rPr>
-              <a:t/>
-            </a:r>
-            <a:br>
-              <a:rPr lang="en-US" sz="5400" b="1" dirty="0">
-                <a:solidFill>
-                  <a:srgbClr val="660033"/>
-                </a:solidFill>
-                <a:latin typeface="微軟正黑體" pitchFamily="34" charset="-120"/>
-                <a:ea typeface="微軟正黑體" pitchFamily="34" charset="-120"/>
-              </a:rPr>
-            </a:br>
-            <a:endParaRPr lang="en-US" sz="5400" b="1" dirty="0">
-              <a:solidFill>
-                <a:srgbClr val="660033"/>
+            <a:pPr algn="ctr">
+              <a:buNone/>
+            </a:pPr>
+            <a:r>
+              <a:rPr lang="zh-TW" altLang="en-US" sz="4800" b="1" dirty="0" smtClean="0">
+                <a:solidFill>
+                  <a:srgbClr val="000066"/>
+                </a:solidFill>
+                <a:latin typeface="微軟正黑體" pitchFamily="34" charset="-120"/>
+                <a:ea typeface="微軟正黑體" pitchFamily="34" charset="-120"/>
+              </a:rPr>
+              <a:t>是我主  是救主</a:t>
+            </a:r>
+            <a:endParaRPr lang="en-US" altLang="zh-TW" sz="4800" b="1" dirty="0" smtClean="0">
+              <a:solidFill>
+                <a:srgbClr val="000066"/>
+              </a:solidFill>
+              <a:latin typeface="微軟正黑體" pitchFamily="34" charset="-120"/>
+              <a:ea typeface="微軟正黑體" pitchFamily="34" charset="-120"/>
+            </a:endParaRPr>
+          </a:p>
+          <a:p>
+            <a:pPr algn="ctr">
+              <a:buNone/>
+            </a:pPr>
+            <a:r>
+              <a:rPr lang="zh-TW" altLang="en-US" sz="4800" b="1" dirty="0" smtClean="0">
+                <a:solidFill>
+                  <a:srgbClr val="000066"/>
+                </a:solidFill>
+                <a:latin typeface="微軟正黑體" pitchFamily="34" charset="-120"/>
+                <a:ea typeface="微軟正黑體" pitchFamily="34" charset="-120"/>
+              </a:rPr>
+              <a:t>作我安穩庇護所</a:t>
+            </a:r>
+            <a:endParaRPr lang="en-US" altLang="zh-TW" sz="4800" b="1" dirty="0" smtClean="0">
+              <a:solidFill>
+                <a:srgbClr val="000066"/>
+              </a:solidFill>
+              <a:latin typeface="微軟正黑體" pitchFamily="34" charset="-120"/>
+              <a:ea typeface="微軟正黑體" pitchFamily="34" charset="-120"/>
+            </a:endParaRPr>
+          </a:p>
+          <a:p>
+            <a:pPr algn="ctr">
+              <a:buNone/>
+            </a:pPr>
+            <a:r>
+              <a:rPr lang="zh-TW" altLang="en-US" sz="4800" b="1" dirty="0" smtClean="0">
+                <a:solidFill>
+                  <a:srgbClr val="000066"/>
+                </a:solidFill>
+                <a:latin typeface="微軟正黑體" pitchFamily="34" charset="-120"/>
+                <a:ea typeface="微軟正黑體" pitchFamily="34" charset="-120"/>
+              </a:rPr>
+              <a:t> 我若只有  一息尚存</a:t>
+            </a:r>
+            <a:endParaRPr lang="en-US" altLang="zh-TW" sz="4800" b="1" dirty="0" smtClean="0">
+              <a:solidFill>
+                <a:srgbClr val="000066"/>
+              </a:solidFill>
+              <a:latin typeface="微軟正黑體" pitchFamily="34" charset="-120"/>
+              <a:ea typeface="微軟正黑體" pitchFamily="34" charset="-120"/>
+            </a:endParaRPr>
+          </a:p>
+          <a:p>
+            <a:pPr algn="ctr">
+              <a:buNone/>
+            </a:pPr>
+            <a:r>
+              <a:rPr lang="zh-TW" altLang="en-US" sz="4800" b="1" dirty="0" smtClean="0">
+                <a:solidFill>
+                  <a:srgbClr val="000066"/>
+                </a:solidFill>
+                <a:latin typeface="微軟正黑體" pitchFamily="34" charset="-120"/>
+                <a:ea typeface="微軟正黑體" pitchFamily="34" charset="-120"/>
+              </a:rPr>
+              <a:t>也要定意敬拜你</a:t>
+            </a:r>
+            <a:endParaRPr lang="zh-TW" altLang="en-US" sz="4800" b="1" dirty="0">
+              <a:solidFill>
+                <a:srgbClr val="000066"/>
               </a:solidFill>
               <a:latin typeface="微軟正黑體" pitchFamily="34" charset="-120"/>
               <a:ea typeface="微軟正黑體" pitchFamily="34" charset="-120"/>
@@ -8302,6 +10134,13 @@
   <p:clrMapOvr>
     <a:masterClrMapping/>
   </p:clrMapOvr>
+  <p:timing>
+    <p:tnLst>
+      <p:par>
+        <p:cTn id="1" dur="indefinite" restart="never" nodeType="tmRoot"/>
+      </p:par>
+    </p:tnLst>
+  </p:timing>
 </p:sld>
 </file>
 
@@ -8324,7 +10163,7 @@
       </p:grpSpPr>
       <p:sp>
         <p:nvSpPr>
-          <p:cNvPr id="2" name="Title 1"/>
+          <p:cNvPr id="2" name="標題 1"/>
           <p:cNvSpPr>
             <a:spLocks noGrp="1"/>
           </p:cNvSpPr>
@@ -8333,235 +10172,156 @@
           </p:nvPr>
         </p:nvSpPr>
         <p:spPr/>
+        <p:txBody>
+          <a:bodyPr/>
+          <a:lstStyle/>
+          <a:p>
+            <a:r>
+              <a:rPr lang="zh-CN" altLang="en-US" b="1" dirty="0" smtClean="0">
+                <a:solidFill>
+                  <a:srgbClr val="000066"/>
+                </a:solidFill>
+                <a:latin typeface="微軟正黑體" pitchFamily="34" charset="-120"/>
+                <a:ea typeface="微軟正黑體" pitchFamily="34" charset="-120"/>
+              </a:rPr>
+              <a:t>獻上頌讚</a:t>
+            </a:r>
+            <a:endParaRPr lang="zh-TW" altLang="en-US" b="1" dirty="0">
+              <a:solidFill>
+                <a:srgbClr val="000066"/>
+              </a:solidFill>
+              <a:latin typeface="微軟正黑體" pitchFamily="34" charset="-120"/>
+              <a:ea typeface="微軟正黑體" pitchFamily="34" charset="-120"/>
+            </a:endParaRPr>
+          </a:p>
+        </p:txBody>
+      </p:sp>
+      <p:sp>
+        <p:nvSpPr>
+          <p:cNvPr id="3" name="內容版面配置區 2"/>
+          <p:cNvSpPr>
+            <a:spLocks noGrp="1"/>
+          </p:cNvSpPr>
+          <p:nvPr>
+            <p:ph idx="1"/>
+          </p:nvPr>
+        </p:nvSpPr>
+        <p:spPr>
+          <a:xfrm>
+            <a:off x="457200" y="1200150"/>
+            <a:ext cx="8229600" cy="3943350"/>
+          </a:xfrm>
+        </p:spPr>
         <p:txBody>
           <a:bodyPr>
             <a:noAutofit/>
           </a:bodyPr>
           <a:lstStyle/>
           <a:p>
-            <a:r>
-              <a:rPr lang="en-US" altLang="zh-TW" sz="5000" b="1" dirty="0" smtClean="0">
-                <a:solidFill>
-                  <a:srgbClr val="660033"/>
-                </a:solidFill>
-                <a:latin typeface="微軟正黑體" pitchFamily="34" charset="-120"/>
-                <a:ea typeface="微軟正黑體" pitchFamily="34" charset="-120"/>
-              </a:rPr>
-              <a:t/>
-            </a:r>
-            <a:br>
-              <a:rPr lang="en-US" altLang="zh-TW" sz="5000" b="1" dirty="0" smtClean="0">
-                <a:solidFill>
-                  <a:srgbClr val="660033"/>
-                </a:solidFill>
-                <a:latin typeface="微軟正黑體" pitchFamily="34" charset="-120"/>
-                <a:ea typeface="微軟正黑體" pitchFamily="34" charset="-120"/>
-              </a:rPr>
-            </a:br>
-            <a:r>
-              <a:rPr lang="zh-TW" altLang="en-US" sz="5000" b="1" dirty="0" smtClean="0">
-                <a:solidFill>
-                  <a:srgbClr val="660033"/>
-                </a:solidFill>
-                <a:latin typeface="微軟正黑體" pitchFamily="34" charset="-120"/>
-                <a:ea typeface="微軟正黑體" pitchFamily="34" charset="-120"/>
-              </a:rPr>
-              <a:t>主</a:t>
-            </a:r>
-            <a:r>
-              <a:rPr lang="zh-TW" altLang="en-US" sz="5000" b="1" dirty="0">
-                <a:solidFill>
-                  <a:srgbClr val="660033"/>
-                </a:solidFill>
-                <a:latin typeface="微軟正黑體" pitchFamily="34" charset="-120"/>
-                <a:ea typeface="微軟正黑體" pitchFamily="34" charset="-120"/>
-              </a:rPr>
-              <a:t>禱文</a:t>
-            </a:r>
-            <a:r>
-              <a:rPr lang="en-US" sz="5000" b="1" dirty="0">
-                <a:solidFill>
-                  <a:srgbClr val="660033"/>
-                </a:solidFill>
-                <a:latin typeface="微軟正黑體" pitchFamily="34" charset="-120"/>
-                <a:ea typeface="微軟正黑體" pitchFamily="34" charset="-120"/>
-              </a:rPr>
-              <a:t/>
-            </a:r>
-            <a:br>
-              <a:rPr lang="en-US" sz="5000" b="1" dirty="0">
-                <a:solidFill>
-                  <a:srgbClr val="660033"/>
-                </a:solidFill>
-                <a:latin typeface="微軟正黑體" pitchFamily="34" charset="-120"/>
-                <a:ea typeface="微軟正黑體" pitchFamily="34" charset="-120"/>
-              </a:rPr>
-            </a:br>
-            <a:endParaRPr lang="en-US" sz="5000" b="1" dirty="0">
-              <a:solidFill>
-                <a:srgbClr val="660033"/>
-              </a:solidFill>
-              <a:latin typeface="微軟正黑體" pitchFamily="34" charset="-120"/>
-              <a:ea typeface="微軟正黑體" pitchFamily="34" charset="-120"/>
-            </a:endParaRPr>
-          </a:p>
-        </p:txBody>
-      </p:sp>
-      <p:sp>
-        <p:nvSpPr>
-          <p:cNvPr id="3" name="Content Placeholder 2"/>
-          <p:cNvSpPr>
-            <a:spLocks noGrp="1"/>
-          </p:cNvSpPr>
-          <p:nvPr>
-            <p:ph idx="1"/>
-          </p:nvPr>
-        </p:nvSpPr>
-        <p:spPr>
-          <a:xfrm>
-            <a:off x="457200" y="1600200"/>
-            <a:ext cx="8229600" cy="4900634"/>
-          </a:xfrm>
-        </p:spPr>
-        <p:txBody>
-          <a:bodyPr>
-            <a:normAutofit lnSpcReduction="10000"/>
-          </a:bodyPr>
-          <a:lstStyle/>
-          <a:p>
-            <a:pPr algn="ctr">
-              <a:buNone/>
-            </a:pPr>
-            <a:r>
-              <a:rPr lang="zh-TW" altLang="en-US" sz="5400" b="1" dirty="0">
-                <a:solidFill>
-                  <a:srgbClr val="660033"/>
-                </a:solidFill>
-                <a:latin typeface="微軟正黑體" pitchFamily="34" charset="-120"/>
-                <a:ea typeface="微軟正黑體" pitchFamily="34" charset="-120"/>
-              </a:rPr>
-              <a:t>求賜我信心的眼睛</a:t>
-            </a:r>
-            <a:endParaRPr lang="en-US" sz="5400" b="1" dirty="0">
-              <a:solidFill>
-                <a:srgbClr val="660033"/>
-              </a:solidFill>
-              <a:latin typeface="微軟正黑體" pitchFamily="34" charset="-120"/>
-              <a:ea typeface="微軟正黑體" pitchFamily="34" charset="-120"/>
-            </a:endParaRPr>
-          </a:p>
-          <a:p>
-            <a:pPr algn="ctr">
-              <a:buNone/>
-            </a:pPr>
-            <a:r>
-              <a:rPr lang="zh-TW" altLang="en-US" sz="5400" b="1" dirty="0">
-                <a:solidFill>
-                  <a:srgbClr val="660033"/>
-                </a:solidFill>
-                <a:latin typeface="微軟正黑體" pitchFamily="34" charset="-120"/>
-                <a:ea typeface="微軟正黑體" pitchFamily="34" charset="-120"/>
-              </a:rPr>
-              <a:t>風暴裡仍舊恬靜</a:t>
-            </a:r>
-            <a:endParaRPr lang="en-US" sz="5400" b="1" dirty="0">
-              <a:solidFill>
-                <a:srgbClr val="660033"/>
-              </a:solidFill>
-              <a:latin typeface="微軟正黑體" pitchFamily="34" charset="-120"/>
-              <a:ea typeface="微軟正黑體" pitchFamily="34" charset="-120"/>
-            </a:endParaRPr>
-          </a:p>
-          <a:p>
-            <a:pPr algn="ctr">
-              <a:buNone/>
-            </a:pPr>
-            <a:r>
-              <a:rPr lang="zh-TW" altLang="en-US" sz="5400" b="1" dirty="0">
-                <a:solidFill>
-                  <a:srgbClr val="660033"/>
-                </a:solidFill>
-                <a:latin typeface="微軟正黑體" pitchFamily="34" charset="-120"/>
-                <a:ea typeface="微軟正黑體" pitchFamily="34" charset="-120"/>
-              </a:rPr>
-              <a:t>全獻我順服的心靈</a:t>
-            </a:r>
-            <a:endParaRPr lang="en-US" sz="5400" b="1" dirty="0">
-              <a:solidFill>
-                <a:srgbClr val="660033"/>
-              </a:solidFill>
-              <a:latin typeface="微軟正黑體" pitchFamily="34" charset="-120"/>
-              <a:ea typeface="微軟正黑體" pitchFamily="34" charset="-120"/>
-            </a:endParaRPr>
-          </a:p>
-          <a:p>
-            <a:pPr algn="ctr">
-              <a:buNone/>
-            </a:pPr>
-            <a:r>
-              <a:rPr lang="zh-TW" altLang="en-US" sz="5400" b="1" dirty="0">
-                <a:solidFill>
-                  <a:srgbClr val="660033"/>
-                </a:solidFill>
-                <a:latin typeface="微軟正黑體" pitchFamily="34" charset="-120"/>
-                <a:ea typeface="微軟正黑體" pitchFamily="34" charset="-120"/>
-              </a:rPr>
-              <a:t>由祢全權來帶</a:t>
-            </a:r>
-            <a:r>
-              <a:rPr lang="zh-TW" altLang="en-US" sz="5400" b="1" dirty="0" smtClean="0">
-                <a:solidFill>
-                  <a:srgbClr val="660033"/>
-                </a:solidFill>
-                <a:latin typeface="微軟正黑體" pitchFamily="34" charset="-120"/>
-                <a:ea typeface="微軟正黑體" pitchFamily="34" charset="-120"/>
-              </a:rPr>
-              <a:t>領</a:t>
-            </a:r>
-            <a:r>
-              <a:rPr lang="en-US" sz="4800" b="1" dirty="0">
-                <a:solidFill>
-                  <a:srgbClr val="660033"/>
-                </a:solidFill>
-                <a:latin typeface="微軟正黑體" pitchFamily="34" charset="-120"/>
-                <a:ea typeface="微軟正黑體" pitchFamily="34" charset="-120"/>
-              </a:rPr>
-              <a:t/>
-            </a:r>
-            <a:br>
-              <a:rPr lang="en-US" sz="4800" b="1" dirty="0">
-                <a:solidFill>
-                  <a:srgbClr val="660033"/>
-                </a:solidFill>
-                <a:latin typeface="微軟正黑體" pitchFamily="34" charset="-120"/>
-                <a:ea typeface="微軟正黑體" pitchFamily="34" charset="-120"/>
-              </a:rPr>
-            </a:br>
-            <a:endParaRPr lang="en-US" sz="4800" b="1" dirty="0" smtClean="0">
-              <a:solidFill>
-                <a:srgbClr val="660033"/>
-              </a:solidFill>
-              <a:latin typeface="微軟正黑體" pitchFamily="34" charset="-120"/>
-              <a:ea typeface="微軟正黑體" pitchFamily="34" charset="-120"/>
-            </a:endParaRPr>
-          </a:p>
-          <a:p>
-            <a:pPr algn="ctr">
-              <a:buNone/>
-            </a:pPr>
-            <a:r>
-              <a:rPr lang="en-US" sz="1800" b="1" dirty="0" smtClean="0">
-                <a:solidFill>
-                  <a:srgbClr val="660033"/>
-                </a:solidFill>
-                <a:latin typeface="微軟正黑體" pitchFamily="34" charset="-120"/>
-                <a:ea typeface="微軟正黑體" pitchFamily="34" charset="-120"/>
-              </a:rPr>
-              <a:t>[Pre-chorus]</a:t>
-            </a:r>
-            <a:endParaRPr lang="en-US" sz="1800" b="1" dirty="0">
-              <a:solidFill>
-                <a:srgbClr val="660033"/>
+            <a:pPr algn="ctr">
+              <a:buNone/>
+            </a:pPr>
+            <a:r>
+              <a:rPr lang="zh-TW" altLang="en-US" sz="4400" b="1" dirty="0" smtClean="0">
+                <a:solidFill>
+                  <a:srgbClr val="000066"/>
+                </a:solidFill>
+                <a:latin typeface="微軟正黑體" pitchFamily="34" charset="-120"/>
+                <a:ea typeface="微軟正黑體" pitchFamily="34" charset="-120"/>
+              </a:rPr>
+              <a:t>獻上頌讚  要吶喊</a:t>
+            </a:r>
+            <a:endParaRPr lang="en-US" altLang="zh-TW" sz="4400" b="1" dirty="0" smtClean="0">
+              <a:solidFill>
+                <a:srgbClr val="000066"/>
+              </a:solidFill>
+              <a:latin typeface="微軟正黑體" pitchFamily="34" charset="-120"/>
+              <a:ea typeface="微軟正黑體" pitchFamily="34" charset="-120"/>
+            </a:endParaRPr>
+          </a:p>
+          <a:p>
+            <a:pPr algn="ctr">
+              <a:buNone/>
+            </a:pPr>
+            <a:r>
+              <a:rPr lang="zh-TW" altLang="en-US" sz="4400" b="1" dirty="0" smtClean="0">
+                <a:solidFill>
+                  <a:srgbClr val="000066"/>
+                </a:solidFill>
+                <a:latin typeface="微軟正黑體" pitchFamily="34" charset="-120"/>
+                <a:ea typeface="微軟正黑體" pitchFamily="34" charset="-120"/>
+              </a:rPr>
+              <a:t>要頌揚  各處頌讚</a:t>
+            </a:r>
+            <a:endParaRPr lang="en-US" altLang="zh-TW" sz="4400" b="1" dirty="0" smtClean="0">
+              <a:solidFill>
+                <a:srgbClr val="000066"/>
+              </a:solidFill>
+              <a:latin typeface="微軟正黑體" pitchFamily="34" charset="-120"/>
+              <a:ea typeface="微軟正黑體" pitchFamily="34" charset="-120"/>
+            </a:endParaRPr>
+          </a:p>
+          <a:p>
+            <a:pPr algn="ctr">
+              <a:buNone/>
+            </a:pPr>
+            <a:r>
+              <a:rPr lang="zh-TW" altLang="en-US" sz="4400" b="1" dirty="0" smtClean="0">
+                <a:solidFill>
+                  <a:srgbClr val="000066"/>
+                </a:solidFill>
+                <a:latin typeface="微軟正黑體" pitchFamily="34" charset="-120"/>
+                <a:ea typeface="微軟正黑體" pitchFamily="34" charset="-120"/>
+              </a:rPr>
+              <a:t>眾山歡呼拍掌 </a:t>
+            </a:r>
+            <a:endParaRPr lang="en-US" altLang="zh-TW" sz="4400" b="1" dirty="0" smtClean="0">
+              <a:solidFill>
+                <a:srgbClr val="000066"/>
+              </a:solidFill>
+              <a:latin typeface="微軟正黑體" pitchFamily="34" charset="-120"/>
+              <a:ea typeface="微軟正黑體" pitchFamily="34" charset="-120"/>
+            </a:endParaRPr>
+          </a:p>
+          <a:p>
+            <a:pPr algn="ctr">
+              <a:buNone/>
+            </a:pPr>
+            <a:r>
+              <a:rPr lang="zh-TW" altLang="en-US" sz="4400" b="1" dirty="0" smtClean="0">
+                <a:solidFill>
+                  <a:srgbClr val="000066"/>
+                </a:solidFill>
+                <a:latin typeface="微軟正黑體" pitchFamily="34" charset="-120"/>
+                <a:ea typeface="微軟正黑體" pitchFamily="34" charset="-120"/>
+              </a:rPr>
+              <a:t>遍野萬里也和應叫嚷</a:t>
+            </a:r>
+            <a:endParaRPr lang="en-US" altLang="zh-TW" sz="4400" b="1" dirty="0" smtClean="0">
+              <a:solidFill>
+                <a:srgbClr val="000066"/>
+              </a:solidFill>
+              <a:latin typeface="微軟正黑體" pitchFamily="34" charset="-120"/>
+              <a:ea typeface="微軟正黑體" pitchFamily="34" charset="-120"/>
+            </a:endParaRPr>
+          </a:p>
+          <a:p>
+            <a:pPr algn="ctr">
+              <a:buNone/>
+            </a:pPr>
+            <a:r>
+              <a:rPr lang="zh-TW" altLang="en-US" sz="4400" b="1" dirty="0" smtClean="0">
+                <a:solidFill>
+                  <a:srgbClr val="000066"/>
+                </a:solidFill>
+                <a:latin typeface="微軟正黑體" pitchFamily="34" charset="-120"/>
+                <a:ea typeface="微軟正黑體" pitchFamily="34" charset="-120"/>
+              </a:rPr>
+              <a:t> 與眾海呼喊  傳揚上主</a:t>
+            </a:r>
+            <a:endParaRPr lang="zh-TW" altLang="en-US" sz="4400" b="1" dirty="0">
+              <a:solidFill>
+                <a:srgbClr val="000066"/>
               </a:solidFill>
               <a:latin typeface="微軟正黑體" pitchFamily="34" charset="-120"/>
               <a:ea typeface="微軟正黑體" pitchFamily="34" charset="-120"/>
@@ -8574,6 +10334,13 @@
   <p:clrMapOvr>
     <a:masterClrMapping/>
   </p:clrMapOvr>
+  <p:timing>
+    <p:tnLst>
+      <p:par>
+        <p:cTn id="1" dur="indefinite" restart="never" nodeType="tmRoot"/>
+      </p:par>
+    </p:tnLst>
+  </p:timing>
 </p:sld>
 </file>
 
@@ -8596,7 +10363,7 @@
       </p:grpSpPr>
       <p:sp>
         <p:nvSpPr>
-          <p:cNvPr id="2" name="Title 1"/>
+          <p:cNvPr id="2" name="標題 1"/>
           <p:cNvSpPr>
             <a:spLocks noGrp="1"/>
           </p:cNvSpPr>
@@ -8606,275 +10373,141 @@
         </p:nvSpPr>
         <p:spPr/>
         <p:txBody>
+          <a:bodyPr/>
+          <a:lstStyle/>
+          <a:p>
+            <a:r>
+              <a:rPr lang="zh-CN" altLang="en-US" b="1" dirty="0" smtClean="0">
+                <a:solidFill>
+                  <a:srgbClr val="000066"/>
+                </a:solidFill>
+                <a:latin typeface="微軟正黑體" pitchFamily="34" charset="-120"/>
+                <a:ea typeface="微軟正黑體" pitchFamily="34" charset="-120"/>
+              </a:rPr>
+              <a:t>獻上頌讚</a:t>
+            </a:r>
+            <a:endParaRPr lang="zh-TW" altLang="en-US" b="1" dirty="0">
+              <a:solidFill>
+                <a:srgbClr val="000066"/>
+              </a:solidFill>
+              <a:latin typeface="微軟正黑體" pitchFamily="34" charset="-120"/>
+              <a:ea typeface="微軟正黑體" pitchFamily="34" charset="-120"/>
+            </a:endParaRPr>
+          </a:p>
+        </p:txBody>
+      </p:sp>
+      <p:sp>
+        <p:nvSpPr>
+          <p:cNvPr id="3" name="內容版面配置區 2"/>
+          <p:cNvSpPr>
+            <a:spLocks noGrp="1"/>
+          </p:cNvSpPr>
+          <p:nvPr>
+            <p:ph idx="1"/>
+          </p:nvPr>
+        </p:nvSpPr>
+        <p:spPr>
+          <a:xfrm>
+            <a:off x="457200" y="1200150"/>
+            <a:ext cx="8229600" cy="3943350"/>
+          </a:xfrm>
+        </p:spPr>
+        <p:txBody>
           <a:bodyPr>
-            <a:noAutofit/>
+            <a:normAutofit/>
           </a:bodyPr>
           <a:lstStyle/>
           <a:p>
-            <a:r>
-              <a:rPr lang="en-US" altLang="zh-TW" sz="5000" b="1" dirty="0" smtClean="0">
-                <a:solidFill>
-                  <a:srgbClr val="660033"/>
-                </a:solidFill>
-                <a:latin typeface="微軟正黑體" pitchFamily="34" charset="-120"/>
-                <a:ea typeface="微軟正黑體" pitchFamily="34" charset="-120"/>
-              </a:rPr>
-              <a:t/>
-            </a:r>
-            <a:br>
-              <a:rPr lang="en-US" altLang="zh-TW" sz="5000" b="1" dirty="0" smtClean="0">
-                <a:solidFill>
-                  <a:srgbClr val="660033"/>
-                </a:solidFill>
-                <a:latin typeface="微軟正黑體" pitchFamily="34" charset="-120"/>
-                <a:ea typeface="微軟正黑體" pitchFamily="34" charset="-120"/>
-              </a:rPr>
-            </a:br>
-            <a:r>
-              <a:rPr lang="zh-TW" altLang="en-US" sz="5000" b="1" dirty="0" smtClean="0">
-                <a:solidFill>
-                  <a:srgbClr val="660033"/>
-                </a:solidFill>
-                <a:latin typeface="微軟正黑體" pitchFamily="34" charset="-120"/>
-                <a:ea typeface="微軟正黑體" pitchFamily="34" charset="-120"/>
-              </a:rPr>
-              <a:t>主</a:t>
-            </a:r>
-            <a:r>
-              <a:rPr lang="zh-TW" altLang="en-US" sz="5000" b="1" dirty="0">
-                <a:solidFill>
-                  <a:srgbClr val="660033"/>
-                </a:solidFill>
-                <a:latin typeface="微軟正黑體" pitchFamily="34" charset="-120"/>
-                <a:ea typeface="微軟正黑體" pitchFamily="34" charset="-120"/>
-              </a:rPr>
-              <a:t>禱文</a:t>
-            </a:r>
-            <a:r>
-              <a:rPr lang="en-US" sz="5000" b="1" dirty="0">
-                <a:solidFill>
-                  <a:srgbClr val="660033"/>
-                </a:solidFill>
-                <a:latin typeface="微軟正黑體" pitchFamily="34" charset="-120"/>
-                <a:ea typeface="微軟正黑體" pitchFamily="34" charset="-120"/>
-              </a:rPr>
-              <a:t/>
-            </a:r>
-            <a:br>
-              <a:rPr lang="en-US" sz="5000" b="1" dirty="0">
-                <a:solidFill>
-                  <a:srgbClr val="660033"/>
-                </a:solidFill>
-                <a:latin typeface="微軟正黑體" pitchFamily="34" charset="-120"/>
-                <a:ea typeface="微軟正黑體" pitchFamily="34" charset="-120"/>
-              </a:rPr>
-            </a:br>
-            <a:endParaRPr lang="en-US" sz="5000" b="1" dirty="0">
-              <a:solidFill>
-                <a:srgbClr val="660033"/>
-              </a:solidFill>
-              <a:latin typeface="微軟正黑體" pitchFamily="34" charset="-120"/>
-              <a:ea typeface="微軟正黑體" pitchFamily="34" charset="-120"/>
-            </a:endParaRPr>
-          </a:p>
-        </p:txBody>
-      </p:sp>
-      <p:sp>
-        <p:nvSpPr>
-          <p:cNvPr id="3" name="Content Placeholder 2"/>
-          <p:cNvSpPr>
-            <a:spLocks noGrp="1"/>
-          </p:cNvSpPr>
-          <p:nvPr>
-            <p:ph idx="1"/>
-          </p:nvPr>
-        </p:nvSpPr>
-        <p:spPr/>
-        <p:txBody>
-          <a:bodyPr>
-            <a:noAutofit/>
-          </a:bodyPr>
-          <a:lstStyle/>
-          <a:p>
-            <a:pPr algn="ctr">
-              <a:buNone/>
-            </a:pPr>
-            <a:r>
-              <a:rPr lang="zh-TW" altLang="en-US" sz="5400" b="1" dirty="0" smtClean="0">
-                <a:solidFill>
-                  <a:srgbClr val="660033"/>
-                </a:solidFill>
-                <a:latin typeface="微軟正黑體" pitchFamily="34" charset="-120"/>
-                <a:ea typeface="微軟正黑體" pitchFamily="34" charset="-120"/>
-              </a:rPr>
-              <a:t>願</a:t>
-            </a:r>
-            <a:r>
-              <a:rPr lang="zh-TW" altLang="en-US" sz="5400" b="1" dirty="0">
-                <a:solidFill>
-                  <a:srgbClr val="660033"/>
-                </a:solidFill>
-                <a:latin typeface="微軟正黑體" pitchFamily="34" charset="-120"/>
-                <a:ea typeface="微軟正黑體" pitchFamily="34" charset="-120"/>
-              </a:rPr>
-              <a:t>人都尊祢名為聖</a:t>
-            </a:r>
-            <a:endParaRPr lang="en-US" sz="5400" b="1" dirty="0">
-              <a:solidFill>
-                <a:srgbClr val="660033"/>
-              </a:solidFill>
-              <a:latin typeface="微軟正黑體" pitchFamily="34" charset="-120"/>
-              <a:ea typeface="微軟正黑體" pitchFamily="34" charset="-120"/>
-            </a:endParaRPr>
-          </a:p>
-          <a:p>
-            <a:pPr algn="ctr">
-              <a:buNone/>
-            </a:pPr>
-            <a:r>
-              <a:rPr lang="zh-TW" altLang="en-US" sz="5400" b="1" dirty="0">
-                <a:solidFill>
-                  <a:srgbClr val="660033"/>
-                </a:solidFill>
-                <a:latin typeface="微軟正黑體" pitchFamily="34" charset="-120"/>
-                <a:ea typeface="微軟正黑體" pitchFamily="34" charset="-120"/>
-              </a:rPr>
-              <a:t>願祢的國降臨</a:t>
-            </a:r>
-            <a:endParaRPr lang="en-US" sz="5400" b="1" dirty="0">
-              <a:solidFill>
-                <a:srgbClr val="660033"/>
-              </a:solidFill>
-              <a:latin typeface="微軟正黑體" pitchFamily="34" charset="-120"/>
-              <a:ea typeface="微軟正黑體" pitchFamily="34" charset="-120"/>
-            </a:endParaRPr>
-          </a:p>
-          <a:p>
-            <a:pPr algn="ctr">
-              <a:buNone/>
-            </a:pPr>
-            <a:r>
-              <a:rPr lang="zh-TW" altLang="en-US" sz="5400" b="1" dirty="0">
-                <a:solidFill>
-                  <a:srgbClr val="660033"/>
-                </a:solidFill>
-                <a:latin typeface="微軟正黑體" pitchFamily="34" charset="-120"/>
-                <a:ea typeface="微軟正黑體" pitchFamily="34" charset="-120"/>
-              </a:rPr>
-              <a:t>也願祢旨意行在地上</a:t>
-            </a:r>
-            <a:endParaRPr lang="en-US" sz="5400" b="1" dirty="0">
-              <a:solidFill>
-                <a:srgbClr val="660033"/>
-              </a:solidFill>
-              <a:latin typeface="微軟正黑體" pitchFamily="34" charset="-120"/>
-              <a:ea typeface="微軟正黑體" pitchFamily="34" charset="-120"/>
-            </a:endParaRPr>
-          </a:p>
-          <a:p>
-            <a:pPr algn="ctr">
-              <a:buNone/>
-            </a:pPr>
-            <a:r>
-              <a:rPr lang="zh-TW" altLang="en-US" sz="5400" b="1" dirty="0">
-                <a:solidFill>
-                  <a:srgbClr val="660033"/>
-                </a:solidFill>
-                <a:latin typeface="微軟正黑體" pitchFamily="34" charset="-120"/>
-                <a:ea typeface="微軟正黑體" pitchFamily="34" charset="-120"/>
-              </a:rPr>
-              <a:t>如同行在天</a:t>
-            </a:r>
-            <a:r>
-              <a:rPr lang="zh-TW" altLang="en-US" sz="5400" b="1" dirty="0" smtClean="0">
-                <a:solidFill>
-                  <a:srgbClr val="660033"/>
-                </a:solidFill>
-                <a:latin typeface="微軟正黑體" pitchFamily="34" charset="-120"/>
-                <a:ea typeface="微軟正黑體" pitchFamily="34" charset="-120"/>
-              </a:rPr>
-              <a:t>上</a:t>
-            </a:r>
-            <a:endParaRPr lang="en-US" altLang="zh-TW" sz="5400" b="1" dirty="0" smtClean="0">
-              <a:solidFill>
-                <a:srgbClr val="660033"/>
-              </a:solidFill>
-              <a:latin typeface="微軟正黑體" pitchFamily="34" charset="-120"/>
-              <a:ea typeface="微軟正黑體" pitchFamily="34" charset="-120"/>
-            </a:endParaRPr>
-          </a:p>
-          <a:p>
-            <a:pPr algn="ctr">
-              <a:buNone/>
-            </a:pPr>
-            <a:endParaRPr lang="en-US" altLang="zh-TW" sz="2800" b="1" dirty="0" smtClean="0">
-              <a:solidFill>
-                <a:srgbClr val="660033"/>
-              </a:solidFill>
-              <a:latin typeface="微軟正黑體" pitchFamily="34" charset="-120"/>
-              <a:ea typeface="微軟正黑體" pitchFamily="34" charset="-120"/>
-            </a:endParaRPr>
-          </a:p>
-          <a:p>
-            <a:pPr algn="ctr">
-              <a:buNone/>
-            </a:pPr>
-            <a:r>
-              <a:rPr lang="en-US" altLang="zh-TW" sz="2000" b="1" dirty="0" smtClean="0">
-                <a:solidFill>
-                  <a:srgbClr val="660033"/>
-                </a:solidFill>
-                <a:latin typeface="微軟正黑體" pitchFamily="34" charset="-120"/>
-                <a:ea typeface="微軟正黑體" pitchFamily="34" charset="-120"/>
-              </a:rPr>
-              <a:t>[Chorus]</a:t>
-            </a:r>
-          </a:p>
-          <a:p>
-            <a:pPr algn="ctr">
-              <a:buNone/>
-            </a:pPr>
-            <a:r>
-              <a:rPr lang="en-US" sz="5400" b="1" dirty="0">
-                <a:solidFill>
-                  <a:srgbClr val="660033"/>
-                </a:solidFill>
-                <a:latin typeface="微軟正黑體" pitchFamily="34" charset="-120"/>
-                <a:ea typeface="微軟正黑體" pitchFamily="34" charset="-120"/>
-              </a:rPr>
-              <a:t/>
-            </a:r>
-            <a:br>
-              <a:rPr lang="en-US" sz="5400" b="1" dirty="0">
-                <a:solidFill>
-                  <a:srgbClr val="660033"/>
-                </a:solidFill>
-                <a:latin typeface="微軟正黑體" pitchFamily="34" charset="-120"/>
-                <a:ea typeface="微軟正黑體" pitchFamily="34" charset="-120"/>
-              </a:rPr>
-            </a:br>
-            <a:r>
-              <a:rPr lang="en-US" sz="1600" b="1" dirty="0">
-                <a:solidFill>
-                  <a:srgbClr val="660033"/>
-                </a:solidFill>
-                <a:latin typeface="微軟正黑體" pitchFamily="34" charset="-120"/>
-                <a:ea typeface="微軟正黑體" pitchFamily="34" charset="-120"/>
-              </a:rPr>
-              <a:t/>
-            </a:r>
-            <a:br>
-              <a:rPr lang="en-US" sz="1600" b="1" dirty="0">
-                <a:solidFill>
-                  <a:srgbClr val="660033"/>
-                </a:solidFill>
-                <a:latin typeface="微軟正黑體" pitchFamily="34" charset="-120"/>
-                <a:ea typeface="微軟正黑體" pitchFamily="34" charset="-120"/>
-              </a:rPr>
-            </a:br>
-            <a:endParaRPr lang="en-US" sz="1600" b="1" dirty="0">
-              <a:solidFill>
-                <a:srgbClr val="660033"/>
+            <a:pPr algn="ctr">
+              <a:buNone/>
+            </a:pPr>
+            <a:r>
+              <a:rPr lang="zh-TW" altLang="en-US" sz="4800" b="1" dirty="0" smtClean="0">
+                <a:solidFill>
+                  <a:srgbClr val="000066"/>
+                </a:solidFill>
+                <a:latin typeface="微軟正黑體" pitchFamily="34" charset="-120"/>
+                <a:ea typeface="微軟正黑體" pitchFamily="34" charset="-120"/>
+              </a:rPr>
+              <a:t>跳躍和唱  要述說你創造</a:t>
+            </a:r>
+            <a:endParaRPr lang="en-US" altLang="zh-TW" sz="4800" b="1" dirty="0" smtClean="0">
+              <a:solidFill>
+                <a:srgbClr val="000066"/>
+              </a:solidFill>
+              <a:latin typeface="微軟正黑體" pitchFamily="34" charset="-120"/>
+              <a:ea typeface="微軟正黑體" pitchFamily="34" charset="-120"/>
+            </a:endParaRPr>
+          </a:p>
+          <a:p>
+            <a:pPr algn="ctr">
+              <a:buNone/>
+            </a:pPr>
+            <a:r>
+              <a:rPr lang="zh-TW" altLang="en-US" sz="4800" b="1" dirty="0" smtClean="0">
+                <a:solidFill>
+                  <a:srgbClr val="000066"/>
+                </a:solidFill>
+                <a:latin typeface="微軟正黑體" pitchFamily="34" charset="-120"/>
+                <a:ea typeface="微軟正黑體" pitchFamily="34" charset="-120"/>
+              </a:rPr>
+              <a:t>願永愛著你</a:t>
+            </a:r>
+            <a:r>
+              <a:rPr lang="en-US" altLang="zh-TW" sz="4800" b="1" dirty="0">
+                <a:solidFill>
+                  <a:srgbClr val="000066"/>
+                </a:solidFill>
+                <a:latin typeface="微軟正黑體" pitchFamily="34" charset="-120"/>
+                <a:ea typeface="微軟正黑體" pitchFamily="34" charset="-120"/>
+              </a:rPr>
+              <a:t> </a:t>
+            </a:r>
+            <a:r>
+              <a:rPr lang="en-US" altLang="zh-TW" sz="4800" b="1" dirty="0" smtClean="0">
+                <a:solidFill>
+                  <a:srgbClr val="000066"/>
+                </a:solidFill>
+                <a:latin typeface="微軟正黑體" pitchFamily="34" charset="-120"/>
+                <a:ea typeface="微軟正黑體" pitchFamily="34" charset="-120"/>
+              </a:rPr>
+              <a:t> </a:t>
+            </a:r>
+            <a:r>
+              <a:rPr lang="zh-TW" altLang="en-US" sz="4800" b="1" dirty="0" smtClean="0">
+                <a:solidFill>
+                  <a:srgbClr val="000066"/>
+                </a:solidFill>
+                <a:latin typeface="微軟正黑體" pitchFamily="34" charset="-120"/>
+                <a:ea typeface="微軟正黑體" pitchFamily="34" charset="-120"/>
+              </a:rPr>
+              <a:t>我這生不變更</a:t>
+            </a:r>
+            <a:endParaRPr lang="en-US" altLang="zh-TW" sz="4800" b="1" dirty="0" smtClean="0">
+              <a:solidFill>
+                <a:srgbClr val="000066"/>
+              </a:solidFill>
+              <a:latin typeface="微軟正黑體" pitchFamily="34" charset="-120"/>
+              <a:ea typeface="微軟正黑體" pitchFamily="34" charset="-120"/>
+            </a:endParaRPr>
+          </a:p>
+          <a:p>
+            <a:pPr algn="ctr">
+              <a:buNone/>
+            </a:pPr>
+            <a:r>
+              <a:rPr lang="zh-TW" altLang="en-US" sz="4800" b="1" dirty="0" smtClean="0">
+                <a:solidFill>
+                  <a:srgbClr val="000066"/>
+                </a:solidFill>
+                <a:latin typeface="微軟正黑體" pitchFamily="34" charset="-120"/>
+                <a:ea typeface="微軟正黑體" pitchFamily="34" charset="-120"/>
+              </a:rPr>
+              <a:t>這世上永再沒有別人像你</a:t>
+            </a:r>
+            <a:endParaRPr lang="zh-TW" altLang="en-US" sz="4800" b="1" dirty="0">
+              <a:solidFill>
+                <a:srgbClr val="000066"/>
               </a:solidFill>
               <a:latin typeface="微軟正黑體" pitchFamily="34" charset="-120"/>
               <a:ea typeface="微軟正黑體" pitchFamily="34" charset="-120"/>
@@ -8887,6 +10520,13 @@
   <p:clrMapOvr>
     <a:masterClrMapping/>
   </p:clrMapOvr>
+  <p:timing>
+    <p:tnLst>
+      <p:par>
+        <p:cTn id="1" dur="indefinite" restart="never" nodeType="tmRoot"/>
+      </p:par>
+    </p:tnLst>
+  </p:timing>
 </p:sld>
 </file>
 
@@ -8909,7 +10549,7 @@
       </p:grpSpPr>
       <p:sp>
         <p:nvSpPr>
-          <p:cNvPr id="2" name="Title 1"/>
+          <p:cNvPr id="2" name="標題 1"/>
           <p:cNvSpPr>
             <a:spLocks noGrp="1"/>
           </p:cNvSpPr>
@@ -8918,270 +10558,156 @@
           </p:nvPr>
         </p:nvSpPr>
         <p:spPr/>
+        <p:txBody>
+          <a:bodyPr/>
+          <a:lstStyle/>
+          <a:p>
+            <a:r>
+              <a:rPr lang="zh-CN" altLang="en-US" b="1" dirty="0" smtClean="0">
+                <a:solidFill>
+                  <a:srgbClr val="000066"/>
+                </a:solidFill>
+                <a:latin typeface="微軟正黑體" pitchFamily="34" charset="-120"/>
+                <a:ea typeface="微軟正黑體" pitchFamily="34" charset="-120"/>
+              </a:rPr>
+              <a:t>獻上頌讚</a:t>
+            </a:r>
+            <a:endParaRPr lang="zh-TW" altLang="en-US" b="1" dirty="0">
+              <a:solidFill>
+                <a:srgbClr val="000066"/>
+              </a:solidFill>
+              <a:latin typeface="微軟正黑體" pitchFamily="34" charset="-120"/>
+              <a:ea typeface="微軟正黑體" pitchFamily="34" charset="-120"/>
+            </a:endParaRPr>
+          </a:p>
+        </p:txBody>
+      </p:sp>
+      <p:sp>
+        <p:nvSpPr>
+          <p:cNvPr id="3" name="內容版面配置區 2"/>
+          <p:cNvSpPr>
+            <a:spLocks noGrp="1"/>
+          </p:cNvSpPr>
+          <p:nvPr>
+            <p:ph idx="1"/>
+          </p:nvPr>
+        </p:nvSpPr>
+        <p:spPr>
+          <a:xfrm>
+            <a:off x="457200" y="1200150"/>
+            <a:ext cx="8229600" cy="3943350"/>
+          </a:xfrm>
+        </p:spPr>
         <p:txBody>
           <a:bodyPr>
             <a:noAutofit/>
           </a:bodyPr>
           <a:lstStyle/>
           <a:p>
-            <a:r>
-              <a:rPr lang="en-US" altLang="zh-TW" sz="5000" b="1" dirty="0" smtClean="0">
-                <a:solidFill>
-                  <a:srgbClr val="660033"/>
-                </a:solidFill>
-                <a:latin typeface="微軟正黑體" pitchFamily="34" charset="-120"/>
-                <a:ea typeface="微軟正黑體" pitchFamily="34" charset="-120"/>
-              </a:rPr>
-              <a:t/>
-            </a:r>
-            <a:br>
-              <a:rPr lang="en-US" altLang="zh-TW" sz="5000" b="1" dirty="0" smtClean="0">
-                <a:solidFill>
-                  <a:srgbClr val="660033"/>
-                </a:solidFill>
-                <a:latin typeface="微軟正黑體" pitchFamily="34" charset="-120"/>
-                <a:ea typeface="微軟正黑體" pitchFamily="34" charset="-120"/>
-              </a:rPr>
-            </a:br>
-            <a:r>
-              <a:rPr lang="zh-TW" altLang="en-US" sz="5000" b="1" dirty="0" smtClean="0">
-                <a:solidFill>
-                  <a:srgbClr val="660033"/>
-                </a:solidFill>
-                <a:latin typeface="微軟正黑體" pitchFamily="34" charset="-120"/>
-                <a:ea typeface="微軟正黑體" pitchFamily="34" charset="-120"/>
-              </a:rPr>
-              <a:t>主</a:t>
-            </a:r>
-            <a:r>
-              <a:rPr lang="zh-TW" altLang="en-US" sz="5000" b="1" dirty="0">
-                <a:solidFill>
-                  <a:srgbClr val="660033"/>
-                </a:solidFill>
-                <a:latin typeface="微軟正黑體" pitchFamily="34" charset="-120"/>
-                <a:ea typeface="微軟正黑體" pitchFamily="34" charset="-120"/>
-              </a:rPr>
-              <a:t>禱文</a:t>
-            </a:r>
-            <a:r>
-              <a:rPr lang="en-US" sz="5000" b="1" dirty="0">
-                <a:solidFill>
-                  <a:srgbClr val="660033"/>
-                </a:solidFill>
-                <a:latin typeface="微軟正黑體" pitchFamily="34" charset="-120"/>
-                <a:ea typeface="微軟正黑體" pitchFamily="34" charset="-120"/>
-              </a:rPr>
-              <a:t/>
-            </a:r>
-            <a:br>
-              <a:rPr lang="en-US" sz="5000" b="1" dirty="0">
-                <a:solidFill>
-                  <a:srgbClr val="660033"/>
-                </a:solidFill>
-                <a:latin typeface="微軟正黑體" pitchFamily="34" charset="-120"/>
-                <a:ea typeface="微軟正黑體" pitchFamily="34" charset="-120"/>
-              </a:rPr>
-            </a:br>
-            <a:endParaRPr lang="en-US" sz="5000" b="1" dirty="0">
-              <a:solidFill>
-                <a:srgbClr val="660033"/>
-              </a:solidFill>
-              <a:latin typeface="微軟正黑體" pitchFamily="34" charset="-120"/>
-              <a:ea typeface="微軟正黑體" pitchFamily="34" charset="-120"/>
-            </a:endParaRPr>
-          </a:p>
-        </p:txBody>
-      </p:sp>
-      <p:sp>
-        <p:nvSpPr>
-          <p:cNvPr id="3" name="Content Placeholder 2"/>
-          <p:cNvSpPr>
-            <a:spLocks noGrp="1"/>
-          </p:cNvSpPr>
-          <p:nvPr>
-            <p:ph idx="1"/>
-          </p:nvPr>
-        </p:nvSpPr>
-        <p:spPr/>
-        <p:txBody>
-          <a:bodyPr>
-            <a:noAutofit/>
-          </a:bodyPr>
-          <a:lstStyle/>
-          <a:p>
-            <a:pPr algn="ctr">
-              <a:buNone/>
-            </a:pPr>
-            <a:r>
-              <a:rPr lang="zh-TW" altLang="en-US" sz="5400" b="1" dirty="0" smtClean="0">
-                <a:solidFill>
-                  <a:srgbClr val="660033"/>
-                </a:solidFill>
-                <a:latin typeface="微軟正黑體" pitchFamily="34" charset="-120"/>
-                <a:ea typeface="微軟正黑體" pitchFamily="34" charset="-120"/>
-              </a:rPr>
-              <a:t>我們當天所需要的食物</a:t>
-            </a:r>
-            <a:endParaRPr lang="en-US" sz="5400" b="1" dirty="0" smtClean="0">
-              <a:solidFill>
-                <a:srgbClr val="660033"/>
-              </a:solidFill>
-              <a:latin typeface="微軟正黑體" pitchFamily="34" charset="-120"/>
-              <a:ea typeface="微軟正黑體" pitchFamily="34" charset="-120"/>
-            </a:endParaRPr>
-          </a:p>
-          <a:p>
-            <a:pPr algn="ctr">
-              <a:buNone/>
-            </a:pPr>
-            <a:r>
-              <a:rPr lang="zh-TW" altLang="en-US" sz="5400" b="1" dirty="0" smtClean="0">
-                <a:solidFill>
-                  <a:srgbClr val="660033"/>
-                </a:solidFill>
-                <a:latin typeface="微軟正黑體" pitchFamily="34" charset="-120"/>
-                <a:ea typeface="微軟正黑體" pitchFamily="34" charset="-120"/>
-              </a:rPr>
-              <a:t>求祢賜給我們</a:t>
-            </a:r>
-            <a:endParaRPr lang="en-US" sz="5400" b="1" dirty="0" smtClean="0">
-              <a:solidFill>
-                <a:srgbClr val="660033"/>
-              </a:solidFill>
-              <a:latin typeface="微軟正黑體" pitchFamily="34" charset="-120"/>
-              <a:ea typeface="微軟正黑體" pitchFamily="34" charset="-120"/>
-            </a:endParaRPr>
-          </a:p>
-          <a:p>
-            <a:pPr algn="ctr">
-              <a:buNone/>
-            </a:pPr>
-            <a:r>
-              <a:rPr lang="zh-TW" altLang="en-US" sz="5400" b="1" dirty="0" smtClean="0">
-                <a:solidFill>
-                  <a:srgbClr val="660033"/>
-                </a:solidFill>
-                <a:latin typeface="微軟正黑體" pitchFamily="34" charset="-120"/>
-                <a:ea typeface="微軟正黑體" pitchFamily="34" charset="-120"/>
-              </a:rPr>
-              <a:t>免我們的債</a:t>
-            </a:r>
-            <a:endParaRPr lang="en-US" sz="5400" b="1" dirty="0" smtClean="0">
-              <a:solidFill>
-                <a:srgbClr val="660033"/>
-              </a:solidFill>
-              <a:latin typeface="微軟正黑體" pitchFamily="34" charset="-120"/>
-              <a:ea typeface="微軟正黑體" pitchFamily="34" charset="-120"/>
-            </a:endParaRPr>
-          </a:p>
-          <a:p>
-            <a:pPr algn="ctr">
-              <a:buNone/>
-            </a:pPr>
-            <a:r>
-              <a:rPr lang="zh-TW" altLang="en-US" sz="5400" b="1" dirty="0" smtClean="0">
-                <a:solidFill>
-                  <a:srgbClr val="660033"/>
-                </a:solidFill>
-                <a:latin typeface="微軟正黑體" pitchFamily="34" charset="-120"/>
-                <a:ea typeface="微軟正黑體" pitchFamily="34" charset="-120"/>
-              </a:rPr>
-              <a:t>如同我們免去人的債</a:t>
-            </a:r>
-            <a:endParaRPr lang="en-US" altLang="zh-TW" sz="5400" b="1" dirty="0" smtClean="0">
-              <a:solidFill>
-                <a:srgbClr val="660033"/>
-              </a:solidFill>
-              <a:latin typeface="微軟正黑體" pitchFamily="34" charset="-120"/>
-              <a:ea typeface="微軟正黑體" pitchFamily="34" charset="-120"/>
-            </a:endParaRPr>
-          </a:p>
-          <a:p>
-            <a:pPr algn="ctr">
-              <a:buNone/>
-            </a:pPr>
-            <a:endParaRPr lang="en-US" sz="2800" b="1" dirty="0" smtClean="0">
-              <a:solidFill>
-                <a:srgbClr val="660033"/>
-              </a:solidFill>
-              <a:latin typeface="微軟正黑體" pitchFamily="34" charset="-120"/>
-              <a:ea typeface="微軟正黑體" pitchFamily="34" charset="-120"/>
-            </a:endParaRPr>
-          </a:p>
-          <a:p>
-            <a:pPr algn="ctr">
-              <a:buNone/>
-            </a:pPr>
-            <a:r>
-              <a:rPr lang="en-US" sz="2800" b="1" dirty="0" smtClean="0">
-                <a:solidFill>
-                  <a:srgbClr val="660033"/>
-                </a:solidFill>
-                <a:latin typeface="微軟正黑體" pitchFamily="34" charset="-120"/>
-                <a:ea typeface="微軟正黑體" pitchFamily="34" charset="-120"/>
-              </a:rPr>
-              <a:t>[Chorus]</a:t>
-            </a:r>
-            <a:r>
-              <a:rPr lang="en-US" sz="5400" b="1" dirty="0" smtClean="0">
-                <a:solidFill>
-                  <a:srgbClr val="660033"/>
-                </a:solidFill>
-                <a:latin typeface="微軟正黑體" pitchFamily="34" charset="-120"/>
-                <a:ea typeface="微軟正黑體" pitchFamily="34" charset="-120"/>
-              </a:rPr>
-              <a:t/>
-            </a:r>
-            <a:br>
-              <a:rPr lang="en-US" sz="5400" b="1" dirty="0" smtClean="0">
-                <a:solidFill>
-                  <a:srgbClr val="660033"/>
-                </a:solidFill>
-                <a:latin typeface="微軟正黑體" pitchFamily="34" charset="-120"/>
-                <a:ea typeface="微軟正黑體" pitchFamily="34" charset="-120"/>
-              </a:rPr>
-            </a:br>
-            <a:r>
-              <a:rPr lang="en-US" sz="5400" b="1" dirty="0">
-                <a:solidFill>
-                  <a:srgbClr val="660033"/>
-                </a:solidFill>
-                <a:latin typeface="微軟正黑體" pitchFamily="34" charset="-120"/>
-                <a:ea typeface="微軟正黑體" pitchFamily="34" charset="-120"/>
-              </a:rPr>
-              <a:t/>
-            </a:r>
-            <a:br>
-              <a:rPr lang="en-US" sz="5400" b="1" dirty="0">
-                <a:solidFill>
-                  <a:srgbClr val="660033"/>
-                </a:solidFill>
-                <a:latin typeface="微軟正黑體" pitchFamily="34" charset="-120"/>
-                <a:ea typeface="微軟正黑體" pitchFamily="34" charset="-120"/>
-              </a:rPr>
-            </a:br>
-            <a:r>
-              <a:rPr lang="en-US" sz="1600" b="1" dirty="0">
-                <a:solidFill>
-                  <a:srgbClr val="660033"/>
-                </a:solidFill>
-                <a:latin typeface="微軟正黑體" pitchFamily="34" charset="-120"/>
-                <a:ea typeface="微軟正黑體" pitchFamily="34" charset="-120"/>
-              </a:rPr>
-              <a:t/>
-            </a:r>
-            <a:br>
-              <a:rPr lang="en-US" sz="1600" b="1" dirty="0">
-                <a:solidFill>
-                  <a:srgbClr val="660033"/>
-                </a:solidFill>
-                <a:latin typeface="微軟正黑體" pitchFamily="34" charset="-120"/>
-                <a:ea typeface="微軟正黑體" pitchFamily="34" charset="-120"/>
-              </a:rPr>
-            </a:br>
-            <a:endParaRPr lang="en-US" sz="1600" b="1" dirty="0">
-              <a:solidFill>
-                <a:srgbClr val="660033"/>
+            <a:pPr algn="ctr">
+              <a:buNone/>
+            </a:pPr>
+            <a:r>
+              <a:rPr lang="zh-TW" altLang="en-US" sz="4400" b="1" dirty="0" smtClean="0">
+                <a:solidFill>
+                  <a:srgbClr val="000066"/>
+                </a:solidFill>
+                <a:latin typeface="微軟正黑體" pitchFamily="34" charset="-120"/>
+                <a:ea typeface="微軟正黑體" pitchFamily="34" charset="-120"/>
+              </a:rPr>
+              <a:t>獻上頌讚  要吶喊</a:t>
+            </a:r>
+            <a:endParaRPr lang="en-US" altLang="zh-TW" sz="4400" b="1" dirty="0" smtClean="0">
+              <a:solidFill>
+                <a:srgbClr val="000066"/>
+              </a:solidFill>
+              <a:latin typeface="微軟正黑體" pitchFamily="34" charset="-120"/>
+              <a:ea typeface="微軟正黑體" pitchFamily="34" charset="-120"/>
+            </a:endParaRPr>
+          </a:p>
+          <a:p>
+            <a:pPr algn="ctr">
+              <a:buNone/>
+            </a:pPr>
+            <a:r>
+              <a:rPr lang="zh-TW" altLang="en-US" sz="4400" b="1" dirty="0" smtClean="0">
+                <a:solidFill>
+                  <a:srgbClr val="000066"/>
+                </a:solidFill>
+                <a:latin typeface="微軟正黑體" pitchFamily="34" charset="-120"/>
+                <a:ea typeface="微軟正黑體" pitchFamily="34" charset="-120"/>
+              </a:rPr>
+              <a:t>要頌揚  各處頌讚</a:t>
+            </a:r>
+            <a:endParaRPr lang="en-US" altLang="zh-TW" sz="4400" b="1" dirty="0" smtClean="0">
+              <a:solidFill>
+                <a:srgbClr val="000066"/>
+              </a:solidFill>
+              <a:latin typeface="微軟正黑體" pitchFamily="34" charset="-120"/>
+              <a:ea typeface="微軟正黑體" pitchFamily="34" charset="-120"/>
+            </a:endParaRPr>
+          </a:p>
+          <a:p>
+            <a:pPr algn="ctr">
+              <a:buNone/>
+            </a:pPr>
+            <a:r>
+              <a:rPr lang="zh-TW" altLang="en-US" sz="4400" b="1" dirty="0" smtClean="0">
+                <a:solidFill>
+                  <a:srgbClr val="000066"/>
+                </a:solidFill>
+                <a:latin typeface="微軟正黑體" pitchFamily="34" charset="-120"/>
+                <a:ea typeface="微軟正黑體" pitchFamily="34" charset="-120"/>
+              </a:rPr>
+              <a:t>眾山歡呼拍掌 </a:t>
+            </a:r>
+            <a:endParaRPr lang="en-US" altLang="zh-TW" sz="4400" b="1" dirty="0" smtClean="0">
+              <a:solidFill>
+                <a:srgbClr val="000066"/>
+              </a:solidFill>
+              <a:latin typeface="微軟正黑體" pitchFamily="34" charset="-120"/>
+              <a:ea typeface="微軟正黑體" pitchFamily="34" charset="-120"/>
+            </a:endParaRPr>
+          </a:p>
+          <a:p>
+            <a:pPr algn="ctr">
+              <a:buNone/>
+            </a:pPr>
+            <a:r>
+              <a:rPr lang="zh-TW" altLang="en-US" sz="4400" b="1" dirty="0" smtClean="0">
+                <a:solidFill>
+                  <a:srgbClr val="000066"/>
+                </a:solidFill>
+                <a:latin typeface="微軟正黑體" pitchFamily="34" charset="-120"/>
+                <a:ea typeface="微軟正黑體" pitchFamily="34" charset="-120"/>
+              </a:rPr>
+              <a:t>遍野萬里也和應叫嚷</a:t>
+            </a:r>
+            <a:endParaRPr lang="en-US" altLang="zh-TW" sz="4400" b="1" dirty="0" smtClean="0">
+              <a:solidFill>
+                <a:srgbClr val="000066"/>
+              </a:solidFill>
+              <a:latin typeface="微軟正黑體" pitchFamily="34" charset="-120"/>
+              <a:ea typeface="微軟正黑體" pitchFamily="34" charset="-120"/>
+            </a:endParaRPr>
+          </a:p>
+          <a:p>
+            <a:pPr algn="ctr">
+              <a:buNone/>
+            </a:pPr>
+            <a:r>
+              <a:rPr lang="zh-TW" altLang="en-US" sz="4400" b="1" dirty="0" smtClean="0">
+                <a:solidFill>
+                  <a:srgbClr val="000066"/>
+                </a:solidFill>
+                <a:latin typeface="微軟正黑體" pitchFamily="34" charset="-120"/>
+                <a:ea typeface="微軟正黑體" pitchFamily="34" charset="-120"/>
+              </a:rPr>
+              <a:t> 與眾海呼喊  傳揚上主</a:t>
+            </a:r>
+            <a:endParaRPr lang="zh-TW" altLang="en-US" sz="4400" b="1" dirty="0">
+              <a:solidFill>
+                <a:srgbClr val="000066"/>
               </a:solidFill>
               <a:latin typeface="微軟正黑體" pitchFamily="34" charset="-120"/>
               <a:ea typeface="微軟正黑體" pitchFamily="34" charset="-120"/>
@@ -9194,6 +10720,13 @@
   <p:clrMapOvr>
     <a:masterClrMapping/>
   </p:clrMapOvr>
+  <p:timing>
+    <p:tnLst>
+      <p:par>
+        <p:cTn id="1" dur="indefinite" restart="never" nodeType="tmRoot"/>
+      </p:par>
+    </p:tnLst>
+  </p:timing>
 </p:sld>
 </file>
 
@@ -9478,4 +11011,133 @@
   <a:objectDefaults/>
   <a:extraClrSchemeLst/>
 </a:theme>
+</file>
+
+<file path=ppt/theme/themeOverride1.xml><?xml version="1.0" encoding="utf-8"?>
+<a:themeOverride xmlns:a="http://schemas.openxmlformats.org/drawingml/2006/main">
+  <a:clrScheme name="Office">
+    <a:dk1>
+      <a:sysClr val="windowText" lastClr="000000"/>
+    </a:dk1>
+    <a:lt1>
+      <a:sysClr val="window" lastClr="FFFFFF"/>
+    </a:lt1>
+    <a:dk2>
+      <a:srgbClr val="1F497D"/>
+    </a:dk2>
+    <a:lt2>
+      <a:srgbClr val="EEECE1"/>
+    </a:lt2>
+    <a:accent1>
+      <a:srgbClr val="4F81BD"/>
+    </a:accent1>
+    <a:accent2>
+      <a:srgbClr val="C0504D"/>
+    </a:accent2>
+    <a:accent3>
+      <a:srgbClr val="9BBB59"/>
+    </a:accent3>
+    <a:accent4>
+      <a:srgbClr val="8064A2"/>
+    </a:accent4>
+    <a:accent5>
+      <a:srgbClr val="4BACC6"/>
+    </a:accent5>
+    <a:accent6>
+      <a:srgbClr val="F79646"/>
+    </a:accent6>
+    <a:hlink>
+      <a:srgbClr val="0000FF"/>
+    </a:hlink>
+    <a:folHlink>
+      <a:srgbClr val="800080"/>
+    </a:folHlink>
+  </a:clrScheme>
+</a:themeOverride>
+</file>
+
+<file path=ppt/theme/themeOverride2.xml><?xml version="1.0" encoding="utf-8"?>
+<a:themeOverride xmlns:a="http://schemas.openxmlformats.org/drawingml/2006/main">
+  <a:clrScheme name="Office">
+    <a:dk1>
+      <a:sysClr val="windowText" lastClr="000000"/>
+    </a:dk1>
+    <a:lt1>
+      <a:sysClr val="window" lastClr="FFFFFF"/>
+    </a:lt1>
+    <a:dk2>
+      <a:srgbClr val="1F497D"/>
+    </a:dk2>
+    <a:lt2>
+      <a:srgbClr val="EEECE1"/>
+    </a:lt2>
+    <a:accent1>
+      <a:srgbClr val="4F81BD"/>
+    </a:accent1>
+    <a:accent2>
+      <a:srgbClr val="C0504D"/>
+    </a:accent2>
+    <a:accent3>
+      <a:srgbClr val="9BBB59"/>
+    </a:accent3>
+    <a:accent4>
+      <a:srgbClr val="8064A2"/>
+    </a:accent4>
+    <a:accent5>
+      <a:srgbClr val="4BACC6"/>
+    </a:accent5>
+    <a:accent6>
+      <a:srgbClr val="F79646"/>
+    </a:accent6>
+    <a:hlink>
+      <a:srgbClr val="0000FF"/>
+    </a:hlink>
+    <a:folHlink>
+      <a:srgbClr val="800080"/>
+    </a:folHlink>
+  </a:clrScheme>
+</a:themeOverride>
+</file>
+
+<file path=ppt/theme/themeOverride3.xml><?xml version="1.0" encoding="utf-8"?>
+<a:themeOverride xmlns:a="http://schemas.openxmlformats.org/drawingml/2006/main">
+  <a:clrScheme name="Office">
+    <a:dk1>
+      <a:sysClr val="windowText" lastClr="000000"/>
+    </a:dk1>
+    <a:lt1>
+      <a:sysClr val="window" lastClr="FFFFFF"/>
+    </a:lt1>
+    <a:dk2>
+      <a:srgbClr val="1F497D"/>
+    </a:dk2>
+    <a:lt2>
+      <a:srgbClr val="EEECE1"/>
+    </a:lt2>
+    <a:accent1>
+      <a:srgbClr val="4F81BD"/>
+    </a:accent1>
+    <a:accent2>
+      <a:srgbClr val="C0504D"/>
+    </a:accent2>
+    <a:accent3>
+      <a:srgbClr val="9BBB59"/>
+    </a:accent3>
+    <a:accent4>
+      <a:srgbClr val="8064A2"/>
+    </a:accent4>
+    <a:accent5>
+      <a:srgbClr val="4BACC6"/>
+    </a:accent5>
+    <a:accent6>
+      <a:srgbClr val="F79646"/>
+    </a:accent6>
+    <a:hlink>
+      <a:srgbClr val="0000FF"/>
+    </a:hlink>
+    <a:folHlink>
+      <a:srgbClr val="800080"/>
+    </a:folHlink>
+  </a:clrScheme>
+</a:themeOverride>
 </file>